--- a/final_presentation.pptx
+++ b/final_presentation.pptx
@@ -1,45 +1,36 @@
 
 <file path=ppt/presentation.xml><?xml version="1.0" encoding="utf-8"?>
-<p:presentation xmlns:a="http://schemas.openxmlformats.org/drawingml/2006/main" xmlns:r="http://schemas.openxmlformats.org/officeDocument/2006/relationships" xmlns:mc="http://schemas.openxmlformats.org/markup-compatibility/2006" xmlns:mv="urn:schemas-microsoft-com:mac:vml" xmlns:p="http://schemas.openxmlformats.org/presentationml/2006/main" xmlns:c="http://schemas.openxmlformats.org/drawingml/2006/chart" xmlns:dgm="http://schemas.openxmlformats.org/drawingml/2006/diagram" xmlns:o="urn:schemas-microsoft-com:office:office" xmlns:v="urn:schemas-microsoft-com:vml" xmlns:pvml="urn:schemas-microsoft-com:office:powerpoint" xmlns:com="http://schemas.openxmlformats.org/drawingml/2006/compatibility" xmlns:p14="http://schemas.microsoft.com/office/powerpoint/2010/main" xmlns:p15="http://schemas.microsoft.com/office/powerpoint/2012/main" autoCompressPictures="0" embedTrueTypeFonts="1" strictFirstAndLastChars="0" saveSubsetFonts="1">
+<p:presentation xmlns:a="http://schemas.openxmlformats.org/drawingml/2006/main" xmlns:r="http://schemas.openxmlformats.org/officeDocument/2006/relationships" xmlns:p="http://schemas.openxmlformats.org/presentationml/2006/main" strictFirstAndLastChars="0" saveSubsetFonts="1" autoCompressPictures="0">
   <p:sldMasterIdLst>
-    <p:sldMasterId id="2147483659" r:id="rId4"/>
+    <p:sldMasterId id="2147483659" r:id="rId1"/>
   </p:sldMasterIdLst>
   <p:notesMasterIdLst>
-    <p:notesMasterId r:id="rId5"/>
+    <p:notesMasterId r:id="rId20"/>
   </p:notesMasterIdLst>
   <p:sldIdLst>
-    <p:sldId id="256" r:id="rId6"/>
-    <p:sldId id="257" r:id="rId7"/>
-    <p:sldId id="258" r:id="rId8"/>
-    <p:sldId id="259" r:id="rId9"/>
-    <p:sldId id="260" r:id="rId10"/>
-    <p:sldId id="261" r:id="rId11"/>
-    <p:sldId id="262" r:id="rId12"/>
-    <p:sldId id="263" r:id="rId13"/>
-    <p:sldId id="264" r:id="rId14"/>
-    <p:sldId id="265" r:id="rId15"/>
-    <p:sldId id="266" r:id="rId16"/>
-    <p:sldId id="267" r:id="rId17"/>
-    <p:sldId id="268" r:id="rId18"/>
-    <p:sldId id="269" r:id="rId19"/>
-    <p:sldId id="270" r:id="rId20"/>
-    <p:sldId id="271" r:id="rId21"/>
-    <p:sldId id="272" r:id="rId22"/>
-    <p:sldId id="273" r:id="rId23"/>
+    <p:sldId id="256" r:id="rId2"/>
+    <p:sldId id="257" r:id="rId3"/>
+    <p:sldId id="258" r:id="rId4"/>
+    <p:sldId id="259" r:id="rId5"/>
+    <p:sldId id="260" r:id="rId6"/>
+    <p:sldId id="261" r:id="rId7"/>
+    <p:sldId id="262" r:id="rId8"/>
+    <p:sldId id="263" r:id="rId9"/>
+    <p:sldId id="264" r:id="rId10"/>
+    <p:sldId id="265" r:id="rId11"/>
+    <p:sldId id="266" r:id="rId12"/>
+    <p:sldId id="267" r:id="rId13"/>
+    <p:sldId id="268" r:id="rId14"/>
+    <p:sldId id="269" r:id="rId15"/>
+    <p:sldId id="270" r:id="rId16"/>
+    <p:sldId id="271" r:id="rId17"/>
+    <p:sldId id="272" r:id="rId18"/>
+    <p:sldId id="273" r:id="rId19"/>
   </p:sldIdLst>
-  <p:sldSz cy="5143500" cx="9144000"/>
+  <p:sldSz cx="9144000" cy="5143500" type="screen16x9"/>
   <p:notesSz cx="6858000" cy="9144000"/>
-  <p:embeddedFontLst>
-    <p:embeddedFont>
-      <p:font typeface="Roboto"/>
-      <p:regular r:id="rId24"/>
-      <p:bold r:id="rId25"/>
-      <p:italic r:id="rId26"/>
-      <p:boldItalic r:id="rId27"/>
-    </p:embeddedFont>
-  </p:embeddedFontLst>
   <p:defaultTextStyle>
-    <a:defPPr lvl="0" marR="0" rtl="0" algn="l">
+    <a:defPPr marR="0" lvl="0" algn="l" rtl="0">
       <a:lnSpc>
         <a:spcPct val="100000"/>
       </a:lnSpc>
@@ -50,7 +41,7 @@
         <a:spcPts val="0"/>
       </a:spcAft>
     </a:defPPr>
-    <a:lvl1pPr lvl="0" marR="0" rtl="0" algn="l">
+    <a:lvl1pPr marR="0" lvl="0" algn="l" rtl="0">
       <a:lnSpc>
         <a:spcPct val="100000"/>
       </a:lnSpc>
@@ -64,7 +55,7 @@
         <a:srgbClr val="000000"/>
       </a:buClr>
       <a:buFont typeface="Arial"/>
-      <a:defRPr b="0" i="0" sz="1400" u="none" cap="none" strike="noStrike">
+      <a:defRPr sz="1400" b="0" i="0" u="none" strike="noStrike" cap="none">
         <a:solidFill>
           <a:srgbClr val="000000"/>
         </a:solidFill>
@@ -74,7 +65,7 @@
         <a:sym typeface="Arial"/>
       </a:defRPr>
     </a:lvl1pPr>
-    <a:lvl2pPr lvl="1" marR="0" rtl="0" algn="l">
+    <a:lvl2pPr marR="0" lvl="1" algn="l" rtl="0">
       <a:lnSpc>
         <a:spcPct val="100000"/>
       </a:lnSpc>
@@ -88,7 +79,7 @@
         <a:srgbClr val="000000"/>
       </a:buClr>
       <a:buFont typeface="Arial"/>
-      <a:defRPr b="0" i="0" sz="1400" u="none" cap="none" strike="noStrike">
+      <a:defRPr sz="1400" b="0" i="0" u="none" strike="noStrike" cap="none">
         <a:solidFill>
           <a:srgbClr val="000000"/>
         </a:solidFill>
@@ -98,7 +89,7 @@
         <a:sym typeface="Arial"/>
       </a:defRPr>
     </a:lvl2pPr>
-    <a:lvl3pPr lvl="2" marR="0" rtl="0" algn="l">
+    <a:lvl3pPr marR="0" lvl="2" algn="l" rtl="0">
       <a:lnSpc>
         <a:spcPct val="100000"/>
       </a:lnSpc>
@@ -112,7 +103,7 @@
         <a:srgbClr val="000000"/>
       </a:buClr>
       <a:buFont typeface="Arial"/>
-      <a:defRPr b="0" i="0" sz="1400" u="none" cap="none" strike="noStrike">
+      <a:defRPr sz="1400" b="0" i="0" u="none" strike="noStrike" cap="none">
         <a:solidFill>
           <a:srgbClr val="000000"/>
         </a:solidFill>
@@ -122,7 +113,7 @@
         <a:sym typeface="Arial"/>
       </a:defRPr>
     </a:lvl3pPr>
-    <a:lvl4pPr lvl="3" marR="0" rtl="0" algn="l">
+    <a:lvl4pPr marR="0" lvl="3" algn="l" rtl="0">
       <a:lnSpc>
         <a:spcPct val="100000"/>
       </a:lnSpc>
@@ -136,7 +127,7 @@
         <a:srgbClr val="000000"/>
       </a:buClr>
       <a:buFont typeface="Arial"/>
-      <a:defRPr b="0" i="0" sz="1400" u="none" cap="none" strike="noStrike">
+      <a:defRPr sz="1400" b="0" i="0" u="none" strike="noStrike" cap="none">
         <a:solidFill>
           <a:srgbClr val="000000"/>
         </a:solidFill>
@@ -146,7 +137,7 @@
         <a:sym typeface="Arial"/>
       </a:defRPr>
     </a:lvl4pPr>
-    <a:lvl5pPr lvl="4" marR="0" rtl="0" algn="l">
+    <a:lvl5pPr marR="0" lvl="4" algn="l" rtl="0">
       <a:lnSpc>
         <a:spcPct val="100000"/>
       </a:lnSpc>
@@ -160,7 +151,7 @@
         <a:srgbClr val="000000"/>
       </a:buClr>
       <a:buFont typeface="Arial"/>
-      <a:defRPr b="0" i="0" sz="1400" u="none" cap="none" strike="noStrike">
+      <a:defRPr sz="1400" b="0" i="0" u="none" strike="noStrike" cap="none">
         <a:solidFill>
           <a:srgbClr val="000000"/>
         </a:solidFill>
@@ -170,7 +161,7 @@
         <a:sym typeface="Arial"/>
       </a:defRPr>
     </a:lvl5pPr>
-    <a:lvl6pPr lvl="5" marR="0" rtl="0" algn="l">
+    <a:lvl6pPr marR="0" lvl="5" algn="l" rtl="0">
       <a:lnSpc>
         <a:spcPct val="100000"/>
       </a:lnSpc>
@@ -184,7 +175,7 @@
         <a:srgbClr val="000000"/>
       </a:buClr>
       <a:buFont typeface="Arial"/>
-      <a:defRPr b="0" i="0" sz="1400" u="none" cap="none" strike="noStrike">
+      <a:defRPr sz="1400" b="0" i="0" u="none" strike="noStrike" cap="none">
         <a:solidFill>
           <a:srgbClr val="000000"/>
         </a:solidFill>
@@ -194,7 +185,7 @@
         <a:sym typeface="Arial"/>
       </a:defRPr>
     </a:lvl6pPr>
-    <a:lvl7pPr lvl="6" marR="0" rtl="0" algn="l">
+    <a:lvl7pPr marR="0" lvl="6" algn="l" rtl="0">
       <a:lnSpc>
         <a:spcPct val="100000"/>
       </a:lnSpc>
@@ -208,7 +199,7 @@
         <a:srgbClr val="000000"/>
       </a:buClr>
       <a:buFont typeface="Arial"/>
-      <a:defRPr b="0" i="0" sz="1400" u="none" cap="none" strike="noStrike">
+      <a:defRPr sz="1400" b="0" i="0" u="none" strike="noStrike" cap="none">
         <a:solidFill>
           <a:srgbClr val="000000"/>
         </a:solidFill>
@@ -218,7 +209,7 @@
         <a:sym typeface="Arial"/>
       </a:defRPr>
     </a:lvl7pPr>
-    <a:lvl8pPr lvl="7" marR="0" rtl="0" algn="l">
+    <a:lvl8pPr marR="0" lvl="7" algn="l" rtl="0">
       <a:lnSpc>
         <a:spcPct val="100000"/>
       </a:lnSpc>
@@ -232,7 +223,7 @@
         <a:srgbClr val="000000"/>
       </a:buClr>
       <a:buFont typeface="Arial"/>
-      <a:defRPr b="0" i="0" sz="1400" u="none" cap="none" strike="noStrike">
+      <a:defRPr sz="1400" b="0" i="0" u="none" strike="noStrike" cap="none">
         <a:solidFill>
           <a:srgbClr val="000000"/>
         </a:solidFill>
@@ -242,7 +233,7 @@
         <a:sym typeface="Arial"/>
       </a:defRPr>
     </a:lvl8pPr>
-    <a:lvl9pPr lvl="8" marR="0" rtl="0" algn="l">
+    <a:lvl9pPr marR="0" lvl="8" algn="l" rtl="0">
       <a:lnSpc>
         <a:spcPct val="100000"/>
       </a:lnSpc>
@@ -256,7 +247,7 @@
         <a:srgbClr val="000000"/>
       </a:buClr>
       <a:buFont typeface="Arial"/>
-      <a:defRPr b="0" i="0" sz="1400" u="none" cap="none" strike="noStrike">
+      <a:defRPr sz="1400" b="0" i="0" u="none" strike="noStrike" cap="none">
         <a:solidFill>
           <a:srgbClr val="000000"/>
         </a:solidFill>
@@ -269,7 +260,7 @@
   </p:defaultTextStyle>
   <p:extLst>
     <p:ext uri="{EFAFB233-063F-42B5-8137-9DF3F51BA10A}">
-      <p15:sldGuideLst>
+      <p15:sldGuideLst xmlns:p15="http://schemas.microsoft.com/office/powerpoint/2012/main">
         <p15:guide id="1" orient="horz" pos="1620">
           <p15:clr>
             <a:srgbClr val="A4A3A4"/>
@@ -287,11 +278,16 @@
 </file>
 
 <file path=ppt/notesMasters/notesMaster1.xml><?xml version="1.0" encoding="utf-8"?>
-<p:notesMaster xmlns:a="http://schemas.openxmlformats.org/drawingml/2006/main" xmlns:r="http://schemas.openxmlformats.org/officeDocument/2006/relationships" xmlns:mc="http://schemas.openxmlformats.org/markup-compatibility/2006" xmlns:mv="urn:schemas-microsoft-com:mac:vml" xmlns:p="http://schemas.openxmlformats.org/presentationml/2006/main" xmlns:c="http://schemas.openxmlformats.org/drawingml/2006/chart" xmlns:dgm="http://schemas.openxmlformats.org/drawingml/2006/diagram" xmlns:o="urn:schemas-microsoft-com:office:office" xmlns:v="urn:schemas-microsoft-com:vml" xmlns:pvml="urn:schemas-microsoft-com:office:powerpoint" xmlns:com="http://schemas.openxmlformats.org/drawingml/2006/compatibility" xmlns:p14="http://schemas.microsoft.com/office/powerpoint/2010/main" xmlns:p15="http://schemas.microsoft.com/office/powerpoint/2012/main">
+<p:notesMaster xmlns:a="http://schemas.openxmlformats.org/drawingml/2006/main" xmlns:r="http://schemas.openxmlformats.org/officeDocument/2006/relationships" xmlns:p="http://schemas.openxmlformats.org/presentationml/2006/main">
   <p:cSld>
+    <p:bg>
+      <p:bgRef idx="1001">
+        <a:schemeClr val="bg1"/>
+      </p:bgRef>
+    </p:bg>
     <p:spTree>
       <p:nvGrpSpPr>
-        <p:cNvPr id="2" name="Shape 2"/>
+        <p:cNvPr id="1" name="Shape 2"/>
         <p:cNvGrpSpPr/>
         <p:nvPr/>
       </p:nvGrpSpPr>
@@ -306,9 +302,11 @@
       <p:sp>
         <p:nvSpPr>
           <p:cNvPr id="3" name="Google Shape;3;n"/>
-          <p:cNvSpPr/>
+          <p:cNvSpPr>
+            <a:spLocks noGrp="1" noRot="1" noChangeAspect="1"/>
+          </p:cNvSpPr>
           <p:nvPr>
-            <p:ph idx="2" type="sldImg"/>
+            <p:ph type="sldImg" idx="2"/>
           </p:nvPr>
         </p:nvSpPr>
         <p:spPr>
@@ -317,9 +315,13 @@
             <a:ext cx="6096075" cy="3429000"/>
           </a:xfrm>
           <a:custGeom>
-            <a:rect b="b" l="l" r="r" t="t"/>
+            <a:avLst/>
+            <a:gdLst/>
+            <a:ahLst/>
+            <a:cxnLst/>
+            <a:rect l="l" t="t" r="r" b="b"/>
             <a:pathLst>
-              <a:path extrusionOk="0" h="120000" w="120000">
+              <a:path w="120000" h="120000" extrusionOk="0">
                 <a:moveTo>
                   <a:pt x="0" y="0"/>
                 </a:moveTo>
@@ -337,23 +339,25 @@
             </a:pathLst>
           </a:custGeom>
           <a:noFill/>
-          <a:ln cap="flat" cmpd="sng" w="9525">
+          <a:ln w="9525" cap="flat" cmpd="sng">
             <a:solidFill>
               <a:srgbClr val="000000"/>
             </a:solidFill>
             <a:prstDash val="solid"/>
             <a:round/>
-            <a:headEnd len="sm" w="sm" type="none"/>
-            <a:tailEnd len="sm" w="sm" type="none"/>
+            <a:headEnd type="none" w="sm" len="sm"/>
+            <a:tailEnd type="none" w="sm" len="sm"/>
           </a:ln>
         </p:spPr>
       </p:sp>
       <p:sp>
         <p:nvSpPr>
           <p:cNvPr id="4" name="Google Shape;4;n"/>
-          <p:cNvSpPr txBox="1"/>
+          <p:cNvSpPr txBox="1">
+            <a:spLocks noGrp="1"/>
+          </p:cNvSpPr>
           <p:nvPr>
-            <p:ph idx="1" type="body"/>
+            <p:ph type="body" idx="1"/>
           </p:nvPr>
         </p:nvSpPr>
         <p:spPr>
@@ -370,11 +374,11 @@
           </a:ln>
         </p:spPr>
         <p:txBody>
-          <a:bodyPr anchorCtr="0" anchor="t" bIns="91425" lIns="91425" spcFirstLastPara="1" rIns="91425" wrap="square" tIns="91425">
+          <a:bodyPr spcFirstLastPara="1" wrap="square" lIns="91425" tIns="91425" rIns="91425" bIns="91425" anchor="t" anchorCtr="0">
             <a:noAutofit/>
           </a:bodyPr>
           <a:lstStyle>
-            <a:lvl1pPr indent="-317500" lvl="0" marL="457200">
+            <a:lvl1pPr marL="457200" lvl="0" indent="-317500">
               <a:spcBef>
                 <a:spcPts val="0"/>
               </a:spcBef>
@@ -385,7 +389,7 @@
               <a:buChar char="●"/>
               <a:defRPr sz="1100"/>
             </a:lvl1pPr>
-            <a:lvl2pPr indent="-317500" lvl="1" marL="914400">
+            <a:lvl2pPr marL="914400" lvl="1" indent="-317500">
               <a:spcBef>
                 <a:spcPts val="0"/>
               </a:spcBef>
@@ -396,7 +400,7 @@
               <a:buChar char="○"/>
               <a:defRPr sz="1100"/>
             </a:lvl2pPr>
-            <a:lvl3pPr indent="-317500" lvl="2" marL="1371600">
+            <a:lvl3pPr marL="1371600" lvl="2" indent="-317500">
               <a:spcBef>
                 <a:spcPts val="0"/>
               </a:spcBef>
@@ -407,7 +411,7 @@
               <a:buChar char="■"/>
               <a:defRPr sz="1100"/>
             </a:lvl3pPr>
-            <a:lvl4pPr indent="-317500" lvl="3" marL="1828800">
+            <a:lvl4pPr marL="1828800" lvl="3" indent="-317500">
               <a:spcBef>
                 <a:spcPts val="0"/>
               </a:spcBef>
@@ -418,7 +422,7 @@
               <a:buChar char="●"/>
               <a:defRPr sz="1100"/>
             </a:lvl4pPr>
-            <a:lvl5pPr indent="-317500" lvl="4" marL="2286000">
+            <a:lvl5pPr marL="2286000" lvl="4" indent="-317500">
               <a:spcBef>
                 <a:spcPts val="0"/>
               </a:spcBef>
@@ -429,7 +433,7 @@
               <a:buChar char="○"/>
               <a:defRPr sz="1100"/>
             </a:lvl5pPr>
-            <a:lvl6pPr indent="-317500" lvl="5" marL="2743200">
+            <a:lvl6pPr marL="2743200" lvl="5" indent="-317500">
               <a:spcBef>
                 <a:spcPts val="0"/>
               </a:spcBef>
@@ -440,7 +444,7 @@
               <a:buChar char="■"/>
               <a:defRPr sz="1100"/>
             </a:lvl6pPr>
-            <a:lvl7pPr indent="-317500" lvl="6" marL="3200400">
+            <a:lvl7pPr marL="3200400" lvl="6" indent="-317500">
               <a:spcBef>
                 <a:spcPts val="0"/>
               </a:spcBef>
@@ -451,7 +455,7 @@
               <a:buChar char="●"/>
               <a:defRPr sz="1100"/>
             </a:lvl7pPr>
-            <a:lvl8pPr indent="-317500" lvl="7" marL="3657600">
+            <a:lvl8pPr marL="3657600" lvl="7" indent="-317500">
               <a:spcBef>
                 <a:spcPts val="0"/>
               </a:spcBef>
@@ -462,7 +466,7 @@
               <a:buChar char="○"/>
               <a:defRPr sz="1100"/>
             </a:lvl8pPr>
-            <a:lvl9pPr indent="-317500" lvl="8" marL="4114800">
+            <a:lvl9pPr marL="4114800" lvl="8" indent="-317500">
               <a:spcBef>
                 <a:spcPts val="0"/>
               </a:spcBef>
@@ -474,14 +478,16 @@
               <a:defRPr sz="1100"/>
             </a:lvl9pPr>
           </a:lstStyle>
-          <a:p/>
+          <a:p>
+            <a:endParaRPr/>
+          </a:p>
         </p:txBody>
       </p:sp>
     </p:spTree>
   </p:cSld>
-  <p:clrMap accent1="accent1" accent2="accent2" accent3="accent3" accent4="accent4" accent5="accent5" accent6="accent6" bg1="lt1" bg2="dk2" tx1="dk1" tx2="lt2" folHlink="folHlink" hlink="hlink"/>
+  <p:clrMap bg1="lt1" tx1="dk1" bg2="dk2" tx2="lt2" accent1="accent1" accent2="accent2" accent3="accent3" accent4="accent4" accent5="accent5" accent6="accent6" hlink="hlink" folHlink="folHlink"/>
   <p:notesStyle>
-    <a:defPPr lvl="0" marR="0" rtl="0" algn="l">
+    <a:defPPr marR="0" lvl="0" algn="l" rtl="0">
       <a:lnSpc>
         <a:spcPct val="100000"/>
       </a:lnSpc>
@@ -492,7 +498,7 @@
         <a:spcPts val="0"/>
       </a:spcAft>
     </a:defPPr>
-    <a:lvl1pPr lvl="0" marR="0" rtl="0" algn="l">
+    <a:lvl1pPr marR="0" lvl="0" algn="l" rtl="0">
       <a:lnSpc>
         <a:spcPct val="100000"/>
       </a:lnSpc>
@@ -506,7 +512,7 @@
         <a:srgbClr val="000000"/>
       </a:buClr>
       <a:buFont typeface="Arial"/>
-      <a:defRPr b="0" i="0" sz="1400" u="none" cap="none" strike="noStrike">
+      <a:defRPr sz="1400" b="0" i="0" u="none" strike="noStrike" cap="none">
         <a:solidFill>
           <a:srgbClr val="000000"/>
         </a:solidFill>
@@ -516,7 +522,7 @@
         <a:sym typeface="Arial"/>
       </a:defRPr>
     </a:lvl1pPr>
-    <a:lvl2pPr lvl="1" marR="0" rtl="0" algn="l">
+    <a:lvl2pPr marR="0" lvl="1" algn="l" rtl="0">
       <a:lnSpc>
         <a:spcPct val="100000"/>
       </a:lnSpc>
@@ -530,7 +536,7 @@
         <a:srgbClr val="000000"/>
       </a:buClr>
       <a:buFont typeface="Arial"/>
-      <a:defRPr b="0" i="0" sz="1400" u="none" cap="none" strike="noStrike">
+      <a:defRPr sz="1400" b="0" i="0" u="none" strike="noStrike" cap="none">
         <a:solidFill>
           <a:srgbClr val="000000"/>
         </a:solidFill>
@@ -540,7 +546,7 @@
         <a:sym typeface="Arial"/>
       </a:defRPr>
     </a:lvl2pPr>
-    <a:lvl3pPr lvl="2" marR="0" rtl="0" algn="l">
+    <a:lvl3pPr marR="0" lvl="2" algn="l" rtl="0">
       <a:lnSpc>
         <a:spcPct val="100000"/>
       </a:lnSpc>
@@ -554,7 +560,7 @@
         <a:srgbClr val="000000"/>
       </a:buClr>
       <a:buFont typeface="Arial"/>
-      <a:defRPr b="0" i="0" sz="1400" u="none" cap="none" strike="noStrike">
+      <a:defRPr sz="1400" b="0" i="0" u="none" strike="noStrike" cap="none">
         <a:solidFill>
           <a:srgbClr val="000000"/>
         </a:solidFill>
@@ -564,7 +570,7 @@
         <a:sym typeface="Arial"/>
       </a:defRPr>
     </a:lvl3pPr>
-    <a:lvl4pPr lvl="3" marR="0" rtl="0" algn="l">
+    <a:lvl4pPr marR="0" lvl="3" algn="l" rtl="0">
       <a:lnSpc>
         <a:spcPct val="100000"/>
       </a:lnSpc>
@@ -578,7 +584,7 @@
         <a:srgbClr val="000000"/>
       </a:buClr>
       <a:buFont typeface="Arial"/>
-      <a:defRPr b="0" i="0" sz="1400" u="none" cap="none" strike="noStrike">
+      <a:defRPr sz="1400" b="0" i="0" u="none" strike="noStrike" cap="none">
         <a:solidFill>
           <a:srgbClr val="000000"/>
         </a:solidFill>
@@ -588,7 +594,7 @@
         <a:sym typeface="Arial"/>
       </a:defRPr>
     </a:lvl4pPr>
-    <a:lvl5pPr lvl="4" marR="0" rtl="0" algn="l">
+    <a:lvl5pPr marR="0" lvl="4" algn="l" rtl="0">
       <a:lnSpc>
         <a:spcPct val="100000"/>
       </a:lnSpc>
@@ -602,7 +608,7 @@
         <a:srgbClr val="000000"/>
       </a:buClr>
       <a:buFont typeface="Arial"/>
-      <a:defRPr b="0" i="0" sz="1400" u="none" cap="none" strike="noStrike">
+      <a:defRPr sz="1400" b="0" i="0" u="none" strike="noStrike" cap="none">
         <a:solidFill>
           <a:srgbClr val="000000"/>
         </a:solidFill>
@@ -612,7 +618,7 @@
         <a:sym typeface="Arial"/>
       </a:defRPr>
     </a:lvl5pPr>
-    <a:lvl6pPr lvl="5" marR="0" rtl="0" algn="l">
+    <a:lvl6pPr marR="0" lvl="5" algn="l" rtl="0">
       <a:lnSpc>
         <a:spcPct val="100000"/>
       </a:lnSpc>
@@ -626,7 +632,7 @@
         <a:srgbClr val="000000"/>
       </a:buClr>
       <a:buFont typeface="Arial"/>
-      <a:defRPr b="0" i="0" sz="1400" u="none" cap="none" strike="noStrike">
+      <a:defRPr sz="1400" b="0" i="0" u="none" strike="noStrike" cap="none">
         <a:solidFill>
           <a:srgbClr val="000000"/>
         </a:solidFill>
@@ -636,7 +642,7 @@
         <a:sym typeface="Arial"/>
       </a:defRPr>
     </a:lvl6pPr>
-    <a:lvl7pPr lvl="6" marR="0" rtl="0" algn="l">
+    <a:lvl7pPr marR="0" lvl="6" algn="l" rtl="0">
       <a:lnSpc>
         <a:spcPct val="100000"/>
       </a:lnSpc>
@@ -650,7 +656,7 @@
         <a:srgbClr val="000000"/>
       </a:buClr>
       <a:buFont typeface="Arial"/>
-      <a:defRPr b="0" i="0" sz="1400" u="none" cap="none" strike="noStrike">
+      <a:defRPr sz="1400" b="0" i="0" u="none" strike="noStrike" cap="none">
         <a:solidFill>
           <a:srgbClr val="000000"/>
         </a:solidFill>
@@ -660,7 +666,7 @@
         <a:sym typeface="Arial"/>
       </a:defRPr>
     </a:lvl7pPr>
-    <a:lvl8pPr lvl="7" marR="0" rtl="0" algn="l">
+    <a:lvl8pPr marR="0" lvl="7" algn="l" rtl="0">
       <a:lnSpc>
         <a:spcPct val="100000"/>
       </a:lnSpc>
@@ -674,7 +680,7 @@
         <a:srgbClr val="000000"/>
       </a:buClr>
       <a:buFont typeface="Arial"/>
-      <a:defRPr b="0" i="0" sz="1400" u="none" cap="none" strike="noStrike">
+      <a:defRPr sz="1400" b="0" i="0" u="none" strike="noStrike" cap="none">
         <a:solidFill>
           <a:srgbClr val="000000"/>
         </a:solidFill>
@@ -684,7 +690,7 @@
         <a:sym typeface="Arial"/>
       </a:defRPr>
     </a:lvl8pPr>
-    <a:lvl9pPr lvl="8" marR="0" rtl="0" algn="l">
+    <a:lvl9pPr marR="0" lvl="8" algn="l" rtl="0">
       <a:lnSpc>
         <a:spcPct val="100000"/>
       </a:lnSpc>
@@ -698,7 +704,7 @@
         <a:srgbClr val="000000"/>
       </a:buClr>
       <a:buFont typeface="Arial"/>
-      <a:defRPr b="0" i="0" sz="1400" u="none" cap="none" strike="noStrike">
+      <a:defRPr sz="1400" b="0" i="0" u="none" strike="noStrike" cap="none">
         <a:solidFill>
           <a:srgbClr val="000000"/>
         </a:solidFill>
@@ -713,11 +719,11 @@
 </file>
 
 <file path=ppt/notesSlides/notesSlide1.xml><?xml version="1.0" encoding="utf-8"?>
-<p:notes xmlns:a="http://schemas.openxmlformats.org/drawingml/2006/main" xmlns:r="http://schemas.openxmlformats.org/officeDocument/2006/relationships" xmlns:mc="http://schemas.openxmlformats.org/markup-compatibility/2006" xmlns:mv="urn:schemas-microsoft-com:mac:vml" xmlns:p="http://schemas.openxmlformats.org/presentationml/2006/main" xmlns:c="http://schemas.openxmlformats.org/drawingml/2006/chart" xmlns:dgm="http://schemas.openxmlformats.org/drawingml/2006/diagram" xmlns:o="urn:schemas-microsoft-com:office:office" xmlns:v="urn:schemas-microsoft-com:vml" xmlns:pvml="urn:schemas-microsoft-com:office:powerpoint" xmlns:com="http://schemas.openxmlformats.org/drawingml/2006/compatibility" xmlns:p14="http://schemas.microsoft.com/office/powerpoint/2010/main" xmlns:p15="http://schemas.microsoft.com/office/powerpoint/2012/main" showMasterPhAnim="0" showMasterSp="0">
+<p:notes xmlns:a="http://schemas.openxmlformats.org/drawingml/2006/main" xmlns:r="http://schemas.openxmlformats.org/officeDocument/2006/relationships" xmlns:p="http://schemas.openxmlformats.org/presentationml/2006/main" showMasterSp="0" showMasterPhAnim="0">
   <p:cSld>
     <p:spTree>
       <p:nvGrpSpPr>
-        <p:cNvPr id="81" name="Shape 81"/>
+        <p:cNvPr id="1" name="Shape 81"/>
         <p:cNvGrpSpPr/>
         <p:nvPr/>
       </p:nvGrpSpPr>
@@ -732,20 +738,26 @@
       <p:sp>
         <p:nvSpPr>
           <p:cNvPr id="82" name="Google Shape;82;gc6f9e470d_0_0:notes"/>
-          <p:cNvSpPr/>
+          <p:cNvSpPr>
+            <a:spLocks noGrp="1" noRot="1" noChangeAspect="1"/>
+          </p:cNvSpPr>
           <p:nvPr>
-            <p:ph idx="2" type="sldImg"/>
+            <p:ph type="sldImg" idx="2"/>
           </p:nvPr>
         </p:nvSpPr>
         <p:spPr>
           <a:xfrm>
-            <a:off x="381188" y="685800"/>
-            <a:ext cx="6096300" cy="3429000"/>
+            <a:off x="381000" y="685800"/>
+            <a:ext cx="6096000" cy="3429000"/>
           </a:xfrm>
           <a:custGeom>
-            <a:rect b="b" l="l" r="r" t="t"/>
+            <a:avLst/>
+            <a:gdLst/>
+            <a:ahLst/>
+            <a:cxnLst/>
+            <a:rect l="l" t="t" r="r" b="b"/>
             <a:pathLst>
-              <a:path extrusionOk="0" h="120000" w="120000">
+              <a:path w="120000" h="120000" extrusionOk="0">
                 <a:moveTo>
                   <a:pt x="0" y="0"/>
                 </a:moveTo>
@@ -767,9 +779,11 @@
       <p:sp>
         <p:nvSpPr>
           <p:cNvPr id="83" name="Google Shape;83;gc6f9e470d_0_0:notes"/>
-          <p:cNvSpPr txBox="1"/>
+          <p:cNvSpPr txBox="1">
+            <a:spLocks noGrp="1"/>
+          </p:cNvSpPr>
           <p:nvPr>
-            <p:ph idx="1" type="body"/>
+            <p:ph type="body" idx="1"/>
           </p:nvPr>
         </p:nvSpPr>
         <p:spPr>
@@ -782,12 +796,12 @@
           </a:prstGeom>
         </p:spPr>
         <p:txBody>
-          <a:bodyPr anchorCtr="0" anchor="t" bIns="91425" lIns="91425" spcFirstLastPara="1" rIns="91425" wrap="square" tIns="91425">
+          <a:bodyPr spcFirstLastPara="1" wrap="square" lIns="91425" tIns="91425" rIns="91425" bIns="91425" anchor="t" anchorCtr="0">
             <a:noAutofit/>
           </a:bodyPr>
           <a:lstStyle/>
           <a:p>
-            <a:pPr indent="0" lvl="0" marL="0" rtl="0" algn="l">
+            <a:pPr marL="0" lvl="0" indent="0" algn="l" rtl="0">
               <a:spcBef>
                 <a:spcPts val="0"/>
               </a:spcBef>
@@ -796,9 +810,6 @@
               </a:spcAft>
               <a:buNone/>
             </a:pPr>
-            <a:r>
-              <a:t/>
-            </a:r>
             <a:endParaRPr/>
           </a:p>
         </p:txBody>
@@ -812,11 +823,11 @@
 </file>
 
 <file path=ppt/notesSlides/notesSlide10.xml><?xml version="1.0" encoding="utf-8"?>
-<p:notes xmlns:a="http://schemas.openxmlformats.org/drawingml/2006/main" xmlns:r="http://schemas.openxmlformats.org/officeDocument/2006/relationships" xmlns:mc="http://schemas.openxmlformats.org/markup-compatibility/2006" xmlns:mv="urn:schemas-microsoft-com:mac:vml" xmlns:p="http://schemas.openxmlformats.org/presentationml/2006/main" xmlns:c="http://schemas.openxmlformats.org/drawingml/2006/chart" xmlns:dgm="http://schemas.openxmlformats.org/drawingml/2006/diagram" xmlns:o="urn:schemas-microsoft-com:office:office" xmlns:v="urn:schemas-microsoft-com:vml" xmlns:pvml="urn:schemas-microsoft-com:office:powerpoint" xmlns:com="http://schemas.openxmlformats.org/drawingml/2006/compatibility" xmlns:p14="http://schemas.microsoft.com/office/powerpoint/2010/main" xmlns:p15="http://schemas.microsoft.com/office/powerpoint/2012/main" showMasterPhAnim="0" showMasterSp="0">
+<p:notes xmlns:a="http://schemas.openxmlformats.org/drawingml/2006/main" xmlns:r="http://schemas.openxmlformats.org/officeDocument/2006/relationships" xmlns:p="http://schemas.openxmlformats.org/presentationml/2006/main" showMasterSp="0" showMasterPhAnim="0">
   <p:cSld>
     <p:spTree>
       <p:nvGrpSpPr>
-        <p:cNvPr id="170" name="Shape 170"/>
+        <p:cNvPr id="1" name="Shape 170"/>
         <p:cNvGrpSpPr/>
         <p:nvPr/>
       </p:nvGrpSpPr>
@@ -831,9 +842,11 @@
       <p:sp>
         <p:nvSpPr>
           <p:cNvPr id="171" name="Google Shape;171;g6bd54e2d86_3_47:notes"/>
-          <p:cNvSpPr/>
+          <p:cNvSpPr>
+            <a:spLocks noGrp="1" noRot="1" noChangeAspect="1"/>
+          </p:cNvSpPr>
           <p:nvPr>
-            <p:ph idx="2" type="sldImg"/>
+            <p:ph type="sldImg" idx="2"/>
           </p:nvPr>
         </p:nvSpPr>
         <p:spPr>
@@ -842,9 +855,13 @@
             <a:ext cx="6096000" cy="3429000"/>
           </a:xfrm>
           <a:custGeom>
-            <a:rect b="b" l="l" r="r" t="t"/>
+            <a:avLst/>
+            <a:gdLst/>
+            <a:ahLst/>
+            <a:cxnLst/>
+            <a:rect l="l" t="t" r="r" b="b"/>
             <a:pathLst>
-              <a:path extrusionOk="0" h="120000" w="120000">
+              <a:path w="120000" h="120000" extrusionOk="0">
                 <a:moveTo>
                   <a:pt x="0" y="0"/>
                 </a:moveTo>
@@ -866,9 +883,11 @@
       <p:sp>
         <p:nvSpPr>
           <p:cNvPr id="172" name="Google Shape;172;g6bd54e2d86_3_47:notes"/>
-          <p:cNvSpPr txBox="1"/>
+          <p:cNvSpPr txBox="1">
+            <a:spLocks noGrp="1"/>
+          </p:cNvSpPr>
           <p:nvPr>
-            <p:ph idx="1" type="body"/>
+            <p:ph type="body" idx="1"/>
           </p:nvPr>
         </p:nvSpPr>
         <p:spPr>
@@ -881,12 +900,12 @@
           </a:prstGeom>
         </p:spPr>
         <p:txBody>
-          <a:bodyPr anchorCtr="0" anchor="t" bIns="91425" lIns="91425" spcFirstLastPara="1" rIns="91425" wrap="square" tIns="91425">
+          <a:bodyPr spcFirstLastPara="1" wrap="square" lIns="91425" tIns="91425" rIns="91425" bIns="91425" anchor="t" anchorCtr="0">
             <a:noAutofit/>
           </a:bodyPr>
           <a:lstStyle/>
           <a:p>
-            <a:pPr indent="0" lvl="0" marL="0" rtl="0" algn="l">
+            <a:pPr marL="0" lvl="0" indent="0" algn="l" rtl="0">
               <a:spcBef>
                 <a:spcPts val="0"/>
               </a:spcBef>
@@ -895,9 +914,6 @@
               </a:spcAft>
               <a:buNone/>
             </a:pPr>
-            <a:r>
-              <a:t/>
-            </a:r>
             <a:endParaRPr/>
           </a:p>
         </p:txBody>
@@ -911,11 +927,11 @@
 </file>
 
 <file path=ppt/notesSlides/notesSlide11.xml><?xml version="1.0" encoding="utf-8"?>
-<p:notes xmlns:a="http://schemas.openxmlformats.org/drawingml/2006/main" xmlns:r="http://schemas.openxmlformats.org/officeDocument/2006/relationships" xmlns:mc="http://schemas.openxmlformats.org/markup-compatibility/2006" xmlns:mv="urn:schemas-microsoft-com:mac:vml" xmlns:p="http://schemas.openxmlformats.org/presentationml/2006/main" xmlns:c="http://schemas.openxmlformats.org/drawingml/2006/chart" xmlns:dgm="http://schemas.openxmlformats.org/drawingml/2006/diagram" xmlns:o="urn:schemas-microsoft-com:office:office" xmlns:v="urn:schemas-microsoft-com:vml" xmlns:pvml="urn:schemas-microsoft-com:office:powerpoint" xmlns:com="http://schemas.openxmlformats.org/drawingml/2006/compatibility" xmlns:p14="http://schemas.microsoft.com/office/powerpoint/2010/main" xmlns:p15="http://schemas.microsoft.com/office/powerpoint/2012/main" showMasterPhAnim="0" showMasterSp="0">
+<p:notes xmlns:a="http://schemas.openxmlformats.org/drawingml/2006/main" xmlns:r="http://schemas.openxmlformats.org/officeDocument/2006/relationships" xmlns:p="http://schemas.openxmlformats.org/presentationml/2006/main" showMasterSp="0" showMasterPhAnim="0">
   <p:cSld>
     <p:spTree>
       <p:nvGrpSpPr>
-        <p:cNvPr id="176" name="Shape 176"/>
+        <p:cNvPr id="1" name="Shape 176"/>
         <p:cNvGrpSpPr/>
         <p:nvPr/>
       </p:nvGrpSpPr>
@@ -930,9 +946,11 @@
       <p:sp>
         <p:nvSpPr>
           <p:cNvPr id="177" name="Google Shape;177;g6bd54e2d86_3_19:notes"/>
-          <p:cNvSpPr/>
+          <p:cNvSpPr>
+            <a:spLocks noGrp="1" noRot="1" noChangeAspect="1"/>
+          </p:cNvSpPr>
           <p:nvPr>
-            <p:ph idx="2" type="sldImg"/>
+            <p:ph type="sldImg" idx="2"/>
           </p:nvPr>
         </p:nvSpPr>
         <p:spPr>
@@ -941,9 +959,13 @@
             <a:ext cx="6096000" cy="3429000"/>
           </a:xfrm>
           <a:custGeom>
-            <a:rect b="b" l="l" r="r" t="t"/>
+            <a:avLst/>
+            <a:gdLst/>
+            <a:ahLst/>
+            <a:cxnLst/>
+            <a:rect l="l" t="t" r="r" b="b"/>
             <a:pathLst>
-              <a:path extrusionOk="0" h="120000" w="120000">
+              <a:path w="120000" h="120000" extrusionOk="0">
                 <a:moveTo>
                   <a:pt x="0" y="0"/>
                 </a:moveTo>
@@ -965,9 +987,11 @@
       <p:sp>
         <p:nvSpPr>
           <p:cNvPr id="178" name="Google Shape;178;g6bd54e2d86_3_19:notes"/>
-          <p:cNvSpPr txBox="1"/>
+          <p:cNvSpPr txBox="1">
+            <a:spLocks noGrp="1"/>
+          </p:cNvSpPr>
           <p:nvPr>
-            <p:ph idx="1" type="body"/>
+            <p:ph type="body" idx="1"/>
           </p:nvPr>
         </p:nvSpPr>
         <p:spPr>
@@ -980,12 +1004,12 @@
           </a:prstGeom>
         </p:spPr>
         <p:txBody>
-          <a:bodyPr anchorCtr="0" anchor="t" bIns="91425" lIns="91425" spcFirstLastPara="1" rIns="91425" wrap="square" tIns="91425">
+          <a:bodyPr spcFirstLastPara="1" wrap="square" lIns="91425" tIns="91425" rIns="91425" bIns="91425" anchor="t" anchorCtr="0">
             <a:noAutofit/>
           </a:bodyPr>
           <a:lstStyle/>
           <a:p>
-            <a:pPr indent="0" lvl="0" marL="0" rtl="0" algn="l">
+            <a:pPr marL="0" lvl="0" indent="0" algn="l" rtl="0">
               <a:spcBef>
                 <a:spcPts val="0"/>
               </a:spcBef>
@@ -994,9 +1018,6 @@
               </a:spcAft>
               <a:buNone/>
             </a:pPr>
-            <a:r>
-              <a:t/>
-            </a:r>
             <a:endParaRPr/>
           </a:p>
         </p:txBody>
@@ -1010,11 +1031,11 @@
 </file>
 
 <file path=ppt/notesSlides/notesSlide12.xml><?xml version="1.0" encoding="utf-8"?>
-<p:notes xmlns:a="http://schemas.openxmlformats.org/drawingml/2006/main" xmlns:r="http://schemas.openxmlformats.org/officeDocument/2006/relationships" xmlns:mc="http://schemas.openxmlformats.org/markup-compatibility/2006" xmlns:mv="urn:schemas-microsoft-com:mac:vml" xmlns:p="http://schemas.openxmlformats.org/presentationml/2006/main" xmlns:c="http://schemas.openxmlformats.org/drawingml/2006/chart" xmlns:dgm="http://schemas.openxmlformats.org/drawingml/2006/diagram" xmlns:o="urn:schemas-microsoft-com:office:office" xmlns:v="urn:schemas-microsoft-com:vml" xmlns:pvml="urn:schemas-microsoft-com:office:powerpoint" xmlns:com="http://schemas.openxmlformats.org/drawingml/2006/compatibility" xmlns:p14="http://schemas.microsoft.com/office/powerpoint/2010/main" xmlns:p15="http://schemas.microsoft.com/office/powerpoint/2012/main" showMasterPhAnim="0" showMasterSp="0">
+<p:notes xmlns:a="http://schemas.openxmlformats.org/drawingml/2006/main" xmlns:r="http://schemas.openxmlformats.org/officeDocument/2006/relationships" xmlns:p="http://schemas.openxmlformats.org/presentationml/2006/main" showMasterSp="0" showMasterPhAnim="0">
   <p:cSld>
     <p:spTree>
       <p:nvGrpSpPr>
-        <p:cNvPr id="184" name="Shape 184"/>
+        <p:cNvPr id="1" name="Shape 184"/>
         <p:cNvGrpSpPr/>
         <p:nvPr/>
       </p:nvGrpSpPr>
@@ -1029,9 +1050,11 @@
       <p:sp>
         <p:nvSpPr>
           <p:cNvPr id="185" name="Google Shape;185;g6bd54e2d86_3_24:notes"/>
-          <p:cNvSpPr/>
+          <p:cNvSpPr>
+            <a:spLocks noGrp="1" noRot="1" noChangeAspect="1"/>
+          </p:cNvSpPr>
           <p:nvPr>
-            <p:ph idx="2" type="sldImg"/>
+            <p:ph type="sldImg" idx="2"/>
           </p:nvPr>
         </p:nvSpPr>
         <p:spPr>
@@ -1040,9 +1063,13 @@
             <a:ext cx="6096000" cy="3429000"/>
           </a:xfrm>
           <a:custGeom>
-            <a:rect b="b" l="l" r="r" t="t"/>
+            <a:avLst/>
+            <a:gdLst/>
+            <a:ahLst/>
+            <a:cxnLst/>
+            <a:rect l="l" t="t" r="r" b="b"/>
             <a:pathLst>
-              <a:path extrusionOk="0" h="120000" w="120000">
+              <a:path w="120000" h="120000" extrusionOk="0">
                 <a:moveTo>
                   <a:pt x="0" y="0"/>
                 </a:moveTo>
@@ -1064,9 +1091,11 @@
       <p:sp>
         <p:nvSpPr>
           <p:cNvPr id="186" name="Google Shape;186;g6bd54e2d86_3_24:notes"/>
-          <p:cNvSpPr txBox="1"/>
+          <p:cNvSpPr txBox="1">
+            <a:spLocks noGrp="1"/>
+          </p:cNvSpPr>
           <p:nvPr>
-            <p:ph idx="1" type="body"/>
+            <p:ph type="body" idx="1"/>
           </p:nvPr>
         </p:nvSpPr>
         <p:spPr>
@@ -1079,12 +1108,12 @@
           </a:prstGeom>
         </p:spPr>
         <p:txBody>
-          <a:bodyPr anchorCtr="0" anchor="t" bIns="91425" lIns="91425" spcFirstLastPara="1" rIns="91425" wrap="square" tIns="91425">
+          <a:bodyPr spcFirstLastPara="1" wrap="square" lIns="91425" tIns="91425" rIns="91425" bIns="91425" anchor="t" anchorCtr="0">
             <a:noAutofit/>
           </a:bodyPr>
           <a:lstStyle/>
           <a:p>
-            <a:pPr indent="0" lvl="0" marL="0" rtl="0" algn="l">
+            <a:pPr marL="0" lvl="0" indent="0" algn="l" rtl="0">
               <a:spcBef>
                 <a:spcPts val="0"/>
               </a:spcBef>
@@ -1093,9 +1122,6 @@
               </a:spcAft>
               <a:buNone/>
             </a:pPr>
-            <a:r>
-              <a:t/>
-            </a:r>
             <a:endParaRPr/>
           </a:p>
         </p:txBody>
@@ -1109,11 +1135,11 @@
 </file>
 
 <file path=ppt/notesSlides/notesSlide13.xml><?xml version="1.0" encoding="utf-8"?>
-<p:notes xmlns:a="http://schemas.openxmlformats.org/drawingml/2006/main" xmlns:r="http://schemas.openxmlformats.org/officeDocument/2006/relationships" xmlns:mc="http://schemas.openxmlformats.org/markup-compatibility/2006" xmlns:mv="urn:schemas-microsoft-com:mac:vml" xmlns:p="http://schemas.openxmlformats.org/presentationml/2006/main" xmlns:c="http://schemas.openxmlformats.org/drawingml/2006/chart" xmlns:dgm="http://schemas.openxmlformats.org/drawingml/2006/diagram" xmlns:o="urn:schemas-microsoft-com:office:office" xmlns:v="urn:schemas-microsoft-com:vml" xmlns:pvml="urn:schemas-microsoft-com:office:powerpoint" xmlns:com="http://schemas.openxmlformats.org/drawingml/2006/compatibility" xmlns:p14="http://schemas.microsoft.com/office/powerpoint/2010/main" xmlns:p15="http://schemas.microsoft.com/office/powerpoint/2012/main" showMasterPhAnim="0" showMasterSp="0">
+<p:notes xmlns:a="http://schemas.openxmlformats.org/drawingml/2006/main" xmlns:r="http://schemas.openxmlformats.org/officeDocument/2006/relationships" xmlns:p="http://schemas.openxmlformats.org/presentationml/2006/main" showMasterSp="0" showMasterPhAnim="0">
   <p:cSld>
     <p:spTree>
       <p:nvGrpSpPr>
-        <p:cNvPr id="190" name="Shape 190"/>
+        <p:cNvPr id="1" name="Shape 190"/>
         <p:cNvGrpSpPr/>
         <p:nvPr/>
       </p:nvGrpSpPr>
@@ -1128,9 +1154,11 @@
       <p:sp>
         <p:nvSpPr>
           <p:cNvPr id="191" name="Google Shape;191;g6bd54e2d86_3_29:notes"/>
-          <p:cNvSpPr/>
+          <p:cNvSpPr>
+            <a:spLocks noGrp="1" noRot="1" noChangeAspect="1"/>
+          </p:cNvSpPr>
           <p:nvPr>
-            <p:ph idx="2" type="sldImg"/>
+            <p:ph type="sldImg" idx="2"/>
           </p:nvPr>
         </p:nvSpPr>
         <p:spPr>
@@ -1139,9 +1167,13 @@
             <a:ext cx="6096000" cy="3429000"/>
           </a:xfrm>
           <a:custGeom>
-            <a:rect b="b" l="l" r="r" t="t"/>
+            <a:avLst/>
+            <a:gdLst/>
+            <a:ahLst/>
+            <a:cxnLst/>
+            <a:rect l="l" t="t" r="r" b="b"/>
             <a:pathLst>
-              <a:path extrusionOk="0" h="120000" w="120000">
+              <a:path w="120000" h="120000" extrusionOk="0">
                 <a:moveTo>
                   <a:pt x="0" y="0"/>
                 </a:moveTo>
@@ -1163,9 +1195,11 @@
       <p:sp>
         <p:nvSpPr>
           <p:cNvPr id="192" name="Google Shape;192;g6bd54e2d86_3_29:notes"/>
-          <p:cNvSpPr txBox="1"/>
+          <p:cNvSpPr txBox="1">
+            <a:spLocks noGrp="1"/>
+          </p:cNvSpPr>
           <p:nvPr>
-            <p:ph idx="1" type="body"/>
+            <p:ph type="body" idx="1"/>
           </p:nvPr>
         </p:nvSpPr>
         <p:spPr>
@@ -1178,12 +1212,12 @@
           </a:prstGeom>
         </p:spPr>
         <p:txBody>
-          <a:bodyPr anchorCtr="0" anchor="t" bIns="91425" lIns="91425" spcFirstLastPara="1" rIns="91425" wrap="square" tIns="91425">
+          <a:bodyPr spcFirstLastPara="1" wrap="square" lIns="91425" tIns="91425" rIns="91425" bIns="91425" anchor="t" anchorCtr="0">
             <a:noAutofit/>
           </a:bodyPr>
           <a:lstStyle/>
           <a:p>
-            <a:pPr indent="0" lvl="0" marL="0" rtl="0" algn="l">
+            <a:pPr marL="0" lvl="0" indent="0" algn="l" rtl="0">
               <a:spcBef>
                 <a:spcPts val="0"/>
               </a:spcBef>
@@ -1192,9 +1226,6 @@
               </a:spcAft>
               <a:buNone/>
             </a:pPr>
-            <a:r>
-              <a:t/>
-            </a:r>
             <a:endParaRPr/>
           </a:p>
         </p:txBody>
@@ -1208,11 +1239,11 @@
 </file>
 
 <file path=ppt/notesSlides/notesSlide14.xml><?xml version="1.0" encoding="utf-8"?>
-<p:notes xmlns:a="http://schemas.openxmlformats.org/drawingml/2006/main" xmlns:r="http://schemas.openxmlformats.org/officeDocument/2006/relationships" xmlns:mc="http://schemas.openxmlformats.org/markup-compatibility/2006" xmlns:mv="urn:schemas-microsoft-com:mac:vml" xmlns:p="http://schemas.openxmlformats.org/presentationml/2006/main" xmlns:c="http://schemas.openxmlformats.org/drawingml/2006/chart" xmlns:dgm="http://schemas.openxmlformats.org/drawingml/2006/diagram" xmlns:o="urn:schemas-microsoft-com:office:office" xmlns:v="urn:schemas-microsoft-com:vml" xmlns:pvml="urn:schemas-microsoft-com:office:powerpoint" xmlns:com="http://schemas.openxmlformats.org/drawingml/2006/compatibility" xmlns:p14="http://schemas.microsoft.com/office/powerpoint/2010/main" xmlns:p15="http://schemas.microsoft.com/office/powerpoint/2012/main" showMasterPhAnim="0" showMasterSp="0">
+<p:notes xmlns:a="http://schemas.openxmlformats.org/drawingml/2006/main" xmlns:r="http://schemas.openxmlformats.org/officeDocument/2006/relationships" xmlns:p="http://schemas.openxmlformats.org/presentationml/2006/main" showMasterSp="0" showMasterPhAnim="0">
   <p:cSld>
     <p:spTree>
       <p:nvGrpSpPr>
-        <p:cNvPr id="201" name="Shape 201"/>
+        <p:cNvPr id="1" name="Shape 201"/>
         <p:cNvGrpSpPr/>
         <p:nvPr/>
       </p:nvGrpSpPr>
@@ -1227,9 +1258,11 @@
       <p:sp>
         <p:nvSpPr>
           <p:cNvPr id="202" name="Google Shape;202;g6bd54e2d86_3_34:notes"/>
-          <p:cNvSpPr/>
+          <p:cNvSpPr>
+            <a:spLocks noGrp="1" noRot="1" noChangeAspect="1"/>
+          </p:cNvSpPr>
           <p:nvPr>
-            <p:ph idx="2" type="sldImg"/>
+            <p:ph type="sldImg" idx="2"/>
           </p:nvPr>
         </p:nvSpPr>
         <p:spPr>
@@ -1238,9 +1271,13 @@
             <a:ext cx="6096000" cy="3429000"/>
           </a:xfrm>
           <a:custGeom>
-            <a:rect b="b" l="l" r="r" t="t"/>
+            <a:avLst/>
+            <a:gdLst/>
+            <a:ahLst/>
+            <a:cxnLst/>
+            <a:rect l="l" t="t" r="r" b="b"/>
             <a:pathLst>
-              <a:path extrusionOk="0" h="120000" w="120000">
+              <a:path w="120000" h="120000" extrusionOk="0">
                 <a:moveTo>
                   <a:pt x="0" y="0"/>
                 </a:moveTo>
@@ -1262,9 +1299,11 @@
       <p:sp>
         <p:nvSpPr>
           <p:cNvPr id="203" name="Google Shape;203;g6bd54e2d86_3_34:notes"/>
-          <p:cNvSpPr txBox="1"/>
+          <p:cNvSpPr txBox="1">
+            <a:spLocks noGrp="1"/>
+          </p:cNvSpPr>
           <p:nvPr>
-            <p:ph idx="1" type="body"/>
+            <p:ph type="body" idx="1"/>
           </p:nvPr>
         </p:nvSpPr>
         <p:spPr>
@@ -1277,12 +1316,12 @@
           </a:prstGeom>
         </p:spPr>
         <p:txBody>
-          <a:bodyPr anchorCtr="0" anchor="t" bIns="91425" lIns="91425" spcFirstLastPara="1" rIns="91425" wrap="square" tIns="91425">
+          <a:bodyPr spcFirstLastPara="1" wrap="square" lIns="91425" tIns="91425" rIns="91425" bIns="91425" anchor="t" anchorCtr="0">
             <a:noAutofit/>
           </a:bodyPr>
           <a:lstStyle/>
           <a:p>
-            <a:pPr indent="0" lvl="0" marL="0" rtl="0" algn="l">
+            <a:pPr marL="0" lvl="0" indent="0" algn="l" rtl="0">
               <a:spcBef>
                 <a:spcPts val="0"/>
               </a:spcBef>
@@ -1291,9 +1330,6 @@
               </a:spcAft>
               <a:buNone/>
             </a:pPr>
-            <a:r>
-              <a:t/>
-            </a:r>
             <a:endParaRPr/>
           </a:p>
         </p:txBody>
@@ -1307,11 +1343,11 @@
 </file>
 
 <file path=ppt/notesSlides/notesSlide15.xml><?xml version="1.0" encoding="utf-8"?>
-<p:notes xmlns:a="http://schemas.openxmlformats.org/drawingml/2006/main" xmlns:r="http://schemas.openxmlformats.org/officeDocument/2006/relationships" xmlns:mc="http://schemas.openxmlformats.org/markup-compatibility/2006" xmlns:mv="urn:schemas-microsoft-com:mac:vml" xmlns:p="http://schemas.openxmlformats.org/presentationml/2006/main" xmlns:c="http://schemas.openxmlformats.org/drawingml/2006/chart" xmlns:dgm="http://schemas.openxmlformats.org/drawingml/2006/diagram" xmlns:o="urn:schemas-microsoft-com:office:office" xmlns:v="urn:schemas-microsoft-com:vml" xmlns:pvml="urn:schemas-microsoft-com:office:powerpoint" xmlns:com="http://schemas.openxmlformats.org/drawingml/2006/compatibility" xmlns:p14="http://schemas.microsoft.com/office/powerpoint/2010/main" xmlns:p15="http://schemas.microsoft.com/office/powerpoint/2012/main" showMasterPhAnim="0" showMasterSp="0">
+<p:notes xmlns:a="http://schemas.openxmlformats.org/drawingml/2006/main" xmlns:r="http://schemas.openxmlformats.org/officeDocument/2006/relationships" xmlns:p="http://schemas.openxmlformats.org/presentationml/2006/main" showMasterSp="0" showMasterPhAnim="0">
   <p:cSld>
     <p:spTree>
       <p:nvGrpSpPr>
-        <p:cNvPr id="208" name="Shape 208"/>
+        <p:cNvPr id="1" name="Shape 208"/>
         <p:cNvGrpSpPr/>
         <p:nvPr/>
       </p:nvGrpSpPr>
@@ -1326,9 +1362,11 @@
       <p:sp>
         <p:nvSpPr>
           <p:cNvPr id="209" name="Google Shape;209;g6bd54e2d86_5_1:notes"/>
-          <p:cNvSpPr/>
+          <p:cNvSpPr>
+            <a:spLocks noGrp="1" noRot="1" noChangeAspect="1"/>
+          </p:cNvSpPr>
           <p:nvPr>
-            <p:ph idx="2" type="sldImg"/>
+            <p:ph type="sldImg" idx="2"/>
           </p:nvPr>
         </p:nvSpPr>
         <p:spPr>
@@ -1337,9 +1375,13 @@
             <a:ext cx="6096000" cy="3429000"/>
           </a:xfrm>
           <a:custGeom>
-            <a:rect b="b" l="l" r="r" t="t"/>
+            <a:avLst/>
+            <a:gdLst/>
+            <a:ahLst/>
+            <a:cxnLst/>
+            <a:rect l="l" t="t" r="r" b="b"/>
             <a:pathLst>
-              <a:path extrusionOk="0" h="120000" w="120000">
+              <a:path w="120000" h="120000" extrusionOk="0">
                 <a:moveTo>
                   <a:pt x="0" y="0"/>
                 </a:moveTo>
@@ -1361,9 +1403,11 @@
       <p:sp>
         <p:nvSpPr>
           <p:cNvPr id="210" name="Google Shape;210;g6bd54e2d86_5_1:notes"/>
-          <p:cNvSpPr txBox="1"/>
+          <p:cNvSpPr txBox="1">
+            <a:spLocks noGrp="1"/>
+          </p:cNvSpPr>
           <p:nvPr>
-            <p:ph idx="1" type="body"/>
+            <p:ph type="body" idx="1"/>
           </p:nvPr>
         </p:nvSpPr>
         <p:spPr>
@@ -1376,12 +1420,12 @@
           </a:prstGeom>
         </p:spPr>
         <p:txBody>
-          <a:bodyPr anchorCtr="0" anchor="t" bIns="91425" lIns="91425" spcFirstLastPara="1" rIns="91425" wrap="square" tIns="91425">
+          <a:bodyPr spcFirstLastPara="1" wrap="square" lIns="91425" tIns="91425" rIns="91425" bIns="91425" anchor="t" anchorCtr="0">
             <a:noAutofit/>
           </a:bodyPr>
           <a:lstStyle/>
           <a:p>
-            <a:pPr indent="0" lvl="0" marL="0" rtl="0" algn="l">
+            <a:pPr marL="0" lvl="0" indent="0" algn="l" rtl="0">
               <a:spcBef>
                 <a:spcPts val="0"/>
               </a:spcBef>
@@ -1390,9 +1434,6 @@
               </a:spcAft>
               <a:buNone/>
             </a:pPr>
-            <a:r>
-              <a:t/>
-            </a:r>
             <a:endParaRPr/>
           </a:p>
         </p:txBody>
@@ -1406,11 +1447,11 @@
 </file>
 
 <file path=ppt/notesSlides/notesSlide16.xml><?xml version="1.0" encoding="utf-8"?>
-<p:notes xmlns:a="http://schemas.openxmlformats.org/drawingml/2006/main" xmlns:r="http://schemas.openxmlformats.org/officeDocument/2006/relationships" xmlns:mc="http://schemas.openxmlformats.org/markup-compatibility/2006" xmlns:mv="urn:schemas-microsoft-com:mac:vml" xmlns:p="http://schemas.openxmlformats.org/presentationml/2006/main" xmlns:c="http://schemas.openxmlformats.org/drawingml/2006/chart" xmlns:dgm="http://schemas.openxmlformats.org/drawingml/2006/diagram" xmlns:o="urn:schemas-microsoft-com:office:office" xmlns:v="urn:schemas-microsoft-com:vml" xmlns:pvml="urn:schemas-microsoft-com:office:powerpoint" xmlns:com="http://schemas.openxmlformats.org/drawingml/2006/compatibility" xmlns:p14="http://schemas.microsoft.com/office/powerpoint/2010/main" xmlns:p15="http://schemas.microsoft.com/office/powerpoint/2012/main" showMasterPhAnim="0" showMasterSp="0">
+<p:notes xmlns:a="http://schemas.openxmlformats.org/drawingml/2006/main" xmlns:r="http://schemas.openxmlformats.org/officeDocument/2006/relationships" xmlns:p="http://schemas.openxmlformats.org/presentationml/2006/main" showMasterSp="0" showMasterPhAnim="0">
   <p:cSld>
     <p:spTree>
       <p:nvGrpSpPr>
-        <p:cNvPr id="215" name="Shape 215"/>
+        <p:cNvPr id="1" name="Shape 215"/>
         <p:cNvGrpSpPr/>
         <p:nvPr/>
       </p:nvGrpSpPr>
@@ -1425,9 +1466,11 @@
       <p:sp>
         <p:nvSpPr>
           <p:cNvPr id="216" name="Google Shape;216;g6bda728503_0_2:notes"/>
-          <p:cNvSpPr/>
+          <p:cNvSpPr>
+            <a:spLocks noGrp="1" noRot="1" noChangeAspect="1"/>
+          </p:cNvSpPr>
           <p:nvPr>
-            <p:ph idx="2" type="sldImg"/>
+            <p:ph type="sldImg" idx="2"/>
           </p:nvPr>
         </p:nvSpPr>
         <p:spPr>
@@ -1436,9 +1479,13 @@
             <a:ext cx="6096000" cy="3429000"/>
           </a:xfrm>
           <a:custGeom>
-            <a:rect b="b" l="l" r="r" t="t"/>
+            <a:avLst/>
+            <a:gdLst/>
+            <a:ahLst/>
+            <a:cxnLst/>
+            <a:rect l="l" t="t" r="r" b="b"/>
             <a:pathLst>
-              <a:path extrusionOk="0" h="120000" w="120000">
+              <a:path w="120000" h="120000" extrusionOk="0">
                 <a:moveTo>
                   <a:pt x="0" y="0"/>
                 </a:moveTo>
@@ -1460,9 +1507,11 @@
       <p:sp>
         <p:nvSpPr>
           <p:cNvPr id="217" name="Google Shape;217;g6bda728503_0_2:notes"/>
-          <p:cNvSpPr txBox="1"/>
+          <p:cNvSpPr txBox="1">
+            <a:spLocks noGrp="1"/>
+          </p:cNvSpPr>
           <p:nvPr>
-            <p:ph idx="1" type="body"/>
+            <p:ph type="body" idx="1"/>
           </p:nvPr>
         </p:nvSpPr>
         <p:spPr>
@@ -1475,12 +1524,12 @@
           </a:prstGeom>
         </p:spPr>
         <p:txBody>
-          <a:bodyPr anchorCtr="0" anchor="t" bIns="91425" lIns="91425" spcFirstLastPara="1" rIns="91425" wrap="square" tIns="91425">
+          <a:bodyPr spcFirstLastPara="1" wrap="square" lIns="91425" tIns="91425" rIns="91425" bIns="91425" anchor="t" anchorCtr="0">
             <a:noAutofit/>
           </a:bodyPr>
           <a:lstStyle/>
           <a:p>
-            <a:pPr indent="0" lvl="0" marL="0" rtl="0" algn="l">
+            <a:pPr marL="0" lvl="0" indent="0" algn="l" rtl="0">
               <a:spcBef>
                 <a:spcPts val="0"/>
               </a:spcBef>
@@ -1489,9 +1538,6 @@
               </a:spcAft>
               <a:buNone/>
             </a:pPr>
-            <a:r>
-              <a:t/>
-            </a:r>
             <a:endParaRPr/>
           </a:p>
         </p:txBody>
@@ -1505,11 +1551,11 @@
 </file>
 
 <file path=ppt/notesSlides/notesSlide17.xml><?xml version="1.0" encoding="utf-8"?>
-<p:notes xmlns:a="http://schemas.openxmlformats.org/drawingml/2006/main" xmlns:r="http://schemas.openxmlformats.org/officeDocument/2006/relationships" xmlns:mc="http://schemas.openxmlformats.org/markup-compatibility/2006" xmlns:mv="urn:schemas-microsoft-com:mac:vml" xmlns:p="http://schemas.openxmlformats.org/presentationml/2006/main" xmlns:c="http://schemas.openxmlformats.org/drawingml/2006/chart" xmlns:dgm="http://schemas.openxmlformats.org/drawingml/2006/diagram" xmlns:o="urn:schemas-microsoft-com:office:office" xmlns:v="urn:schemas-microsoft-com:vml" xmlns:pvml="urn:schemas-microsoft-com:office:powerpoint" xmlns:com="http://schemas.openxmlformats.org/drawingml/2006/compatibility" xmlns:p14="http://schemas.microsoft.com/office/powerpoint/2010/main" xmlns:p15="http://schemas.microsoft.com/office/powerpoint/2012/main" showMasterPhAnim="0" showMasterSp="0">
+<p:notes xmlns:a="http://schemas.openxmlformats.org/drawingml/2006/main" xmlns:r="http://schemas.openxmlformats.org/officeDocument/2006/relationships" xmlns:p="http://schemas.openxmlformats.org/presentationml/2006/main" showMasterSp="0" showMasterPhAnim="0">
   <p:cSld>
     <p:spTree>
       <p:nvGrpSpPr>
-        <p:cNvPr id="223" name="Shape 223"/>
+        <p:cNvPr id="1" name="Shape 223"/>
         <p:cNvGrpSpPr/>
         <p:nvPr/>
       </p:nvGrpSpPr>
@@ -1524,9 +1570,11 @@
       <p:sp>
         <p:nvSpPr>
           <p:cNvPr id="224" name="Google Shape;224;g6c40a26418_1_2:notes"/>
-          <p:cNvSpPr/>
+          <p:cNvSpPr>
+            <a:spLocks noGrp="1" noRot="1" noChangeAspect="1"/>
+          </p:cNvSpPr>
           <p:nvPr>
-            <p:ph idx="2" type="sldImg"/>
+            <p:ph type="sldImg" idx="2"/>
           </p:nvPr>
         </p:nvSpPr>
         <p:spPr>
@@ -1535,9 +1583,13 @@
             <a:ext cx="6096000" cy="3429000"/>
           </a:xfrm>
           <a:custGeom>
-            <a:rect b="b" l="l" r="r" t="t"/>
+            <a:avLst/>
+            <a:gdLst/>
+            <a:ahLst/>
+            <a:cxnLst/>
+            <a:rect l="l" t="t" r="r" b="b"/>
             <a:pathLst>
-              <a:path extrusionOk="0" h="120000" w="120000">
+              <a:path w="120000" h="120000" extrusionOk="0">
                 <a:moveTo>
                   <a:pt x="0" y="0"/>
                 </a:moveTo>
@@ -1559,9 +1611,11 @@
       <p:sp>
         <p:nvSpPr>
           <p:cNvPr id="225" name="Google Shape;225;g6c40a26418_1_2:notes"/>
-          <p:cNvSpPr txBox="1"/>
+          <p:cNvSpPr txBox="1">
+            <a:spLocks noGrp="1"/>
+          </p:cNvSpPr>
           <p:nvPr>
-            <p:ph idx="1" type="body"/>
+            <p:ph type="body" idx="1"/>
           </p:nvPr>
         </p:nvSpPr>
         <p:spPr>
@@ -1574,12 +1628,12 @@
           </a:prstGeom>
         </p:spPr>
         <p:txBody>
-          <a:bodyPr anchorCtr="0" anchor="t" bIns="91425" lIns="91425" spcFirstLastPara="1" rIns="91425" wrap="square" tIns="91425">
+          <a:bodyPr spcFirstLastPara="1" wrap="square" lIns="91425" tIns="91425" rIns="91425" bIns="91425" anchor="t" anchorCtr="0">
             <a:noAutofit/>
           </a:bodyPr>
           <a:lstStyle/>
           <a:p>
-            <a:pPr indent="0" lvl="0" marL="0" rtl="0" algn="l">
+            <a:pPr marL="0" lvl="0" indent="0" algn="l" rtl="0">
               <a:spcBef>
                 <a:spcPts val="0"/>
               </a:spcBef>
@@ -1588,9 +1642,6 @@
               </a:spcAft>
               <a:buNone/>
             </a:pPr>
-            <a:r>
-              <a:t/>
-            </a:r>
             <a:endParaRPr/>
           </a:p>
         </p:txBody>
@@ -1604,11 +1655,11 @@
 </file>
 
 <file path=ppt/notesSlides/notesSlide18.xml><?xml version="1.0" encoding="utf-8"?>
-<p:notes xmlns:a="http://schemas.openxmlformats.org/drawingml/2006/main" xmlns:r="http://schemas.openxmlformats.org/officeDocument/2006/relationships" xmlns:mc="http://schemas.openxmlformats.org/markup-compatibility/2006" xmlns:mv="urn:schemas-microsoft-com:mac:vml" xmlns:p="http://schemas.openxmlformats.org/presentationml/2006/main" xmlns:c="http://schemas.openxmlformats.org/drawingml/2006/chart" xmlns:dgm="http://schemas.openxmlformats.org/drawingml/2006/diagram" xmlns:o="urn:schemas-microsoft-com:office:office" xmlns:v="urn:schemas-microsoft-com:vml" xmlns:pvml="urn:schemas-microsoft-com:office:powerpoint" xmlns:com="http://schemas.openxmlformats.org/drawingml/2006/compatibility" xmlns:p14="http://schemas.microsoft.com/office/powerpoint/2010/main" xmlns:p15="http://schemas.microsoft.com/office/powerpoint/2012/main" showMasterPhAnim="0" showMasterSp="0">
+<p:notes xmlns:a="http://schemas.openxmlformats.org/drawingml/2006/main" xmlns:r="http://schemas.openxmlformats.org/officeDocument/2006/relationships" xmlns:p="http://schemas.openxmlformats.org/presentationml/2006/main" showMasterSp="0" showMasterPhAnim="0">
   <p:cSld>
     <p:spTree>
       <p:nvGrpSpPr>
-        <p:cNvPr id="229" name="Shape 229"/>
+        <p:cNvPr id="1" name="Shape 229"/>
         <p:cNvGrpSpPr/>
         <p:nvPr/>
       </p:nvGrpSpPr>
@@ -1623,9 +1674,11 @@
       <p:sp>
         <p:nvSpPr>
           <p:cNvPr id="230" name="Google Shape;230;gc6f9e470d_0_126:notes"/>
-          <p:cNvSpPr/>
+          <p:cNvSpPr>
+            <a:spLocks noGrp="1" noRot="1" noChangeAspect="1"/>
+          </p:cNvSpPr>
           <p:nvPr>
-            <p:ph idx="2" type="sldImg"/>
+            <p:ph type="sldImg" idx="2"/>
           </p:nvPr>
         </p:nvSpPr>
         <p:spPr>
@@ -1634,9 +1687,13 @@
             <a:ext cx="6096300" cy="3429000"/>
           </a:xfrm>
           <a:custGeom>
-            <a:rect b="b" l="l" r="r" t="t"/>
+            <a:avLst/>
+            <a:gdLst/>
+            <a:ahLst/>
+            <a:cxnLst/>
+            <a:rect l="l" t="t" r="r" b="b"/>
             <a:pathLst>
-              <a:path extrusionOk="0" h="120000" w="120000">
+              <a:path w="120000" h="120000" extrusionOk="0">
                 <a:moveTo>
                   <a:pt x="0" y="0"/>
                 </a:moveTo>
@@ -1658,9 +1715,11 @@
       <p:sp>
         <p:nvSpPr>
           <p:cNvPr id="231" name="Google Shape;231;gc6f9e470d_0_126:notes"/>
-          <p:cNvSpPr txBox="1"/>
+          <p:cNvSpPr txBox="1">
+            <a:spLocks noGrp="1"/>
+          </p:cNvSpPr>
           <p:nvPr>
-            <p:ph idx="1" type="body"/>
+            <p:ph type="body" idx="1"/>
           </p:nvPr>
         </p:nvSpPr>
         <p:spPr>
@@ -1673,12 +1732,12 @@
           </a:prstGeom>
         </p:spPr>
         <p:txBody>
-          <a:bodyPr anchorCtr="0" anchor="t" bIns="91425" lIns="91425" spcFirstLastPara="1" rIns="91425" wrap="square" tIns="91425">
+          <a:bodyPr spcFirstLastPara="1" wrap="square" lIns="91425" tIns="91425" rIns="91425" bIns="91425" anchor="t" anchorCtr="0">
             <a:noAutofit/>
           </a:bodyPr>
           <a:lstStyle/>
           <a:p>
-            <a:pPr indent="0" lvl="0" marL="0" rtl="0" algn="l">
+            <a:pPr marL="0" lvl="0" indent="0" algn="l" rtl="0">
               <a:spcBef>
                 <a:spcPts val="0"/>
               </a:spcBef>
@@ -1687,9 +1746,6 @@
               </a:spcAft>
               <a:buNone/>
             </a:pPr>
-            <a:r>
-              <a:t/>
-            </a:r>
             <a:endParaRPr/>
           </a:p>
         </p:txBody>
@@ -1703,11 +1759,11 @@
 </file>
 
 <file path=ppt/notesSlides/notesSlide2.xml><?xml version="1.0" encoding="utf-8"?>
-<p:notes xmlns:a="http://schemas.openxmlformats.org/drawingml/2006/main" xmlns:r="http://schemas.openxmlformats.org/officeDocument/2006/relationships" xmlns:mc="http://schemas.openxmlformats.org/markup-compatibility/2006" xmlns:mv="urn:schemas-microsoft-com:mac:vml" xmlns:p="http://schemas.openxmlformats.org/presentationml/2006/main" xmlns:c="http://schemas.openxmlformats.org/drawingml/2006/chart" xmlns:dgm="http://schemas.openxmlformats.org/drawingml/2006/diagram" xmlns:o="urn:schemas-microsoft-com:office:office" xmlns:v="urn:schemas-microsoft-com:vml" xmlns:pvml="urn:schemas-microsoft-com:office:powerpoint" xmlns:com="http://schemas.openxmlformats.org/drawingml/2006/compatibility" xmlns:p14="http://schemas.microsoft.com/office/powerpoint/2010/main" xmlns:p15="http://schemas.microsoft.com/office/powerpoint/2012/main" showMasterPhAnim="0" showMasterSp="0">
+<p:notes xmlns:a="http://schemas.openxmlformats.org/drawingml/2006/main" xmlns:r="http://schemas.openxmlformats.org/officeDocument/2006/relationships" xmlns:p="http://schemas.openxmlformats.org/presentationml/2006/main" showMasterSp="0" showMasterPhAnim="0">
   <p:cSld>
     <p:spTree>
       <p:nvGrpSpPr>
-        <p:cNvPr id="87" name="Shape 87"/>
+        <p:cNvPr id="1" name="Shape 87"/>
         <p:cNvGrpSpPr/>
         <p:nvPr/>
       </p:nvGrpSpPr>
@@ -1722,9 +1778,11 @@
       <p:sp>
         <p:nvSpPr>
           <p:cNvPr id="88" name="Google Shape;88;gc6f9e470d_0_5:notes"/>
-          <p:cNvSpPr/>
+          <p:cNvSpPr>
+            <a:spLocks noGrp="1" noRot="1" noChangeAspect="1"/>
+          </p:cNvSpPr>
           <p:nvPr>
-            <p:ph idx="2" type="sldImg"/>
+            <p:ph type="sldImg" idx="2"/>
           </p:nvPr>
         </p:nvSpPr>
         <p:spPr>
@@ -1733,9 +1791,13 @@
             <a:ext cx="6096300" cy="3429000"/>
           </a:xfrm>
           <a:custGeom>
-            <a:rect b="b" l="l" r="r" t="t"/>
+            <a:avLst/>
+            <a:gdLst/>
+            <a:ahLst/>
+            <a:cxnLst/>
+            <a:rect l="l" t="t" r="r" b="b"/>
             <a:pathLst>
-              <a:path extrusionOk="0" h="120000" w="120000">
+              <a:path w="120000" h="120000" extrusionOk="0">
                 <a:moveTo>
                   <a:pt x="0" y="0"/>
                 </a:moveTo>
@@ -1757,9 +1819,11 @@
       <p:sp>
         <p:nvSpPr>
           <p:cNvPr id="89" name="Google Shape;89;gc6f9e470d_0_5:notes"/>
-          <p:cNvSpPr txBox="1"/>
+          <p:cNvSpPr txBox="1">
+            <a:spLocks noGrp="1"/>
+          </p:cNvSpPr>
           <p:nvPr>
-            <p:ph idx="1" type="body"/>
+            <p:ph type="body" idx="1"/>
           </p:nvPr>
         </p:nvSpPr>
         <p:spPr>
@@ -1772,12 +1836,12 @@
           </a:prstGeom>
         </p:spPr>
         <p:txBody>
-          <a:bodyPr anchorCtr="0" anchor="t" bIns="91425" lIns="91425" spcFirstLastPara="1" rIns="91425" wrap="square" tIns="91425">
+          <a:bodyPr spcFirstLastPara="1" wrap="square" lIns="91425" tIns="91425" rIns="91425" bIns="91425" anchor="t" anchorCtr="0">
             <a:noAutofit/>
           </a:bodyPr>
           <a:lstStyle/>
           <a:p>
-            <a:pPr indent="0" lvl="0" marL="0" rtl="0" algn="l">
+            <a:pPr marL="0" lvl="0" indent="0" algn="l" rtl="0">
               <a:spcBef>
                 <a:spcPts val="0"/>
               </a:spcBef>
@@ -1786,9 +1850,6 @@
               </a:spcAft>
               <a:buNone/>
             </a:pPr>
-            <a:r>
-              <a:t/>
-            </a:r>
             <a:endParaRPr/>
           </a:p>
         </p:txBody>
@@ -1802,11 +1863,11 @@
 </file>
 
 <file path=ppt/notesSlides/notesSlide3.xml><?xml version="1.0" encoding="utf-8"?>
-<p:notes xmlns:a="http://schemas.openxmlformats.org/drawingml/2006/main" xmlns:r="http://schemas.openxmlformats.org/officeDocument/2006/relationships" xmlns:mc="http://schemas.openxmlformats.org/markup-compatibility/2006" xmlns:mv="urn:schemas-microsoft-com:mac:vml" xmlns:p="http://schemas.openxmlformats.org/presentationml/2006/main" xmlns:c="http://schemas.openxmlformats.org/drawingml/2006/chart" xmlns:dgm="http://schemas.openxmlformats.org/drawingml/2006/diagram" xmlns:o="urn:schemas-microsoft-com:office:office" xmlns:v="urn:schemas-microsoft-com:vml" xmlns:pvml="urn:schemas-microsoft-com:office:powerpoint" xmlns:com="http://schemas.openxmlformats.org/drawingml/2006/compatibility" xmlns:p14="http://schemas.microsoft.com/office/powerpoint/2010/main" xmlns:p15="http://schemas.microsoft.com/office/powerpoint/2012/main" showMasterPhAnim="0" showMasterSp="0">
+<p:notes xmlns:a="http://schemas.openxmlformats.org/drawingml/2006/main" xmlns:r="http://schemas.openxmlformats.org/officeDocument/2006/relationships" xmlns:p="http://schemas.openxmlformats.org/presentationml/2006/main" showMasterSp="0" showMasterPhAnim="0">
   <p:cSld>
     <p:spTree>
       <p:nvGrpSpPr>
-        <p:cNvPr id="97" name="Shape 97"/>
+        <p:cNvPr id="1" name="Shape 97"/>
         <p:cNvGrpSpPr/>
         <p:nvPr/>
       </p:nvGrpSpPr>
@@ -1821,9 +1882,11 @@
       <p:sp>
         <p:nvSpPr>
           <p:cNvPr id="98" name="Google Shape;98;gc6f9e470d_0_24:notes"/>
-          <p:cNvSpPr/>
+          <p:cNvSpPr>
+            <a:spLocks noGrp="1" noRot="1" noChangeAspect="1"/>
+          </p:cNvSpPr>
           <p:nvPr>
-            <p:ph idx="2" type="sldImg"/>
+            <p:ph type="sldImg" idx="2"/>
           </p:nvPr>
         </p:nvSpPr>
         <p:spPr>
@@ -1832,9 +1895,13 @@
             <a:ext cx="6096300" cy="3429000"/>
           </a:xfrm>
           <a:custGeom>
-            <a:rect b="b" l="l" r="r" t="t"/>
+            <a:avLst/>
+            <a:gdLst/>
+            <a:ahLst/>
+            <a:cxnLst/>
+            <a:rect l="l" t="t" r="r" b="b"/>
             <a:pathLst>
-              <a:path extrusionOk="0" h="120000" w="120000">
+              <a:path w="120000" h="120000" extrusionOk="0">
                 <a:moveTo>
                   <a:pt x="0" y="0"/>
                 </a:moveTo>
@@ -1856,9 +1923,11 @@
       <p:sp>
         <p:nvSpPr>
           <p:cNvPr id="99" name="Google Shape;99;gc6f9e470d_0_24:notes"/>
-          <p:cNvSpPr txBox="1"/>
+          <p:cNvSpPr txBox="1">
+            <a:spLocks noGrp="1"/>
+          </p:cNvSpPr>
           <p:nvPr>
-            <p:ph idx="1" type="body"/>
+            <p:ph type="body" idx="1"/>
           </p:nvPr>
         </p:nvSpPr>
         <p:spPr>
@@ -1871,12 +1940,12 @@
           </a:prstGeom>
         </p:spPr>
         <p:txBody>
-          <a:bodyPr anchorCtr="0" anchor="t" bIns="91425" lIns="91425" spcFirstLastPara="1" rIns="91425" wrap="square" tIns="91425">
+          <a:bodyPr spcFirstLastPara="1" wrap="square" lIns="91425" tIns="91425" rIns="91425" bIns="91425" anchor="t" anchorCtr="0">
             <a:noAutofit/>
           </a:bodyPr>
           <a:lstStyle/>
           <a:p>
-            <a:pPr indent="0" lvl="0" marL="0" rtl="0" algn="l">
+            <a:pPr marL="0" lvl="0" indent="0" algn="l" rtl="0">
               <a:spcBef>
                 <a:spcPts val="0"/>
               </a:spcBef>
@@ -1885,9 +1954,6 @@
               </a:spcAft>
               <a:buNone/>
             </a:pPr>
-            <a:r>
-              <a:t/>
-            </a:r>
             <a:endParaRPr/>
           </a:p>
         </p:txBody>
@@ -1901,11 +1967,11 @@
 </file>
 
 <file path=ppt/notesSlides/notesSlide4.xml><?xml version="1.0" encoding="utf-8"?>
-<p:notes xmlns:a="http://schemas.openxmlformats.org/drawingml/2006/main" xmlns:r="http://schemas.openxmlformats.org/officeDocument/2006/relationships" xmlns:mc="http://schemas.openxmlformats.org/markup-compatibility/2006" xmlns:mv="urn:schemas-microsoft-com:mac:vml" xmlns:p="http://schemas.openxmlformats.org/presentationml/2006/main" xmlns:c="http://schemas.openxmlformats.org/drawingml/2006/chart" xmlns:dgm="http://schemas.openxmlformats.org/drawingml/2006/diagram" xmlns:o="urn:schemas-microsoft-com:office:office" xmlns:v="urn:schemas-microsoft-com:vml" xmlns:pvml="urn:schemas-microsoft-com:office:powerpoint" xmlns:com="http://schemas.openxmlformats.org/drawingml/2006/compatibility" xmlns:p14="http://schemas.microsoft.com/office/powerpoint/2010/main" xmlns:p15="http://schemas.microsoft.com/office/powerpoint/2012/main" showMasterPhAnim="0" showMasterSp="0">
+<p:notes xmlns:a="http://schemas.openxmlformats.org/drawingml/2006/main" xmlns:r="http://schemas.openxmlformats.org/officeDocument/2006/relationships" xmlns:p="http://schemas.openxmlformats.org/presentationml/2006/main" showMasterSp="0" showMasterPhAnim="0">
   <p:cSld>
     <p:spTree>
       <p:nvGrpSpPr>
-        <p:cNvPr id="108" name="Shape 108"/>
+        <p:cNvPr id="1" name="Shape 108"/>
         <p:cNvGrpSpPr/>
         <p:nvPr/>
       </p:nvGrpSpPr>
@@ -1920,9 +1986,11 @@
       <p:sp>
         <p:nvSpPr>
           <p:cNvPr id="109" name="Google Shape;109;g6bd54e2d86_3_4:notes"/>
-          <p:cNvSpPr/>
+          <p:cNvSpPr>
+            <a:spLocks noGrp="1" noRot="1" noChangeAspect="1"/>
+          </p:cNvSpPr>
           <p:nvPr>
-            <p:ph idx="2" type="sldImg"/>
+            <p:ph type="sldImg" idx="2"/>
           </p:nvPr>
         </p:nvSpPr>
         <p:spPr>
@@ -1931,9 +1999,13 @@
             <a:ext cx="6096000" cy="3429000"/>
           </a:xfrm>
           <a:custGeom>
-            <a:rect b="b" l="l" r="r" t="t"/>
+            <a:avLst/>
+            <a:gdLst/>
+            <a:ahLst/>
+            <a:cxnLst/>
+            <a:rect l="l" t="t" r="r" b="b"/>
             <a:pathLst>
-              <a:path extrusionOk="0" h="120000" w="120000">
+              <a:path w="120000" h="120000" extrusionOk="0">
                 <a:moveTo>
                   <a:pt x="0" y="0"/>
                 </a:moveTo>
@@ -1955,9 +2027,11 @@
       <p:sp>
         <p:nvSpPr>
           <p:cNvPr id="110" name="Google Shape;110;g6bd54e2d86_3_4:notes"/>
-          <p:cNvSpPr txBox="1"/>
+          <p:cNvSpPr txBox="1">
+            <a:spLocks noGrp="1"/>
+          </p:cNvSpPr>
           <p:nvPr>
-            <p:ph idx="1" type="body"/>
+            <p:ph type="body" idx="1"/>
           </p:nvPr>
         </p:nvSpPr>
         <p:spPr>
@@ -1970,12 +2044,12 @@
           </a:prstGeom>
         </p:spPr>
         <p:txBody>
-          <a:bodyPr anchorCtr="0" anchor="t" bIns="91425" lIns="91425" spcFirstLastPara="1" rIns="91425" wrap="square" tIns="91425">
+          <a:bodyPr spcFirstLastPara="1" wrap="square" lIns="91425" tIns="91425" rIns="91425" bIns="91425" anchor="t" anchorCtr="0">
             <a:noAutofit/>
           </a:bodyPr>
           <a:lstStyle/>
           <a:p>
-            <a:pPr indent="0" lvl="0" marL="0" rtl="0" algn="l">
+            <a:pPr marL="0" lvl="0" indent="0" algn="l" rtl="0">
               <a:spcBef>
                 <a:spcPts val="0"/>
               </a:spcBef>
@@ -1984,9 +2058,6 @@
               </a:spcAft>
               <a:buNone/>
             </a:pPr>
-            <a:r>
-              <a:t/>
-            </a:r>
             <a:endParaRPr/>
           </a:p>
         </p:txBody>
@@ -2000,11 +2071,11 @@
 </file>
 
 <file path=ppt/notesSlides/notesSlide5.xml><?xml version="1.0" encoding="utf-8"?>
-<p:notes xmlns:a="http://schemas.openxmlformats.org/drawingml/2006/main" xmlns:r="http://schemas.openxmlformats.org/officeDocument/2006/relationships" xmlns:mc="http://schemas.openxmlformats.org/markup-compatibility/2006" xmlns:mv="urn:schemas-microsoft-com:mac:vml" xmlns:p="http://schemas.openxmlformats.org/presentationml/2006/main" xmlns:c="http://schemas.openxmlformats.org/drawingml/2006/chart" xmlns:dgm="http://schemas.openxmlformats.org/drawingml/2006/diagram" xmlns:o="urn:schemas-microsoft-com:office:office" xmlns:v="urn:schemas-microsoft-com:vml" xmlns:pvml="urn:schemas-microsoft-com:office:powerpoint" xmlns:com="http://schemas.openxmlformats.org/drawingml/2006/compatibility" xmlns:p14="http://schemas.microsoft.com/office/powerpoint/2010/main" xmlns:p15="http://schemas.microsoft.com/office/powerpoint/2012/main" showMasterPhAnim="0" showMasterSp="0">
+<p:notes xmlns:a="http://schemas.openxmlformats.org/drawingml/2006/main" xmlns:r="http://schemas.openxmlformats.org/officeDocument/2006/relationships" xmlns:p="http://schemas.openxmlformats.org/presentationml/2006/main" showMasterSp="0" showMasterPhAnim="0">
   <p:cSld>
     <p:spTree>
       <p:nvGrpSpPr>
-        <p:cNvPr id="115" name="Shape 115"/>
+        <p:cNvPr id="1" name="Shape 115"/>
         <p:cNvGrpSpPr/>
         <p:nvPr/>
       </p:nvGrpSpPr>
@@ -2019,9 +2090,11 @@
       <p:sp>
         <p:nvSpPr>
           <p:cNvPr id="116" name="Google Shape;116;g6bd54e2d86_3_41:notes"/>
-          <p:cNvSpPr/>
+          <p:cNvSpPr>
+            <a:spLocks noGrp="1" noRot="1" noChangeAspect="1"/>
+          </p:cNvSpPr>
           <p:nvPr>
-            <p:ph idx="2" type="sldImg"/>
+            <p:ph type="sldImg" idx="2"/>
           </p:nvPr>
         </p:nvSpPr>
         <p:spPr>
@@ -2030,9 +2103,13 @@
             <a:ext cx="6096000" cy="3429000"/>
           </a:xfrm>
           <a:custGeom>
-            <a:rect b="b" l="l" r="r" t="t"/>
+            <a:avLst/>
+            <a:gdLst/>
+            <a:ahLst/>
+            <a:cxnLst/>
+            <a:rect l="l" t="t" r="r" b="b"/>
             <a:pathLst>
-              <a:path extrusionOk="0" h="120000" w="120000">
+              <a:path w="120000" h="120000" extrusionOk="0">
                 <a:moveTo>
                   <a:pt x="0" y="0"/>
                 </a:moveTo>
@@ -2054,9 +2131,11 @@
       <p:sp>
         <p:nvSpPr>
           <p:cNvPr id="117" name="Google Shape;117;g6bd54e2d86_3_41:notes"/>
-          <p:cNvSpPr txBox="1"/>
+          <p:cNvSpPr txBox="1">
+            <a:spLocks noGrp="1"/>
+          </p:cNvSpPr>
           <p:nvPr>
-            <p:ph idx="1" type="body"/>
+            <p:ph type="body" idx="1"/>
           </p:nvPr>
         </p:nvSpPr>
         <p:spPr>
@@ -2069,12 +2148,12 @@
           </a:prstGeom>
         </p:spPr>
         <p:txBody>
-          <a:bodyPr anchorCtr="0" anchor="t" bIns="91425" lIns="91425" spcFirstLastPara="1" rIns="91425" wrap="square" tIns="91425">
+          <a:bodyPr spcFirstLastPara="1" wrap="square" lIns="91425" tIns="91425" rIns="91425" bIns="91425" anchor="t" anchorCtr="0">
             <a:noAutofit/>
           </a:bodyPr>
           <a:lstStyle/>
           <a:p>
-            <a:pPr indent="0" lvl="0" marL="0" rtl="0" algn="l">
+            <a:pPr marL="0" lvl="0" indent="0" algn="l" rtl="0">
               <a:spcBef>
                 <a:spcPts val="0"/>
               </a:spcBef>
@@ -2083,9 +2162,6 @@
               </a:spcAft>
               <a:buNone/>
             </a:pPr>
-            <a:r>
-              <a:t/>
-            </a:r>
             <a:endParaRPr/>
           </a:p>
         </p:txBody>
@@ -2099,11 +2175,11 @@
 </file>
 
 <file path=ppt/notesSlides/notesSlide6.xml><?xml version="1.0" encoding="utf-8"?>
-<p:notes xmlns:a="http://schemas.openxmlformats.org/drawingml/2006/main" xmlns:r="http://schemas.openxmlformats.org/officeDocument/2006/relationships" xmlns:mc="http://schemas.openxmlformats.org/markup-compatibility/2006" xmlns:mv="urn:schemas-microsoft-com:mac:vml" xmlns:p="http://schemas.openxmlformats.org/presentationml/2006/main" xmlns:c="http://schemas.openxmlformats.org/drawingml/2006/chart" xmlns:dgm="http://schemas.openxmlformats.org/drawingml/2006/diagram" xmlns:o="urn:schemas-microsoft-com:office:office" xmlns:v="urn:schemas-microsoft-com:vml" xmlns:pvml="urn:schemas-microsoft-com:office:powerpoint" xmlns:com="http://schemas.openxmlformats.org/drawingml/2006/compatibility" xmlns:p14="http://schemas.microsoft.com/office/powerpoint/2010/main" xmlns:p15="http://schemas.microsoft.com/office/powerpoint/2012/main" showMasterPhAnim="0" showMasterSp="0">
+<p:notes xmlns:a="http://schemas.openxmlformats.org/drawingml/2006/main" xmlns:r="http://schemas.openxmlformats.org/officeDocument/2006/relationships" xmlns:p="http://schemas.openxmlformats.org/presentationml/2006/main" showMasterSp="0" showMasterPhAnim="0">
   <p:cSld>
     <p:spTree>
       <p:nvGrpSpPr>
-        <p:cNvPr id="122" name="Shape 122"/>
+        <p:cNvPr id="1" name="Shape 122"/>
         <p:cNvGrpSpPr/>
         <p:nvPr/>
       </p:nvGrpSpPr>
@@ -2118,9 +2194,11 @@
       <p:sp>
         <p:nvSpPr>
           <p:cNvPr id="123" name="Google Shape;123;g6bd54e2d86_3_9:notes"/>
-          <p:cNvSpPr/>
+          <p:cNvSpPr>
+            <a:spLocks noGrp="1" noRot="1" noChangeAspect="1"/>
+          </p:cNvSpPr>
           <p:nvPr>
-            <p:ph idx="2" type="sldImg"/>
+            <p:ph type="sldImg" idx="2"/>
           </p:nvPr>
         </p:nvSpPr>
         <p:spPr>
@@ -2129,9 +2207,13 @@
             <a:ext cx="6096000" cy="3429000"/>
           </a:xfrm>
           <a:custGeom>
-            <a:rect b="b" l="l" r="r" t="t"/>
+            <a:avLst/>
+            <a:gdLst/>
+            <a:ahLst/>
+            <a:cxnLst/>
+            <a:rect l="l" t="t" r="r" b="b"/>
             <a:pathLst>
-              <a:path extrusionOk="0" h="120000" w="120000">
+              <a:path w="120000" h="120000" extrusionOk="0">
                 <a:moveTo>
                   <a:pt x="0" y="0"/>
                 </a:moveTo>
@@ -2153,9 +2235,11 @@
       <p:sp>
         <p:nvSpPr>
           <p:cNvPr id="124" name="Google Shape;124;g6bd54e2d86_3_9:notes"/>
-          <p:cNvSpPr txBox="1"/>
+          <p:cNvSpPr txBox="1">
+            <a:spLocks noGrp="1"/>
+          </p:cNvSpPr>
           <p:nvPr>
-            <p:ph idx="1" type="body"/>
+            <p:ph type="body" idx="1"/>
           </p:nvPr>
         </p:nvSpPr>
         <p:spPr>
@@ -2168,12 +2252,12 @@
           </a:prstGeom>
         </p:spPr>
         <p:txBody>
-          <a:bodyPr anchorCtr="0" anchor="t" bIns="91425" lIns="91425" spcFirstLastPara="1" rIns="91425" wrap="square" tIns="91425">
+          <a:bodyPr spcFirstLastPara="1" wrap="square" lIns="91425" tIns="91425" rIns="91425" bIns="91425" anchor="t" anchorCtr="0">
             <a:noAutofit/>
           </a:bodyPr>
           <a:lstStyle/>
           <a:p>
-            <a:pPr indent="0" lvl="0" marL="0" rtl="0" algn="l">
+            <a:pPr marL="0" lvl="0" indent="0" algn="l" rtl="0">
               <a:spcBef>
                 <a:spcPts val="0"/>
               </a:spcBef>
@@ -2182,9 +2266,6 @@
               </a:spcAft>
               <a:buNone/>
             </a:pPr>
-            <a:r>
-              <a:t/>
-            </a:r>
             <a:endParaRPr/>
           </a:p>
         </p:txBody>
@@ -2198,11 +2279,11 @@
 </file>
 
 <file path=ppt/notesSlides/notesSlide7.xml><?xml version="1.0" encoding="utf-8"?>
-<p:notes xmlns:a="http://schemas.openxmlformats.org/drawingml/2006/main" xmlns:r="http://schemas.openxmlformats.org/officeDocument/2006/relationships" xmlns:mc="http://schemas.openxmlformats.org/markup-compatibility/2006" xmlns:mv="urn:schemas-microsoft-com:mac:vml" xmlns:p="http://schemas.openxmlformats.org/presentationml/2006/main" xmlns:c="http://schemas.openxmlformats.org/drawingml/2006/chart" xmlns:dgm="http://schemas.openxmlformats.org/drawingml/2006/diagram" xmlns:o="urn:schemas-microsoft-com:office:office" xmlns:v="urn:schemas-microsoft-com:vml" xmlns:pvml="urn:schemas-microsoft-com:office:powerpoint" xmlns:com="http://schemas.openxmlformats.org/drawingml/2006/compatibility" xmlns:p14="http://schemas.microsoft.com/office/powerpoint/2010/main" xmlns:p15="http://schemas.microsoft.com/office/powerpoint/2012/main" showMasterPhAnim="0" showMasterSp="0">
+<p:notes xmlns:a="http://schemas.openxmlformats.org/drawingml/2006/main" xmlns:r="http://schemas.openxmlformats.org/officeDocument/2006/relationships" xmlns:p="http://schemas.openxmlformats.org/presentationml/2006/main" showMasterSp="0" showMasterPhAnim="0">
   <p:cSld>
     <p:spTree>
       <p:nvGrpSpPr>
-        <p:cNvPr id="128" name="Shape 128"/>
+        <p:cNvPr id="1" name="Shape 128"/>
         <p:cNvGrpSpPr/>
         <p:nvPr/>
       </p:nvGrpSpPr>
@@ -2217,9 +2298,11 @@
       <p:sp>
         <p:nvSpPr>
           <p:cNvPr id="129" name="Google Shape;129;g6bd54e2d86_0_1:notes"/>
-          <p:cNvSpPr/>
+          <p:cNvSpPr>
+            <a:spLocks noGrp="1" noRot="1" noChangeAspect="1"/>
+          </p:cNvSpPr>
           <p:nvPr>
-            <p:ph idx="2" type="sldImg"/>
+            <p:ph type="sldImg" idx="2"/>
           </p:nvPr>
         </p:nvSpPr>
         <p:spPr>
@@ -2228,9 +2311,13 @@
             <a:ext cx="6096000" cy="3429000"/>
           </a:xfrm>
           <a:custGeom>
-            <a:rect b="b" l="l" r="r" t="t"/>
+            <a:avLst/>
+            <a:gdLst/>
+            <a:ahLst/>
+            <a:cxnLst/>
+            <a:rect l="l" t="t" r="r" b="b"/>
             <a:pathLst>
-              <a:path extrusionOk="0" h="120000" w="120000">
+              <a:path w="120000" h="120000" extrusionOk="0">
                 <a:moveTo>
                   <a:pt x="0" y="0"/>
                 </a:moveTo>
@@ -2252,9 +2339,11 @@
       <p:sp>
         <p:nvSpPr>
           <p:cNvPr id="130" name="Google Shape;130;g6bd54e2d86_0_1:notes"/>
-          <p:cNvSpPr txBox="1"/>
+          <p:cNvSpPr txBox="1">
+            <a:spLocks noGrp="1"/>
+          </p:cNvSpPr>
           <p:nvPr>
-            <p:ph idx="1" type="body"/>
+            <p:ph type="body" idx="1"/>
           </p:nvPr>
         </p:nvSpPr>
         <p:spPr>
@@ -2267,12 +2356,12 @@
           </a:prstGeom>
         </p:spPr>
         <p:txBody>
-          <a:bodyPr anchorCtr="0" anchor="t" bIns="91425" lIns="91425" spcFirstLastPara="1" rIns="91425" wrap="square" tIns="91425">
+          <a:bodyPr spcFirstLastPara="1" wrap="square" lIns="91425" tIns="91425" rIns="91425" bIns="91425" anchor="t" anchorCtr="0">
             <a:noAutofit/>
           </a:bodyPr>
           <a:lstStyle/>
           <a:p>
-            <a:pPr indent="0" lvl="0" marL="0" rtl="0" algn="l">
+            <a:pPr marL="0" lvl="0" indent="0" algn="l" rtl="0">
               <a:spcBef>
                 <a:spcPts val="0"/>
               </a:spcBef>
@@ -2281,9 +2370,6 @@
               </a:spcAft>
               <a:buNone/>
             </a:pPr>
-            <a:r>
-              <a:t/>
-            </a:r>
             <a:endParaRPr/>
           </a:p>
         </p:txBody>
@@ -2297,11 +2383,11 @@
 </file>
 
 <file path=ppt/notesSlides/notesSlide8.xml><?xml version="1.0" encoding="utf-8"?>
-<p:notes xmlns:a="http://schemas.openxmlformats.org/drawingml/2006/main" xmlns:r="http://schemas.openxmlformats.org/officeDocument/2006/relationships" xmlns:mc="http://schemas.openxmlformats.org/markup-compatibility/2006" xmlns:mv="urn:schemas-microsoft-com:mac:vml" xmlns:p="http://schemas.openxmlformats.org/presentationml/2006/main" xmlns:c="http://schemas.openxmlformats.org/drawingml/2006/chart" xmlns:dgm="http://schemas.openxmlformats.org/drawingml/2006/diagram" xmlns:o="urn:schemas-microsoft-com:office:office" xmlns:v="urn:schemas-microsoft-com:vml" xmlns:pvml="urn:schemas-microsoft-com:office:powerpoint" xmlns:com="http://schemas.openxmlformats.org/drawingml/2006/compatibility" xmlns:p14="http://schemas.microsoft.com/office/powerpoint/2010/main" xmlns:p15="http://schemas.microsoft.com/office/powerpoint/2012/main" showMasterPhAnim="0" showMasterSp="0">
+<p:notes xmlns:a="http://schemas.openxmlformats.org/drawingml/2006/main" xmlns:r="http://schemas.openxmlformats.org/officeDocument/2006/relationships" xmlns:p="http://schemas.openxmlformats.org/presentationml/2006/main" showMasterSp="0" showMasterPhAnim="0">
   <p:cSld>
     <p:spTree>
       <p:nvGrpSpPr>
-        <p:cNvPr id="146" name="Shape 146"/>
+        <p:cNvPr id="1" name="Shape 146"/>
         <p:cNvGrpSpPr/>
         <p:nvPr/>
       </p:nvGrpSpPr>
@@ -2316,9 +2402,11 @@
       <p:sp>
         <p:nvSpPr>
           <p:cNvPr id="147" name="Google Shape;147;g6bd54e2d86_7_0:notes"/>
-          <p:cNvSpPr/>
+          <p:cNvSpPr>
+            <a:spLocks noGrp="1" noRot="1" noChangeAspect="1"/>
+          </p:cNvSpPr>
           <p:nvPr>
-            <p:ph idx="2" type="sldImg"/>
+            <p:ph type="sldImg" idx="2"/>
           </p:nvPr>
         </p:nvSpPr>
         <p:spPr>
@@ -2327,9 +2415,13 @@
             <a:ext cx="6096000" cy="3429000"/>
           </a:xfrm>
           <a:custGeom>
-            <a:rect b="b" l="l" r="r" t="t"/>
+            <a:avLst/>
+            <a:gdLst/>
+            <a:ahLst/>
+            <a:cxnLst/>
+            <a:rect l="l" t="t" r="r" b="b"/>
             <a:pathLst>
-              <a:path extrusionOk="0" h="120000" w="120000">
+              <a:path w="120000" h="120000" extrusionOk="0">
                 <a:moveTo>
                   <a:pt x="0" y="0"/>
                 </a:moveTo>
@@ -2351,9 +2443,11 @@
       <p:sp>
         <p:nvSpPr>
           <p:cNvPr id="148" name="Google Shape;148;g6bd54e2d86_7_0:notes"/>
-          <p:cNvSpPr txBox="1"/>
+          <p:cNvSpPr txBox="1">
+            <a:spLocks noGrp="1"/>
+          </p:cNvSpPr>
           <p:nvPr>
-            <p:ph idx="1" type="body"/>
+            <p:ph type="body" idx="1"/>
           </p:nvPr>
         </p:nvSpPr>
         <p:spPr>
@@ -2366,12 +2460,12 @@
           </a:prstGeom>
         </p:spPr>
         <p:txBody>
-          <a:bodyPr anchorCtr="0" anchor="t" bIns="91425" lIns="91425" spcFirstLastPara="1" rIns="91425" wrap="square" tIns="91425">
+          <a:bodyPr spcFirstLastPara="1" wrap="square" lIns="91425" tIns="91425" rIns="91425" bIns="91425" anchor="t" anchorCtr="0">
             <a:noAutofit/>
           </a:bodyPr>
           <a:lstStyle/>
           <a:p>
-            <a:pPr indent="0" lvl="0" marL="0" rtl="0" algn="l">
+            <a:pPr marL="0" lvl="0" indent="0" algn="l" rtl="0">
               <a:spcBef>
                 <a:spcPts val="0"/>
               </a:spcBef>
@@ -2380,9 +2474,6 @@
               </a:spcAft>
               <a:buNone/>
             </a:pPr>
-            <a:r>
-              <a:t/>
-            </a:r>
             <a:endParaRPr/>
           </a:p>
         </p:txBody>
@@ -2396,11 +2487,11 @@
 </file>
 
 <file path=ppt/notesSlides/notesSlide9.xml><?xml version="1.0" encoding="utf-8"?>
-<p:notes xmlns:a="http://schemas.openxmlformats.org/drawingml/2006/main" xmlns:r="http://schemas.openxmlformats.org/officeDocument/2006/relationships" xmlns:mc="http://schemas.openxmlformats.org/markup-compatibility/2006" xmlns:mv="urn:schemas-microsoft-com:mac:vml" xmlns:p="http://schemas.openxmlformats.org/presentationml/2006/main" xmlns:c="http://schemas.openxmlformats.org/drawingml/2006/chart" xmlns:dgm="http://schemas.openxmlformats.org/drawingml/2006/diagram" xmlns:o="urn:schemas-microsoft-com:office:office" xmlns:v="urn:schemas-microsoft-com:vml" xmlns:pvml="urn:schemas-microsoft-com:office:powerpoint" xmlns:com="http://schemas.openxmlformats.org/drawingml/2006/compatibility" xmlns:p14="http://schemas.microsoft.com/office/powerpoint/2010/main" xmlns:p15="http://schemas.microsoft.com/office/powerpoint/2012/main" showMasterPhAnim="0" showMasterSp="0">
+<p:notes xmlns:a="http://schemas.openxmlformats.org/drawingml/2006/main" xmlns:r="http://schemas.openxmlformats.org/officeDocument/2006/relationships" xmlns:p="http://schemas.openxmlformats.org/presentationml/2006/main" showMasterSp="0" showMasterPhAnim="0">
   <p:cSld>
     <p:spTree>
       <p:nvGrpSpPr>
-        <p:cNvPr id="164" name="Shape 164"/>
+        <p:cNvPr id="1" name="Shape 164"/>
         <p:cNvGrpSpPr/>
         <p:nvPr/>
       </p:nvGrpSpPr>
@@ -2415,9 +2506,11 @@
       <p:sp>
         <p:nvSpPr>
           <p:cNvPr id="165" name="Google Shape;165;g6bd54e2d86_3_14:notes"/>
-          <p:cNvSpPr/>
+          <p:cNvSpPr>
+            <a:spLocks noGrp="1" noRot="1" noChangeAspect="1"/>
+          </p:cNvSpPr>
           <p:nvPr>
-            <p:ph idx="2" type="sldImg"/>
+            <p:ph type="sldImg" idx="2"/>
           </p:nvPr>
         </p:nvSpPr>
         <p:spPr>
@@ -2426,9 +2519,13 @@
             <a:ext cx="6096000" cy="3429000"/>
           </a:xfrm>
           <a:custGeom>
-            <a:rect b="b" l="l" r="r" t="t"/>
+            <a:avLst/>
+            <a:gdLst/>
+            <a:ahLst/>
+            <a:cxnLst/>
+            <a:rect l="l" t="t" r="r" b="b"/>
             <a:pathLst>
-              <a:path extrusionOk="0" h="120000" w="120000">
+              <a:path w="120000" h="120000" extrusionOk="0">
                 <a:moveTo>
                   <a:pt x="0" y="0"/>
                 </a:moveTo>
@@ -2450,9 +2547,11 @@
       <p:sp>
         <p:nvSpPr>
           <p:cNvPr id="166" name="Google Shape;166;g6bd54e2d86_3_14:notes"/>
-          <p:cNvSpPr txBox="1"/>
+          <p:cNvSpPr txBox="1">
+            <a:spLocks noGrp="1"/>
+          </p:cNvSpPr>
           <p:nvPr>
-            <p:ph idx="1" type="body"/>
+            <p:ph type="body" idx="1"/>
           </p:nvPr>
         </p:nvSpPr>
         <p:spPr>
@@ -2465,12 +2564,12 @@
           </a:prstGeom>
         </p:spPr>
         <p:txBody>
-          <a:bodyPr anchorCtr="0" anchor="t" bIns="91425" lIns="91425" spcFirstLastPara="1" rIns="91425" wrap="square" tIns="91425">
+          <a:bodyPr spcFirstLastPara="1" wrap="square" lIns="91425" tIns="91425" rIns="91425" bIns="91425" anchor="t" anchorCtr="0">
             <a:noAutofit/>
           </a:bodyPr>
           <a:lstStyle/>
           <a:p>
-            <a:pPr indent="0" lvl="0" marL="0" rtl="0" algn="l">
+            <a:pPr marL="0" lvl="0" indent="0" algn="l" rtl="0">
               <a:spcBef>
                 <a:spcPts val="0"/>
               </a:spcBef>
@@ -2479,9 +2578,6 @@
               </a:spcAft>
               <a:buNone/>
             </a:pPr>
-            <a:r>
-              <a:t/>
-            </a:r>
             <a:endParaRPr/>
           </a:p>
         </p:txBody>
@@ -2495,18 +2591,19 @@
 </file>
 
 <file path=ppt/slideLayouts/slideLayout1.xml><?xml version="1.0" encoding="utf-8"?>
-<p:sldLayout xmlns:a="http://schemas.openxmlformats.org/drawingml/2006/main" xmlns:r="http://schemas.openxmlformats.org/officeDocument/2006/relationships" xmlns:mc="http://schemas.openxmlformats.org/markup-compatibility/2006" xmlns:mv="urn:schemas-microsoft-com:mac:vml" xmlns:p="http://schemas.openxmlformats.org/presentationml/2006/main" xmlns:c="http://schemas.openxmlformats.org/drawingml/2006/chart" xmlns:dgm="http://schemas.openxmlformats.org/drawingml/2006/diagram" xmlns:o="urn:schemas-microsoft-com:office:office" xmlns:v="urn:schemas-microsoft-com:vml" xmlns:pvml="urn:schemas-microsoft-com:office:powerpoint" xmlns:com="http://schemas.openxmlformats.org/drawingml/2006/compatibility" xmlns:p14="http://schemas.microsoft.com/office/powerpoint/2010/main" xmlns:p15="http://schemas.microsoft.com/office/powerpoint/2012/main" matchingName="Title slide" type="title">
+<p:sldLayout xmlns:a="http://schemas.openxmlformats.org/drawingml/2006/main" xmlns:r="http://schemas.openxmlformats.org/officeDocument/2006/relationships" xmlns:p="http://schemas.openxmlformats.org/presentationml/2006/main" matchingName="Title slide" type="title">
   <p:cSld name="TITLE">
     <p:bg>
       <p:bgPr>
         <a:solidFill>
           <a:schemeClr val="dk1"/>
         </a:solidFill>
+        <a:effectLst/>
       </p:bgPr>
     </p:bg>
     <p:spTree>
       <p:nvGrpSpPr>
-        <p:cNvPr id="9" name="Shape 9"/>
+        <p:cNvPr id="1" name="Shape 9"/>
         <p:cNvGrpSpPr/>
         <p:nvPr/>
       </p:nvGrpSpPr>
@@ -2554,12 +2651,12 @@
             </a:ln>
           </p:spPr>
           <p:txBody>
-            <a:bodyPr anchorCtr="0" anchor="ctr" bIns="91425" lIns="91425" spcFirstLastPara="1" rIns="91425" wrap="square" tIns="91425">
+            <a:bodyPr spcFirstLastPara="1" wrap="square" lIns="91425" tIns="91425" rIns="91425" bIns="91425" anchor="ctr" anchorCtr="0">
               <a:noAutofit/>
             </a:bodyPr>
             <a:lstStyle/>
             <a:p>
-              <a:pPr indent="0" lvl="0" marL="0" rtl="0" algn="l">
+              <a:pPr marL="0" lvl="0" indent="0" algn="l" rtl="0">
                 <a:spcBef>
                   <a:spcPts val="0"/>
                 </a:spcBef>
@@ -2568,9 +2665,6 @@
                 </a:spcAft>
                 <a:buNone/>
               </a:pPr>
-              <a:r>
-                <a:t/>
-              </a:r>
               <a:endParaRPr/>
             </a:p>
           </p:txBody>
@@ -2597,12 +2691,12 @@
             </a:ln>
           </p:spPr>
           <p:txBody>
-            <a:bodyPr anchorCtr="0" anchor="ctr" bIns="91425" lIns="91425" spcFirstLastPara="1" rIns="91425" wrap="square" tIns="91425">
+            <a:bodyPr spcFirstLastPara="1" wrap="square" lIns="91425" tIns="91425" rIns="91425" bIns="91425" anchor="ctr" anchorCtr="0">
               <a:noAutofit/>
             </a:bodyPr>
             <a:lstStyle/>
             <a:p>
-              <a:pPr indent="0" lvl="0" marL="0" rtl="0" algn="l">
+              <a:pPr marL="0" lvl="0" indent="0" algn="l" rtl="0">
                 <a:spcBef>
                   <a:spcPts val="0"/>
                 </a:spcBef>
@@ -2611,9 +2705,6 @@
                 </a:spcAft>
                 <a:buNone/>
               </a:pPr>
-              <a:r>
-                <a:t/>
-              </a:r>
               <a:endParaRPr/>
             </a:p>
           </p:txBody>
@@ -2625,7 +2716,7 @@
             <p:nvPr/>
           </p:nvSpPr>
           <p:spPr>
-            <a:xfrm flipH="1" rot="10800000">
+            <a:xfrm rot="10800000" flipH="1">
               <a:off x="7113588" y="107"/>
               <a:ext cx="1015200" cy="1015200"/>
             </a:xfrm>
@@ -2640,12 +2731,12 @@
             </a:ln>
           </p:spPr>
           <p:txBody>
-            <a:bodyPr anchorCtr="0" anchor="ctr" bIns="91425" lIns="91425" spcFirstLastPara="1" rIns="91425" wrap="square" tIns="91425">
+            <a:bodyPr spcFirstLastPara="1" wrap="square" lIns="91425" tIns="91425" rIns="91425" bIns="91425" anchor="ctr" anchorCtr="0">
               <a:noAutofit/>
             </a:bodyPr>
             <a:lstStyle/>
             <a:p>
-              <a:pPr indent="0" lvl="0" marL="0" rtl="0" algn="l">
+              <a:pPr marL="0" lvl="0" indent="0" algn="l" rtl="0">
                 <a:spcBef>
                   <a:spcPts val="0"/>
                 </a:spcBef>
@@ -2654,9 +2745,6 @@
                 </a:spcAft>
                 <a:buNone/>
               </a:pPr>
-              <a:r>
-                <a:t/>
-              </a:r>
               <a:endParaRPr/>
             </a:p>
           </p:txBody>
@@ -2683,12 +2771,12 @@
             </a:ln>
           </p:spPr>
           <p:txBody>
-            <a:bodyPr anchorCtr="0" anchor="ctr" bIns="91425" lIns="91425" spcFirstLastPara="1" rIns="91425" wrap="square" tIns="91425">
+            <a:bodyPr spcFirstLastPara="1" wrap="square" lIns="91425" tIns="91425" rIns="91425" bIns="91425" anchor="ctr" anchorCtr="0">
               <a:noAutofit/>
             </a:bodyPr>
             <a:lstStyle/>
             <a:p>
-              <a:pPr indent="0" lvl="0" marL="0" rtl="0" algn="l">
+              <a:pPr marL="0" lvl="0" indent="0" algn="l" rtl="0">
                 <a:spcBef>
                   <a:spcPts val="0"/>
                 </a:spcBef>
@@ -2697,9 +2785,6 @@
                 </a:spcAft>
                 <a:buNone/>
               </a:pPr>
-              <a:r>
-                <a:t/>
-              </a:r>
               <a:endParaRPr/>
             </a:p>
           </p:txBody>
@@ -2726,12 +2811,12 @@
             </a:ln>
           </p:spPr>
           <p:txBody>
-            <a:bodyPr anchorCtr="0" anchor="ctr" bIns="91425" lIns="91425" spcFirstLastPara="1" rIns="91425" wrap="square" tIns="91425">
+            <a:bodyPr spcFirstLastPara="1" wrap="square" lIns="91425" tIns="91425" rIns="91425" bIns="91425" anchor="ctr" anchorCtr="0">
               <a:noAutofit/>
             </a:bodyPr>
             <a:lstStyle/>
             <a:p>
-              <a:pPr indent="0" lvl="0" marL="0" rtl="0" algn="l">
+              <a:pPr marL="0" lvl="0" indent="0" algn="l" rtl="0">
                 <a:spcBef>
                   <a:spcPts val="0"/>
                 </a:spcBef>
@@ -2740,9 +2825,6 @@
                 </a:spcAft>
                 <a:buNone/>
               </a:pPr>
-              <a:r>
-                <a:t/>
-              </a:r>
               <a:endParaRPr/>
             </a:p>
           </p:txBody>
@@ -2751,7 +2833,9 @@
       <p:sp>
         <p:nvSpPr>
           <p:cNvPr id="16" name="Google Shape;16;p2"/>
-          <p:cNvSpPr txBox="1"/>
+          <p:cNvSpPr txBox="1">
+            <a:spLocks noGrp="1"/>
+          </p:cNvSpPr>
           <p:nvPr>
             <p:ph type="ctrTitle"/>
           </p:nvPr>
@@ -2766,7 +2850,7 @@
           </a:prstGeom>
         </p:spPr>
         <p:txBody>
-          <a:bodyPr anchorCtr="0" anchor="b" bIns="91425" lIns="91425" spcFirstLastPara="1" rIns="91425" wrap="square" tIns="91425">
+          <a:bodyPr spcFirstLastPara="1" wrap="square" lIns="91425" tIns="91425" rIns="91425" bIns="91425" anchor="b" anchorCtr="0">
             <a:noAutofit/>
           </a:bodyPr>
           <a:lstStyle>
@@ -2933,15 +3017,19 @@
               </a:defRPr>
             </a:lvl9pPr>
           </a:lstStyle>
-          <a:p/>
+          <a:p>
+            <a:endParaRPr/>
+          </a:p>
         </p:txBody>
       </p:sp>
       <p:sp>
         <p:nvSpPr>
           <p:cNvPr id="17" name="Google Shape;17;p2"/>
-          <p:cNvSpPr txBox="1"/>
+          <p:cNvSpPr txBox="1">
+            <a:spLocks noGrp="1"/>
+          </p:cNvSpPr>
           <p:nvPr>
-            <p:ph idx="1" type="subTitle"/>
+            <p:ph type="subTitle" idx="1"/>
           </p:nvPr>
         </p:nvSpPr>
         <p:spPr>
@@ -2954,7 +3042,7 @@
           </a:prstGeom>
         </p:spPr>
         <p:txBody>
-          <a:bodyPr anchorCtr="0" anchor="t" bIns="91425" lIns="91425" spcFirstLastPara="1" rIns="91425" wrap="square" tIns="91425">
+          <a:bodyPr spcFirstLastPara="1" wrap="square" lIns="91425" tIns="91425" rIns="91425" bIns="91425" anchor="t" anchorCtr="0">
             <a:noAutofit/>
           </a:bodyPr>
           <a:lstStyle>
@@ -3148,15 +3236,19 @@
               </a:defRPr>
             </a:lvl9pPr>
           </a:lstStyle>
-          <a:p/>
+          <a:p>
+            <a:endParaRPr/>
+          </a:p>
         </p:txBody>
       </p:sp>
       <p:sp>
         <p:nvSpPr>
           <p:cNvPr id="18" name="Google Shape;18;p2"/>
-          <p:cNvSpPr txBox="1"/>
+          <p:cNvSpPr txBox="1">
+            <a:spLocks noGrp="1"/>
+          </p:cNvSpPr>
           <p:nvPr>
-            <p:ph idx="12" type="sldNum"/>
+            <p:ph type="sldNum" idx="12"/>
           </p:nvPr>
         </p:nvSpPr>
         <p:spPr>
@@ -3169,7 +3261,7 @@
           </a:prstGeom>
         </p:spPr>
         <p:txBody>
-          <a:bodyPr anchorCtr="0" anchor="ctr" bIns="91425" lIns="91425" spcFirstLastPara="1" rIns="91425" wrap="square" tIns="91425">
+          <a:bodyPr spcFirstLastPara="1" wrap="square" lIns="91425" tIns="91425" rIns="91425" bIns="91425" anchor="ctr" anchorCtr="0">
             <a:noAutofit/>
           </a:bodyPr>
           <a:lstStyle>
@@ -3211,7 +3303,7 @@
             </a:lvl9pPr>
           </a:lstStyle>
           <a:p>
-            <a:pPr indent="0" lvl="0" marL="0" rtl="0" algn="r">
+            <a:pPr marL="0" lvl="0" indent="0" algn="r" rtl="0">
               <a:spcBef>
                 <a:spcPts val="0"/>
               </a:spcBef>
@@ -3237,18 +3329,19 @@
 </file>
 
 <file path=ppt/slideLayouts/slideLayout10.xml><?xml version="1.0" encoding="utf-8"?>
-<p:sldLayout xmlns:a="http://schemas.openxmlformats.org/drawingml/2006/main" xmlns:r="http://schemas.openxmlformats.org/officeDocument/2006/relationships" xmlns:mc="http://schemas.openxmlformats.org/markup-compatibility/2006" xmlns:mv="urn:schemas-microsoft-com:mac:vml" xmlns:p="http://schemas.openxmlformats.org/presentationml/2006/main" xmlns:c="http://schemas.openxmlformats.org/drawingml/2006/chart" xmlns:dgm="http://schemas.openxmlformats.org/drawingml/2006/diagram" xmlns:o="urn:schemas-microsoft-com:office:office" xmlns:v="urn:schemas-microsoft-com:vml" xmlns:pvml="urn:schemas-microsoft-com:office:powerpoint" xmlns:com="http://schemas.openxmlformats.org/drawingml/2006/compatibility" xmlns:p14="http://schemas.microsoft.com/office/powerpoint/2010/main" xmlns:p15="http://schemas.microsoft.com/office/powerpoint/2012/main" matchingName="Big number">
+<p:sldLayout xmlns:a="http://schemas.openxmlformats.org/drawingml/2006/main" xmlns:r="http://schemas.openxmlformats.org/officeDocument/2006/relationships" xmlns:p="http://schemas.openxmlformats.org/presentationml/2006/main" matchingName="Big number">
   <p:cSld name="BIG_NUMBER">
     <p:bg>
       <p:bgPr>
         <a:solidFill>
           <a:schemeClr val="dk1"/>
         </a:solidFill>
+        <a:effectLst/>
       </p:bgPr>
     </p:bg>
     <p:spTree>
       <p:nvGrpSpPr>
-        <p:cNvPr id="69" name="Shape 69"/>
+        <p:cNvPr id="1" name="Shape 69"/>
         <p:cNvGrpSpPr/>
         <p:nvPr/>
       </p:nvGrpSpPr>
@@ -3296,12 +3389,12 @@
             </a:ln>
           </p:spPr>
           <p:txBody>
-            <a:bodyPr anchorCtr="0" anchor="ctr" bIns="91425" lIns="91425" spcFirstLastPara="1" rIns="91425" wrap="square" tIns="91425">
+            <a:bodyPr spcFirstLastPara="1" wrap="square" lIns="91425" tIns="91425" rIns="91425" bIns="91425" anchor="ctr" anchorCtr="0">
               <a:noAutofit/>
             </a:bodyPr>
             <a:lstStyle/>
             <a:p>
-              <a:pPr indent="0" lvl="0" marL="0" rtl="0" algn="l">
+              <a:pPr marL="0" lvl="0" indent="0" algn="l" rtl="0">
                 <a:spcBef>
                   <a:spcPts val="0"/>
                 </a:spcBef>
@@ -3310,9 +3403,6 @@
                 </a:spcAft>
                 <a:buNone/>
               </a:pPr>
-              <a:r>
-                <a:t/>
-              </a:r>
               <a:endParaRPr/>
             </a:p>
           </p:txBody>
@@ -3339,12 +3429,12 @@
             </a:ln>
           </p:spPr>
           <p:txBody>
-            <a:bodyPr anchorCtr="0" anchor="ctr" bIns="91425" lIns="91425" spcFirstLastPara="1" rIns="91425" wrap="square" tIns="91425">
+            <a:bodyPr spcFirstLastPara="1" wrap="square" lIns="91425" tIns="91425" rIns="91425" bIns="91425" anchor="ctr" anchorCtr="0">
               <a:noAutofit/>
             </a:bodyPr>
             <a:lstStyle/>
             <a:p>
-              <a:pPr indent="0" lvl="0" marL="0" rtl="0" algn="l">
+              <a:pPr marL="0" lvl="0" indent="0" algn="l" rtl="0">
                 <a:spcBef>
                   <a:spcPts val="0"/>
                 </a:spcBef>
@@ -3353,9 +3443,6 @@
                 </a:spcAft>
                 <a:buNone/>
               </a:pPr>
-              <a:r>
-                <a:t/>
-              </a:r>
               <a:endParaRPr/>
             </a:p>
           </p:txBody>
@@ -3367,7 +3454,7 @@
             <p:nvPr/>
           </p:nvSpPr>
           <p:spPr>
-            <a:xfrm flipH="1" rot="10800000">
+            <a:xfrm rot="10800000" flipH="1">
               <a:off x="7113588" y="107"/>
               <a:ext cx="1015200" cy="1015200"/>
             </a:xfrm>
@@ -3382,12 +3469,12 @@
             </a:ln>
           </p:spPr>
           <p:txBody>
-            <a:bodyPr anchorCtr="0" anchor="ctr" bIns="91425" lIns="91425" spcFirstLastPara="1" rIns="91425" wrap="square" tIns="91425">
+            <a:bodyPr spcFirstLastPara="1" wrap="square" lIns="91425" tIns="91425" rIns="91425" bIns="91425" anchor="ctr" anchorCtr="0">
               <a:noAutofit/>
             </a:bodyPr>
             <a:lstStyle/>
             <a:p>
-              <a:pPr indent="0" lvl="0" marL="0" rtl="0" algn="l">
+              <a:pPr marL="0" lvl="0" indent="0" algn="l" rtl="0">
                 <a:spcBef>
                   <a:spcPts val="0"/>
                 </a:spcBef>
@@ -3396,9 +3483,6 @@
                 </a:spcAft>
                 <a:buNone/>
               </a:pPr>
-              <a:r>
-                <a:t/>
-              </a:r>
               <a:endParaRPr/>
             </a:p>
           </p:txBody>
@@ -3425,12 +3509,12 @@
             </a:ln>
           </p:spPr>
           <p:txBody>
-            <a:bodyPr anchorCtr="0" anchor="ctr" bIns="91425" lIns="91425" spcFirstLastPara="1" rIns="91425" wrap="square" tIns="91425">
+            <a:bodyPr spcFirstLastPara="1" wrap="square" lIns="91425" tIns="91425" rIns="91425" bIns="91425" anchor="ctr" anchorCtr="0">
               <a:noAutofit/>
             </a:bodyPr>
             <a:lstStyle/>
             <a:p>
-              <a:pPr indent="0" lvl="0" marL="0" rtl="0" algn="l">
+              <a:pPr marL="0" lvl="0" indent="0" algn="l" rtl="0">
                 <a:spcBef>
                   <a:spcPts val="0"/>
                 </a:spcBef>
@@ -3439,9 +3523,6 @@
                 </a:spcAft>
                 <a:buNone/>
               </a:pPr>
-              <a:r>
-                <a:t/>
-              </a:r>
               <a:endParaRPr/>
             </a:p>
           </p:txBody>
@@ -3468,12 +3549,12 @@
             </a:ln>
           </p:spPr>
           <p:txBody>
-            <a:bodyPr anchorCtr="0" anchor="ctr" bIns="91425" lIns="91425" spcFirstLastPara="1" rIns="91425" wrap="square" tIns="91425">
+            <a:bodyPr spcFirstLastPara="1" wrap="square" lIns="91425" tIns="91425" rIns="91425" bIns="91425" anchor="ctr" anchorCtr="0">
               <a:noAutofit/>
             </a:bodyPr>
             <a:lstStyle/>
             <a:p>
-              <a:pPr indent="0" lvl="0" marL="0" rtl="0" algn="l">
+              <a:pPr marL="0" lvl="0" indent="0" algn="l" rtl="0">
                 <a:spcBef>
                   <a:spcPts val="0"/>
                 </a:spcBef>
@@ -3482,9 +3563,6 @@
                 </a:spcAft>
                 <a:buNone/>
               </a:pPr>
-              <a:r>
-                <a:t/>
-              </a:r>
               <a:endParaRPr/>
             </a:p>
           </p:txBody>
@@ -3493,9 +3571,11 @@
       <p:sp>
         <p:nvSpPr>
           <p:cNvPr id="76" name="Google Shape;76;p11"/>
-          <p:cNvSpPr txBox="1"/>
+          <p:cNvSpPr txBox="1">
+            <a:spLocks noGrp="1"/>
+          </p:cNvSpPr>
           <p:nvPr>
-            <p:ph hasCustomPrompt="1" type="title"/>
+            <p:ph type="title" hasCustomPrompt="1"/>
           </p:nvPr>
         </p:nvSpPr>
         <p:spPr>
@@ -3508,7 +3588,7 @@
           </a:prstGeom>
         </p:spPr>
         <p:txBody>
-          <a:bodyPr anchorCtr="0" anchor="b" bIns="91425" lIns="91425" spcFirstLastPara="1" rIns="91425" wrap="square" tIns="91425">
+          <a:bodyPr spcFirstLastPara="1" wrap="square" lIns="91425" tIns="91425" rIns="91425" bIns="91425" anchor="b" anchorCtr="0">
             <a:noAutofit/>
           </a:bodyPr>
           <a:lstStyle>
@@ -3685,9 +3765,11 @@
       <p:sp>
         <p:nvSpPr>
           <p:cNvPr id="77" name="Google Shape;77;p11"/>
-          <p:cNvSpPr txBox="1"/>
+          <p:cNvSpPr txBox="1">
+            <a:spLocks noGrp="1"/>
+          </p:cNvSpPr>
           <p:nvPr>
-            <p:ph idx="1" type="body"/>
+            <p:ph type="body" idx="1"/>
           </p:nvPr>
         </p:nvSpPr>
         <p:spPr>
@@ -3700,11 +3782,11 @@
           </a:prstGeom>
         </p:spPr>
         <p:txBody>
-          <a:bodyPr anchorCtr="0" anchor="t" bIns="91425" lIns="91425" spcFirstLastPara="1" rIns="91425" wrap="square" tIns="91425">
+          <a:bodyPr spcFirstLastPara="1" wrap="square" lIns="91425" tIns="91425" rIns="91425" bIns="91425" anchor="t" anchorCtr="0">
             <a:noAutofit/>
           </a:bodyPr>
           <a:lstStyle>
-            <a:lvl1pPr indent="-342900" lvl="0" marL="457200" algn="ctr">
+            <a:lvl1pPr marL="457200" lvl="0" indent="-342900" algn="ctr">
               <a:spcBef>
                 <a:spcPts val="0"/>
               </a:spcBef>
@@ -3722,7 +3804,7 @@
                 </a:solidFill>
               </a:defRPr>
             </a:lvl1pPr>
-            <a:lvl2pPr indent="-317500" lvl="1" marL="914400" algn="ctr">
+            <a:lvl2pPr marL="914400" lvl="1" indent="-317500" algn="ctr">
               <a:spcBef>
                 <a:spcPts val="1600"/>
               </a:spcBef>
@@ -3740,7 +3822,7 @@
                 </a:solidFill>
               </a:defRPr>
             </a:lvl2pPr>
-            <a:lvl3pPr indent="-317500" lvl="2" marL="1371600" algn="ctr">
+            <a:lvl3pPr marL="1371600" lvl="2" indent="-317500" algn="ctr">
               <a:spcBef>
                 <a:spcPts val="1600"/>
               </a:spcBef>
@@ -3758,7 +3840,7 @@
                 </a:solidFill>
               </a:defRPr>
             </a:lvl3pPr>
-            <a:lvl4pPr indent="-317500" lvl="3" marL="1828800" algn="ctr">
+            <a:lvl4pPr marL="1828800" lvl="3" indent="-317500" algn="ctr">
               <a:spcBef>
                 <a:spcPts val="1600"/>
               </a:spcBef>
@@ -3776,7 +3858,7 @@
                 </a:solidFill>
               </a:defRPr>
             </a:lvl4pPr>
-            <a:lvl5pPr indent="-317500" lvl="4" marL="2286000" algn="ctr">
+            <a:lvl5pPr marL="2286000" lvl="4" indent="-317500" algn="ctr">
               <a:spcBef>
                 <a:spcPts val="1600"/>
               </a:spcBef>
@@ -3794,7 +3876,7 @@
                 </a:solidFill>
               </a:defRPr>
             </a:lvl5pPr>
-            <a:lvl6pPr indent="-317500" lvl="5" marL="2743200" algn="ctr">
+            <a:lvl6pPr marL="2743200" lvl="5" indent="-317500" algn="ctr">
               <a:spcBef>
                 <a:spcPts val="1600"/>
               </a:spcBef>
@@ -3812,7 +3894,7 @@
                 </a:solidFill>
               </a:defRPr>
             </a:lvl6pPr>
-            <a:lvl7pPr indent="-317500" lvl="6" marL="3200400" algn="ctr">
+            <a:lvl7pPr marL="3200400" lvl="6" indent="-317500" algn="ctr">
               <a:spcBef>
                 <a:spcPts val="1600"/>
               </a:spcBef>
@@ -3830,7 +3912,7 @@
                 </a:solidFill>
               </a:defRPr>
             </a:lvl7pPr>
-            <a:lvl8pPr indent="-317500" lvl="7" marL="3657600" algn="ctr">
+            <a:lvl8pPr marL="3657600" lvl="7" indent="-317500" algn="ctr">
               <a:spcBef>
                 <a:spcPts val="1600"/>
               </a:spcBef>
@@ -3848,7 +3930,7 @@
                 </a:solidFill>
               </a:defRPr>
             </a:lvl8pPr>
-            <a:lvl9pPr indent="-317500" lvl="8" marL="4114800" algn="ctr">
+            <a:lvl9pPr marL="4114800" lvl="8" indent="-317500" algn="ctr">
               <a:spcBef>
                 <a:spcPts val="1600"/>
               </a:spcBef>
@@ -3867,15 +3949,19 @@
               </a:defRPr>
             </a:lvl9pPr>
           </a:lstStyle>
-          <a:p/>
+          <a:p>
+            <a:endParaRPr/>
+          </a:p>
         </p:txBody>
       </p:sp>
       <p:sp>
         <p:nvSpPr>
           <p:cNvPr id="78" name="Google Shape;78;p11"/>
-          <p:cNvSpPr txBox="1"/>
+          <p:cNvSpPr txBox="1">
+            <a:spLocks noGrp="1"/>
+          </p:cNvSpPr>
           <p:nvPr>
-            <p:ph idx="12" type="sldNum"/>
+            <p:ph type="sldNum" idx="12"/>
           </p:nvPr>
         </p:nvSpPr>
         <p:spPr>
@@ -3888,7 +3974,7 @@
           </a:prstGeom>
         </p:spPr>
         <p:txBody>
-          <a:bodyPr anchorCtr="0" anchor="ctr" bIns="91425" lIns="91425" spcFirstLastPara="1" rIns="91425" wrap="square" tIns="91425">
+          <a:bodyPr spcFirstLastPara="1" wrap="square" lIns="91425" tIns="91425" rIns="91425" bIns="91425" anchor="ctr" anchorCtr="0">
             <a:noAutofit/>
           </a:bodyPr>
           <a:lstStyle>
@@ -3930,7 +4016,7 @@
             </a:lvl9pPr>
           </a:lstStyle>
           <a:p>
-            <a:pPr indent="0" lvl="0" marL="0" rtl="0" algn="r">
+            <a:pPr marL="0" lvl="0" indent="0" algn="r" rtl="0">
               <a:spcBef>
                 <a:spcPts val="0"/>
               </a:spcBef>
@@ -3956,11 +4042,11 @@
 </file>
 
 <file path=ppt/slideLayouts/slideLayout11.xml><?xml version="1.0" encoding="utf-8"?>
-<p:sldLayout xmlns:a="http://schemas.openxmlformats.org/drawingml/2006/main" xmlns:r="http://schemas.openxmlformats.org/officeDocument/2006/relationships" xmlns:mc="http://schemas.openxmlformats.org/markup-compatibility/2006" xmlns:mv="urn:schemas-microsoft-com:mac:vml" xmlns:p="http://schemas.openxmlformats.org/presentationml/2006/main" xmlns:c="http://schemas.openxmlformats.org/drawingml/2006/chart" xmlns:dgm="http://schemas.openxmlformats.org/drawingml/2006/diagram" xmlns:o="urn:schemas-microsoft-com:office:office" xmlns:v="urn:schemas-microsoft-com:vml" xmlns:pvml="urn:schemas-microsoft-com:office:powerpoint" xmlns:com="http://schemas.openxmlformats.org/drawingml/2006/compatibility" xmlns:p14="http://schemas.microsoft.com/office/powerpoint/2010/main" xmlns:p15="http://schemas.microsoft.com/office/powerpoint/2012/main" matchingName="Blank" type="blank">
+<p:sldLayout xmlns:a="http://schemas.openxmlformats.org/drawingml/2006/main" xmlns:r="http://schemas.openxmlformats.org/officeDocument/2006/relationships" xmlns:p="http://schemas.openxmlformats.org/presentationml/2006/main" matchingName="Blank" type="blank">
   <p:cSld name="BLANK">
     <p:spTree>
       <p:nvGrpSpPr>
-        <p:cNvPr id="79" name="Shape 79"/>
+        <p:cNvPr id="1" name="Shape 79"/>
         <p:cNvGrpSpPr/>
         <p:nvPr/>
       </p:nvGrpSpPr>
@@ -3975,9 +4061,11 @@
       <p:sp>
         <p:nvSpPr>
           <p:cNvPr id="80" name="Google Shape;80;p12"/>
-          <p:cNvSpPr txBox="1"/>
+          <p:cNvSpPr txBox="1">
+            <a:spLocks noGrp="1"/>
+          </p:cNvSpPr>
           <p:nvPr>
-            <p:ph idx="12" type="sldNum"/>
+            <p:ph type="sldNum" idx="12"/>
           </p:nvPr>
         </p:nvSpPr>
         <p:spPr>
@@ -3990,7 +4078,7 @@
           </a:prstGeom>
         </p:spPr>
         <p:txBody>
-          <a:bodyPr anchorCtr="0" anchor="ctr" bIns="91425" lIns="91425" spcFirstLastPara="1" rIns="91425" wrap="square" tIns="91425">
+          <a:bodyPr spcFirstLastPara="1" wrap="square" lIns="91425" tIns="91425" rIns="91425" bIns="91425" anchor="ctr" anchorCtr="0">
             <a:noAutofit/>
           </a:bodyPr>
           <a:lstStyle>
@@ -4068,7 +4156,7 @@
             </a:lvl9pPr>
           </a:lstStyle>
           <a:p>
-            <a:pPr indent="0" lvl="0" marL="0" rtl="0" algn="r">
+            <a:pPr marL="0" lvl="0" indent="0" algn="r" rtl="0">
               <a:spcBef>
                 <a:spcPts val="0"/>
               </a:spcBef>
@@ -4094,18 +4182,19 @@
 </file>
 
 <file path=ppt/slideLayouts/slideLayout2.xml><?xml version="1.0" encoding="utf-8"?>
-<p:sldLayout xmlns:a="http://schemas.openxmlformats.org/drawingml/2006/main" xmlns:r="http://schemas.openxmlformats.org/officeDocument/2006/relationships" xmlns:mc="http://schemas.openxmlformats.org/markup-compatibility/2006" xmlns:mv="urn:schemas-microsoft-com:mac:vml" xmlns:p="http://schemas.openxmlformats.org/presentationml/2006/main" xmlns:c="http://schemas.openxmlformats.org/drawingml/2006/chart" xmlns:dgm="http://schemas.openxmlformats.org/drawingml/2006/diagram" xmlns:o="urn:schemas-microsoft-com:office:office" xmlns:v="urn:schemas-microsoft-com:vml" xmlns:pvml="urn:schemas-microsoft-com:office:powerpoint" xmlns:com="http://schemas.openxmlformats.org/drawingml/2006/compatibility" xmlns:p14="http://schemas.microsoft.com/office/powerpoint/2010/main" xmlns:p15="http://schemas.microsoft.com/office/powerpoint/2012/main" matchingName="Section header" type="secHead">
+<p:sldLayout xmlns:a="http://schemas.openxmlformats.org/drawingml/2006/main" xmlns:r="http://schemas.openxmlformats.org/officeDocument/2006/relationships" xmlns:p="http://schemas.openxmlformats.org/presentationml/2006/main" matchingName="Section header" type="secHead">
   <p:cSld name="SECTION_HEADER">
     <p:bg>
       <p:bgPr>
         <a:solidFill>
           <a:schemeClr val="dk1"/>
         </a:solidFill>
+        <a:effectLst/>
       </p:bgPr>
     </p:bg>
     <p:spTree>
       <p:nvGrpSpPr>
-        <p:cNvPr id="19" name="Shape 19"/>
+        <p:cNvPr id="1" name="Shape 19"/>
         <p:cNvGrpSpPr/>
         <p:nvPr/>
       </p:nvGrpSpPr>
@@ -4153,12 +4242,12 @@
             </a:ln>
           </p:spPr>
           <p:txBody>
-            <a:bodyPr anchorCtr="0" anchor="ctr" bIns="91425" lIns="91425" spcFirstLastPara="1" rIns="91425" wrap="square" tIns="91425">
+            <a:bodyPr spcFirstLastPara="1" wrap="square" lIns="91425" tIns="91425" rIns="91425" bIns="91425" anchor="ctr" anchorCtr="0">
               <a:noAutofit/>
             </a:bodyPr>
             <a:lstStyle/>
             <a:p>
-              <a:pPr indent="0" lvl="0" marL="0" rtl="0" algn="l">
+              <a:pPr marL="0" lvl="0" indent="0" algn="l" rtl="0">
                 <a:spcBef>
                   <a:spcPts val="0"/>
                 </a:spcBef>
@@ -4167,9 +4256,6 @@
                 </a:spcAft>
                 <a:buNone/>
               </a:pPr>
-              <a:r>
-                <a:t/>
-              </a:r>
               <a:endParaRPr/>
             </a:p>
           </p:txBody>
@@ -4196,12 +4282,12 @@
             </a:ln>
           </p:spPr>
           <p:txBody>
-            <a:bodyPr anchorCtr="0" anchor="ctr" bIns="91425" lIns="91425" spcFirstLastPara="1" rIns="91425" wrap="square" tIns="91425">
+            <a:bodyPr spcFirstLastPara="1" wrap="square" lIns="91425" tIns="91425" rIns="91425" bIns="91425" anchor="ctr" anchorCtr="0">
               <a:noAutofit/>
             </a:bodyPr>
             <a:lstStyle/>
             <a:p>
-              <a:pPr indent="0" lvl="0" marL="0" rtl="0" algn="l">
+              <a:pPr marL="0" lvl="0" indent="0" algn="l" rtl="0">
                 <a:spcBef>
                   <a:spcPts val="0"/>
                 </a:spcBef>
@@ -4210,9 +4296,6 @@
                 </a:spcAft>
                 <a:buNone/>
               </a:pPr>
-              <a:r>
-                <a:t/>
-              </a:r>
               <a:endParaRPr/>
             </a:p>
           </p:txBody>
@@ -4224,7 +4307,7 @@
             <p:nvPr/>
           </p:nvSpPr>
           <p:spPr>
-            <a:xfrm flipH="1" rot="10800000">
+            <a:xfrm rot="10800000" flipH="1">
               <a:off x="7113588" y="107"/>
               <a:ext cx="1015200" cy="1015200"/>
             </a:xfrm>
@@ -4239,12 +4322,12 @@
             </a:ln>
           </p:spPr>
           <p:txBody>
-            <a:bodyPr anchorCtr="0" anchor="ctr" bIns="91425" lIns="91425" spcFirstLastPara="1" rIns="91425" wrap="square" tIns="91425">
+            <a:bodyPr spcFirstLastPara="1" wrap="square" lIns="91425" tIns="91425" rIns="91425" bIns="91425" anchor="ctr" anchorCtr="0">
               <a:noAutofit/>
             </a:bodyPr>
             <a:lstStyle/>
             <a:p>
-              <a:pPr indent="0" lvl="0" marL="0" rtl="0" algn="l">
+              <a:pPr marL="0" lvl="0" indent="0" algn="l" rtl="0">
                 <a:spcBef>
                   <a:spcPts val="0"/>
                 </a:spcBef>
@@ -4253,9 +4336,6 @@
                 </a:spcAft>
                 <a:buNone/>
               </a:pPr>
-              <a:r>
-                <a:t/>
-              </a:r>
               <a:endParaRPr/>
             </a:p>
           </p:txBody>
@@ -4282,12 +4362,12 @@
             </a:ln>
           </p:spPr>
           <p:txBody>
-            <a:bodyPr anchorCtr="0" anchor="ctr" bIns="91425" lIns="91425" spcFirstLastPara="1" rIns="91425" wrap="square" tIns="91425">
+            <a:bodyPr spcFirstLastPara="1" wrap="square" lIns="91425" tIns="91425" rIns="91425" bIns="91425" anchor="ctr" anchorCtr="0">
               <a:noAutofit/>
             </a:bodyPr>
             <a:lstStyle/>
             <a:p>
-              <a:pPr indent="0" lvl="0" marL="0" rtl="0" algn="l">
+              <a:pPr marL="0" lvl="0" indent="0" algn="l" rtl="0">
                 <a:spcBef>
                   <a:spcPts val="0"/>
                 </a:spcBef>
@@ -4296,9 +4376,6 @@
                 </a:spcAft>
                 <a:buNone/>
               </a:pPr>
-              <a:r>
-                <a:t/>
-              </a:r>
               <a:endParaRPr/>
             </a:p>
           </p:txBody>
@@ -4325,12 +4402,12 @@
             </a:ln>
           </p:spPr>
           <p:txBody>
-            <a:bodyPr anchorCtr="0" anchor="ctr" bIns="91425" lIns="91425" spcFirstLastPara="1" rIns="91425" wrap="square" tIns="91425">
+            <a:bodyPr spcFirstLastPara="1" wrap="square" lIns="91425" tIns="91425" rIns="91425" bIns="91425" anchor="ctr" anchorCtr="0">
               <a:noAutofit/>
             </a:bodyPr>
             <a:lstStyle/>
             <a:p>
-              <a:pPr indent="0" lvl="0" marL="0" rtl="0" algn="l">
+              <a:pPr marL="0" lvl="0" indent="0" algn="l" rtl="0">
                 <a:spcBef>
                   <a:spcPts val="0"/>
                 </a:spcBef>
@@ -4339,9 +4416,6 @@
                 </a:spcAft>
                 <a:buNone/>
               </a:pPr>
-              <a:r>
-                <a:t/>
-              </a:r>
               <a:endParaRPr/>
             </a:p>
           </p:txBody>
@@ -4350,7 +4424,9 @@
       <p:sp>
         <p:nvSpPr>
           <p:cNvPr id="26" name="Google Shape;26;p3"/>
-          <p:cNvSpPr txBox="1"/>
+          <p:cNvSpPr txBox="1">
+            <a:spLocks noGrp="1"/>
+          </p:cNvSpPr>
           <p:nvPr>
             <p:ph type="title"/>
           </p:nvPr>
@@ -4365,7 +4441,7 @@
           </a:prstGeom>
         </p:spPr>
         <p:txBody>
-          <a:bodyPr anchorCtr="0" anchor="ctr" bIns="91425" lIns="91425" spcFirstLastPara="1" rIns="91425" wrap="square" tIns="91425">
+          <a:bodyPr spcFirstLastPara="1" wrap="square" lIns="91425" tIns="91425" rIns="91425" bIns="91425" anchor="ctr" anchorCtr="0">
             <a:noAutofit/>
           </a:bodyPr>
           <a:lstStyle>
@@ -4532,15 +4608,19 @@
               </a:defRPr>
             </a:lvl9pPr>
           </a:lstStyle>
-          <a:p/>
+          <a:p>
+            <a:endParaRPr/>
+          </a:p>
         </p:txBody>
       </p:sp>
       <p:sp>
         <p:nvSpPr>
           <p:cNvPr id="27" name="Google Shape;27;p3"/>
-          <p:cNvSpPr txBox="1"/>
+          <p:cNvSpPr txBox="1">
+            <a:spLocks noGrp="1"/>
+          </p:cNvSpPr>
           <p:nvPr>
-            <p:ph idx="12" type="sldNum"/>
+            <p:ph type="sldNum" idx="12"/>
           </p:nvPr>
         </p:nvSpPr>
         <p:spPr>
@@ -4553,7 +4633,7 @@
           </a:prstGeom>
         </p:spPr>
         <p:txBody>
-          <a:bodyPr anchorCtr="0" anchor="ctr" bIns="91425" lIns="91425" spcFirstLastPara="1" rIns="91425" wrap="square" tIns="91425">
+          <a:bodyPr spcFirstLastPara="1" wrap="square" lIns="91425" tIns="91425" rIns="91425" bIns="91425" anchor="ctr" anchorCtr="0">
             <a:noAutofit/>
           </a:bodyPr>
           <a:lstStyle>
@@ -4595,7 +4675,7 @@
             </a:lvl9pPr>
           </a:lstStyle>
           <a:p>
-            <a:pPr indent="0" lvl="0" marL="0" rtl="0" algn="r">
+            <a:pPr marL="0" lvl="0" indent="0" algn="r" rtl="0">
               <a:spcBef>
                 <a:spcPts val="0"/>
               </a:spcBef>
@@ -4621,11 +4701,11 @@
 </file>
 
 <file path=ppt/slideLayouts/slideLayout3.xml><?xml version="1.0" encoding="utf-8"?>
-<p:sldLayout xmlns:a="http://schemas.openxmlformats.org/drawingml/2006/main" xmlns:r="http://schemas.openxmlformats.org/officeDocument/2006/relationships" xmlns:mc="http://schemas.openxmlformats.org/markup-compatibility/2006" xmlns:mv="urn:schemas-microsoft-com:mac:vml" xmlns:p="http://schemas.openxmlformats.org/presentationml/2006/main" xmlns:c="http://schemas.openxmlformats.org/drawingml/2006/chart" xmlns:dgm="http://schemas.openxmlformats.org/drawingml/2006/diagram" xmlns:o="urn:schemas-microsoft-com:office:office" xmlns:v="urn:schemas-microsoft-com:vml" xmlns:pvml="urn:schemas-microsoft-com:office:powerpoint" xmlns:com="http://schemas.openxmlformats.org/drawingml/2006/compatibility" xmlns:p14="http://schemas.microsoft.com/office/powerpoint/2010/main" xmlns:p15="http://schemas.microsoft.com/office/powerpoint/2012/main" matchingName="Title and body" type="tx">
+<p:sldLayout xmlns:a="http://schemas.openxmlformats.org/drawingml/2006/main" xmlns:r="http://schemas.openxmlformats.org/officeDocument/2006/relationships" xmlns:p="http://schemas.openxmlformats.org/presentationml/2006/main" matchingName="Title and body" type="tx">
   <p:cSld name="TITLE_AND_BODY">
     <p:spTree>
       <p:nvGrpSpPr>
-        <p:cNvPr id="28" name="Shape 28"/>
+        <p:cNvPr id="1" name="Shape 28"/>
         <p:cNvGrpSpPr/>
         <p:nvPr/>
       </p:nvGrpSpPr>
@@ -4673,12 +4753,12 @@
             </a:ln>
           </p:spPr>
           <p:txBody>
-            <a:bodyPr anchorCtr="0" anchor="ctr" bIns="91425" lIns="91425" spcFirstLastPara="1" rIns="91425" wrap="square" tIns="91425">
+            <a:bodyPr spcFirstLastPara="1" wrap="square" lIns="91425" tIns="91425" rIns="91425" bIns="91425" anchor="ctr" anchorCtr="0">
               <a:noAutofit/>
             </a:bodyPr>
             <a:lstStyle/>
             <a:p>
-              <a:pPr indent="0" lvl="0" marL="0" rtl="0" algn="l">
+              <a:pPr marL="0" lvl="0" indent="0" algn="l" rtl="0">
                 <a:spcBef>
                   <a:spcPts val="0"/>
                 </a:spcBef>
@@ -4687,9 +4767,6 @@
                 </a:spcAft>
                 <a:buNone/>
               </a:pPr>
-              <a:r>
-                <a:t/>
-              </a:r>
               <a:endParaRPr/>
             </a:p>
           </p:txBody>
@@ -4716,12 +4793,12 @@
             </a:ln>
           </p:spPr>
           <p:txBody>
-            <a:bodyPr anchorCtr="0" anchor="ctr" bIns="91425" lIns="91425" spcFirstLastPara="1" rIns="91425" wrap="square" tIns="91425">
+            <a:bodyPr spcFirstLastPara="1" wrap="square" lIns="91425" tIns="91425" rIns="91425" bIns="91425" anchor="ctr" anchorCtr="0">
               <a:noAutofit/>
             </a:bodyPr>
             <a:lstStyle/>
             <a:p>
-              <a:pPr indent="0" lvl="0" marL="0" rtl="0" algn="l">
+              <a:pPr marL="0" lvl="0" indent="0" algn="l" rtl="0">
                 <a:spcBef>
                   <a:spcPts val="0"/>
                 </a:spcBef>
@@ -4730,9 +4807,6 @@
                 </a:spcAft>
                 <a:buNone/>
               </a:pPr>
-              <a:r>
-                <a:t/>
-              </a:r>
               <a:endParaRPr/>
             </a:p>
           </p:txBody>
@@ -4759,12 +4833,12 @@
             </a:ln>
           </p:spPr>
           <p:txBody>
-            <a:bodyPr anchorCtr="0" anchor="ctr" bIns="91425" lIns="91425" spcFirstLastPara="1" rIns="91425" wrap="square" tIns="91425">
+            <a:bodyPr spcFirstLastPara="1" wrap="square" lIns="91425" tIns="91425" rIns="91425" bIns="91425" anchor="ctr" anchorCtr="0">
               <a:noAutofit/>
             </a:bodyPr>
             <a:lstStyle/>
             <a:p>
-              <a:pPr indent="0" lvl="0" marL="0" rtl="0" algn="l">
+              <a:pPr marL="0" lvl="0" indent="0" algn="l" rtl="0">
                 <a:spcBef>
                   <a:spcPts val="0"/>
                 </a:spcBef>
@@ -4773,9 +4847,6 @@
                 </a:spcAft>
                 <a:buNone/>
               </a:pPr>
-              <a:r>
-                <a:t/>
-              </a:r>
               <a:endParaRPr/>
             </a:p>
           </p:txBody>
@@ -4802,12 +4873,12 @@
             </a:ln>
           </p:spPr>
           <p:txBody>
-            <a:bodyPr anchorCtr="0" anchor="ctr" bIns="91425" lIns="91425" spcFirstLastPara="1" rIns="91425" wrap="square" tIns="91425">
+            <a:bodyPr spcFirstLastPara="1" wrap="square" lIns="91425" tIns="91425" rIns="91425" bIns="91425" anchor="ctr" anchorCtr="0">
               <a:noAutofit/>
             </a:bodyPr>
             <a:lstStyle/>
             <a:p>
-              <a:pPr indent="0" lvl="0" marL="0" rtl="0" algn="l">
+              <a:pPr marL="0" lvl="0" indent="0" algn="l" rtl="0">
                 <a:spcBef>
                   <a:spcPts val="0"/>
                 </a:spcBef>
@@ -4816,9 +4887,6 @@
                 </a:spcAft>
                 <a:buNone/>
               </a:pPr>
-              <a:r>
-                <a:t/>
-              </a:r>
               <a:endParaRPr/>
             </a:p>
           </p:txBody>
@@ -4845,12 +4913,12 @@
             </a:ln>
           </p:spPr>
           <p:txBody>
-            <a:bodyPr anchorCtr="0" anchor="ctr" bIns="91425" lIns="91425" spcFirstLastPara="1" rIns="91425" wrap="square" tIns="91425">
+            <a:bodyPr spcFirstLastPara="1" wrap="square" lIns="91425" tIns="91425" rIns="91425" bIns="91425" anchor="ctr" anchorCtr="0">
               <a:noAutofit/>
             </a:bodyPr>
             <a:lstStyle/>
             <a:p>
-              <a:pPr indent="0" lvl="0" marL="0" rtl="0" algn="l">
+              <a:pPr marL="0" lvl="0" indent="0" algn="l" rtl="0">
                 <a:spcBef>
                   <a:spcPts val="0"/>
                 </a:spcBef>
@@ -4859,9 +4927,6 @@
                 </a:spcAft>
                 <a:buNone/>
               </a:pPr>
-              <a:r>
-                <a:t/>
-              </a:r>
               <a:endParaRPr/>
             </a:p>
           </p:txBody>
@@ -4870,7 +4935,9 @@
       <p:sp>
         <p:nvSpPr>
           <p:cNvPr id="35" name="Google Shape;35;p4"/>
-          <p:cNvSpPr txBox="1"/>
+          <p:cNvSpPr txBox="1">
+            <a:spLocks noGrp="1"/>
+          </p:cNvSpPr>
           <p:nvPr>
             <p:ph type="title"/>
           </p:nvPr>
@@ -4885,7 +4952,7 @@
           </a:prstGeom>
         </p:spPr>
         <p:txBody>
-          <a:bodyPr anchorCtr="0" anchor="t" bIns="91425" lIns="91425" spcFirstLastPara="1" rIns="91425" wrap="square" tIns="91425">
+          <a:bodyPr spcFirstLastPara="1" wrap="square" lIns="91425" tIns="91425" rIns="91425" bIns="91425" anchor="t" anchorCtr="0">
             <a:noAutofit/>
           </a:bodyPr>
           <a:lstStyle>
@@ -4989,15 +5056,19 @@
               <a:defRPr/>
             </a:lvl9pPr>
           </a:lstStyle>
-          <a:p/>
+          <a:p>
+            <a:endParaRPr/>
+          </a:p>
         </p:txBody>
       </p:sp>
       <p:sp>
         <p:nvSpPr>
           <p:cNvPr id="36" name="Google Shape;36;p4"/>
-          <p:cNvSpPr txBox="1"/>
+          <p:cNvSpPr txBox="1">
+            <a:spLocks noGrp="1"/>
+          </p:cNvSpPr>
           <p:nvPr>
-            <p:ph idx="1" type="body"/>
+            <p:ph type="body" idx="1"/>
           </p:nvPr>
         </p:nvSpPr>
         <p:spPr>
@@ -5010,11 +5081,11 @@
           </a:prstGeom>
         </p:spPr>
         <p:txBody>
-          <a:bodyPr anchorCtr="0" anchor="t" bIns="91425" lIns="91425" spcFirstLastPara="1" rIns="91425" wrap="square" tIns="91425">
+          <a:bodyPr spcFirstLastPara="1" wrap="square" lIns="91425" tIns="91425" rIns="91425" bIns="91425" anchor="t" anchorCtr="0">
             <a:noAutofit/>
           </a:bodyPr>
           <a:lstStyle>
-            <a:lvl1pPr indent="-342900" lvl="0" marL="457200">
+            <a:lvl1pPr marL="457200" lvl="0" indent="-342900">
               <a:spcBef>
                 <a:spcPts val="0"/>
               </a:spcBef>
@@ -5025,7 +5096,7 @@
               <a:buChar char="●"/>
               <a:defRPr/>
             </a:lvl1pPr>
-            <a:lvl2pPr indent="-317500" lvl="1" marL="914400">
+            <a:lvl2pPr marL="914400" lvl="1" indent="-317500">
               <a:spcBef>
                 <a:spcPts val="1600"/>
               </a:spcBef>
@@ -5036,7 +5107,7 @@
               <a:buChar char="○"/>
               <a:defRPr/>
             </a:lvl2pPr>
-            <a:lvl3pPr indent="-317500" lvl="2" marL="1371600">
+            <a:lvl3pPr marL="1371600" lvl="2" indent="-317500">
               <a:spcBef>
                 <a:spcPts val="1600"/>
               </a:spcBef>
@@ -5047,7 +5118,7 @@
               <a:buChar char="■"/>
               <a:defRPr/>
             </a:lvl3pPr>
-            <a:lvl4pPr indent="-317500" lvl="3" marL="1828800">
+            <a:lvl4pPr marL="1828800" lvl="3" indent="-317500">
               <a:spcBef>
                 <a:spcPts val="1600"/>
               </a:spcBef>
@@ -5058,7 +5129,7 @@
               <a:buChar char="●"/>
               <a:defRPr/>
             </a:lvl4pPr>
-            <a:lvl5pPr indent="-317500" lvl="4" marL="2286000">
+            <a:lvl5pPr marL="2286000" lvl="4" indent="-317500">
               <a:spcBef>
                 <a:spcPts val="1600"/>
               </a:spcBef>
@@ -5069,7 +5140,7 @@
               <a:buChar char="○"/>
               <a:defRPr/>
             </a:lvl5pPr>
-            <a:lvl6pPr indent="-317500" lvl="5" marL="2743200">
+            <a:lvl6pPr marL="2743200" lvl="5" indent="-317500">
               <a:spcBef>
                 <a:spcPts val="1600"/>
               </a:spcBef>
@@ -5080,7 +5151,7 @@
               <a:buChar char="■"/>
               <a:defRPr/>
             </a:lvl6pPr>
-            <a:lvl7pPr indent="-317500" lvl="6" marL="3200400">
+            <a:lvl7pPr marL="3200400" lvl="6" indent="-317500">
               <a:spcBef>
                 <a:spcPts val="1600"/>
               </a:spcBef>
@@ -5091,7 +5162,7 @@
               <a:buChar char="●"/>
               <a:defRPr/>
             </a:lvl7pPr>
-            <a:lvl8pPr indent="-317500" lvl="7" marL="3657600">
+            <a:lvl8pPr marL="3657600" lvl="7" indent="-317500">
               <a:spcBef>
                 <a:spcPts val="1600"/>
               </a:spcBef>
@@ -5102,7 +5173,7 @@
               <a:buChar char="○"/>
               <a:defRPr/>
             </a:lvl8pPr>
-            <a:lvl9pPr indent="-317500" lvl="8" marL="4114800">
+            <a:lvl9pPr marL="4114800" lvl="8" indent="-317500">
               <a:spcBef>
                 <a:spcPts val="1600"/>
               </a:spcBef>
@@ -5114,15 +5185,19 @@
               <a:defRPr/>
             </a:lvl9pPr>
           </a:lstStyle>
-          <a:p/>
+          <a:p>
+            <a:endParaRPr/>
+          </a:p>
         </p:txBody>
       </p:sp>
       <p:sp>
         <p:nvSpPr>
           <p:cNvPr id="37" name="Google Shape;37;p4"/>
-          <p:cNvSpPr txBox="1"/>
+          <p:cNvSpPr txBox="1">
+            <a:spLocks noGrp="1"/>
+          </p:cNvSpPr>
           <p:nvPr>
-            <p:ph idx="12" type="sldNum"/>
+            <p:ph type="sldNum" idx="12"/>
           </p:nvPr>
         </p:nvSpPr>
         <p:spPr>
@@ -5135,7 +5210,7 @@
           </a:prstGeom>
         </p:spPr>
         <p:txBody>
-          <a:bodyPr anchorCtr="0" anchor="ctr" bIns="91425" lIns="91425" spcFirstLastPara="1" rIns="91425" wrap="square" tIns="91425">
+          <a:bodyPr spcFirstLastPara="1" wrap="square" lIns="91425" tIns="91425" rIns="91425" bIns="91425" anchor="ctr" anchorCtr="0">
             <a:noAutofit/>
           </a:bodyPr>
           <a:lstStyle>
@@ -5177,7 +5252,7 @@
             </a:lvl9pPr>
           </a:lstStyle>
           <a:p>
-            <a:pPr indent="0" lvl="0" marL="0" rtl="0" algn="r">
+            <a:pPr marL="0" lvl="0" indent="0" algn="r" rtl="0">
               <a:spcBef>
                 <a:spcPts val="0"/>
               </a:spcBef>
@@ -5203,11 +5278,11 @@
 </file>
 
 <file path=ppt/slideLayouts/slideLayout4.xml><?xml version="1.0" encoding="utf-8"?>
-<p:sldLayout xmlns:a="http://schemas.openxmlformats.org/drawingml/2006/main" xmlns:r="http://schemas.openxmlformats.org/officeDocument/2006/relationships" xmlns:mc="http://schemas.openxmlformats.org/markup-compatibility/2006" xmlns:mv="urn:schemas-microsoft-com:mac:vml" xmlns:p="http://schemas.openxmlformats.org/presentationml/2006/main" xmlns:c="http://schemas.openxmlformats.org/drawingml/2006/chart" xmlns:dgm="http://schemas.openxmlformats.org/drawingml/2006/diagram" xmlns:o="urn:schemas-microsoft-com:office:office" xmlns:v="urn:schemas-microsoft-com:vml" xmlns:pvml="urn:schemas-microsoft-com:office:powerpoint" xmlns:com="http://schemas.openxmlformats.org/drawingml/2006/compatibility" xmlns:p14="http://schemas.microsoft.com/office/powerpoint/2010/main" xmlns:p15="http://schemas.microsoft.com/office/powerpoint/2012/main" matchingName="Title and two columns" type="twoColTx">
+<p:sldLayout xmlns:a="http://schemas.openxmlformats.org/drawingml/2006/main" xmlns:r="http://schemas.openxmlformats.org/officeDocument/2006/relationships" xmlns:p="http://schemas.openxmlformats.org/presentationml/2006/main" matchingName="Title and two columns" type="twoColTx">
   <p:cSld name="TITLE_AND_TWO_COLUMNS">
     <p:spTree>
       <p:nvGrpSpPr>
-        <p:cNvPr id="38" name="Shape 38"/>
+        <p:cNvPr id="1" name="Shape 38"/>
         <p:cNvGrpSpPr/>
         <p:nvPr/>
       </p:nvGrpSpPr>
@@ -5222,7 +5297,9 @@
       <p:sp>
         <p:nvSpPr>
           <p:cNvPr id="39" name="Google Shape;39;p5"/>
-          <p:cNvSpPr txBox="1"/>
+          <p:cNvSpPr txBox="1">
+            <a:spLocks noGrp="1"/>
+          </p:cNvSpPr>
           <p:nvPr>
             <p:ph type="title"/>
           </p:nvPr>
@@ -5237,7 +5314,7 @@
           </a:prstGeom>
         </p:spPr>
         <p:txBody>
-          <a:bodyPr anchorCtr="0" anchor="t" bIns="91425" lIns="91425" spcFirstLastPara="1" rIns="91425" wrap="square" tIns="91425">
+          <a:bodyPr spcFirstLastPara="1" wrap="square" lIns="91425" tIns="91425" rIns="91425" bIns="91425" anchor="t" anchorCtr="0">
             <a:noAutofit/>
           </a:bodyPr>
           <a:lstStyle>
@@ -5341,15 +5418,19 @@
               <a:defRPr/>
             </a:lvl9pPr>
           </a:lstStyle>
-          <a:p/>
+          <a:p>
+            <a:endParaRPr/>
+          </a:p>
         </p:txBody>
       </p:sp>
       <p:sp>
         <p:nvSpPr>
           <p:cNvPr id="40" name="Google Shape;40;p5"/>
-          <p:cNvSpPr txBox="1"/>
+          <p:cNvSpPr txBox="1">
+            <a:spLocks noGrp="1"/>
+          </p:cNvSpPr>
           <p:nvPr>
-            <p:ph idx="1" type="body"/>
+            <p:ph type="body" idx="1"/>
           </p:nvPr>
         </p:nvSpPr>
         <p:spPr>
@@ -5362,11 +5443,11 @@
           </a:prstGeom>
         </p:spPr>
         <p:txBody>
-          <a:bodyPr anchorCtr="0" anchor="t" bIns="91425" lIns="91425" spcFirstLastPara="1" rIns="91425" wrap="square" tIns="91425">
+          <a:bodyPr spcFirstLastPara="1" wrap="square" lIns="91425" tIns="91425" rIns="91425" bIns="91425" anchor="t" anchorCtr="0">
             <a:noAutofit/>
           </a:bodyPr>
           <a:lstStyle>
-            <a:lvl1pPr indent="-317500" lvl="0" marL="457200">
+            <a:lvl1pPr marL="457200" lvl="0" indent="-317500">
               <a:spcBef>
                 <a:spcPts val="0"/>
               </a:spcBef>
@@ -5377,7 +5458,7 @@
               <a:buChar char="●"/>
               <a:defRPr sz="1400"/>
             </a:lvl1pPr>
-            <a:lvl2pPr indent="-304800" lvl="1" marL="914400">
+            <a:lvl2pPr marL="914400" lvl="1" indent="-304800">
               <a:spcBef>
                 <a:spcPts val="1600"/>
               </a:spcBef>
@@ -5388,7 +5469,7 @@
               <a:buChar char="○"/>
               <a:defRPr sz="1200"/>
             </a:lvl2pPr>
-            <a:lvl3pPr indent="-304800" lvl="2" marL="1371600">
+            <a:lvl3pPr marL="1371600" lvl="2" indent="-304800">
               <a:spcBef>
                 <a:spcPts val="1600"/>
               </a:spcBef>
@@ -5399,7 +5480,7 @@
               <a:buChar char="■"/>
               <a:defRPr sz="1200"/>
             </a:lvl3pPr>
-            <a:lvl4pPr indent="-304800" lvl="3" marL="1828800">
+            <a:lvl4pPr marL="1828800" lvl="3" indent="-304800">
               <a:spcBef>
                 <a:spcPts val="1600"/>
               </a:spcBef>
@@ -5410,7 +5491,7 @@
               <a:buChar char="●"/>
               <a:defRPr sz="1200"/>
             </a:lvl4pPr>
-            <a:lvl5pPr indent="-304800" lvl="4" marL="2286000">
+            <a:lvl5pPr marL="2286000" lvl="4" indent="-304800">
               <a:spcBef>
                 <a:spcPts val="1600"/>
               </a:spcBef>
@@ -5421,7 +5502,7 @@
               <a:buChar char="○"/>
               <a:defRPr sz="1200"/>
             </a:lvl5pPr>
-            <a:lvl6pPr indent="-304800" lvl="5" marL="2743200">
+            <a:lvl6pPr marL="2743200" lvl="5" indent="-304800">
               <a:spcBef>
                 <a:spcPts val="1600"/>
               </a:spcBef>
@@ -5432,7 +5513,7 @@
               <a:buChar char="■"/>
               <a:defRPr sz="1200"/>
             </a:lvl6pPr>
-            <a:lvl7pPr indent="-304800" lvl="6" marL="3200400">
+            <a:lvl7pPr marL="3200400" lvl="6" indent="-304800">
               <a:spcBef>
                 <a:spcPts val="1600"/>
               </a:spcBef>
@@ -5443,7 +5524,7 @@
               <a:buChar char="●"/>
               <a:defRPr sz="1200"/>
             </a:lvl7pPr>
-            <a:lvl8pPr indent="-304800" lvl="7" marL="3657600">
+            <a:lvl8pPr marL="3657600" lvl="7" indent="-304800">
               <a:spcBef>
                 <a:spcPts val="1600"/>
               </a:spcBef>
@@ -5454,7 +5535,7 @@
               <a:buChar char="○"/>
               <a:defRPr sz="1200"/>
             </a:lvl8pPr>
-            <a:lvl9pPr indent="-304800" lvl="8" marL="4114800">
+            <a:lvl9pPr marL="4114800" lvl="8" indent="-304800">
               <a:spcBef>
                 <a:spcPts val="1600"/>
               </a:spcBef>
@@ -5466,15 +5547,19 @@
               <a:defRPr sz="1200"/>
             </a:lvl9pPr>
           </a:lstStyle>
-          <a:p/>
+          <a:p>
+            <a:endParaRPr/>
+          </a:p>
         </p:txBody>
       </p:sp>
       <p:sp>
         <p:nvSpPr>
           <p:cNvPr id="41" name="Google Shape;41;p5"/>
-          <p:cNvSpPr txBox="1"/>
+          <p:cNvSpPr txBox="1">
+            <a:spLocks noGrp="1"/>
+          </p:cNvSpPr>
           <p:nvPr>
-            <p:ph idx="2" type="body"/>
+            <p:ph type="body" idx="2"/>
           </p:nvPr>
         </p:nvSpPr>
         <p:spPr>
@@ -5487,11 +5572,11 @@
           </a:prstGeom>
         </p:spPr>
         <p:txBody>
-          <a:bodyPr anchorCtr="0" anchor="t" bIns="91425" lIns="91425" spcFirstLastPara="1" rIns="91425" wrap="square" tIns="91425">
+          <a:bodyPr spcFirstLastPara="1" wrap="square" lIns="91425" tIns="91425" rIns="91425" bIns="91425" anchor="t" anchorCtr="0">
             <a:noAutofit/>
           </a:bodyPr>
           <a:lstStyle>
-            <a:lvl1pPr indent="-317500" lvl="0" marL="457200">
+            <a:lvl1pPr marL="457200" lvl="0" indent="-317500">
               <a:spcBef>
                 <a:spcPts val="0"/>
               </a:spcBef>
@@ -5502,7 +5587,7 @@
               <a:buChar char="●"/>
               <a:defRPr sz="1400"/>
             </a:lvl1pPr>
-            <a:lvl2pPr indent="-304800" lvl="1" marL="914400">
+            <a:lvl2pPr marL="914400" lvl="1" indent="-304800">
               <a:spcBef>
                 <a:spcPts val="1600"/>
               </a:spcBef>
@@ -5513,7 +5598,7 @@
               <a:buChar char="○"/>
               <a:defRPr sz="1200"/>
             </a:lvl2pPr>
-            <a:lvl3pPr indent="-304800" lvl="2" marL="1371600">
+            <a:lvl3pPr marL="1371600" lvl="2" indent="-304800">
               <a:spcBef>
                 <a:spcPts val="1600"/>
               </a:spcBef>
@@ -5524,7 +5609,7 @@
               <a:buChar char="■"/>
               <a:defRPr sz="1200"/>
             </a:lvl3pPr>
-            <a:lvl4pPr indent="-304800" lvl="3" marL="1828800">
+            <a:lvl4pPr marL="1828800" lvl="3" indent="-304800">
               <a:spcBef>
                 <a:spcPts val="1600"/>
               </a:spcBef>
@@ -5535,7 +5620,7 @@
               <a:buChar char="●"/>
               <a:defRPr sz="1200"/>
             </a:lvl4pPr>
-            <a:lvl5pPr indent="-304800" lvl="4" marL="2286000">
+            <a:lvl5pPr marL="2286000" lvl="4" indent="-304800">
               <a:spcBef>
                 <a:spcPts val="1600"/>
               </a:spcBef>
@@ -5546,7 +5631,7 @@
               <a:buChar char="○"/>
               <a:defRPr sz="1200"/>
             </a:lvl5pPr>
-            <a:lvl6pPr indent="-304800" lvl="5" marL="2743200">
+            <a:lvl6pPr marL="2743200" lvl="5" indent="-304800">
               <a:spcBef>
                 <a:spcPts val="1600"/>
               </a:spcBef>
@@ -5557,7 +5642,7 @@
               <a:buChar char="■"/>
               <a:defRPr sz="1200"/>
             </a:lvl6pPr>
-            <a:lvl7pPr indent="-304800" lvl="6" marL="3200400">
+            <a:lvl7pPr marL="3200400" lvl="6" indent="-304800">
               <a:spcBef>
                 <a:spcPts val="1600"/>
               </a:spcBef>
@@ -5568,7 +5653,7 @@
               <a:buChar char="●"/>
               <a:defRPr sz="1200"/>
             </a:lvl7pPr>
-            <a:lvl8pPr indent="-304800" lvl="7" marL="3657600">
+            <a:lvl8pPr marL="3657600" lvl="7" indent="-304800">
               <a:spcBef>
                 <a:spcPts val="1600"/>
               </a:spcBef>
@@ -5579,7 +5664,7 @@
               <a:buChar char="○"/>
               <a:defRPr sz="1200"/>
             </a:lvl8pPr>
-            <a:lvl9pPr indent="-304800" lvl="8" marL="4114800">
+            <a:lvl9pPr marL="4114800" lvl="8" indent="-304800">
               <a:spcBef>
                 <a:spcPts val="1600"/>
               </a:spcBef>
@@ -5591,15 +5676,19 @@
               <a:defRPr sz="1200"/>
             </a:lvl9pPr>
           </a:lstStyle>
-          <a:p/>
+          <a:p>
+            <a:endParaRPr/>
+          </a:p>
         </p:txBody>
       </p:sp>
       <p:sp>
         <p:nvSpPr>
           <p:cNvPr id="42" name="Google Shape;42;p5"/>
-          <p:cNvSpPr txBox="1"/>
+          <p:cNvSpPr txBox="1">
+            <a:spLocks noGrp="1"/>
+          </p:cNvSpPr>
           <p:nvPr>
-            <p:ph idx="12" type="sldNum"/>
+            <p:ph type="sldNum" idx="12"/>
           </p:nvPr>
         </p:nvSpPr>
         <p:spPr>
@@ -5612,7 +5701,7 @@
           </a:prstGeom>
         </p:spPr>
         <p:txBody>
-          <a:bodyPr anchorCtr="0" anchor="ctr" bIns="91425" lIns="91425" spcFirstLastPara="1" rIns="91425" wrap="square" tIns="91425">
+          <a:bodyPr spcFirstLastPara="1" wrap="square" lIns="91425" tIns="91425" rIns="91425" bIns="91425" anchor="ctr" anchorCtr="0">
             <a:noAutofit/>
           </a:bodyPr>
           <a:lstStyle>
@@ -5690,7 +5779,7 @@
             </a:lvl9pPr>
           </a:lstStyle>
           <a:p>
-            <a:pPr indent="0" lvl="0" marL="0" rtl="0" algn="r">
+            <a:pPr marL="0" lvl="0" indent="0" algn="r" rtl="0">
               <a:spcBef>
                 <a:spcPts val="0"/>
               </a:spcBef>
@@ -5716,11 +5805,11 @@
 </file>
 
 <file path=ppt/slideLayouts/slideLayout5.xml><?xml version="1.0" encoding="utf-8"?>
-<p:sldLayout xmlns:a="http://schemas.openxmlformats.org/drawingml/2006/main" xmlns:r="http://schemas.openxmlformats.org/officeDocument/2006/relationships" xmlns:mc="http://schemas.openxmlformats.org/markup-compatibility/2006" xmlns:mv="urn:schemas-microsoft-com:mac:vml" xmlns:p="http://schemas.openxmlformats.org/presentationml/2006/main" xmlns:c="http://schemas.openxmlformats.org/drawingml/2006/chart" xmlns:dgm="http://schemas.openxmlformats.org/drawingml/2006/diagram" xmlns:o="urn:schemas-microsoft-com:office:office" xmlns:v="urn:schemas-microsoft-com:vml" xmlns:pvml="urn:schemas-microsoft-com:office:powerpoint" xmlns:com="http://schemas.openxmlformats.org/drawingml/2006/compatibility" xmlns:p14="http://schemas.microsoft.com/office/powerpoint/2010/main" xmlns:p15="http://schemas.microsoft.com/office/powerpoint/2012/main" matchingName="Title only" type="titleOnly">
+<p:sldLayout xmlns:a="http://schemas.openxmlformats.org/drawingml/2006/main" xmlns:r="http://schemas.openxmlformats.org/officeDocument/2006/relationships" xmlns:p="http://schemas.openxmlformats.org/presentationml/2006/main" matchingName="Title only" type="titleOnly">
   <p:cSld name="TITLE_ONLY">
     <p:spTree>
       <p:nvGrpSpPr>
-        <p:cNvPr id="43" name="Shape 43"/>
+        <p:cNvPr id="1" name="Shape 43"/>
         <p:cNvGrpSpPr/>
         <p:nvPr/>
       </p:nvGrpSpPr>
@@ -5735,7 +5824,9 @@
       <p:sp>
         <p:nvSpPr>
           <p:cNvPr id="44" name="Google Shape;44;p6"/>
-          <p:cNvSpPr txBox="1"/>
+          <p:cNvSpPr txBox="1">
+            <a:spLocks noGrp="1"/>
+          </p:cNvSpPr>
           <p:nvPr>
             <p:ph type="title"/>
           </p:nvPr>
@@ -5750,7 +5841,7 @@
           </a:prstGeom>
         </p:spPr>
         <p:txBody>
-          <a:bodyPr anchorCtr="0" anchor="t" bIns="91425" lIns="91425" spcFirstLastPara="1" rIns="91425" wrap="square" tIns="91425">
+          <a:bodyPr spcFirstLastPara="1" wrap="square" lIns="91425" tIns="91425" rIns="91425" bIns="91425" anchor="t" anchorCtr="0">
             <a:noAutofit/>
           </a:bodyPr>
           <a:lstStyle>
@@ -5854,15 +5945,19 @@
               <a:defRPr/>
             </a:lvl9pPr>
           </a:lstStyle>
-          <a:p/>
+          <a:p>
+            <a:endParaRPr/>
+          </a:p>
         </p:txBody>
       </p:sp>
       <p:sp>
         <p:nvSpPr>
           <p:cNvPr id="45" name="Google Shape;45;p6"/>
-          <p:cNvSpPr txBox="1"/>
+          <p:cNvSpPr txBox="1">
+            <a:spLocks noGrp="1"/>
+          </p:cNvSpPr>
           <p:nvPr>
-            <p:ph idx="12" type="sldNum"/>
+            <p:ph type="sldNum" idx="12"/>
           </p:nvPr>
         </p:nvSpPr>
         <p:spPr>
@@ -5875,7 +5970,7 @@
           </a:prstGeom>
         </p:spPr>
         <p:txBody>
-          <a:bodyPr anchorCtr="0" anchor="ctr" bIns="91425" lIns="91425" spcFirstLastPara="1" rIns="91425" wrap="square" tIns="91425">
+          <a:bodyPr spcFirstLastPara="1" wrap="square" lIns="91425" tIns="91425" rIns="91425" bIns="91425" anchor="ctr" anchorCtr="0">
             <a:noAutofit/>
           </a:bodyPr>
           <a:lstStyle>
@@ -5953,7 +6048,7 @@
             </a:lvl9pPr>
           </a:lstStyle>
           <a:p>
-            <a:pPr indent="0" lvl="0" marL="0" rtl="0" algn="r">
+            <a:pPr marL="0" lvl="0" indent="0" algn="r" rtl="0">
               <a:spcBef>
                 <a:spcPts val="0"/>
               </a:spcBef>
@@ -5979,11 +6074,11 @@
 </file>
 
 <file path=ppt/slideLayouts/slideLayout6.xml><?xml version="1.0" encoding="utf-8"?>
-<p:sldLayout xmlns:a="http://schemas.openxmlformats.org/drawingml/2006/main" xmlns:r="http://schemas.openxmlformats.org/officeDocument/2006/relationships" xmlns:mc="http://schemas.openxmlformats.org/markup-compatibility/2006" xmlns:mv="urn:schemas-microsoft-com:mac:vml" xmlns:p="http://schemas.openxmlformats.org/presentationml/2006/main" xmlns:c="http://schemas.openxmlformats.org/drawingml/2006/chart" xmlns:dgm="http://schemas.openxmlformats.org/drawingml/2006/diagram" xmlns:o="urn:schemas-microsoft-com:office:office" xmlns:v="urn:schemas-microsoft-com:vml" xmlns:pvml="urn:schemas-microsoft-com:office:powerpoint" xmlns:com="http://schemas.openxmlformats.org/drawingml/2006/compatibility" xmlns:p14="http://schemas.microsoft.com/office/powerpoint/2010/main" xmlns:p15="http://schemas.microsoft.com/office/powerpoint/2012/main" matchingName="One column text">
+<p:sldLayout xmlns:a="http://schemas.openxmlformats.org/drawingml/2006/main" xmlns:r="http://schemas.openxmlformats.org/officeDocument/2006/relationships" xmlns:p="http://schemas.openxmlformats.org/presentationml/2006/main" matchingName="One column text">
   <p:cSld name="ONE_COLUMN_TEXT">
     <p:spTree>
       <p:nvGrpSpPr>
-        <p:cNvPr id="46" name="Shape 46"/>
+        <p:cNvPr id="1" name="Shape 46"/>
         <p:cNvGrpSpPr/>
         <p:nvPr/>
       </p:nvGrpSpPr>
@@ -5998,7 +6093,9 @@
       <p:sp>
         <p:nvSpPr>
           <p:cNvPr id="47" name="Google Shape;47;p7"/>
-          <p:cNvSpPr txBox="1"/>
+          <p:cNvSpPr txBox="1">
+            <a:spLocks noGrp="1"/>
+          </p:cNvSpPr>
           <p:nvPr>
             <p:ph type="title"/>
           </p:nvPr>
@@ -6013,7 +6110,7 @@
           </a:prstGeom>
         </p:spPr>
         <p:txBody>
-          <a:bodyPr anchorCtr="0" anchor="b" bIns="91425" lIns="91425" spcFirstLastPara="1" rIns="91425" wrap="square" tIns="91425">
+          <a:bodyPr spcFirstLastPara="1" wrap="square" lIns="91425" tIns="91425" rIns="91425" bIns="91425" anchor="b" anchorCtr="0">
             <a:noAutofit/>
           </a:bodyPr>
           <a:lstStyle>
@@ -6117,15 +6214,19 @@
               <a:defRPr sz="2400"/>
             </a:lvl9pPr>
           </a:lstStyle>
-          <a:p/>
+          <a:p>
+            <a:endParaRPr/>
+          </a:p>
         </p:txBody>
       </p:sp>
       <p:sp>
         <p:nvSpPr>
           <p:cNvPr id="48" name="Google Shape;48;p7"/>
-          <p:cNvSpPr txBox="1"/>
+          <p:cNvSpPr txBox="1">
+            <a:spLocks noGrp="1"/>
+          </p:cNvSpPr>
           <p:nvPr>
-            <p:ph idx="1" type="body"/>
+            <p:ph type="body" idx="1"/>
           </p:nvPr>
         </p:nvSpPr>
         <p:spPr>
@@ -6138,11 +6239,11 @@
           </a:prstGeom>
         </p:spPr>
         <p:txBody>
-          <a:bodyPr anchorCtr="0" anchor="t" bIns="91425" lIns="91425" spcFirstLastPara="1" rIns="91425" wrap="square" tIns="91425">
+          <a:bodyPr spcFirstLastPara="1" wrap="square" lIns="91425" tIns="91425" rIns="91425" bIns="91425" anchor="t" anchorCtr="0">
             <a:noAutofit/>
           </a:bodyPr>
           <a:lstStyle>
-            <a:lvl1pPr indent="-304800" lvl="0" marL="457200">
+            <a:lvl1pPr marL="457200" lvl="0" indent="-304800">
               <a:spcBef>
                 <a:spcPts val="0"/>
               </a:spcBef>
@@ -6153,7 +6254,7 @@
               <a:buChar char="●"/>
               <a:defRPr sz="1200"/>
             </a:lvl1pPr>
-            <a:lvl2pPr indent="-304800" lvl="1" marL="914400">
+            <a:lvl2pPr marL="914400" lvl="1" indent="-304800">
               <a:spcBef>
                 <a:spcPts val="1600"/>
               </a:spcBef>
@@ -6164,7 +6265,7 @@
               <a:buChar char="○"/>
               <a:defRPr sz="1200"/>
             </a:lvl2pPr>
-            <a:lvl3pPr indent="-304800" lvl="2" marL="1371600">
+            <a:lvl3pPr marL="1371600" lvl="2" indent="-304800">
               <a:spcBef>
                 <a:spcPts val="1600"/>
               </a:spcBef>
@@ -6175,7 +6276,7 @@
               <a:buChar char="■"/>
               <a:defRPr sz="1200"/>
             </a:lvl3pPr>
-            <a:lvl4pPr indent="-304800" lvl="3" marL="1828800">
+            <a:lvl4pPr marL="1828800" lvl="3" indent="-304800">
               <a:spcBef>
                 <a:spcPts val="1600"/>
               </a:spcBef>
@@ -6186,7 +6287,7 @@
               <a:buChar char="●"/>
               <a:defRPr sz="1200"/>
             </a:lvl4pPr>
-            <a:lvl5pPr indent="-304800" lvl="4" marL="2286000">
+            <a:lvl5pPr marL="2286000" lvl="4" indent="-304800">
               <a:spcBef>
                 <a:spcPts val="1600"/>
               </a:spcBef>
@@ -6197,7 +6298,7 @@
               <a:buChar char="○"/>
               <a:defRPr sz="1200"/>
             </a:lvl5pPr>
-            <a:lvl6pPr indent="-304800" lvl="5" marL="2743200">
+            <a:lvl6pPr marL="2743200" lvl="5" indent="-304800">
               <a:spcBef>
                 <a:spcPts val="1600"/>
               </a:spcBef>
@@ -6208,7 +6309,7 @@
               <a:buChar char="■"/>
               <a:defRPr sz="1200"/>
             </a:lvl6pPr>
-            <a:lvl7pPr indent="-304800" lvl="6" marL="3200400">
+            <a:lvl7pPr marL="3200400" lvl="6" indent="-304800">
               <a:spcBef>
                 <a:spcPts val="1600"/>
               </a:spcBef>
@@ -6219,7 +6320,7 @@
               <a:buChar char="●"/>
               <a:defRPr sz="1200"/>
             </a:lvl7pPr>
-            <a:lvl8pPr indent="-304800" lvl="7" marL="3657600">
+            <a:lvl8pPr marL="3657600" lvl="7" indent="-304800">
               <a:spcBef>
                 <a:spcPts val="1600"/>
               </a:spcBef>
@@ -6230,7 +6331,7 @@
               <a:buChar char="○"/>
               <a:defRPr sz="1200"/>
             </a:lvl8pPr>
-            <a:lvl9pPr indent="-304800" lvl="8" marL="4114800">
+            <a:lvl9pPr marL="4114800" lvl="8" indent="-304800">
               <a:spcBef>
                 <a:spcPts val="1600"/>
               </a:spcBef>
@@ -6242,15 +6343,19 @@
               <a:defRPr sz="1200"/>
             </a:lvl9pPr>
           </a:lstStyle>
-          <a:p/>
+          <a:p>
+            <a:endParaRPr/>
+          </a:p>
         </p:txBody>
       </p:sp>
       <p:sp>
         <p:nvSpPr>
           <p:cNvPr id="49" name="Google Shape;49;p7"/>
-          <p:cNvSpPr txBox="1"/>
+          <p:cNvSpPr txBox="1">
+            <a:spLocks noGrp="1"/>
+          </p:cNvSpPr>
           <p:nvPr>
-            <p:ph idx="12" type="sldNum"/>
+            <p:ph type="sldNum" idx="12"/>
           </p:nvPr>
         </p:nvSpPr>
         <p:spPr>
@@ -6263,7 +6368,7 @@
           </a:prstGeom>
         </p:spPr>
         <p:txBody>
-          <a:bodyPr anchorCtr="0" anchor="ctr" bIns="91425" lIns="91425" spcFirstLastPara="1" rIns="91425" wrap="square" tIns="91425">
+          <a:bodyPr spcFirstLastPara="1" wrap="square" lIns="91425" tIns="91425" rIns="91425" bIns="91425" anchor="ctr" anchorCtr="0">
             <a:noAutofit/>
           </a:bodyPr>
           <a:lstStyle>
@@ -6341,7 +6446,7 @@
             </a:lvl9pPr>
           </a:lstStyle>
           <a:p>
-            <a:pPr indent="0" lvl="0" marL="0" rtl="0" algn="r">
+            <a:pPr marL="0" lvl="0" indent="0" algn="r" rtl="0">
               <a:spcBef>
                 <a:spcPts val="0"/>
               </a:spcBef>
@@ -6367,18 +6472,19 @@
 </file>
 
 <file path=ppt/slideLayouts/slideLayout7.xml><?xml version="1.0" encoding="utf-8"?>
-<p:sldLayout xmlns:a="http://schemas.openxmlformats.org/drawingml/2006/main" xmlns:r="http://schemas.openxmlformats.org/officeDocument/2006/relationships" xmlns:mc="http://schemas.openxmlformats.org/markup-compatibility/2006" xmlns:mv="urn:schemas-microsoft-com:mac:vml" xmlns:p="http://schemas.openxmlformats.org/presentationml/2006/main" xmlns:c="http://schemas.openxmlformats.org/drawingml/2006/chart" xmlns:dgm="http://schemas.openxmlformats.org/drawingml/2006/diagram" xmlns:o="urn:schemas-microsoft-com:office:office" xmlns:v="urn:schemas-microsoft-com:vml" xmlns:pvml="urn:schemas-microsoft-com:office:powerpoint" xmlns:com="http://schemas.openxmlformats.org/drawingml/2006/compatibility" xmlns:p14="http://schemas.microsoft.com/office/powerpoint/2010/main" xmlns:p15="http://schemas.microsoft.com/office/powerpoint/2012/main" matchingName="Main point">
+<p:sldLayout xmlns:a="http://schemas.openxmlformats.org/drawingml/2006/main" xmlns:r="http://schemas.openxmlformats.org/officeDocument/2006/relationships" xmlns:p="http://schemas.openxmlformats.org/presentationml/2006/main" matchingName="Main point">
   <p:cSld name="MAIN_POINT">
     <p:bg>
       <p:bgPr>
         <a:solidFill>
           <a:schemeClr val="accent4"/>
         </a:solidFill>
+        <a:effectLst/>
       </p:bgPr>
     </p:bg>
     <p:spTree>
       <p:nvGrpSpPr>
-        <p:cNvPr id="50" name="Shape 50"/>
+        <p:cNvPr id="1" name="Shape 50"/>
         <p:cNvGrpSpPr/>
         <p:nvPr/>
       </p:nvGrpSpPr>
@@ -6426,12 +6532,12 @@
             </a:ln>
           </p:spPr>
           <p:txBody>
-            <a:bodyPr anchorCtr="0" anchor="ctr" bIns="91425" lIns="91425" spcFirstLastPara="1" rIns="91425" wrap="square" tIns="91425">
+            <a:bodyPr spcFirstLastPara="1" wrap="square" lIns="91425" tIns="91425" rIns="91425" bIns="91425" anchor="ctr" anchorCtr="0">
               <a:noAutofit/>
             </a:bodyPr>
             <a:lstStyle/>
             <a:p>
-              <a:pPr indent="0" lvl="0" marL="0" rtl="0" algn="l">
+              <a:pPr marL="0" lvl="0" indent="0" algn="l" rtl="0">
                 <a:spcBef>
                   <a:spcPts val="0"/>
                 </a:spcBef>
@@ -6440,9 +6546,6 @@
                 </a:spcAft>
                 <a:buNone/>
               </a:pPr>
-              <a:r>
-                <a:t/>
-              </a:r>
               <a:endParaRPr/>
             </a:p>
           </p:txBody>
@@ -6469,12 +6572,12 @@
             </a:ln>
           </p:spPr>
           <p:txBody>
-            <a:bodyPr anchorCtr="0" anchor="ctr" bIns="91425" lIns="91425" spcFirstLastPara="1" rIns="91425" wrap="square" tIns="91425">
+            <a:bodyPr spcFirstLastPara="1" wrap="square" lIns="91425" tIns="91425" rIns="91425" bIns="91425" anchor="ctr" anchorCtr="0">
               <a:noAutofit/>
             </a:bodyPr>
             <a:lstStyle/>
             <a:p>
-              <a:pPr indent="0" lvl="0" marL="0" rtl="0" algn="l">
+              <a:pPr marL="0" lvl="0" indent="0" algn="l" rtl="0">
                 <a:spcBef>
                   <a:spcPts val="0"/>
                 </a:spcBef>
@@ -6483,9 +6586,6 @@
                 </a:spcAft>
                 <a:buNone/>
               </a:pPr>
-              <a:r>
-                <a:t/>
-              </a:r>
               <a:endParaRPr/>
             </a:p>
           </p:txBody>
@@ -6497,7 +6597,7 @@
             <p:nvPr/>
           </p:nvSpPr>
           <p:spPr>
-            <a:xfrm flipH="1" rot="10800000">
+            <a:xfrm rot="10800000" flipH="1">
               <a:off x="7113588" y="107"/>
               <a:ext cx="1015200" cy="1015200"/>
             </a:xfrm>
@@ -6512,12 +6612,12 @@
             </a:ln>
           </p:spPr>
           <p:txBody>
-            <a:bodyPr anchorCtr="0" anchor="ctr" bIns="91425" lIns="91425" spcFirstLastPara="1" rIns="91425" wrap="square" tIns="91425">
+            <a:bodyPr spcFirstLastPara="1" wrap="square" lIns="91425" tIns="91425" rIns="91425" bIns="91425" anchor="ctr" anchorCtr="0">
               <a:noAutofit/>
             </a:bodyPr>
             <a:lstStyle/>
             <a:p>
-              <a:pPr indent="0" lvl="0" marL="0" rtl="0" algn="l">
+              <a:pPr marL="0" lvl="0" indent="0" algn="l" rtl="0">
                 <a:spcBef>
                   <a:spcPts val="0"/>
                 </a:spcBef>
@@ -6526,9 +6626,6 @@
                 </a:spcAft>
                 <a:buNone/>
               </a:pPr>
-              <a:r>
-                <a:t/>
-              </a:r>
               <a:endParaRPr/>
             </a:p>
           </p:txBody>
@@ -6555,12 +6652,12 @@
             </a:ln>
           </p:spPr>
           <p:txBody>
-            <a:bodyPr anchorCtr="0" anchor="ctr" bIns="91425" lIns="91425" spcFirstLastPara="1" rIns="91425" wrap="square" tIns="91425">
+            <a:bodyPr spcFirstLastPara="1" wrap="square" lIns="91425" tIns="91425" rIns="91425" bIns="91425" anchor="ctr" anchorCtr="0">
               <a:noAutofit/>
             </a:bodyPr>
             <a:lstStyle/>
             <a:p>
-              <a:pPr indent="0" lvl="0" marL="0" rtl="0" algn="l">
+              <a:pPr marL="0" lvl="0" indent="0" algn="l" rtl="0">
                 <a:spcBef>
                   <a:spcPts val="0"/>
                 </a:spcBef>
@@ -6569,9 +6666,6 @@
                 </a:spcAft>
                 <a:buNone/>
               </a:pPr>
-              <a:r>
-                <a:t/>
-              </a:r>
               <a:endParaRPr/>
             </a:p>
           </p:txBody>
@@ -6598,12 +6692,12 @@
             </a:ln>
           </p:spPr>
           <p:txBody>
-            <a:bodyPr anchorCtr="0" anchor="ctr" bIns="91425" lIns="91425" spcFirstLastPara="1" rIns="91425" wrap="square" tIns="91425">
+            <a:bodyPr spcFirstLastPara="1" wrap="square" lIns="91425" tIns="91425" rIns="91425" bIns="91425" anchor="ctr" anchorCtr="0">
               <a:noAutofit/>
             </a:bodyPr>
             <a:lstStyle/>
             <a:p>
-              <a:pPr indent="0" lvl="0" marL="0" rtl="0" algn="l">
+              <a:pPr marL="0" lvl="0" indent="0" algn="l" rtl="0">
                 <a:spcBef>
                   <a:spcPts val="0"/>
                 </a:spcBef>
@@ -6612,9 +6706,6 @@
                 </a:spcAft>
                 <a:buNone/>
               </a:pPr>
-              <a:r>
-                <a:t/>
-              </a:r>
               <a:endParaRPr/>
             </a:p>
           </p:txBody>
@@ -6623,7 +6714,9 @@
       <p:sp>
         <p:nvSpPr>
           <p:cNvPr id="57" name="Google Shape;57;p8"/>
-          <p:cNvSpPr txBox="1"/>
+          <p:cNvSpPr txBox="1">
+            <a:spLocks noGrp="1"/>
+          </p:cNvSpPr>
           <p:nvPr>
             <p:ph type="title"/>
           </p:nvPr>
@@ -6638,7 +6731,7 @@
           </a:prstGeom>
         </p:spPr>
         <p:txBody>
-          <a:bodyPr anchorCtr="0" anchor="ctr" bIns="91425" lIns="91425" spcFirstLastPara="1" rIns="91425" wrap="square" tIns="91425">
+          <a:bodyPr spcFirstLastPara="1" wrap="square" lIns="91425" tIns="91425" rIns="91425" bIns="91425" anchor="ctr" anchorCtr="0">
             <a:noAutofit/>
           </a:bodyPr>
           <a:lstStyle>
@@ -6805,15 +6898,19 @@
               </a:defRPr>
             </a:lvl9pPr>
           </a:lstStyle>
-          <a:p/>
+          <a:p>
+            <a:endParaRPr/>
+          </a:p>
         </p:txBody>
       </p:sp>
       <p:sp>
         <p:nvSpPr>
           <p:cNvPr id="58" name="Google Shape;58;p8"/>
-          <p:cNvSpPr txBox="1"/>
+          <p:cNvSpPr txBox="1">
+            <a:spLocks noGrp="1"/>
+          </p:cNvSpPr>
           <p:nvPr>
-            <p:ph idx="12" type="sldNum"/>
+            <p:ph type="sldNum" idx="12"/>
           </p:nvPr>
         </p:nvSpPr>
         <p:spPr>
@@ -6826,7 +6923,7 @@
           </a:prstGeom>
         </p:spPr>
         <p:txBody>
-          <a:bodyPr anchorCtr="0" anchor="ctr" bIns="91425" lIns="91425" spcFirstLastPara="1" rIns="91425" wrap="square" tIns="91425">
+          <a:bodyPr spcFirstLastPara="1" wrap="square" lIns="91425" tIns="91425" rIns="91425" bIns="91425" anchor="ctr" anchorCtr="0">
             <a:noAutofit/>
           </a:bodyPr>
           <a:lstStyle>
@@ -6868,7 +6965,7 @@
             </a:lvl9pPr>
           </a:lstStyle>
           <a:p>
-            <a:pPr indent="0" lvl="0" marL="0" rtl="0" algn="r">
+            <a:pPr marL="0" lvl="0" indent="0" algn="r" rtl="0">
               <a:spcBef>
                 <a:spcPts val="0"/>
               </a:spcBef>
@@ -6894,11 +6991,11 @@
 </file>
 
 <file path=ppt/slideLayouts/slideLayout8.xml><?xml version="1.0" encoding="utf-8"?>
-<p:sldLayout xmlns:a="http://schemas.openxmlformats.org/drawingml/2006/main" xmlns:r="http://schemas.openxmlformats.org/officeDocument/2006/relationships" xmlns:mc="http://schemas.openxmlformats.org/markup-compatibility/2006" xmlns:mv="urn:schemas-microsoft-com:mac:vml" xmlns:p="http://schemas.openxmlformats.org/presentationml/2006/main" xmlns:c="http://schemas.openxmlformats.org/drawingml/2006/chart" xmlns:dgm="http://schemas.openxmlformats.org/drawingml/2006/diagram" xmlns:o="urn:schemas-microsoft-com:office:office" xmlns:v="urn:schemas-microsoft-com:vml" xmlns:pvml="urn:schemas-microsoft-com:office:powerpoint" xmlns:com="http://schemas.openxmlformats.org/drawingml/2006/compatibility" xmlns:p14="http://schemas.microsoft.com/office/powerpoint/2010/main" xmlns:p15="http://schemas.microsoft.com/office/powerpoint/2012/main" matchingName="Section title and description">
+<p:sldLayout xmlns:a="http://schemas.openxmlformats.org/drawingml/2006/main" xmlns:r="http://schemas.openxmlformats.org/officeDocument/2006/relationships" xmlns:p="http://schemas.openxmlformats.org/presentationml/2006/main" matchingName="Section title and description">
   <p:cSld name="SECTION_TITLE_AND_DESCRIPTION">
     <p:spTree>
       <p:nvGrpSpPr>
-        <p:cNvPr id="59" name="Shape 59"/>
+        <p:cNvPr id="1" name="Shape 59"/>
         <p:cNvGrpSpPr/>
         <p:nvPr/>
       </p:nvGrpSpPr>
@@ -6932,12 +7029,12 @@
           </a:ln>
         </p:spPr>
         <p:txBody>
-          <a:bodyPr anchorCtr="0" anchor="ctr" bIns="91425" lIns="91425" spcFirstLastPara="1" rIns="91425" wrap="square" tIns="91425">
+          <a:bodyPr spcFirstLastPara="1" wrap="square" lIns="91425" tIns="91425" rIns="91425" bIns="91425" anchor="ctr" anchorCtr="0">
             <a:noAutofit/>
           </a:bodyPr>
           <a:lstStyle/>
           <a:p>
-            <a:pPr indent="0" lvl="0" marL="0" rtl="0" algn="l">
+            <a:pPr marL="0" lvl="0" indent="0" algn="l" rtl="0">
               <a:spcBef>
                 <a:spcPts val="0"/>
               </a:spcBef>
@@ -6946,9 +7043,6 @@
               </a:spcAft>
               <a:buNone/>
             </a:pPr>
-            <a:r>
-              <a:t/>
-            </a:r>
             <a:endParaRPr/>
           </a:p>
         </p:txBody>
@@ -6968,21 +7062,23 @@
             <a:avLst/>
           </a:prstGeom>
           <a:noFill/>
-          <a:ln cap="flat" cmpd="sng" w="19050">
+          <a:ln w="19050" cap="flat" cmpd="sng">
             <a:solidFill>
               <a:schemeClr val="lt1"/>
             </a:solidFill>
             <a:prstDash val="solid"/>
             <a:round/>
-            <a:headEnd len="sm" w="sm" type="none"/>
-            <a:tailEnd len="sm" w="sm" type="none"/>
+            <a:headEnd type="none" w="sm" len="sm"/>
+            <a:tailEnd type="none" w="sm" len="sm"/>
           </a:ln>
         </p:spPr>
       </p:cxnSp>
       <p:sp>
         <p:nvSpPr>
           <p:cNvPr id="62" name="Google Shape;62;p9"/>
-          <p:cNvSpPr txBox="1"/>
+          <p:cNvSpPr txBox="1">
+            <a:spLocks noGrp="1"/>
+          </p:cNvSpPr>
           <p:nvPr>
             <p:ph type="title"/>
           </p:nvPr>
@@ -6997,7 +7093,7 @@
           </a:prstGeom>
         </p:spPr>
         <p:txBody>
-          <a:bodyPr anchorCtr="0" anchor="b" bIns="91425" lIns="91425" spcFirstLastPara="1" rIns="91425" wrap="square" tIns="91425">
+          <a:bodyPr spcFirstLastPara="1" wrap="square" lIns="91425" tIns="91425" rIns="91425" bIns="91425" anchor="b" anchorCtr="0">
             <a:noAutofit/>
           </a:bodyPr>
           <a:lstStyle>
@@ -7101,15 +7197,19 @@
               <a:defRPr sz="4200"/>
             </a:lvl9pPr>
           </a:lstStyle>
-          <a:p/>
+          <a:p>
+            <a:endParaRPr/>
+          </a:p>
         </p:txBody>
       </p:sp>
       <p:sp>
         <p:nvSpPr>
           <p:cNvPr id="63" name="Google Shape;63;p9"/>
-          <p:cNvSpPr txBox="1"/>
+          <p:cNvSpPr txBox="1">
+            <a:spLocks noGrp="1"/>
+          </p:cNvSpPr>
           <p:nvPr>
-            <p:ph idx="1" type="subTitle"/>
+            <p:ph type="subTitle" idx="1"/>
           </p:nvPr>
         </p:nvSpPr>
         <p:spPr>
@@ -7122,7 +7222,7 @@
           </a:prstGeom>
         </p:spPr>
         <p:txBody>
-          <a:bodyPr anchorCtr="0" anchor="t" bIns="91425" lIns="91425" spcFirstLastPara="1" rIns="91425" wrap="square" tIns="91425">
+          <a:bodyPr spcFirstLastPara="1" wrap="square" lIns="91425" tIns="91425" rIns="91425" bIns="91425" anchor="t" anchorCtr="0">
             <a:noAutofit/>
           </a:bodyPr>
           <a:lstStyle>
@@ -7253,15 +7353,19 @@
               <a:defRPr sz="2100"/>
             </a:lvl9pPr>
           </a:lstStyle>
-          <a:p/>
+          <a:p>
+            <a:endParaRPr/>
+          </a:p>
         </p:txBody>
       </p:sp>
       <p:sp>
         <p:nvSpPr>
           <p:cNvPr id="64" name="Google Shape;64;p9"/>
-          <p:cNvSpPr txBox="1"/>
+          <p:cNvSpPr txBox="1">
+            <a:spLocks noGrp="1"/>
+          </p:cNvSpPr>
           <p:nvPr>
-            <p:ph idx="2" type="body"/>
+            <p:ph type="body" idx="2"/>
           </p:nvPr>
         </p:nvSpPr>
         <p:spPr>
@@ -7274,11 +7378,11 @@
           </a:prstGeom>
         </p:spPr>
         <p:txBody>
-          <a:bodyPr anchorCtr="0" anchor="ctr" bIns="91425" lIns="91425" spcFirstLastPara="1" rIns="91425" wrap="square" tIns="91425">
+          <a:bodyPr spcFirstLastPara="1" wrap="square" lIns="91425" tIns="91425" rIns="91425" bIns="91425" anchor="ctr" anchorCtr="0">
             <a:noAutofit/>
           </a:bodyPr>
           <a:lstStyle>
-            <a:lvl1pPr indent="-342900" lvl="0" marL="457200">
+            <a:lvl1pPr marL="457200" lvl="0" indent="-342900">
               <a:spcBef>
                 <a:spcPts val="0"/>
               </a:spcBef>
@@ -7296,7 +7400,7 @@
                 </a:solidFill>
               </a:defRPr>
             </a:lvl1pPr>
-            <a:lvl2pPr indent="-317500" lvl="1" marL="914400">
+            <a:lvl2pPr marL="914400" lvl="1" indent="-317500">
               <a:spcBef>
                 <a:spcPts val="1600"/>
               </a:spcBef>
@@ -7314,7 +7418,7 @@
                 </a:solidFill>
               </a:defRPr>
             </a:lvl2pPr>
-            <a:lvl3pPr indent="-317500" lvl="2" marL="1371600">
+            <a:lvl3pPr marL="1371600" lvl="2" indent="-317500">
               <a:spcBef>
                 <a:spcPts val="1600"/>
               </a:spcBef>
@@ -7332,7 +7436,7 @@
                 </a:solidFill>
               </a:defRPr>
             </a:lvl3pPr>
-            <a:lvl4pPr indent="-317500" lvl="3" marL="1828800">
+            <a:lvl4pPr marL="1828800" lvl="3" indent="-317500">
               <a:spcBef>
                 <a:spcPts val="1600"/>
               </a:spcBef>
@@ -7350,7 +7454,7 @@
                 </a:solidFill>
               </a:defRPr>
             </a:lvl4pPr>
-            <a:lvl5pPr indent="-317500" lvl="4" marL="2286000">
+            <a:lvl5pPr marL="2286000" lvl="4" indent="-317500">
               <a:spcBef>
                 <a:spcPts val="1600"/>
               </a:spcBef>
@@ -7368,7 +7472,7 @@
                 </a:solidFill>
               </a:defRPr>
             </a:lvl5pPr>
-            <a:lvl6pPr indent="-317500" lvl="5" marL="2743200">
+            <a:lvl6pPr marL="2743200" lvl="5" indent="-317500">
               <a:spcBef>
                 <a:spcPts val="1600"/>
               </a:spcBef>
@@ -7386,7 +7490,7 @@
                 </a:solidFill>
               </a:defRPr>
             </a:lvl6pPr>
-            <a:lvl7pPr indent="-317500" lvl="6" marL="3200400">
+            <a:lvl7pPr marL="3200400" lvl="6" indent="-317500">
               <a:spcBef>
                 <a:spcPts val="1600"/>
               </a:spcBef>
@@ -7404,7 +7508,7 @@
                 </a:solidFill>
               </a:defRPr>
             </a:lvl7pPr>
-            <a:lvl8pPr indent="-317500" lvl="7" marL="3657600">
+            <a:lvl8pPr marL="3657600" lvl="7" indent="-317500">
               <a:spcBef>
                 <a:spcPts val="1600"/>
               </a:spcBef>
@@ -7422,7 +7526,7 @@
                 </a:solidFill>
               </a:defRPr>
             </a:lvl8pPr>
-            <a:lvl9pPr indent="-317500" lvl="8" marL="4114800">
+            <a:lvl9pPr marL="4114800" lvl="8" indent="-317500">
               <a:spcBef>
                 <a:spcPts val="1600"/>
               </a:spcBef>
@@ -7441,15 +7545,19 @@
               </a:defRPr>
             </a:lvl9pPr>
           </a:lstStyle>
-          <a:p/>
+          <a:p>
+            <a:endParaRPr/>
+          </a:p>
         </p:txBody>
       </p:sp>
       <p:sp>
         <p:nvSpPr>
           <p:cNvPr id="65" name="Google Shape;65;p9"/>
-          <p:cNvSpPr txBox="1"/>
+          <p:cNvSpPr txBox="1">
+            <a:spLocks noGrp="1"/>
+          </p:cNvSpPr>
           <p:nvPr>
-            <p:ph idx="12" type="sldNum"/>
+            <p:ph type="sldNum" idx="12"/>
           </p:nvPr>
         </p:nvSpPr>
         <p:spPr>
@@ -7462,7 +7570,7 @@
           </a:prstGeom>
         </p:spPr>
         <p:txBody>
-          <a:bodyPr anchorCtr="0" anchor="ctr" bIns="91425" lIns="91425" spcFirstLastPara="1" rIns="91425" wrap="square" tIns="91425">
+          <a:bodyPr spcFirstLastPara="1" wrap="square" lIns="91425" tIns="91425" rIns="91425" bIns="91425" anchor="ctr" anchorCtr="0">
             <a:noAutofit/>
           </a:bodyPr>
           <a:lstStyle>
@@ -7504,7 +7612,7 @@
             </a:lvl9pPr>
           </a:lstStyle>
           <a:p>
-            <a:pPr indent="0" lvl="0" marL="0" rtl="0" algn="r">
+            <a:pPr marL="0" lvl="0" indent="0" algn="r" rtl="0">
               <a:spcBef>
                 <a:spcPts val="0"/>
               </a:spcBef>
@@ -7530,11 +7638,11 @@
 </file>
 
 <file path=ppt/slideLayouts/slideLayout9.xml><?xml version="1.0" encoding="utf-8"?>
-<p:sldLayout xmlns:a="http://schemas.openxmlformats.org/drawingml/2006/main" xmlns:r="http://schemas.openxmlformats.org/officeDocument/2006/relationships" xmlns:mc="http://schemas.openxmlformats.org/markup-compatibility/2006" xmlns:mv="urn:schemas-microsoft-com:mac:vml" xmlns:p="http://schemas.openxmlformats.org/presentationml/2006/main" xmlns:c="http://schemas.openxmlformats.org/drawingml/2006/chart" xmlns:dgm="http://schemas.openxmlformats.org/drawingml/2006/diagram" xmlns:o="urn:schemas-microsoft-com:office:office" xmlns:v="urn:schemas-microsoft-com:vml" xmlns:pvml="urn:schemas-microsoft-com:office:powerpoint" xmlns:com="http://schemas.openxmlformats.org/drawingml/2006/compatibility" xmlns:p14="http://schemas.microsoft.com/office/powerpoint/2010/main" xmlns:p15="http://schemas.microsoft.com/office/powerpoint/2012/main" matchingName="Caption">
+<p:sldLayout xmlns:a="http://schemas.openxmlformats.org/drawingml/2006/main" xmlns:r="http://schemas.openxmlformats.org/officeDocument/2006/relationships" xmlns:p="http://schemas.openxmlformats.org/presentationml/2006/main" matchingName="Caption">
   <p:cSld name="CAPTION_ONLY">
     <p:spTree>
       <p:nvGrpSpPr>
-        <p:cNvPr id="66" name="Shape 66"/>
+        <p:cNvPr id="1" name="Shape 66"/>
         <p:cNvGrpSpPr/>
         <p:nvPr/>
       </p:nvGrpSpPr>
@@ -7549,9 +7657,11 @@
       <p:sp>
         <p:nvSpPr>
           <p:cNvPr id="67" name="Google Shape;67;p10"/>
-          <p:cNvSpPr txBox="1"/>
+          <p:cNvSpPr txBox="1">
+            <a:spLocks noGrp="1"/>
+          </p:cNvSpPr>
           <p:nvPr>
-            <p:ph idx="1" type="body"/>
+            <p:ph type="body" idx="1"/>
           </p:nvPr>
         </p:nvSpPr>
         <p:spPr>
@@ -7564,11 +7674,11 @@
           </a:prstGeom>
         </p:spPr>
         <p:txBody>
-          <a:bodyPr anchorCtr="0" anchor="ctr" bIns="91425" lIns="91425" spcFirstLastPara="1" rIns="91425" wrap="square" tIns="91425">
+          <a:bodyPr spcFirstLastPara="1" wrap="square" lIns="91425" tIns="91425" rIns="91425" bIns="91425" anchor="ctr" anchorCtr="0">
             <a:noAutofit/>
           </a:bodyPr>
           <a:lstStyle>
-            <a:lvl1pPr indent="-228600" lvl="0" marL="457200">
+            <a:lvl1pPr marL="457200" lvl="0" indent="-228600">
               <a:lnSpc>
                 <a:spcPct val="100000"/>
               </a:lnSpc>
@@ -7583,15 +7693,19 @@
               <a:defRPr/>
             </a:lvl1pPr>
           </a:lstStyle>
-          <a:p/>
+          <a:p>
+            <a:endParaRPr/>
+          </a:p>
         </p:txBody>
       </p:sp>
       <p:sp>
         <p:nvSpPr>
           <p:cNvPr id="68" name="Google Shape;68;p10"/>
-          <p:cNvSpPr txBox="1"/>
+          <p:cNvSpPr txBox="1">
+            <a:spLocks noGrp="1"/>
+          </p:cNvSpPr>
           <p:nvPr>
-            <p:ph idx="12" type="sldNum"/>
+            <p:ph type="sldNum" idx="12"/>
           </p:nvPr>
         </p:nvSpPr>
         <p:spPr>
@@ -7604,7 +7718,7 @@
           </a:prstGeom>
         </p:spPr>
         <p:txBody>
-          <a:bodyPr anchorCtr="0" anchor="ctr" bIns="91425" lIns="91425" spcFirstLastPara="1" rIns="91425" wrap="square" tIns="91425">
+          <a:bodyPr spcFirstLastPara="1" wrap="square" lIns="91425" tIns="91425" rIns="91425" bIns="91425" anchor="ctr" anchorCtr="0">
             <a:noAutofit/>
           </a:bodyPr>
           <a:lstStyle>
@@ -7682,7 +7796,7 @@
             </a:lvl9pPr>
           </a:lstStyle>
           <a:p>
-            <a:pPr indent="0" lvl="0" marL="0" rtl="0" algn="r">
+            <a:pPr marL="0" lvl="0" indent="0" algn="r" rtl="0">
               <a:spcBef>
                 <a:spcPts val="0"/>
               </a:spcBef>
@@ -7708,18 +7822,19 @@
 </file>
 
 <file path=ppt/slideMasters/slideMaster1.xml><?xml version="1.0" encoding="utf-8"?>
-<p:sldMaster xmlns:a="http://schemas.openxmlformats.org/drawingml/2006/main" xmlns:r="http://schemas.openxmlformats.org/officeDocument/2006/relationships" xmlns:mc="http://schemas.openxmlformats.org/markup-compatibility/2006" xmlns:mv="urn:schemas-microsoft-com:mac:vml" xmlns:p="http://schemas.openxmlformats.org/presentationml/2006/main" xmlns:c="http://schemas.openxmlformats.org/drawingml/2006/chart" xmlns:dgm="http://schemas.openxmlformats.org/drawingml/2006/diagram" xmlns:o="urn:schemas-microsoft-com:office:office" xmlns:v="urn:schemas-microsoft-com:vml" xmlns:pvml="urn:schemas-microsoft-com:office:powerpoint" xmlns:com="http://schemas.openxmlformats.org/drawingml/2006/compatibility" xmlns:p14="http://schemas.microsoft.com/office/powerpoint/2010/main" xmlns:p15="http://schemas.microsoft.com/office/powerpoint/2012/main">
+<p:sldMaster xmlns:a="http://schemas.openxmlformats.org/drawingml/2006/main" xmlns:r="http://schemas.openxmlformats.org/officeDocument/2006/relationships" xmlns:p="http://schemas.openxmlformats.org/presentationml/2006/main">
   <p:cSld name="geometric">
     <p:bg>
       <p:bgPr>
         <a:solidFill>
           <a:schemeClr val="lt1"/>
         </a:solidFill>
+        <a:effectLst/>
       </p:bgPr>
     </p:bg>
     <p:spTree>
       <p:nvGrpSpPr>
-        <p:cNvPr id="5" name="Shape 5"/>
+        <p:cNvPr id="1" name="Shape 5"/>
         <p:cNvGrpSpPr/>
         <p:nvPr/>
       </p:nvGrpSpPr>
@@ -7734,7 +7849,9 @@
       <p:sp>
         <p:nvSpPr>
           <p:cNvPr id="6" name="Google Shape;6;p1"/>
-          <p:cNvSpPr txBox="1"/>
+          <p:cNvSpPr txBox="1">
+            <a:spLocks noGrp="1"/>
+          </p:cNvSpPr>
           <p:nvPr>
             <p:ph type="title"/>
           </p:nvPr>
@@ -7753,7 +7870,7 @@
           </a:ln>
         </p:spPr>
         <p:txBody>
-          <a:bodyPr anchorCtr="0" anchor="t" bIns="91425" lIns="91425" spcFirstLastPara="1" rIns="91425" wrap="square" tIns="91425">
+          <a:bodyPr spcFirstLastPara="1" wrap="square" lIns="91425" tIns="91425" rIns="91425" bIns="91425" anchor="t" anchorCtr="0">
             <a:noAutofit/>
           </a:bodyPr>
           <a:lstStyle>
@@ -7965,15 +8082,19 @@
               </a:defRPr>
             </a:lvl9pPr>
           </a:lstStyle>
-          <a:p/>
+          <a:p>
+            <a:endParaRPr/>
+          </a:p>
         </p:txBody>
       </p:sp>
       <p:sp>
         <p:nvSpPr>
           <p:cNvPr id="7" name="Google Shape;7;p1"/>
-          <p:cNvSpPr txBox="1"/>
+          <p:cNvSpPr txBox="1">
+            <a:spLocks noGrp="1"/>
+          </p:cNvSpPr>
           <p:nvPr>
-            <p:ph idx="1" type="body"/>
+            <p:ph type="body" idx="1"/>
           </p:nvPr>
         </p:nvSpPr>
         <p:spPr>
@@ -7990,11 +8111,11 @@
           </a:ln>
         </p:spPr>
         <p:txBody>
-          <a:bodyPr anchorCtr="0" anchor="t" bIns="91425" lIns="91425" spcFirstLastPara="1" rIns="91425" wrap="square" tIns="91425">
+          <a:bodyPr spcFirstLastPara="1" wrap="square" lIns="91425" tIns="91425" rIns="91425" bIns="91425" anchor="t" anchorCtr="0">
             <a:noAutofit/>
           </a:bodyPr>
           <a:lstStyle>
-            <a:lvl1pPr indent="-342900" lvl="0" marL="457200">
+            <a:lvl1pPr marL="457200" lvl="0" indent="-342900">
               <a:lnSpc>
                 <a:spcPct val="115000"/>
               </a:lnSpc>
@@ -8020,7 +8141,7 @@
                 <a:sym typeface="Roboto"/>
               </a:defRPr>
             </a:lvl1pPr>
-            <a:lvl2pPr indent="-317500" lvl="1" marL="914400">
+            <a:lvl2pPr marL="914400" lvl="1" indent="-317500">
               <a:lnSpc>
                 <a:spcPct val="115000"/>
               </a:lnSpc>
@@ -8046,7 +8167,7 @@
                 <a:sym typeface="Roboto"/>
               </a:defRPr>
             </a:lvl2pPr>
-            <a:lvl3pPr indent="-317500" lvl="2" marL="1371600">
+            <a:lvl3pPr marL="1371600" lvl="2" indent="-317500">
               <a:lnSpc>
                 <a:spcPct val="115000"/>
               </a:lnSpc>
@@ -8072,7 +8193,7 @@
                 <a:sym typeface="Roboto"/>
               </a:defRPr>
             </a:lvl3pPr>
-            <a:lvl4pPr indent="-317500" lvl="3" marL="1828800">
+            <a:lvl4pPr marL="1828800" lvl="3" indent="-317500">
               <a:lnSpc>
                 <a:spcPct val="115000"/>
               </a:lnSpc>
@@ -8098,7 +8219,7 @@
                 <a:sym typeface="Roboto"/>
               </a:defRPr>
             </a:lvl4pPr>
-            <a:lvl5pPr indent="-317500" lvl="4" marL="2286000">
+            <a:lvl5pPr marL="2286000" lvl="4" indent="-317500">
               <a:lnSpc>
                 <a:spcPct val="115000"/>
               </a:lnSpc>
@@ -8124,7 +8245,7 @@
                 <a:sym typeface="Roboto"/>
               </a:defRPr>
             </a:lvl5pPr>
-            <a:lvl6pPr indent="-317500" lvl="5" marL="2743200">
+            <a:lvl6pPr marL="2743200" lvl="5" indent="-317500">
               <a:lnSpc>
                 <a:spcPct val="115000"/>
               </a:lnSpc>
@@ -8150,7 +8271,7 @@
                 <a:sym typeface="Roboto"/>
               </a:defRPr>
             </a:lvl6pPr>
-            <a:lvl7pPr indent="-317500" lvl="6" marL="3200400">
+            <a:lvl7pPr marL="3200400" lvl="6" indent="-317500">
               <a:lnSpc>
                 <a:spcPct val="115000"/>
               </a:lnSpc>
@@ -8176,7 +8297,7 @@
                 <a:sym typeface="Roboto"/>
               </a:defRPr>
             </a:lvl7pPr>
-            <a:lvl8pPr indent="-317500" lvl="7" marL="3657600">
+            <a:lvl8pPr marL="3657600" lvl="7" indent="-317500">
               <a:lnSpc>
                 <a:spcPct val="115000"/>
               </a:lnSpc>
@@ -8202,7 +8323,7 @@
                 <a:sym typeface="Roboto"/>
               </a:defRPr>
             </a:lvl8pPr>
-            <a:lvl9pPr indent="-317500" lvl="8" marL="4114800">
+            <a:lvl9pPr marL="4114800" lvl="8" indent="-317500">
               <a:lnSpc>
                 <a:spcPct val="115000"/>
               </a:lnSpc>
@@ -8229,15 +8350,19 @@
               </a:defRPr>
             </a:lvl9pPr>
           </a:lstStyle>
-          <a:p/>
+          <a:p>
+            <a:endParaRPr/>
+          </a:p>
         </p:txBody>
       </p:sp>
       <p:sp>
         <p:nvSpPr>
           <p:cNvPr id="8" name="Google Shape;8;p1"/>
-          <p:cNvSpPr txBox="1"/>
+          <p:cNvSpPr txBox="1">
+            <a:spLocks noGrp="1"/>
+          </p:cNvSpPr>
           <p:nvPr>
-            <p:ph idx="12" type="sldNum"/>
+            <p:ph type="sldNum" idx="12"/>
           </p:nvPr>
         </p:nvSpPr>
         <p:spPr>
@@ -8254,7 +8379,7 @@
           </a:ln>
         </p:spPr>
         <p:txBody>
-          <a:bodyPr anchorCtr="0" anchor="ctr" bIns="91425" lIns="91425" spcFirstLastPara="1" rIns="91425" wrap="square" tIns="91425">
+          <a:bodyPr spcFirstLastPara="1" wrap="square" lIns="91425" tIns="91425" rIns="91425" bIns="91425" anchor="ctr" anchorCtr="0">
             <a:noAutofit/>
           </a:bodyPr>
           <a:lstStyle>
@@ -8368,7 +8493,7 @@
             </a:lvl9pPr>
           </a:lstStyle>
           <a:p>
-            <a:pPr indent="0" lvl="0" marL="0" rtl="0" algn="r">
+            <a:pPr marL="0" lvl="0" indent="0" algn="r" rtl="0">
               <a:spcBef>
                 <a:spcPts val="0"/>
               </a:spcBef>
@@ -8387,7 +8512,7 @@
       </p:sp>
     </p:spTree>
   </p:cSld>
-  <p:clrMap accent1="accent1" accent2="accent2" accent3="accent3" accent4="accent4" accent5="accent5" accent6="accent6" bg1="lt1" bg2="dk2" tx1="dk1" tx2="lt2" folHlink="folHlink" hlink="hlink"/>
+  <p:clrMap bg1="lt1" tx1="dk1" bg2="dk2" tx2="lt2" accent1="accent1" accent2="accent2" accent3="accent3" accent4="accent4" accent5="accent5" accent6="accent6" hlink="hlink" folHlink="folHlink"/>
   <p:sldLayoutIdLst>
     <p:sldLayoutId id="2147483648" r:id="rId1"/>
     <p:sldLayoutId id="2147483649" r:id="rId2"/>
@@ -8401,10 +8526,10 @@
     <p:sldLayoutId id="2147483657" r:id="rId10"/>
     <p:sldLayoutId id="2147483658" r:id="rId11"/>
   </p:sldLayoutIdLst>
-  <p:hf dt="0" ftr="0" hdr="0" sldNum="0"/>
+  <p:hf sldNum="0" hdr="0" ftr="0" dt="0"/>
   <p:txStyles>
     <p:titleStyle>
-      <a:defPPr lvl="0" marR="0" rtl="0" algn="l">
+      <a:defPPr marR="0" lvl="0" algn="l" rtl="0">
         <a:lnSpc>
           <a:spcPct val="100000"/>
         </a:lnSpc>
@@ -8415,7 +8540,7 @@
           <a:spcPts val="0"/>
         </a:spcAft>
       </a:defPPr>
-      <a:lvl1pPr lvl="0" marR="0" rtl="0" algn="l">
+      <a:lvl1pPr marR="0" lvl="0" algn="l" rtl="0">
         <a:lnSpc>
           <a:spcPct val="100000"/>
         </a:lnSpc>
@@ -8429,7 +8554,7 @@
           <a:srgbClr val="000000"/>
         </a:buClr>
         <a:buFont typeface="Arial"/>
-        <a:defRPr b="0" i="0" sz="1400" u="none" cap="none" strike="noStrike">
+        <a:defRPr sz="1400" b="0" i="0" u="none" strike="noStrike" cap="none">
           <a:solidFill>
             <a:srgbClr val="000000"/>
           </a:solidFill>
@@ -8439,7 +8564,7 @@
           <a:sym typeface="Arial"/>
         </a:defRPr>
       </a:lvl1pPr>
-      <a:lvl2pPr lvl="1" marR="0" rtl="0" algn="l">
+      <a:lvl2pPr marR="0" lvl="1" algn="l" rtl="0">
         <a:lnSpc>
           <a:spcPct val="100000"/>
         </a:lnSpc>
@@ -8453,7 +8578,7 @@
           <a:srgbClr val="000000"/>
         </a:buClr>
         <a:buFont typeface="Arial"/>
-        <a:defRPr b="0" i="0" sz="1400" u="none" cap="none" strike="noStrike">
+        <a:defRPr sz="1400" b="0" i="0" u="none" strike="noStrike" cap="none">
           <a:solidFill>
             <a:srgbClr val="000000"/>
           </a:solidFill>
@@ -8463,7 +8588,7 @@
           <a:sym typeface="Arial"/>
         </a:defRPr>
       </a:lvl2pPr>
-      <a:lvl3pPr lvl="2" marR="0" rtl="0" algn="l">
+      <a:lvl3pPr marR="0" lvl="2" algn="l" rtl="0">
         <a:lnSpc>
           <a:spcPct val="100000"/>
         </a:lnSpc>
@@ -8477,7 +8602,7 @@
           <a:srgbClr val="000000"/>
         </a:buClr>
         <a:buFont typeface="Arial"/>
-        <a:defRPr b="0" i="0" sz="1400" u="none" cap="none" strike="noStrike">
+        <a:defRPr sz="1400" b="0" i="0" u="none" strike="noStrike" cap="none">
           <a:solidFill>
             <a:srgbClr val="000000"/>
           </a:solidFill>
@@ -8487,7 +8612,7 @@
           <a:sym typeface="Arial"/>
         </a:defRPr>
       </a:lvl3pPr>
-      <a:lvl4pPr lvl="3" marR="0" rtl="0" algn="l">
+      <a:lvl4pPr marR="0" lvl="3" algn="l" rtl="0">
         <a:lnSpc>
           <a:spcPct val="100000"/>
         </a:lnSpc>
@@ -8501,7 +8626,7 @@
           <a:srgbClr val="000000"/>
         </a:buClr>
         <a:buFont typeface="Arial"/>
-        <a:defRPr b="0" i="0" sz="1400" u="none" cap="none" strike="noStrike">
+        <a:defRPr sz="1400" b="0" i="0" u="none" strike="noStrike" cap="none">
           <a:solidFill>
             <a:srgbClr val="000000"/>
           </a:solidFill>
@@ -8511,7 +8636,7 @@
           <a:sym typeface="Arial"/>
         </a:defRPr>
       </a:lvl4pPr>
-      <a:lvl5pPr lvl="4" marR="0" rtl="0" algn="l">
+      <a:lvl5pPr marR="0" lvl="4" algn="l" rtl="0">
         <a:lnSpc>
           <a:spcPct val="100000"/>
         </a:lnSpc>
@@ -8525,7 +8650,7 @@
           <a:srgbClr val="000000"/>
         </a:buClr>
         <a:buFont typeface="Arial"/>
-        <a:defRPr b="0" i="0" sz="1400" u="none" cap="none" strike="noStrike">
+        <a:defRPr sz="1400" b="0" i="0" u="none" strike="noStrike" cap="none">
           <a:solidFill>
             <a:srgbClr val="000000"/>
           </a:solidFill>
@@ -8535,7 +8660,7 @@
           <a:sym typeface="Arial"/>
         </a:defRPr>
       </a:lvl5pPr>
-      <a:lvl6pPr lvl="5" marR="0" rtl="0" algn="l">
+      <a:lvl6pPr marR="0" lvl="5" algn="l" rtl="0">
         <a:lnSpc>
           <a:spcPct val="100000"/>
         </a:lnSpc>
@@ -8549,7 +8674,7 @@
           <a:srgbClr val="000000"/>
         </a:buClr>
         <a:buFont typeface="Arial"/>
-        <a:defRPr b="0" i="0" sz="1400" u="none" cap="none" strike="noStrike">
+        <a:defRPr sz="1400" b="0" i="0" u="none" strike="noStrike" cap="none">
           <a:solidFill>
             <a:srgbClr val="000000"/>
           </a:solidFill>
@@ -8559,7 +8684,7 @@
           <a:sym typeface="Arial"/>
         </a:defRPr>
       </a:lvl6pPr>
-      <a:lvl7pPr lvl="6" marR="0" rtl="0" algn="l">
+      <a:lvl7pPr marR="0" lvl="6" algn="l" rtl="0">
         <a:lnSpc>
           <a:spcPct val="100000"/>
         </a:lnSpc>
@@ -8573,7 +8698,7 @@
           <a:srgbClr val="000000"/>
         </a:buClr>
         <a:buFont typeface="Arial"/>
-        <a:defRPr b="0" i="0" sz="1400" u="none" cap="none" strike="noStrike">
+        <a:defRPr sz="1400" b="0" i="0" u="none" strike="noStrike" cap="none">
           <a:solidFill>
             <a:srgbClr val="000000"/>
           </a:solidFill>
@@ -8583,7 +8708,7 @@
           <a:sym typeface="Arial"/>
         </a:defRPr>
       </a:lvl7pPr>
-      <a:lvl8pPr lvl="7" marR="0" rtl="0" algn="l">
+      <a:lvl8pPr marR="0" lvl="7" algn="l" rtl="0">
         <a:lnSpc>
           <a:spcPct val="100000"/>
         </a:lnSpc>
@@ -8597,7 +8722,7 @@
           <a:srgbClr val="000000"/>
         </a:buClr>
         <a:buFont typeface="Arial"/>
-        <a:defRPr b="0" i="0" sz="1400" u="none" cap="none" strike="noStrike">
+        <a:defRPr sz="1400" b="0" i="0" u="none" strike="noStrike" cap="none">
           <a:solidFill>
             <a:srgbClr val="000000"/>
           </a:solidFill>
@@ -8607,7 +8732,7 @@
           <a:sym typeface="Arial"/>
         </a:defRPr>
       </a:lvl8pPr>
-      <a:lvl9pPr lvl="8" marR="0" rtl="0" algn="l">
+      <a:lvl9pPr marR="0" lvl="8" algn="l" rtl="0">
         <a:lnSpc>
           <a:spcPct val="100000"/>
         </a:lnSpc>
@@ -8621,7 +8746,7 @@
           <a:srgbClr val="000000"/>
         </a:buClr>
         <a:buFont typeface="Arial"/>
-        <a:defRPr b="0" i="0" sz="1400" u="none" cap="none" strike="noStrike">
+        <a:defRPr sz="1400" b="0" i="0" u="none" strike="noStrike" cap="none">
           <a:solidFill>
             <a:srgbClr val="000000"/>
           </a:solidFill>
@@ -8633,7 +8758,7 @@
       </a:lvl9pPr>
     </p:titleStyle>
     <p:bodyStyle>
-      <a:defPPr lvl="0" marR="0" rtl="0" algn="l">
+      <a:defPPr marR="0" lvl="0" algn="l" rtl="0">
         <a:lnSpc>
           <a:spcPct val="100000"/>
         </a:lnSpc>
@@ -8644,7 +8769,7 @@
           <a:spcPts val="0"/>
         </a:spcAft>
       </a:defPPr>
-      <a:lvl1pPr lvl="0" marR="0" rtl="0" algn="l">
+      <a:lvl1pPr marR="0" lvl="0" algn="l" rtl="0">
         <a:lnSpc>
           <a:spcPct val="100000"/>
         </a:lnSpc>
@@ -8658,7 +8783,7 @@
           <a:srgbClr val="000000"/>
         </a:buClr>
         <a:buFont typeface="Arial"/>
-        <a:defRPr b="0" i="0" sz="1400" u="none" cap="none" strike="noStrike">
+        <a:defRPr sz="1400" b="0" i="0" u="none" strike="noStrike" cap="none">
           <a:solidFill>
             <a:srgbClr val="000000"/>
           </a:solidFill>
@@ -8668,7 +8793,7 @@
           <a:sym typeface="Arial"/>
         </a:defRPr>
       </a:lvl1pPr>
-      <a:lvl2pPr lvl="1" marR="0" rtl="0" algn="l">
+      <a:lvl2pPr marR="0" lvl="1" algn="l" rtl="0">
         <a:lnSpc>
           <a:spcPct val="100000"/>
         </a:lnSpc>
@@ -8682,7 +8807,7 @@
           <a:srgbClr val="000000"/>
         </a:buClr>
         <a:buFont typeface="Arial"/>
-        <a:defRPr b="0" i="0" sz="1400" u="none" cap="none" strike="noStrike">
+        <a:defRPr sz="1400" b="0" i="0" u="none" strike="noStrike" cap="none">
           <a:solidFill>
             <a:srgbClr val="000000"/>
           </a:solidFill>
@@ -8692,7 +8817,7 @@
           <a:sym typeface="Arial"/>
         </a:defRPr>
       </a:lvl2pPr>
-      <a:lvl3pPr lvl="2" marR="0" rtl="0" algn="l">
+      <a:lvl3pPr marR="0" lvl="2" algn="l" rtl="0">
         <a:lnSpc>
           <a:spcPct val="100000"/>
         </a:lnSpc>
@@ -8706,7 +8831,7 @@
           <a:srgbClr val="000000"/>
         </a:buClr>
         <a:buFont typeface="Arial"/>
-        <a:defRPr b="0" i="0" sz="1400" u="none" cap="none" strike="noStrike">
+        <a:defRPr sz="1400" b="0" i="0" u="none" strike="noStrike" cap="none">
           <a:solidFill>
             <a:srgbClr val="000000"/>
           </a:solidFill>
@@ -8716,7 +8841,7 @@
           <a:sym typeface="Arial"/>
         </a:defRPr>
       </a:lvl3pPr>
-      <a:lvl4pPr lvl="3" marR="0" rtl="0" algn="l">
+      <a:lvl4pPr marR="0" lvl="3" algn="l" rtl="0">
         <a:lnSpc>
           <a:spcPct val="100000"/>
         </a:lnSpc>
@@ -8730,7 +8855,7 @@
           <a:srgbClr val="000000"/>
         </a:buClr>
         <a:buFont typeface="Arial"/>
-        <a:defRPr b="0" i="0" sz="1400" u="none" cap="none" strike="noStrike">
+        <a:defRPr sz="1400" b="0" i="0" u="none" strike="noStrike" cap="none">
           <a:solidFill>
             <a:srgbClr val="000000"/>
           </a:solidFill>
@@ -8740,7 +8865,7 @@
           <a:sym typeface="Arial"/>
         </a:defRPr>
       </a:lvl4pPr>
-      <a:lvl5pPr lvl="4" marR="0" rtl="0" algn="l">
+      <a:lvl5pPr marR="0" lvl="4" algn="l" rtl="0">
         <a:lnSpc>
           <a:spcPct val="100000"/>
         </a:lnSpc>
@@ -8754,7 +8879,7 @@
           <a:srgbClr val="000000"/>
         </a:buClr>
         <a:buFont typeface="Arial"/>
-        <a:defRPr b="0" i="0" sz="1400" u="none" cap="none" strike="noStrike">
+        <a:defRPr sz="1400" b="0" i="0" u="none" strike="noStrike" cap="none">
           <a:solidFill>
             <a:srgbClr val="000000"/>
           </a:solidFill>
@@ -8764,7 +8889,7 @@
           <a:sym typeface="Arial"/>
         </a:defRPr>
       </a:lvl5pPr>
-      <a:lvl6pPr lvl="5" marR="0" rtl="0" algn="l">
+      <a:lvl6pPr marR="0" lvl="5" algn="l" rtl="0">
         <a:lnSpc>
           <a:spcPct val="100000"/>
         </a:lnSpc>
@@ -8778,7 +8903,7 @@
           <a:srgbClr val="000000"/>
         </a:buClr>
         <a:buFont typeface="Arial"/>
-        <a:defRPr b="0" i="0" sz="1400" u="none" cap="none" strike="noStrike">
+        <a:defRPr sz="1400" b="0" i="0" u="none" strike="noStrike" cap="none">
           <a:solidFill>
             <a:srgbClr val="000000"/>
           </a:solidFill>
@@ -8788,7 +8913,7 @@
           <a:sym typeface="Arial"/>
         </a:defRPr>
       </a:lvl6pPr>
-      <a:lvl7pPr lvl="6" marR="0" rtl="0" algn="l">
+      <a:lvl7pPr marR="0" lvl="6" algn="l" rtl="0">
         <a:lnSpc>
           <a:spcPct val="100000"/>
         </a:lnSpc>
@@ -8802,7 +8927,7 @@
           <a:srgbClr val="000000"/>
         </a:buClr>
         <a:buFont typeface="Arial"/>
-        <a:defRPr b="0" i="0" sz="1400" u="none" cap="none" strike="noStrike">
+        <a:defRPr sz="1400" b="0" i="0" u="none" strike="noStrike" cap="none">
           <a:solidFill>
             <a:srgbClr val="000000"/>
           </a:solidFill>
@@ -8812,7 +8937,7 @@
           <a:sym typeface="Arial"/>
         </a:defRPr>
       </a:lvl7pPr>
-      <a:lvl8pPr lvl="7" marR="0" rtl="0" algn="l">
+      <a:lvl8pPr marR="0" lvl="7" algn="l" rtl="0">
         <a:lnSpc>
           <a:spcPct val="100000"/>
         </a:lnSpc>
@@ -8826,7 +8951,7 @@
           <a:srgbClr val="000000"/>
         </a:buClr>
         <a:buFont typeface="Arial"/>
-        <a:defRPr b="0" i="0" sz="1400" u="none" cap="none" strike="noStrike">
+        <a:defRPr sz="1400" b="0" i="0" u="none" strike="noStrike" cap="none">
           <a:solidFill>
             <a:srgbClr val="000000"/>
           </a:solidFill>
@@ -8836,7 +8961,7 @@
           <a:sym typeface="Arial"/>
         </a:defRPr>
       </a:lvl8pPr>
-      <a:lvl9pPr lvl="8" marR="0" rtl="0" algn="l">
+      <a:lvl9pPr marR="0" lvl="8" algn="l" rtl="0">
         <a:lnSpc>
           <a:spcPct val="100000"/>
         </a:lnSpc>
@@ -8850,7 +8975,7 @@
           <a:srgbClr val="000000"/>
         </a:buClr>
         <a:buFont typeface="Arial"/>
-        <a:defRPr b="0" i="0" sz="1400" u="none" cap="none" strike="noStrike">
+        <a:defRPr sz="1400" b="0" i="0" u="none" strike="noStrike" cap="none">
           <a:solidFill>
             <a:srgbClr val="000000"/>
           </a:solidFill>
@@ -8862,7 +8987,7 @@
       </a:lvl9pPr>
     </p:bodyStyle>
     <p:otherStyle>
-      <a:defPPr lvl="0" marR="0" rtl="0" algn="l">
+      <a:defPPr marR="0" lvl="0" algn="l" rtl="0">
         <a:lnSpc>
           <a:spcPct val="100000"/>
         </a:lnSpc>
@@ -8873,7 +8998,7 @@
           <a:spcPts val="0"/>
         </a:spcAft>
       </a:defPPr>
-      <a:lvl1pPr lvl="0" marR="0" rtl="0" algn="l">
+      <a:lvl1pPr marR="0" lvl="0" algn="l" rtl="0">
         <a:lnSpc>
           <a:spcPct val="100000"/>
         </a:lnSpc>
@@ -8887,7 +9012,7 @@
           <a:srgbClr val="000000"/>
         </a:buClr>
         <a:buFont typeface="Arial"/>
-        <a:defRPr b="0" i="0" sz="1400" u="none" cap="none" strike="noStrike">
+        <a:defRPr sz="1400" b="0" i="0" u="none" strike="noStrike" cap="none">
           <a:solidFill>
             <a:srgbClr val="000000"/>
           </a:solidFill>
@@ -8897,7 +9022,7 @@
           <a:sym typeface="Arial"/>
         </a:defRPr>
       </a:lvl1pPr>
-      <a:lvl2pPr lvl="1" marR="0" rtl="0" algn="l">
+      <a:lvl2pPr marR="0" lvl="1" algn="l" rtl="0">
         <a:lnSpc>
           <a:spcPct val="100000"/>
         </a:lnSpc>
@@ -8911,7 +9036,7 @@
           <a:srgbClr val="000000"/>
         </a:buClr>
         <a:buFont typeface="Arial"/>
-        <a:defRPr b="0" i="0" sz="1400" u="none" cap="none" strike="noStrike">
+        <a:defRPr sz="1400" b="0" i="0" u="none" strike="noStrike" cap="none">
           <a:solidFill>
             <a:srgbClr val="000000"/>
           </a:solidFill>
@@ -8921,7 +9046,7 @@
           <a:sym typeface="Arial"/>
         </a:defRPr>
       </a:lvl2pPr>
-      <a:lvl3pPr lvl="2" marR="0" rtl="0" algn="l">
+      <a:lvl3pPr marR="0" lvl="2" algn="l" rtl="0">
         <a:lnSpc>
           <a:spcPct val="100000"/>
         </a:lnSpc>
@@ -8935,7 +9060,7 @@
           <a:srgbClr val="000000"/>
         </a:buClr>
         <a:buFont typeface="Arial"/>
-        <a:defRPr b="0" i="0" sz="1400" u="none" cap="none" strike="noStrike">
+        <a:defRPr sz="1400" b="0" i="0" u="none" strike="noStrike" cap="none">
           <a:solidFill>
             <a:srgbClr val="000000"/>
           </a:solidFill>
@@ -8945,7 +9070,7 @@
           <a:sym typeface="Arial"/>
         </a:defRPr>
       </a:lvl3pPr>
-      <a:lvl4pPr lvl="3" marR="0" rtl="0" algn="l">
+      <a:lvl4pPr marR="0" lvl="3" algn="l" rtl="0">
         <a:lnSpc>
           <a:spcPct val="100000"/>
         </a:lnSpc>
@@ -8959,7 +9084,7 @@
           <a:srgbClr val="000000"/>
         </a:buClr>
         <a:buFont typeface="Arial"/>
-        <a:defRPr b="0" i="0" sz="1400" u="none" cap="none" strike="noStrike">
+        <a:defRPr sz="1400" b="0" i="0" u="none" strike="noStrike" cap="none">
           <a:solidFill>
             <a:srgbClr val="000000"/>
           </a:solidFill>
@@ -8969,7 +9094,7 @@
           <a:sym typeface="Arial"/>
         </a:defRPr>
       </a:lvl4pPr>
-      <a:lvl5pPr lvl="4" marR="0" rtl="0" algn="l">
+      <a:lvl5pPr marR="0" lvl="4" algn="l" rtl="0">
         <a:lnSpc>
           <a:spcPct val="100000"/>
         </a:lnSpc>
@@ -8983,7 +9108,7 @@
           <a:srgbClr val="000000"/>
         </a:buClr>
         <a:buFont typeface="Arial"/>
-        <a:defRPr b="0" i="0" sz="1400" u="none" cap="none" strike="noStrike">
+        <a:defRPr sz="1400" b="0" i="0" u="none" strike="noStrike" cap="none">
           <a:solidFill>
             <a:srgbClr val="000000"/>
           </a:solidFill>
@@ -8993,7 +9118,7 @@
           <a:sym typeface="Arial"/>
         </a:defRPr>
       </a:lvl5pPr>
-      <a:lvl6pPr lvl="5" marR="0" rtl="0" algn="l">
+      <a:lvl6pPr marR="0" lvl="5" algn="l" rtl="0">
         <a:lnSpc>
           <a:spcPct val="100000"/>
         </a:lnSpc>
@@ -9007,7 +9132,7 @@
           <a:srgbClr val="000000"/>
         </a:buClr>
         <a:buFont typeface="Arial"/>
-        <a:defRPr b="0" i="0" sz="1400" u="none" cap="none" strike="noStrike">
+        <a:defRPr sz="1400" b="0" i="0" u="none" strike="noStrike" cap="none">
           <a:solidFill>
             <a:srgbClr val="000000"/>
           </a:solidFill>
@@ -9017,7 +9142,7 @@
           <a:sym typeface="Arial"/>
         </a:defRPr>
       </a:lvl6pPr>
-      <a:lvl7pPr lvl="6" marR="0" rtl="0" algn="l">
+      <a:lvl7pPr marR="0" lvl="6" algn="l" rtl="0">
         <a:lnSpc>
           <a:spcPct val="100000"/>
         </a:lnSpc>
@@ -9031,7 +9156,7 @@
           <a:srgbClr val="000000"/>
         </a:buClr>
         <a:buFont typeface="Arial"/>
-        <a:defRPr b="0" i="0" sz="1400" u="none" cap="none" strike="noStrike">
+        <a:defRPr sz="1400" b="0" i="0" u="none" strike="noStrike" cap="none">
           <a:solidFill>
             <a:srgbClr val="000000"/>
           </a:solidFill>
@@ -9041,7 +9166,7 @@
           <a:sym typeface="Arial"/>
         </a:defRPr>
       </a:lvl7pPr>
-      <a:lvl8pPr lvl="7" marR="0" rtl="0" algn="l">
+      <a:lvl8pPr marR="0" lvl="7" algn="l" rtl="0">
         <a:lnSpc>
           <a:spcPct val="100000"/>
         </a:lnSpc>
@@ -9055,7 +9180,7 @@
           <a:srgbClr val="000000"/>
         </a:buClr>
         <a:buFont typeface="Arial"/>
-        <a:defRPr b="0" i="0" sz="1400" u="none" cap="none" strike="noStrike">
+        <a:defRPr sz="1400" b="0" i="0" u="none" strike="noStrike" cap="none">
           <a:solidFill>
             <a:srgbClr val="000000"/>
           </a:solidFill>
@@ -9065,7 +9190,7 @@
           <a:sym typeface="Arial"/>
         </a:defRPr>
       </a:lvl8pPr>
-      <a:lvl9pPr lvl="8" marR="0" rtl="0" algn="l">
+      <a:lvl9pPr marR="0" lvl="8" algn="l" rtl="0">
         <a:lnSpc>
           <a:spcPct val="100000"/>
         </a:lnSpc>
@@ -9079,7 +9204,7 @@
           <a:srgbClr val="000000"/>
         </a:buClr>
         <a:buFont typeface="Arial"/>
-        <a:defRPr b="0" i="0" sz="1400" u="none" cap="none" strike="noStrike">
+        <a:defRPr sz="1400" b="0" i="0" u="none" strike="noStrike" cap="none">
           <a:solidFill>
             <a:srgbClr val="000000"/>
           </a:solidFill>
@@ -9095,11 +9220,11 @@
 </file>
 
 <file path=ppt/slides/slide1.xml><?xml version="1.0" encoding="utf-8"?>
-<p:sld xmlns:a="http://schemas.openxmlformats.org/drawingml/2006/main" xmlns:r="http://schemas.openxmlformats.org/officeDocument/2006/relationships" xmlns:mc="http://schemas.openxmlformats.org/markup-compatibility/2006" xmlns:mv="urn:schemas-microsoft-com:mac:vml" xmlns:p="http://schemas.openxmlformats.org/presentationml/2006/main" xmlns:c="http://schemas.openxmlformats.org/drawingml/2006/chart" xmlns:dgm="http://schemas.openxmlformats.org/drawingml/2006/diagram" xmlns:o="urn:schemas-microsoft-com:office:office" xmlns:v="urn:schemas-microsoft-com:vml" xmlns:pvml="urn:schemas-microsoft-com:office:powerpoint" xmlns:com="http://schemas.openxmlformats.org/drawingml/2006/compatibility" xmlns:p14="http://schemas.microsoft.com/office/powerpoint/2010/main" xmlns:p15="http://schemas.microsoft.com/office/powerpoint/2012/main">
+<p:sld xmlns:a="http://schemas.openxmlformats.org/drawingml/2006/main" xmlns:r="http://schemas.openxmlformats.org/officeDocument/2006/relationships" xmlns:p="http://schemas.openxmlformats.org/presentationml/2006/main">
   <p:cSld>
     <p:spTree>
       <p:nvGrpSpPr>
-        <p:cNvPr id="84" name="Shape 84"/>
+        <p:cNvPr id="1" name="Shape 84"/>
         <p:cNvGrpSpPr/>
         <p:nvPr/>
       </p:nvGrpSpPr>
@@ -9114,7 +9239,9 @@
       <p:sp>
         <p:nvSpPr>
           <p:cNvPr id="85" name="Google Shape;85;p13"/>
-          <p:cNvSpPr txBox="1"/>
+          <p:cNvSpPr txBox="1">
+            <a:spLocks noGrp="1"/>
+          </p:cNvSpPr>
           <p:nvPr>
             <p:ph type="ctrTitle"/>
           </p:nvPr>
@@ -9129,12 +9256,12 @@
           </a:prstGeom>
         </p:spPr>
         <p:txBody>
-          <a:bodyPr anchorCtr="0" anchor="b" bIns="91425" lIns="91425" spcFirstLastPara="1" rIns="91425" wrap="square" tIns="91425">
+          <a:bodyPr spcFirstLastPara="1" wrap="square" lIns="91425" tIns="91425" rIns="91425" bIns="91425" anchor="b" anchorCtr="0">
             <a:noAutofit/>
           </a:bodyPr>
           <a:lstStyle/>
           <a:p>
-            <a:pPr indent="0" lvl="0" marL="0" rtl="0" algn="l">
+            <a:pPr marL="0" lvl="0" indent="0" algn="l" rtl="0">
               <a:spcBef>
                 <a:spcPts val="0"/>
               </a:spcBef>
@@ -9154,9 +9281,11 @@
       <p:sp>
         <p:nvSpPr>
           <p:cNvPr id="86" name="Google Shape;86;p13"/>
-          <p:cNvSpPr txBox="1"/>
+          <p:cNvSpPr txBox="1">
+            <a:spLocks noGrp="1"/>
+          </p:cNvSpPr>
           <p:nvPr>
-            <p:ph idx="1" type="subTitle"/>
+            <p:ph type="subTitle" idx="1"/>
           </p:nvPr>
         </p:nvSpPr>
         <p:spPr>
@@ -9169,12 +9298,12 @@
           </a:prstGeom>
         </p:spPr>
         <p:txBody>
-          <a:bodyPr anchorCtr="0" anchor="t" bIns="91425" lIns="91425" spcFirstLastPara="1" rIns="91425" wrap="square" tIns="91425">
+          <a:bodyPr spcFirstLastPara="1" wrap="square" lIns="91425" tIns="91425" rIns="91425" bIns="91425" anchor="t" anchorCtr="0">
             <a:noAutofit/>
           </a:bodyPr>
           <a:lstStyle/>
           <a:p>
-            <a:pPr indent="0" lvl="0" marL="0" rtl="0" algn="l">
+            <a:pPr marL="0" lvl="0" indent="0" algn="l" rtl="0">
               <a:spcBef>
                 <a:spcPts val="0"/>
               </a:spcBef>
@@ -9184,10 +9313,38 @@
               <a:buNone/>
             </a:pPr>
             <a:r>
-              <a:rPr lang="en"/>
-              <a:t>Justin Neal, Lee Klarich, Brian Cabigon, Tim Lewis, Zach Benator</a:t>
+              <a:rPr lang="en" dirty="0"/>
+              <a:t>Justin Neal, Lee </a:t>
             </a:r>
-            <a:endParaRPr/>
+            <a:r>
+              <a:rPr lang="en" dirty="0" err="1"/>
+              <a:t>Klarich</a:t>
+            </a:r>
+            <a:r>
+              <a:rPr lang="en" dirty="0"/>
+              <a:t>, Brian </a:t>
+            </a:r>
+            <a:r>
+              <a:rPr lang="en" dirty="0" err="1"/>
+              <a:t>Cabigon</a:t>
+            </a:r>
+            <a:r>
+              <a:rPr lang="en" dirty="0"/>
+              <a:t>, Tim Lewis, </a:t>
+            </a:r>
+            <a:r>
+              <a:rPr lang="en-US" dirty="0" smtClean="0"/>
+              <a:t>Jordan</a:t>
+            </a:r>
+            <a:r>
+              <a:rPr lang="en" dirty="0" smtClean="0"/>
+              <a:t> </a:t>
+            </a:r>
+            <a:r>
+              <a:rPr lang="en" dirty="0"/>
+              <a:t>Benator</a:t>
+            </a:r>
+            <a:endParaRPr dirty="0"/>
           </a:p>
         </p:txBody>
       </p:sp>
@@ -9200,11 +9357,11 @@
 </file>
 
 <file path=ppt/slides/slide10.xml><?xml version="1.0" encoding="utf-8"?>
-<p:sld xmlns:a="http://schemas.openxmlformats.org/drawingml/2006/main" xmlns:r="http://schemas.openxmlformats.org/officeDocument/2006/relationships" xmlns:mc="http://schemas.openxmlformats.org/markup-compatibility/2006" xmlns:mv="urn:schemas-microsoft-com:mac:vml" xmlns:p="http://schemas.openxmlformats.org/presentationml/2006/main" xmlns:c="http://schemas.openxmlformats.org/drawingml/2006/chart" xmlns:dgm="http://schemas.openxmlformats.org/drawingml/2006/diagram" xmlns:o="urn:schemas-microsoft-com:office:office" xmlns:v="urn:schemas-microsoft-com:vml" xmlns:pvml="urn:schemas-microsoft-com:office:powerpoint" xmlns:com="http://schemas.openxmlformats.org/drawingml/2006/compatibility" xmlns:p14="http://schemas.microsoft.com/office/powerpoint/2010/main" xmlns:p15="http://schemas.microsoft.com/office/powerpoint/2012/main">
+<p:sld xmlns:a="http://schemas.openxmlformats.org/drawingml/2006/main" xmlns:r="http://schemas.openxmlformats.org/officeDocument/2006/relationships" xmlns:p="http://schemas.openxmlformats.org/presentationml/2006/main">
   <p:cSld>
     <p:spTree>
       <p:nvGrpSpPr>
-        <p:cNvPr id="173" name="Shape 173"/>
+        <p:cNvPr id="1" name="Shape 173"/>
         <p:cNvGrpSpPr/>
         <p:nvPr/>
       </p:nvGrpSpPr>
@@ -9264,12 +9421,12 @@
           </a:ln>
         </p:spPr>
         <p:txBody>
-          <a:bodyPr anchorCtr="0" anchor="t" bIns="91425" lIns="91425" spcFirstLastPara="1" rIns="91425" wrap="square" tIns="91425">
+          <a:bodyPr spcFirstLastPara="1" wrap="square" lIns="91425" tIns="91425" rIns="91425" bIns="91425" anchor="t" anchorCtr="0">
             <a:noAutofit/>
           </a:bodyPr>
           <a:lstStyle/>
           <a:p>
-            <a:pPr indent="0" lvl="0" marL="0" rtl="0" algn="ctr">
+            <a:pPr marL="0" lvl="0" indent="0" algn="ctr" rtl="0">
               <a:spcBef>
                 <a:spcPts val="0"/>
               </a:spcBef>
@@ -9305,11 +9462,11 @@
 </file>
 
 <file path=ppt/slides/slide11.xml><?xml version="1.0" encoding="utf-8"?>
-<p:sld xmlns:a="http://schemas.openxmlformats.org/drawingml/2006/main" xmlns:r="http://schemas.openxmlformats.org/officeDocument/2006/relationships" xmlns:mc="http://schemas.openxmlformats.org/markup-compatibility/2006" xmlns:mv="urn:schemas-microsoft-com:mac:vml" xmlns:p="http://schemas.openxmlformats.org/presentationml/2006/main" xmlns:c="http://schemas.openxmlformats.org/drawingml/2006/chart" xmlns:dgm="http://schemas.openxmlformats.org/drawingml/2006/diagram" xmlns:o="urn:schemas-microsoft-com:office:office" xmlns:v="urn:schemas-microsoft-com:vml" xmlns:pvml="urn:schemas-microsoft-com:office:powerpoint" xmlns:com="http://schemas.openxmlformats.org/drawingml/2006/compatibility" xmlns:p14="http://schemas.microsoft.com/office/powerpoint/2010/main" xmlns:p15="http://schemas.microsoft.com/office/powerpoint/2012/main">
+<p:sld xmlns:a="http://schemas.openxmlformats.org/drawingml/2006/main" xmlns:r="http://schemas.openxmlformats.org/officeDocument/2006/relationships" xmlns:p="http://schemas.openxmlformats.org/presentationml/2006/main">
   <p:cSld>
     <p:spTree>
       <p:nvGrpSpPr>
-        <p:cNvPr id="179" name="Shape 179"/>
+        <p:cNvPr id="1" name="Shape 179"/>
         <p:cNvGrpSpPr/>
         <p:nvPr/>
       </p:nvGrpSpPr>
@@ -9324,7 +9481,9 @@
       <p:sp>
         <p:nvSpPr>
           <p:cNvPr id="180" name="Google Shape;180;p23"/>
-          <p:cNvSpPr txBox="1"/>
+          <p:cNvSpPr txBox="1">
+            <a:spLocks noGrp="1"/>
+          </p:cNvSpPr>
           <p:nvPr>
             <p:ph type="title"/>
           </p:nvPr>
@@ -9339,12 +9498,12 @@
           </a:prstGeom>
         </p:spPr>
         <p:txBody>
-          <a:bodyPr anchorCtr="0" anchor="t" bIns="91425" lIns="91425" spcFirstLastPara="1" rIns="91425" wrap="square" tIns="91425">
+          <a:bodyPr spcFirstLastPara="1" wrap="square" lIns="91425" tIns="91425" rIns="91425" bIns="91425" anchor="t" anchorCtr="0">
             <a:noAutofit/>
           </a:bodyPr>
           <a:lstStyle/>
           <a:p>
-            <a:pPr indent="0" lvl="0" marL="0" rtl="0" algn="ctr">
+            <a:pPr marL="0" lvl="0" indent="0" algn="ctr" rtl="0">
               <a:spcBef>
                 <a:spcPts val="0"/>
               </a:spcBef>
@@ -9454,11 +9613,11 @@
 </file>
 
 <file path=ppt/slides/slide12.xml><?xml version="1.0" encoding="utf-8"?>
-<p:sld xmlns:a="http://schemas.openxmlformats.org/drawingml/2006/main" xmlns:r="http://schemas.openxmlformats.org/officeDocument/2006/relationships" xmlns:mc="http://schemas.openxmlformats.org/markup-compatibility/2006" xmlns:mv="urn:schemas-microsoft-com:mac:vml" xmlns:p="http://schemas.openxmlformats.org/presentationml/2006/main" xmlns:c="http://schemas.openxmlformats.org/drawingml/2006/chart" xmlns:dgm="http://schemas.openxmlformats.org/drawingml/2006/diagram" xmlns:o="urn:schemas-microsoft-com:office:office" xmlns:v="urn:schemas-microsoft-com:vml" xmlns:pvml="urn:schemas-microsoft-com:office:powerpoint" xmlns:com="http://schemas.openxmlformats.org/drawingml/2006/compatibility" xmlns:p14="http://schemas.microsoft.com/office/powerpoint/2010/main" xmlns:p15="http://schemas.microsoft.com/office/powerpoint/2012/main">
+<p:sld xmlns:a="http://schemas.openxmlformats.org/drawingml/2006/main" xmlns:r="http://schemas.openxmlformats.org/officeDocument/2006/relationships" xmlns:p="http://schemas.openxmlformats.org/presentationml/2006/main">
   <p:cSld>
     <p:spTree>
       <p:nvGrpSpPr>
-        <p:cNvPr id="187" name="Shape 187"/>
+        <p:cNvPr id="1" name="Shape 187"/>
         <p:cNvGrpSpPr/>
         <p:nvPr/>
       </p:nvGrpSpPr>
@@ -9473,7 +9632,9 @@
       <p:sp>
         <p:nvSpPr>
           <p:cNvPr id="188" name="Google Shape;188;p24"/>
-          <p:cNvSpPr txBox="1"/>
+          <p:cNvSpPr txBox="1">
+            <a:spLocks noGrp="1"/>
+          </p:cNvSpPr>
           <p:nvPr>
             <p:ph type="title"/>
           </p:nvPr>
@@ -9488,12 +9649,12 @@
           </a:prstGeom>
         </p:spPr>
         <p:txBody>
-          <a:bodyPr anchorCtr="0" anchor="t" bIns="91425" lIns="91425" spcFirstLastPara="1" rIns="91425" wrap="square" tIns="91425">
+          <a:bodyPr spcFirstLastPara="1" wrap="square" lIns="91425" tIns="91425" rIns="91425" bIns="91425" anchor="t" anchorCtr="0">
             <a:noAutofit/>
           </a:bodyPr>
           <a:lstStyle/>
           <a:p>
-            <a:pPr indent="0" lvl="0" marL="457200" rtl="0" algn="l">
+            <a:pPr marL="457200" lvl="0" indent="0" algn="l" rtl="0">
               <a:spcBef>
                 <a:spcPts val="600"/>
               </a:spcBef>
@@ -9513,9 +9674,11 @@
       <p:sp>
         <p:nvSpPr>
           <p:cNvPr id="189" name="Google Shape;189;p24"/>
-          <p:cNvSpPr txBox="1"/>
+          <p:cNvSpPr txBox="1">
+            <a:spLocks noGrp="1"/>
+          </p:cNvSpPr>
           <p:nvPr>
-            <p:ph idx="1" type="body"/>
+            <p:ph type="body" idx="1"/>
           </p:nvPr>
         </p:nvSpPr>
         <p:spPr>
@@ -9528,12 +9691,12 @@
           </a:prstGeom>
         </p:spPr>
         <p:txBody>
-          <a:bodyPr anchorCtr="0" anchor="t" bIns="91425" lIns="91425" spcFirstLastPara="1" rIns="91425" wrap="square" tIns="91425">
+          <a:bodyPr spcFirstLastPara="1" wrap="square" lIns="91425" tIns="91425" rIns="91425" bIns="91425" anchor="t" anchorCtr="0">
             <a:noAutofit/>
           </a:bodyPr>
           <a:lstStyle/>
           <a:p>
-            <a:pPr indent="-342900" lvl="0" marL="457200" rtl="0" algn="l">
+            <a:pPr marL="457200" lvl="0" indent="-342900" algn="l" rtl="0">
               <a:spcBef>
                 <a:spcPts val="0"/>
               </a:spcBef>
@@ -9560,11 +9723,11 @@
 </file>
 
 <file path=ppt/slides/slide13.xml><?xml version="1.0" encoding="utf-8"?>
-<p:sld xmlns:a="http://schemas.openxmlformats.org/drawingml/2006/main" xmlns:r="http://schemas.openxmlformats.org/officeDocument/2006/relationships" xmlns:mc="http://schemas.openxmlformats.org/markup-compatibility/2006" xmlns:mv="urn:schemas-microsoft-com:mac:vml" xmlns:p="http://schemas.openxmlformats.org/presentationml/2006/main" xmlns:c="http://schemas.openxmlformats.org/drawingml/2006/chart" xmlns:dgm="http://schemas.openxmlformats.org/drawingml/2006/diagram" xmlns:o="urn:schemas-microsoft-com:office:office" xmlns:v="urn:schemas-microsoft-com:vml" xmlns:pvml="urn:schemas-microsoft-com:office:powerpoint" xmlns:com="http://schemas.openxmlformats.org/drawingml/2006/compatibility" xmlns:p14="http://schemas.microsoft.com/office/powerpoint/2010/main" xmlns:p15="http://schemas.microsoft.com/office/powerpoint/2012/main">
+<p:sld xmlns:a="http://schemas.openxmlformats.org/drawingml/2006/main" xmlns:r="http://schemas.openxmlformats.org/officeDocument/2006/relationships" xmlns:p="http://schemas.openxmlformats.org/presentationml/2006/main">
   <p:cSld>
     <p:spTree>
       <p:nvGrpSpPr>
-        <p:cNvPr id="193" name="Shape 193"/>
+        <p:cNvPr id="1" name="Shape 193"/>
         <p:cNvGrpSpPr/>
         <p:nvPr/>
       </p:nvGrpSpPr>
@@ -9579,7 +9742,9 @@
       <p:sp>
         <p:nvSpPr>
           <p:cNvPr id="194" name="Google Shape;194;p25"/>
-          <p:cNvSpPr txBox="1"/>
+          <p:cNvSpPr txBox="1">
+            <a:spLocks noGrp="1"/>
+          </p:cNvSpPr>
           <p:nvPr>
             <p:ph type="title"/>
           </p:nvPr>
@@ -9594,12 +9759,12 @@
           </a:prstGeom>
         </p:spPr>
         <p:txBody>
-          <a:bodyPr anchorCtr="0" anchor="t" bIns="91425" lIns="91425" spcFirstLastPara="1" rIns="91425" wrap="square" tIns="91425">
+          <a:bodyPr spcFirstLastPara="1" wrap="square" lIns="91425" tIns="91425" rIns="91425" bIns="91425" anchor="t" anchorCtr="0">
             <a:noAutofit/>
           </a:bodyPr>
           <a:lstStyle/>
           <a:p>
-            <a:pPr indent="0" lvl="0" marL="182880" rtl="0" algn="ctr">
+            <a:pPr marL="182880" lvl="0" indent="0" algn="ctr" rtl="0">
               <a:spcBef>
                 <a:spcPts val="600"/>
               </a:spcBef>
@@ -9692,12 +9857,12 @@
           </a:ln>
         </p:spPr>
         <p:txBody>
-          <a:bodyPr anchorCtr="0" anchor="t" bIns="91425" lIns="91425" spcFirstLastPara="1" rIns="91425" wrap="square" tIns="91425">
+          <a:bodyPr spcFirstLastPara="1" wrap="square" lIns="91425" tIns="91425" rIns="91425" bIns="91425" anchor="t" anchorCtr="0">
             <a:noAutofit/>
           </a:bodyPr>
           <a:lstStyle/>
           <a:p>
-            <a:pPr indent="0" lvl="0" marL="0" rtl="0" algn="ctr">
+            <a:pPr marL="0" lvl="0" indent="0" algn="ctr" rtl="0">
               <a:spcBef>
                 <a:spcPts val="0"/>
               </a:spcBef>
@@ -9723,7 +9888,7 @@
             </a:endParaRPr>
           </a:p>
           <a:p>
-            <a:pPr indent="0" lvl="0" marL="0" rtl="0" algn="ctr">
+            <a:pPr marL="0" lvl="0" indent="0" algn="ctr" rtl="0">
               <a:spcBef>
                 <a:spcPts val="0"/>
               </a:spcBef>
@@ -9770,12 +9935,12 @@
           </a:ln>
         </p:spPr>
         <p:txBody>
-          <a:bodyPr anchorCtr="0" anchor="t" bIns="91425" lIns="91425" spcFirstLastPara="1" rIns="91425" wrap="square" tIns="91425">
+          <a:bodyPr spcFirstLastPara="1" wrap="square" lIns="91425" tIns="91425" rIns="91425" bIns="91425" anchor="t" anchorCtr="0">
             <a:noAutofit/>
           </a:bodyPr>
           <a:lstStyle/>
           <a:p>
-            <a:pPr indent="0" lvl="0" marL="0" rtl="0" algn="ctr">
+            <a:pPr marL="0" lvl="0" indent="0" algn="ctr" rtl="0">
               <a:spcBef>
                 <a:spcPts val="0"/>
               </a:spcBef>
@@ -9850,12 +10015,12 @@
           </a:ln>
         </p:spPr>
         <p:txBody>
-          <a:bodyPr anchorCtr="0" anchor="t" bIns="91425" lIns="91425" spcFirstLastPara="1" rIns="91425" wrap="square" tIns="91425">
+          <a:bodyPr spcFirstLastPara="1" wrap="square" lIns="91425" tIns="91425" rIns="91425" bIns="91425" anchor="t" anchorCtr="0">
             <a:noAutofit/>
           </a:bodyPr>
           <a:lstStyle/>
           <a:p>
-            <a:pPr indent="0" lvl="0" marL="0" rtl="0" algn="ctr">
+            <a:pPr marL="0" lvl="0" indent="0" algn="ctr" rtl="0">
               <a:spcBef>
                 <a:spcPts val="0"/>
               </a:spcBef>
@@ -9881,7 +10046,7 @@
             </a:endParaRPr>
           </a:p>
           <a:p>
-            <a:pPr indent="0" lvl="0" marL="0" rtl="0" algn="ctr">
+            <a:pPr marL="0" lvl="0" indent="0" algn="ctr" rtl="0">
               <a:spcBef>
                 <a:spcPts val="0"/>
               </a:spcBef>
@@ -9917,11 +10082,11 @@
 </file>
 
 <file path=ppt/slides/slide14.xml><?xml version="1.0" encoding="utf-8"?>
-<p:sld xmlns:a="http://schemas.openxmlformats.org/drawingml/2006/main" xmlns:r="http://schemas.openxmlformats.org/officeDocument/2006/relationships" xmlns:mc="http://schemas.openxmlformats.org/markup-compatibility/2006" xmlns:mv="urn:schemas-microsoft-com:mac:vml" xmlns:p="http://schemas.openxmlformats.org/presentationml/2006/main" xmlns:c="http://schemas.openxmlformats.org/drawingml/2006/chart" xmlns:dgm="http://schemas.openxmlformats.org/drawingml/2006/diagram" xmlns:o="urn:schemas-microsoft-com:office:office" xmlns:v="urn:schemas-microsoft-com:vml" xmlns:pvml="urn:schemas-microsoft-com:office:powerpoint" xmlns:com="http://schemas.openxmlformats.org/drawingml/2006/compatibility" xmlns:p14="http://schemas.microsoft.com/office/powerpoint/2010/main" xmlns:p15="http://schemas.microsoft.com/office/powerpoint/2012/main">
+<p:sld xmlns:a="http://schemas.openxmlformats.org/drawingml/2006/main" xmlns:r="http://schemas.openxmlformats.org/officeDocument/2006/relationships" xmlns:p="http://schemas.openxmlformats.org/presentationml/2006/main">
   <p:cSld>
     <p:spTree>
       <p:nvGrpSpPr>
-        <p:cNvPr id="204" name="Shape 204"/>
+        <p:cNvPr id="1" name="Shape 204"/>
         <p:cNvGrpSpPr/>
         <p:nvPr/>
       </p:nvGrpSpPr>
@@ -9936,7 +10101,9 @@
       <p:sp>
         <p:nvSpPr>
           <p:cNvPr id="205" name="Google Shape;205;p26"/>
-          <p:cNvSpPr txBox="1"/>
+          <p:cNvSpPr txBox="1">
+            <a:spLocks noGrp="1"/>
+          </p:cNvSpPr>
           <p:nvPr>
             <p:ph type="title"/>
           </p:nvPr>
@@ -9951,12 +10118,12 @@
           </a:prstGeom>
         </p:spPr>
         <p:txBody>
-          <a:bodyPr anchorCtr="0" anchor="t" bIns="91425" lIns="91425" spcFirstLastPara="1" rIns="91425" wrap="square" tIns="91425">
+          <a:bodyPr spcFirstLastPara="1" wrap="square" lIns="91425" tIns="91425" rIns="91425" bIns="91425" anchor="t" anchorCtr="0">
             <a:noAutofit/>
           </a:bodyPr>
           <a:lstStyle/>
           <a:p>
-            <a:pPr indent="0" lvl="0" marL="0" rtl="0" algn="l">
+            <a:pPr marL="0" lvl="0" indent="0" algn="l" rtl="0">
               <a:spcBef>
                 <a:spcPts val="0"/>
               </a:spcBef>
@@ -9976,9 +10143,11 @@
       <p:sp>
         <p:nvSpPr>
           <p:cNvPr id="206" name="Google Shape;206;p26"/>
-          <p:cNvSpPr txBox="1"/>
+          <p:cNvSpPr txBox="1">
+            <a:spLocks noGrp="1"/>
+          </p:cNvSpPr>
           <p:nvPr>
-            <p:ph idx="1" type="body"/>
+            <p:ph type="body" idx="1"/>
           </p:nvPr>
         </p:nvSpPr>
         <p:spPr>
@@ -9991,12 +10160,12 @@
           </a:prstGeom>
         </p:spPr>
         <p:txBody>
-          <a:bodyPr anchorCtr="0" anchor="t" bIns="91425" lIns="91425" spcFirstLastPara="1" rIns="91425" wrap="square" tIns="91425">
+          <a:bodyPr spcFirstLastPara="1" wrap="square" lIns="91425" tIns="91425" rIns="91425" bIns="91425" anchor="t" anchorCtr="0">
             <a:noAutofit/>
           </a:bodyPr>
           <a:lstStyle/>
           <a:p>
-            <a:pPr indent="0" lvl="0" marL="0" rtl="0" algn="l">
+            <a:pPr marL="0" lvl="0" indent="0" algn="l" rtl="0">
               <a:spcBef>
                 <a:spcPts val="0"/>
               </a:spcBef>
@@ -10005,9 +10174,6 @@
               </a:spcAft>
               <a:buNone/>
             </a:pPr>
-            <a:r>
-              <a:t/>
-            </a:r>
             <a:endParaRPr/>
           </a:p>
         </p:txBody>
@@ -10022,7 +10188,7 @@
           <a:blip r:embed="rId3">
             <a:alphaModFix/>
           </a:blip>
-          <a:srcRect b="2321" l="1236" r="1373" t="1348"/>
+          <a:srcRect l="1236" t="1348" r="1373" b="2321"/>
           <a:stretch/>
         </p:blipFill>
         <p:spPr>
@@ -10048,11 +10214,11 @@
 </file>
 
 <file path=ppt/slides/slide15.xml><?xml version="1.0" encoding="utf-8"?>
-<p:sld xmlns:a="http://schemas.openxmlformats.org/drawingml/2006/main" xmlns:r="http://schemas.openxmlformats.org/officeDocument/2006/relationships" xmlns:mc="http://schemas.openxmlformats.org/markup-compatibility/2006" xmlns:mv="urn:schemas-microsoft-com:mac:vml" xmlns:p="http://schemas.openxmlformats.org/presentationml/2006/main" xmlns:c="http://schemas.openxmlformats.org/drawingml/2006/chart" xmlns:dgm="http://schemas.openxmlformats.org/drawingml/2006/diagram" xmlns:o="urn:schemas-microsoft-com:office:office" xmlns:v="urn:schemas-microsoft-com:vml" xmlns:pvml="urn:schemas-microsoft-com:office:powerpoint" xmlns:com="http://schemas.openxmlformats.org/drawingml/2006/compatibility" xmlns:p14="http://schemas.microsoft.com/office/powerpoint/2010/main" xmlns:p15="http://schemas.microsoft.com/office/powerpoint/2012/main">
+<p:sld xmlns:a="http://schemas.openxmlformats.org/drawingml/2006/main" xmlns:r="http://schemas.openxmlformats.org/officeDocument/2006/relationships" xmlns:p="http://schemas.openxmlformats.org/presentationml/2006/main">
   <p:cSld>
     <p:spTree>
       <p:nvGrpSpPr>
-        <p:cNvPr id="211" name="Shape 211"/>
+        <p:cNvPr id="1" name="Shape 211"/>
         <p:cNvGrpSpPr/>
         <p:nvPr/>
       </p:nvGrpSpPr>
@@ -10067,7 +10233,9 @@
       <p:sp>
         <p:nvSpPr>
           <p:cNvPr id="212" name="Google Shape;212;p27"/>
-          <p:cNvSpPr txBox="1"/>
+          <p:cNvSpPr txBox="1">
+            <a:spLocks noGrp="1"/>
+          </p:cNvSpPr>
           <p:nvPr>
             <p:ph type="title"/>
           </p:nvPr>
@@ -10082,12 +10250,12 @@
           </a:prstGeom>
         </p:spPr>
         <p:txBody>
-          <a:bodyPr anchorCtr="0" anchor="t" bIns="91425" lIns="91425" spcFirstLastPara="1" rIns="91425" wrap="square" tIns="91425">
+          <a:bodyPr spcFirstLastPara="1" wrap="square" lIns="91425" tIns="91425" rIns="91425" bIns="91425" anchor="t" anchorCtr="0">
             <a:noAutofit/>
           </a:bodyPr>
           <a:lstStyle/>
           <a:p>
-            <a:pPr indent="0" lvl="0" marL="0" rtl="0" algn="l">
+            <a:pPr marL="0" lvl="0" indent="0" algn="l" rtl="0">
               <a:spcBef>
                 <a:spcPts val="0"/>
               </a:spcBef>
@@ -10107,9 +10275,11 @@
       <p:sp>
         <p:nvSpPr>
           <p:cNvPr id="213" name="Google Shape;213;p27"/>
-          <p:cNvSpPr txBox="1"/>
+          <p:cNvSpPr txBox="1">
+            <a:spLocks noGrp="1"/>
+          </p:cNvSpPr>
           <p:nvPr>
-            <p:ph idx="1" type="body"/>
+            <p:ph type="body" idx="1"/>
           </p:nvPr>
         </p:nvSpPr>
         <p:spPr>
@@ -10122,12 +10292,12 @@
           </a:prstGeom>
         </p:spPr>
         <p:txBody>
-          <a:bodyPr anchorCtr="0" anchor="t" bIns="91425" lIns="91425" spcFirstLastPara="1" rIns="91425" wrap="square" tIns="91425">
+          <a:bodyPr spcFirstLastPara="1" wrap="square" lIns="91425" tIns="91425" rIns="91425" bIns="91425" anchor="t" anchorCtr="0">
             <a:noAutofit/>
           </a:bodyPr>
           <a:lstStyle/>
           <a:p>
-            <a:pPr indent="0" lvl="0" marL="0" rtl="0" algn="l">
+            <a:pPr marL="0" lvl="0" indent="0" algn="l" rtl="0">
               <a:spcBef>
                 <a:spcPts val="0"/>
               </a:spcBef>
@@ -10143,7 +10313,7 @@
             <a:endParaRPr/>
           </a:p>
           <a:p>
-            <a:pPr indent="-317500" lvl="0" marL="457200" rtl="0" algn="l">
+            <a:pPr marL="457200" lvl="0" indent="-317500" algn="l" rtl="0">
               <a:spcBef>
                 <a:spcPts val="1600"/>
               </a:spcBef>
@@ -10160,7 +10330,7 @@
             <a:endParaRPr/>
           </a:p>
           <a:p>
-            <a:pPr indent="-317500" lvl="0" marL="457200" rtl="0" algn="l">
+            <a:pPr marL="457200" lvl="0" indent="-317500" algn="l" rtl="0">
               <a:spcBef>
                 <a:spcPts val="0"/>
               </a:spcBef>
@@ -10177,7 +10347,7 @@
             <a:endParaRPr/>
           </a:p>
           <a:p>
-            <a:pPr indent="-317500" lvl="0" marL="457200" rtl="0" algn="l">
+            <a:pPr marL="457200" lvl="0" indent="-317500" algn="l" rtl="0">
               <a:spcBef>
                 <a:spcPts val="0"/>
               </a:spcBef>
@@ -10198,9 +10368,11 @@
       <p:sp>
         <p:nvSpPr>
           <p:cNvPr id="214" name="Google Shape;214;p27"/>
-          <p:cNvSpPr txBox="1"/>
+          <p:cNvSpPr txBox="1">
+            <a:spLocks noGrp="1"/>
+          </p:cNvSpPr>
           <p:nvPr>
-            <p:ph idx="2" type="body"/>
+            <p:ph type="body" idx="2"/>
           </p:nvPr>
         </p:nvSpPr>
         <p:spPr>
@@ -10213,12 +10385,12 @@
           </a:prstGeom>
         </p:spPr>
         <p:txBody>
-          <a:bodyPr anchorCtr="0" anchor="t" bIns="91425" lIns="91425" spcFirstLastPara="1" rIns="91425" wrap="square" tIns="91425">
+          <a:bodyPr spcFirstLastPara="1" wrap="square" lIns="91425" tIns="91425" rIns="91425" bIns="91425" anchor="t" anchorCtr="0">
             <a:noAutofit/>
           </a:bodyPr>
           <a:lstStyle/>
           <a:p>
-            <a:pPr indent="0" lvl="0" marL="0" rtl="0" algn="l">
+            <a:pPr marL="0" lvl="0" indent="0" algn="l" rtl="0">
               <a:spcBef>
                 <a:spcPts val="0"/>
               </a:spcBef>
@@ -10234,7 +10406,7 @@
             <a:endParaRPr/>
           </a:p>
           <a:p>
-            <a:pPr indent="-317500" lvl="0" marL="457200" rtl="0" algn="l">
+            <a:pPr marL="457200" lvl="0" indent="-317500" algn="l" rtl="0">
               <a:spcBef>
                 <a:spcPts val="1600"/>
               </a:spcBef>
@@ -10251,7 +10423,7 @@
             <a:endParaRPr/>
           </a:p>
           <a:p>
-            <a:pPr indent="-304800" lvl="1" marL="914400" rtl="0" algn="l">
+            <a:pPr marL="914400" lvl="1" indent="-304800" algn="l" rtl="0">
               <a:spcBef>
                 <a:spcPts val="0"/>
               </a:spcBef>
@@ -10268,7 +10440,7 @@
             <a:endParaRPr/>
           </a:p>
           <a:p>
-            <a:pPr indent="-317500" lvl="0" marL="457200" rtl="0" algn="l">
+            <a:pPr marL="457200" lvl="0" indent="-317500" algn="l" rtl="0">
               <a:spcBef>
                 <a:spcPts val="0"/>
               </a:spcBef>
@@ -10285,7 +10457,7 @@
             <a:endParaRPr/>
           </a:p>
           <a:p>
-            <a:pPr indent="-304800" lvl="1" marL="914400" rtl="0" algn="l">
+            <a:pPr marL="914400" lvl="1" indent="-304800" algn="l" rtl="0">
               <a:spcBef>
                 <a:spcPts val="0"/>
               </a:spcBef>
@@ -10302,7 +10474,7 @@
             <a:endParaRPr/>
           </a:p>
           <a:p>
-            <a:pPr indent="-304800" lvl="1" marL="914400" rtl="0" algn="l">
+            <a:pPr marL="914400" lvl="1" indent="-304800" algn="l" rtl="0">
               <a:spcBef>
                 <a:spcPts val="0"/>
               </a:spcBef>
@@ -10314,16 +10486,12 @@
             </a:pPr>
             <a:r>
               <a:rPr lang="en"/>
-              <a:t>batch_sizes = </a:t>
-            </a:r>
-            <a:r>
-              <a:rPr lang="en"/>
-              <a:t>[16, 64, 128, 256]</a:t>
+              <a:t>batch_sizes = [16, 64, 128, 256]</a:t>
             </a:r>
             <a:endParaRPr/>
           </a:p>
           <a:p>
-            <a:pPr indent="-304800" lvl="1" marL="914400" rtl="0" algn="l">
+            <a:pPr marL="914400" lvl="1" indent="-304800" algn="l" rtl="0">
               <a:spcBef>
                 <a:spcPts val="0"/>
               </a:spcBef>
@@ -10350,11 +10518,11 @@
 </file>
 
 <file path=ppt/slides/slide16.xml><?xml version="1.0" encoding="utf-8"?>
-<p:sld xmlns:a="http://schemas.openxmlformats.org/drawingml/2006/main" xmlns:r="http://schemas.openxmlformats.org/officeDocument/2006/relationships" xmlns:mc="http://schemas.openxmlformats.org/markup-compatibility/2006" xmlns:mv="urn:schemas-microsoft-com:mac:vml" xmlns:p="http://schemas.openxmlformats.org/presentationml/2006/main" xmlns:c="http://schemas.openxmlformats.org/drawingml/2006/chart" xmlns:dgm="http://schemas.openxmlformats.org/drawingml/2006/diagram" xmlns:o="urn:schemas-microsoft-com:office:office" xmlns:v="urn:schemas-microsoft-com:vml" xmlns:pvml="urn:schemas-microsoft-com:office:powerpoint" xmlns:com="http://schemas.openxmlformats.org/drawingml/2006/compatibility" xmlns:p14="http://schemas.microsoft.com/office/powerpoint/2010/main" xmlns:p15="http://schemas.microsoft.com/office/powerpoint/2012/main">
+<p:sld xmlns:a="http://schemas.openxmlformats.org/drawingml/2006/main" xmlns:r="http://schemas.openxmlformats.org/officeDocument/2006/relationships" xmlns:p="http://schemas.openxmlformats.org/presentationml/2006/main">
   <p:cSld>
     <p:spTree>
       <p:nvGrpSpPr>
-        <p:cNvPr id="218" name="Shape 218"/>
+        <p:cNvPr id="1" name="Shape 218"/>
         <p:cNvGrpSpPr/>
         <p:nvPr/>
       </p:nvGrpSpPr>
@@ -10369,7 +10537,9 @@
       <p:sp>
         <p:nvSpPr>
           <p:cNvPr id="219" name="Google Shape;219;p28"/>
-          <p:cNvSpPr txBox="1"/>
+          <p:cNvSpPr txBox="1">
+            <a:spLocks noGrp="1"/>
+          </p:cNvSpPr>
           <p:nvPr>
             <p:ph type="title"/>
           </p:nvPr>
@@ -10384,12 +10554,12 @@
           </a:prstGeom>
         </p:spPr>
         <p:txBody>
-          <a:bodyPr anchorCtr="0" anchor="t" bIns="91425" lIns="91425" spcFirstLastPara="1" rIns="91425" wrap="square" tIns="91425">
+          <a:bodyPr spcFirstLastPara="1" wrap="square" lIns="91425" tIns="91425" rIns="91425" bIns="91425" anchor="t" anchorCtr="0">
             <a:noAutofit/>
           </a:bodyPr>
           <a:lstStyle/>
           <a:p>
-            <a:pPr indent="0" lvl="0" marL="0" rtl="0" algn="l">
+            <a:pPr marL="0" lvl="0" indent="0" algn="l" rtl="0">
               <a:spcBef>
                 <a:spcPts val="0"/>
               </a:spcBef>
@@ -10409,9 +10579,11 @@
       <p:sp>
         <p:nvSpPr>
           <p:cNvPr id="220" name="Google Shape;220;p28"/>
-          <p:cNvSpPr txBox="1"/>
+          <p:cNvSpPr txBox="1">
+            <a:spLocks noGrp="1"/>
+          </p:cNvSpPr>
           <p:nvPr>
-            <p:ph idx="1" type="body"/>
+            <p:ph type="body" idx="1"/>
           </p:nvPr>
         </p:nvSpPr>
         <p:spPr>
@@ -10424,12 +10596,12 @@
           </a:prstGeom>
         </p:spPr>
         <p:txBody>
-          <a:bodyPr anchorCtr="0" anchor="t" bIns="91425" lIns="91425" spcFirstLastPara="1" rIns="91425" wrap="square" tIns="91425">
+          <a:bodyPr spcFirstLastPara="1" wrap="square" lIns="91425" tIns="91425" rIns="91425" bIns="91425" anchor="t" anchorCtr="0">
             <a:noAutofit/>
           </a:bodyPr>
           <a:lstStyle/>
           <a:p>
-            <a:pPr indent="0" lvl="0" marL="0" rtl="0" algn="ctr">
+            <a:pPr marL="0" lvl="0" indent="0" algn="ctr" rtl="0">
               <a:spcBef>
                 <a:spcPts val="0"/>
               </a:spcBef>
@@ -10449,9 +10621,11 @@
       <p:sp>
         <p:nvSpPr>
           <p:cNvPr id="221" name="Google Shape;221;p28"/>
-          <p:cNvSpPr txBox="1"/>
+          <p:cNvSpPr txBox="1">
+            <a:spLocks noGrp="1"/>
+          </p:cNvSpPr>
           <p:nvPr>
-            <p:ph idx="2" type="body"/>
+            <p:ph type="body" idx="2"/>
           </p:nvPr>
         </p:nvSpPr>
         <p:spPr>
@@ -10464,12 +10638,12 @@
           </a:prstGeom>
         </p:spPr>
         <p:txBody>
-          <a:bodyPr anchorCtr="0" anchor="t" bIns="91425" lIns="91425" spcFirstLastPara="1" rIns="91425" wrap="square" tIns="91425">
+          <a:bodyPr spcFirstLastPara="1" wrap="square" lIns="91425" tIns="91425" rIns="91425" bIns="91425" anchor="t" anchorCtr="0">
             <a:noAutofit/>
           </a:bodyPr>
           <a:lstStyle/>
           <a:p>
-            <a:pPr indent="0" lvl="0" marL="0" rtl="0" algn="ctr">
+            <a:pPr marL="0" lvl="0" indent="0" algn="ctr" rtl="0">
               <a:spcBef>
                 <a:spcPts val="0"/>
               </a:spcBef>
@@ -10523,11 +10697,11 @@
 </file>
 
 <file path=ppt/slides/slide17.xml><?xml version="1.0" encoding="utf-8"?>
-<p:sld xmlns:a="http://schemas.openxmlformats.org/drawingml/2006/main" xmlns:r="http://schemas.openxmlformats.org/officeDocument/2006/relationships" xmlns:mc="http://schemas.openxmlformats.org/markup-compatibility/2006" xmlns:mv="urn:schemas-microsoft-com:mac:vml" xmlns:p="http://schemas.openxmlformats.org/presentationml/2006/main" xmlns:c="http://schemas.openxmlformats.org/drawingml/2006/chart" xmlns:dgm="http://schemas.openxmlformats.org/drawingml/2006/diagram" xmlns:o="urn:schemas-microsoft-com:office:office" xmlns:v="urn:schemas-microsoft-com:vml" xmlns:pvml="urn:schemas-microsoft-com:office:powerpoint" xmlns:com="http://schemas.openxmlformats.org/drawingml/2006/compatibility" xmlns:p14="http://schemas.microsoft.com/office/powerpoint/2010/main" xmlns:p15="http://schemas.microsoft.com/office/powerpoint/2012/main">
+<p:sld xmlns:a="http://schemas.openxmlformats.org/drawingml/2006/main" xmlns:r="http://schemas.openxmlformats.org/officeDocument/2006/relationships" xmlns:p="http://schemas.openxmlformats.org/presentationml/2006/main">
   <p:cSld>
     <p:spTree>
       <p:nvGrpSpPr>
-        <p:cNvPr id="226" name="Shape 226"/>
+        <p:cNvPr id="1" name="Shape 226"/>
         <p:cNvGrpSpPr/>
         <p:nvPr/>
       </p:nvGrpSpPr>
@@ -10542,7 +10716,9 @@
       <p:sp>
         <p:nvSpPr>
           <p:cNvPr id="227" name="Google Shape;227;p29"/>
-          <p:cNvSpPr txBox="1"/>
+          <p:cNvSpPr txBox="1">
+            <a:spLocks noGrp="1"/>
+          </p:cNvSpPr>
           <p:nvPr>
             <p:ph type="title"/>
           </p:nvPr>
@@ -10557,12 +10733,12 @@
           </a:prstGeom>
         </p:spPr>
         <p:txBody>
-          <a:bodyPr anchorCtr="0" anchor="t" bIns="91425" lIns="91425" spcFirstLastPara="1" rIns="91425" wrap="square" tIns="91425">
+          <a:bodyPr spcFirstLastPara="1" wrap="square" lIns="91425" tIns="91425" rIns="91425" bIns="91425" anchor="t" anchorCtr="0">
             <a:noAutofit/>
           </a:bodyPr>
           <a:lstStyle/>
           <a:p>
-            <a:pPr indent="0" lvl="0" marL="0" rtl="0" algn="l">
+            <a:pPr marL="0" lvl="0" indent="0" algn="l" rtl="0">
               <a:spcBef>
                 <a:spcPts val="0"/>
               </a:spcBef>
@@ -10616,11 +10792,11 @@
 </file>
 
 <file path=ppt/slides/slide18.xml><?xml version="1.0" encoding="utf-8"?>
-<p:sld xmlns:a="http://schemas.openxmlformats.org/drawingml/2006/main" xmlns:r="http://schemas.openxmlformats.org/officeDocument/2006/relationships" xmlns:mc="http://schemas.openxmlformats.org/markup-compatibility/2006" xmlns:mv="urn:schemas-microsoft-com:mac:vml" xmlns:p="http://schemas.openxmlformats.org/presentationml/2006/main" xmlns:c="http://schemas.openxmlformats.org/drawingml/2006/chart" xmlns:dgm="http://schemas.openxmlformats.org/drawingml/2006/diagram" xmlns:o="urn:schemas-microsoft-com:office:office" xmlns:v="urn:schemas-microsoft-com:vml" xmlns:pvml="urn:schemas-microsoft-com:office:powerpoint" xmlns:com="http://schemas.openxmlformats.org/drawingml/2006/compatibility" xmlns:p14="http://schemas.microsoft.com/office/powerpoint/2010/main" xmlns:p15="http://schemas.microsoft.com/office/powerpoint/2012/main">
+<p:sld xmlns:a="http://schemas.openxmlformats.org/drawingml/2006/main" xmlns:r="http://schemas.openxmlformats.org/officeDocument/2006/relationships" xmlns:p="http://schemas.openxmlformats.org/presentationml/2006/main">
   <p:cSld>
     <p:spTree>
       <p:nvGrpSpPr>
-        <p:cNvPr id="232" name="Shape 232"/>
+        <p:cNvPr id="1" name="Shape 232"/>
         <p:cNvGrpSpPr/>
         <p:nvPr/>
       </p:nvGrpSpPr>
@@ -10661,14 +10837,14 @@
               <a:avLst/>
             </a:prstGeom>
             <a:noFill/>
-            <a:ln cap="flat" cmpd="sng" w="9525">
+            <a:ln w="9525" cap="flat" cmpd="sng">
               <a:solidFill>
                 <a:schemeClr val="lt1"/>
               </a:solidFill>
               <a:prstDash val="dash"/>
               <a:round/>
-              <a:headEnd len="sm" w="sm" type="none"/>
-              <a:tailEnd len="sm" w="sm" type="none"/>
+              <a:headEnd type="none" w="sm" len="sm"/>
+              <a:tailEnd type="none" w="sm" len="sm"/>
             </a:ln>
           </p:spPr>
         </p:cxnSp>
@@ -10687,14 +10863,14 @@
               <a:avLst/>
             </a:prstGeom>
             <a:noFill/>
-            <a:ln cap="flat" cmpd="sng" w="9525">
+            <a:ln w="9525" cap="flat" cmpd="sng">
               <a:solidFill>
                 <a:schemeClr val="lt1"/>
               </a:solidFill>
               <a:prstDash val="dash"/>
               <a:round/>
-              <a:headEnd len="sm" w="sm" type="none"/>
-              <a:tailEnd len="sm" w="sm" type="none"/>
+              <a:headEnd type="none" w="sm" len="sm"/>
+              <a:tailEnd type="none" w="sm" len="sm"/>
             </a:ln>
           </p:spPr>
         </p:cxnSp>
@@ -10713,14 +10889,14 @@
               <a:avLst/>
             </a:prstGeom>
             <a:noFill/>
-            <a:ln cap="flat" cmpd="sng" w="9525">
+            <a:ln w="9525" cap="flat" cmpd="sng">
               <a:solidFill>
                 <a:schemeClr val="lt1"/>
               </a:solidFill>
               <a:prstDash val="dash"/>
               <a:round/>
-              <a:headEnd len="sm" w="sm" type="none"/>
-              <a:tailEnd len="sm" w="sm" type="none"/>
+              <a:headEnd type="none" w="sm" len="sm"/>
+              <a:tailEnd type="none" w="sm" len="sm"/>
             </a:ln>
           </p:spPr>
         </p:cxnSp>
@@ -10739,14 +10915,14 @@
               <a:avLst/>
             </a:prstGeom>
             <a:noFill/>
-            <a:ln cap="flat" cmpd="sng" w="9525">
+            <a:ln w="9525" cap="flat" cmpd="sng">
               <a:solidFill>
                 <a:schemeClr val="lt1"/>
               </a:solidFill>
               <a:prstDash val="dash"/>
               <a:round/>
-              <a:headEnd len="sm" w="sm" type="none"/>
-              <a:tailEnd len="sm" w="sm" type="none"/>
+              <a:headEnd type="none" w="sm" len="sm"/>
+              <a:tailEnd type="none" w="sm" len="sm"/>
             </a:ln>
           </p:spPr>
         </p:cxnSp>
@@ -10765,14 +10941,14 @@
               <a:avLst/>
             </a:prstGeom>
             <a:noFill/>
-            <a:ln cap="flat" cmpd="sng" w="9525">
+            <a:ln w="9525" cap="flat" cmpd="sng">
               <a:solidFill>
                 <a:schemeClr val="lt1"/>
               </a:solidFill>
               <a:prstDash val="dash"/>
               <a:round/>
-              <a:headEnd len="sm" w="sm" type="none"/>
-              <a:tailEnd len="sm" w="sm" type="none"/>
+              <a:headEnd type="none" w="sm" len="sm"/>
+              <a:tailEnd type="none" w="sm" len="sm"/>
             </a:ln>
           </p:spPr>
         </p:cxnSp>
@@ -10791,14 +10967,14 @@
               <a:avLst/>
             </a:prstGeom>
             <a:noFill/>
-            <a:ln cap="flat" cmpd="sng" w="9525">
+            <a:ln w="9525" cap="flat" cmpd="sng">
               <a:solidFill>
                 <a:schemeClr val="lt1"/>
               </a:solidFill>
               <a:prstDash val="dash"/>
               <a:round/>
-              <a:headEnd len="sm" w="sm" type="none"/>
-              <a:tailEnd len="sm" w="sm" type="none"/>
+              <a:headEnd type="none" w="sm" len="sm"/>
+              <a:tailEnd type="none" w="sm" len="sm"/>
             </a:ln>
           </p:spPr>
         </p:cxnSp>
@@ -10817,14 +10993,14 @@
               <a:avLst/>
             </a:prstGeom>
             <a:noFill/>
-            <a:ln cap="flat" cmpd="sng" w="9525">
+            <a:ln w="9525" cap="flat" cmpd="sng">
               <a:solidFill>
                 <a:schemeClr val="lt1"/>
               </a:solidFill>
               <a:prstDash val="dash"/>
               <a:round/>
-              <a:headEnd len="sm" w="sm" type="none"/>
-              <a:tailEnd len="sm" w="sm" type="none"/>
+              <a:headEnd type="none" w="sm" len="sm"/>
+              <a:tailEnd type="none" w="sm" len="sm"/>
             </a:ln>
           </p:spPr>
         </p:cxnSp>
@@ -10843,14 +11019,14 @@
               <a:avLst/>
             </a:prstGeom>
             <a:noFill/>
-            <a:ln cap="flat" cmpd="sng" w="9525">
+            <a:ln w="9525" cap="flat" cmpd="sng">
               <a:solidFill>
                 <a:schemeClr val="lt1"/>
               </a:solidFill>
               <a:prstDash val="dash"/>
               <a:round/>
-              <a:headEnd len="sm" w="sm" type="none"/>
-              <a:tailEnd len="sm" w="sm" type="none"/>
+              <a:headEnd type="none" w="sm" len="sm"/>
+              <a:tailEnd type="none" w="sm" len="sm"/>
             </a:ln>
           </p:spPr>
         </p:cxnSp>
@@ -10869,14 +11045,14 @@
               <a:avLst/>
             </a:prstGeom>
             <a:noFill/>
-            <a:ln cap="flat" cmpd="sng" w="9525">
+            <a:ln w="9525" cap="flat" cmpd="sng">
               <a:solidFill>
                 <a:schemeClr val="lt1"/>
               </a:solidFill>
               <a:prstDash val="dash"/>
               <a:round/>
-              <a:headEnd len="sm" w="sm" type="none"/>
-              <a:tailEnd len="sm" w="sm" type="none"/>
+              <a:headEnd type="none" w="sm" len="sm"/>
+              <a:tailEnd type="none" w="sm" len="sm"/>
             </a:ln>
           </p:spPr>
         </p:cxnSp>
@@ -10895,14 +11071,14 @@
               <a:avLst/>
             </a:prstGeom>
             <a:noFill/>
-            <a:ln cap="flat" cmpd="sng" w="9525">
+            <a:ln w="9525" cap="flat" cmpd="sng">
               <a:solidFill>
                 <a:schemeClr val="lt1"/>
               </a:solidFill>
               <a:prstDash val="dash"/>
               <a:round/>
-              <a:headEnd len="sm" w="sm" type="none"/>
-              <a:tailEnd len="sm" w="sm" type="none"/>
+              <a:headEnd type="none" w="sm" len="sm"/>
+              <a:tailEnd type="none" w="sm" len="sm"/>
             </a:ln>
           </p:spPr>
         </p:cxnSp>
@@ -10922,23 +11098,23 @@
             <a:avLst/>
           </a:prstGeom>
           <a:noFill/>
-          <a:ln cap="flat" cmpd="sng" w="19050">
+          <a:ln w="19050" cap="flat" cmpd="sng">
             <a:solidFill>
               <a:schemeClr val="accent5"/>
             </a:solidFill>
             <a:prstDash val="solid"/>
             <a:round/>
-            <a:headEnd len="sm" w="sm" type="none"/>
-            <a:tailEnd len="sm" w="sm" type="none"/>
+            <a:headEnd type="none" w="sm" len="sm"/>
+            <a:tailEnd type="none" w="sm" len="sm"/>
           </a:ln>
         </p:spPr>
         <p:txBody>
-          <a:bodyPr anchorCtr="0" anchor="ctr" bIns="91425" lIns="91425" spcFirstLastPara="1" rIns="91425" wrap="square" tIns="91425">
+          <a:bodyPr spcFirstLastPara="1" wrap="square" lIns="91425" tIns="91425" rIns="91425" bIns="91425" anchor="ctr" anchorCtr="0">
             <a:noAutofit/>
           </a:bodyPr>
           <a:lstStyle/>
           <a:p>
-            <a:pPr indent="0" lvl="0" marL="0" rtl="0" algn="l">
+            <a:pPr marL="0" lvl="0" indent="0" algn="l" rtl="0">
               <a:spcBef>
                 <a:spcPts val="0"/>
               </a:spcBef>
@@ -10947,9 +11123,6 @@
               </a:spcAft>
               <a:buNone/>
             </a:pPr>
-            <a:r>
-              <a:t/>
-            </a:r>
             <a:endParaRPr/>
           </a:p>
         </p:txBody>
@@ -10957,7 +11130,9 @@
       <p:sp>
         <p:nvSpPr>
           <p:cNvPr id="245" name="Google Shape;245;p30"/>
-          <p:cNvSpPr txBox="1"/>
+          <p:cNvSpPr txBox="1">
+            <a:spLocks noGrp="1"/>
+          </p:cNvSpPr>
           <p:nvPr>
             <p:ph type="title"/>
           </p:nvPr>
@@ -10972,12 +11147,12 @@
           </a:prstGeom>
         </p:spPr>
         <p:txBody>
-          <a:bodyPr anchorCtr="0" anchor="b" bIns="91425" lIns="91425" spcFirstLastPara="1" rIns="91425" wrap="square" tIns="91425">
+          <a:bodyPr spcFirstLastPara="1" wrap="square" lIns="91425" tIns="91425" rIns="91425" bIns="91425" anchor="b" anchorCtr="0">
             <a:noAutofit/>
           </a:bodyPr>
           <a:lstStyle/>
           <a:p>
-            <a:pPr indent="0" lvl="0" marL="0" rtl="0" algn="ctr">
+            <a:pPr marL="0" lvl="0" indent="0" algn="ctr" rtl="0">
               <a:spcBef>
                 <a:spcPts val="0"/>
               </a:spcBef>
@@ -11020,9 +11195,13 @@
               <a:ext cx="4144235" cy="1631268"/>
             </a:xfrm>
             <a:custGeom>
-              <a:rect b="b" l="l" r="r" t="t"/>
+              <a:avLst/>
+              <a:gdLst/>
+              <a:ahLst/>
+              <a:cxnLst/>
+              <a:rect l="l" t="t" r="r" b="b"/>
               <a:pathLst>
-                <a:path extrusionOk="0" h="90088" w="165422">
+                <a:path w="165422" h="90088" extrusionOk="0">
                   <a:moveTo>
                     <a:pt x="0" y="65550"/>
                   </a:moveTo>
@@ -11075,14 +11254,14 @@
               </a:pathLst>
             </a:custGeom>
             <a:noFill/>
-            <a:ln cap="flat" cmpd="sng" w="19050">
+            <a:ln w="19050" cap="flat" cmpd="sng">
               <a:solidFill>
                 <a:schemeClr val="lt1"/>
               </a:solidFill>
               <a:prstDash val="solid"/>
               <a:round/>
-              <a:headEnd len="med" w="med" type="oval"/>
-              <a:tailEnd len="med" w="med" type="oval"/>
+              <a:headEnd type="oval" w="med" len="med"/>
+              <a:tailEnd type="oval" w="med" len="med"/>
             </a:ln>
           </p:spPr>
         </p:sp>
@@ -11103,23 +11282,23 @@
             <a:solidFill>
               <a:schemeClr val="lt1"/>
             </a:solidFill>
-            <a:ln cap="flat" cmpd="sng" w="19050">
+            <a:ln w="19050" cap="flat" cmpd="sng">
               <a:solidFill>
                 <a:schemeClr val="lt1"/>
               </a:solidFill>
               <a:prstDash val="solid"/>
               <a:round/>
-              <a:headEnd len="sm" w="sm" type="none"/>
-              <a:tailEnd len="sm" w="sm" type="none"/>
+              <a:headEnd type="none" w="sm" len="sm"/>
+              <a:tailEnd type="none" w="sm" len="sm"/>
             </a:ln>
           </p:spPr>
           <p:txBody>
-            <a:bodyPr anchorCtr="0" anchor="ctr" bIns="91425" lIns="91425" spcFirstLastPara="1" rIns="91425" wrap="square" tIns="91425">
+            <a:bodyPr spcFirstLastPara="1" wrap="square" lIns="91425" tIns="91425" rIns="91425" bIns="91425" anchor="ctr" anchorCtr="0">
               <a:noAutofit/>
             </a:bodyPr>
             <a:lstStyle/>
             <a:p>
-              <a:pPr indent="0" lvl="0" marL="0" rtl="0" algn="l">
+              <a:pPr marL="0" lvl="0" indent="0" algn="l" rtl="0">
                 <a:spcBef>
                   <a:spcPts val="0"/>
                 </a:spcBef>
@@ -11128,9 +11307,6 @@
                 </a:spcAft>
                 <a:buNone/>
               </a:pPr>
-              <a:r>
-                <a:t/>
-              </a:r>
               <a:endParaRPr/>
             </a:p>
           </p:txBody>
@@ -11152,23 +11328,23 @@
             <a:solidFill>
               <a:schemeClr val="lt1"/>
             </a:solidFill>
-            <a:ln cap="flat" cmpd="sng" w="19050">
+            <a:ln w="19050" cap="flat" cmpd="sng">
               <a:solidFill>
                 <a:schemeClr val="lt1"/>
               </a:solidFill>
               <a:prstDash val="solid"/>
               <a:round/>
-              <a:headEnd len="sm" w="sm" type="none"/>
-              <a:tailEnd len="sm" w="sm" type="none"/>
+              <a:headEnd type="none" w="sm" len="sm"/>
+              <a:tailEnd type="none" w="sm" len="sm"/>
             </a:ln>
           </p:spPr>
           <p:txBody>
-            <a:bodyPr anchorCtr="0" anchor="ctr" bIns="91425" lIns="91425" spcFirstLastPara="1" rIns="91425" wrap="square" tIns="91425">
+            <a:bodyPr spcFirstLastPara="1" wrap="square" lIns="91425" tIns="91425" rIns="91425" bIns="91425" anchor="ctr" anchorCtr="0">
               <a:noAutofit/>
             </a:bodyPr>
             <a:lstStyle/>
             <a:p>
-              <a:pPr indent="0" lvl="0" marL="0" rtl="0" algn="l">
+              <a:pPr marL="0" lvl="0" indent="0" algn="l" rtl="0">
                 <a:spcBef>
                   <a:spcPts val="0"/>
                 </a:spcBef>
@@ -11177,9 +11353,6 @@
                 </a:spcAft>
                 <a:buNone/>
               </a:pPr>
-              <a:r>
-                <a:t/>
-              </a:r>
               <a:endParaRPr/>
             </a:p>
           </p:txBody>
@@ -11201,23 +11374,23 @@
             <a:solidFill>
               <a:schemeClr val="lt1"/>
             </a:solidFill>
-            <a:ln cap="flat" cmpd="sng" w="19050">
+            <a:ln w="19050" cap="flat" cmpd="sng">
               <a:solidFill>
                 <a:schemeClr val="lt1"/>
               </a:solidFill>
               <a:prstDash val="solid"/>
               <a:round/>
-              <a:headEnd len="sm" w="sm" type="none"/>
-              <a:tailEnd len="sm" w="sm" type="none"/>
+              <a:headEnd type="none" w="sm" len="sm"/>
+              <a:tailEnd type="none" w="sm" len="sm"/>
             </a:ln>
           </p:spPr>
           <p:txBody>
-            <a:bodyPr anchorCtr="0" anchor="ctr" bIns="91425" lIns="91425" spcFirstLastPara="1" rIns="91425" wrap="square" tIns="91425">
+            <a:bodyPr spcFirstLastPara="1" wrap="square" lIns="91425" tIns="91425" rIns="91425" bIns="91425" anchor="ctr" anchorCtr="0">
               <a:noAutofit/>
             </a:bodyPr>
             <a:lstStyle/>
             <a:p>
-              <a:pPr indent="0" lvl="0" marL="0" rtl="0" algn="l">
+              <a:pPr marL="0" lvl="0" indent="0" algn="l" rtl="0">
                 <a:spcBef>
                   <a:spcPts val="0"/>
                 </a:spcBef>
@@ -11226,9 +11399,6 @@
                 </a:spcAft>
                 <a:buNone/>
               </a:pPr>
-              <a:r>
-                <a:t/>
-              </a:r>
               <a:endParaRPr/>
             </a:p>
           </p:txBody>
@@ -11250,23 +11420,23 @@
             <a:solidFill>
               <a:schemeClr val="lt1"/>
             </a:solidFill>
-            <a:ln cap="flat" cmpd="sng" w="19050">
+            <a:ln w="19050" cap="flat" cmpd="sng">
               <a:solidFill>
                 <a:schemeClr val="lt1"/>
               </a:solidFill>
               <a:prstDash val="solid"/>
               <a:round/>
-              <a:headEnd len="sm" w="sm" type="none"/>
-              <a:tailEnd len="sm" w="sm" type="none"/>
+              <a:headEnd type="none" w="sm" len="sm"/>
+              <a:tailEnd type="none" w="sm" len="sm"/>
             </a:ln>
           </p:spPr>
           <p:txBody>
-            <a:bodyPr anchorCtr="0" anchor="ctr" bIns="91425" lIns="91425" spcFirstLastPara="1" rIns="91425" wrap="square" tIns="91425">
+            <a:bodyPr spcFirstLastPara="1" wrap="square" lIns="91425" tIns="91425" rIns="91425" bIns="91425" anchor="ctr" anchorCtr="0">
               <a:noAutofit/>
             </a:bodyPr>
             <a:lstStyle/>
             <a:p>
-              <a:pPr indent="0" lvl="0" marL="0" rtl="0" algn="l">
+              <a:pPr marL="0" lvl="0" indent="0" algn="l" rtl="0">
                 <a:spcBef>
                   <a:spcPts val="0"/>
                 </a:spcBef>
@@ -11275,9 +11445,6 @@
                 </a:spcAft>
                 <a:buNone/>
               </a:pPr>
-              <a:r>
-                <a:t/>
-              </a:r>
               <a:endParaRPr/>
             </a:p>
           </p:txBody>
@@ -11299,23 +11466,23 @@
             <a:solidFill>
               <a:schemeClr val="lt1"/>
             </a:solidFill>
-            <a:ln cap="flat" cmpd="sng" w="19050">
+            <a:ln w="19050" cap="flat" cmpd="sng">
               <a:solidFill>
                 <a:schemeClr val="lt1"/>
               </a:solidFill>
               <a:prstDash val="solid"/>
               <a:round/>
-              <a:headEnd len="sm" w="sm" type="none"/>
-              <a:tailEnd len="sm" w="sm" type="none"/>
+              <a:headEnd type="none" w="sm" len="sm"/>
+              <a:tailEnd type="none" w="sm" len="sm"/>
             </a:ln>
           </p:spPr>
           <p:txBody>
-            <a:bodyPr anchorCtr="0" anchor="ctr" bIns="91425" lIns="91425" spcFirstLastPara="1" rIns="91425" wrap="square" tIns="91425">
+            <a:bodyPr spcFirstLastPara="1" wrap="square" lIns="91425" tIns="91425" rIns="91425" bIns="91425" anchor="ctr" anchorCtr="0">
               <a:noAutofit/>
             </a:bodyPr>
             <a:lstStyle/>
             <a:p>
-              <a:pPr indent="0" lvl="0" marL="0" rtl="0" algn="l">
+              <a:pPr marL="0" lvl="0" indent="0" algn="l" rtl="0">
                 <a:spcBef>
                   <a:spcPts val="0"/>
                 </a:spcBef>
@@ -11324,9 +11491,6 @@
                 </a:spcAft>
                 <a:buNone/>
               </a:pPr>
-              <a:r>
-                <a:t/>
-              </a:r>
               <a:endParaRPr/>
             </a:p>
           </p:txBody>
@@ -11348,23 +11512,23 @@
             <a:solidFill>
               <a:schemeClr val="lt1"/>
             </a:solidFill>
-            <a:ln cap="flat" cmpd="sng" w="19050">
+            <a:ln w="19050" cap="flat" cmpd="sng">
               <a:solidFill>
                 <a:schemeClr val="lt1"/>
               </a:solidFill>
               <a:prstDash val="solid"/>
               <a:round/>
-              <a:headEnd len="sm" w="sm" type="none"/>
-              <a:tailEnd len="sm" w="sm" type="none"/>
+              <a:headEnd type="none" w="sm" len="sm"/>
+              <a:tailEnd type="none" w="sm" len="sm"/>
             </a:ln>
           </p:spPr>
           <p:txBody>
-            <a:bodyPr anchorCtr="0" anchor="ctr" bIns="91425" lIns="91425" spcFirstLastPara="1" rIns="91425" wrap="square" tIns="91425">
+            <a:bodyPr spcFirstLastPara="1" wrap="square" lIns="91425" tIns="91425" rIns="91425" bIns="91425" anchor="ctr" anchorCtr="0">
               <a:noAutofit/>
             </a:bodyPr>
             <a:lstStyle/>
             <a:p>
-              <a:pPr indent="0" lvl="0" marL="0" rtl="0" algn="l">
+              <a:pPr marL="0" lvl="0" indent="0" algn="l" rtl="0">
                 <a:spcBef>
                   <a:spcPts val="0"/>
                 </a:spcBef>
@@ -11373,9 +11537,6 @@
                 </a:spcAft>
                 <a:buNone/>
               </a:pPr>
-              <a:r>
-                <a:t/>
-              </a:r>
               <a:endParaRPr/>
             </a:p>
           </p:txBody>
@@ -11397,23 +11558,23 @@
             <a:solidFill>
               <a:schemeClr val="lt1"/>
             </a:solidFill>
-            <a:ln cap="flat" cmpd="sng" w="19050">
+            <a:ln w="19050" cap="flat" cmpd="sng">
               <a:solidFill>
                 <a:schemeClr val="lt1"/>
               </a:solidFill>
               <a:prstDash val="solid"/>
               <a:round/>
-              <a:headEnd len="sm" w="sm" type="none"/>
-              <a:tailEnd len="sm" w="sm" type="none"/>
+              <a:headEnd type="none" w="sm" len="sm"/>
+              <a:tailEnd type="none" w="sm" len="sm"/>
             </a:ln>
           </p:spPr>
           <p:txBody>
-            <a:bodyPr anchorCtr="0" anchor="ctr" bIns="91425" lIns="91425" spcFirstLastPara="1" rIns="91425" wrap="square" tIns="91425">
+            <a:bodyPr spcFirstLastPara="1" wrap="square" lIns="91425" tIns="91425" rIns="91425" bIns="91425" anchor="ctr" anchorCtr="0">
               <a:noAutofit/>
             </a:bodyPr>
             <a:lstStyle/>
             <a:p>
-              <a:pPr indent="0" lvl="0" marL="0" rtl="0" algn="l">
+              <a:pPr marL="0" lvl="0" indent="0" algn="l" rtl="0">
                 <a:spcBef>
                   <a:spcPts val="0"/>
                 </a:spcBef>
@@ -11422,9 +11583,6 @@
                 </a:spcAft>
                 <a:buNone/>
               </a:pPr>
-              <a:r>
-                <a:t/>
-              </a:r>
               <a:endParaRPr/>
             </a:p>
           </p:txBody>
@@ -11446,23 +11604,23 @@
             <a:solidFill>
               <a:schemeClr val="lt1"/>
             </a:solidFill>
-            <a:ln cap="flat" cmpd="sng" w="19050">
+            <a:ln w="19050" cap="flat" cmpd="sng">
               <a:solidFill>
                 <a:schemeClr val="lt1"/>
               </a:solidFill>
               <a:prstDash val="solid"/>
               <a:round/>
-              <a:headEnd len="sm" w="sm" type="none"/>
-              <a:tailEnd len="sm" w="sm" type="none"/>
+              <a:headEnd type="none" w="sm" len="sm"/>
+              <a:tailEnd type="none" w="sm" len="sm"/>
             </a:ln>
           </p:spPr>
           <p:txBody>
-            <a:bodyPr anchorCtr="0" anchor="ctr" bIns="91425" lIns="91425" spcFirstLastPara="1" rIns="91425" wrap="square" tIns="91425">
+            <a:bodyPr spcFirstLastPara="1" wrap="square" lIns="91425" tIns="91425" rIns="91425" bIns="91425" anchor="ctr" anchorCtr="0">
               <a:noAutofit/>
             </a:bodyPr>
             <a:lstStyle/>
             <a:p>
-              <a:pPr indent="0" lvl="0" marL="0" rtl="0" algn="l">
+              <a:pPr marL="0" lvl="0" indent="0" algn="l" rtl="0">
                 <a:spcBef>
                   <a:spcPts val="0"/>
                 </a:spcBef>
@@ -11471,9 +11629,6 @@
                 </a:spcAft>
                 <a:buNone/>
               </a:pPr>
-              <a:r>
-                <a:t/>
-              </a:r>
               <a:endParaRPr/>
             </a:p>
           </p:txBody>
@@ -11505,9 +11660,13 @@
               <a:ext cx="4156550" cy="1576975"/>
             </a:xfrm>
             <a:custGeom>
-              <a:rect b="b" l="l" r="r" t="t"/>
+              <a:avLst/>
+              <a:gdLst/>
+              <a:ahLst/>
+              <a:cxnLst/>
+              <a:rect l="l" t="t" r="r" b="b"/>
               <a:pathLst>
-                <a:path extrusionOk="0" h="63079" w="166262">
+                <a:path w="166262" h="63079" extrusionOk="0">
                   <a:moveTo>
                     <a:pt x="0" y="34952"/>
                   </a:moveTo>
@@ -11560,14 +11719,14 @@
               </a:pathLst>
             </a:custGeom>
             <a:noFill/>
-            <a:ln cap="flat" cmpd="sng" w="19050">
+            <a:ln w="19050" cap="flat" cmpd="sng">
               <a:solidFill>
                 <a:schemeClr val="accent4"/>
               </a:solidFill>
               <a:prstDash val="solid"/>
               <a:round/>
-              <a:headEnd len="med" w="med" type="oval"/>
-              <a:tailEnd len="med" w="med" type="oval"/>
+              <a:headEnd type="oval" w="med" len="med"/>
+              <a:tailEnd type="oval" w="med" len="med"/>
             </a:ln>
           </p:spPr>
         </p:sp>
@@ -11588,23 +11747,23 @@
             <a:solidFill>
               <a:schemeClr val="accent4"/>
             </a:solidFill>
-            <a:ln cap="flat" cmpd="sng" w="19050">
+            <a:ln w="19050" cap="flat" cmpd="sng">
               <a:solidFill>
                 <a:schemeClr val="accent4"/>
               </a:solidFill>
               <a:prstDash val="solid"/>
               <a:round/>
-              <a:headEnd len="sm" w="sm" type="none"/>
-              <a:tailEnd len="sm" w="sm" type="none"/>
+              <a:headEnd type="none" w="sm" len="sm"/>
+              <a:tailEnd type="none" w="sm" len="sm"/>
             </a:ln>
           </p:spPr>
           <p:txBody>
-            <a:bodyPr anchorCtr="0" anchor="ctr" bIns="91425" lIns="91425" spcFirstLastPara="1" rIns="91425" wrap="square" tIns="91425">
+            <a:bodyPr spcFirstLastPara="1" wrap="square" lIns="91425" tIns="91425" rIns="91425" bIns="91425" anchor="ctr" anchorCtr="0">
               <a:noAutofit/>
             </a:bodyPr>
             <a:lstStyle/>
             <a:p>
-              <a:pPr indent="0" lvl="0" marL="0" rtl="0" algn="l">
+              <a:pPr marL="0" lvl="0" indent="0" algn="l" rtl="0">
                 <a:spcBef>
                   <a:spcPts val="0"/>
                 </a:spcBef>
@@ -11613,9 +11772,6 @@
                 </a:spcAft>
                 <a:buNone/>
               </a:pPr>
-              <a:r>
-                <a:t/>
-              </a:r>
               <a:endParaRPr/>
             </a:p>
           </p:txBody>
@@ -11637,23 +11793,23 @@
             <a:solidFill>
               <a:schemeClr val="accent4"/>
             </a:solidFill>
-            <a:ln cap="flat" cmpd="sng" w="19050">
+            <a:ln w="19050" cap="flat" cmpd="sng">
               <a:solidFill>
                 <a:schemeClr val="accent4"/>
               </a:solidFill>
               <a:prstDash val="solid"/>
               <a:round/>
-              <a:headEnd len="sm" w="sm" type="none"/>
-              <a:tailEnd len="sm" w="sm" type="none"/>
+              <a:headEnd type="none" w="sm" len="sm"/>
+              <a:tailEnd type="none" w="sm" len="sm"/>
             </a:ln>
           </p:spPr>
           <p:txBody>
-            <a:bodyPr anchorCtr="0" anchor="ctr" bIns="91425" lIns="91425" spcFirstLastPara="1" rIns="91425" wrap="square" tIns="91425">
+            <a:bodyPr spcFirstLastPara="1" wrap="square" lIns="91425" tIns="91425" rIns="91425" bIns="91425" anchor="ctr" anchorCtr="0">
               <a:noAutofit/>
             </a:bodyPr>
             <a:lstStyle/>
             <a:p>
-              <a:pPr indent="0" lvl="0" marL="0" rtl="0" algn="l">
+              <a:pPr marL="0" lvl="0" indent="0" algn="l" rtl="0">
                 <a:spcBef>
                   <a:spcPts val="0"/>
                 </a:spcBef>
@@ -11662,9 +11818,6 @@
                 </a:spcAft>
                 <a:buNone/>
               </a:pPr>
-              <a:r>
-                <a:t/>
-              </a:r>
               <a:endParaRPr/>
             </a:p>
           </p:txBody>
@@ -11686,23 +11839,23 @@
             <a:solidFill>
               <a:schemeClr val="accent4"/>
             </a:solidFill>
-            <a:ln cap="flat" cmpd="sng" w="19050">
+            <a:ln w="19050" cap="flat" cmpd="sng">
               <a:solidFill>
                 <a:schemeClr val="accent4"/>
               </a:solidFill>
               <a:prstDash val="solid"/>
               <a:round/>
-              <a:headEnd len="sm" w="sm" type="none"/>
-              <a:tailEnd len="sm" w="sm" type="none"/>
+              <a:headEnd type="none" w="sm" len="sm"/>
+              <a:tailEnd type="none" w="sm" len="sm"/>
             </a:ln>
           </p:spPr>
           <p:txBody>
-            <a:bodyPr anchorCtr="0" anchor="ctr" bIns="91425" lIns="91425" spcFirstLastPara="1" rIns="91425" wrap="square" tIns="91425">
+            <a:bodyPr spcFirstLastPara="1" wrap="square" lIns="91425" tIns="91425" rIns="91425" bIns="91425" anchor="ctr" anchorCtr="0">
               <a:noAutofit/>
             </a:bodyPr>
             <a:lstStyle/>
             <a:p>
-              <a:pPr indent="0" lvl="0" marL="0" rtl="0" algn="l">
+              <a:pPr marL="0" lvl="0" indent="0" algn="l" rtl="0">
                 <a:spcBef>
                   <a:spcPts val="0"/>
                 </a:spcBef>
@@ -11711,9 +11864,6 @@
                 </a:spcAft>
                 <a:buNone/>
               </a:pPr>
-              <a:r>
-                <a:t/>
-              </a:r>
               <a:endParaRPr/>
             </a:p>
           </p:txBody>
@@ -11735,23 +11885,23 @@
             <a:solidFill>
               <a:schemeClr val="accent4"/>
             </a:solidFill>
-            <a:ln cap="flat" cmpd="sng" w="19050">
+            <a:ln w="19050" cap="flat" cmpd="sng">
               <a:solidFill>
                 <a:schemeClr val="accent4"/>
               </a:solidFill>
               <a:prstDash val="solid"/>
               <a:round/>
-              <a:headEnd len="sm" w="sm" type="none"/>
-              <a:tailEnd len="sm" w="sm" type="none"/>
+              <a:headEnd type="none" w="sm" len="sm"/>
+              <a:tailEnd type="none" w="sm" len="sm"/>
             </a:ln>
           </p:spPr>
           <p:txBody>
-            <a:bodyPr anchorCtr="0" anchor="ctr" bIns="91425" lIns="91425" spcFirstLastPara="1" rIns="91425" wrap="square" tIns="91425">
+            <a:bodyPr spcFirstLastPara="1" wrap="square" lIns="91425" tIns="91425" rIns="91425" bIns="91425" anchor="ctr" anchorCtr="0">
               <a:noAutofit/>
             </a:bodyPr>
             <a:lstStyle/>
             <a:p>
-              <a:pPr indent="0" lvl="0" marL="0" rtl="0" algn="l">
+              <a:pPr marL="0" lvl="0" indent="0" algn="l" rtl="0">
                 <a:spcBef>
                   <a:spcPts val="0"/>
                 </a:spcBef>
@@ -11760,9 +11910,6 @@
                 </a:spcAft>
                 <a:buNone/>
               </a:pPr>
-              <a:r>
-                <a:t/>
-              </a:r>
               <a:endParaRPr/>
             </a:p>
           </p:txBody>
@@ -11784,23 +11931,23 @@
             <a:solidFill>
               <a:schemeClr val="accent4"/>
             </a:solidFill>
-            <a:ln cap="flat" cmpd="sng" w="19050">
+            <a:ln w="19050" cap="flat" cmpd="sng">
               <a:solidFill>
                 <a:schemeClr val="accent4"/>
               </a:solidFill>
               <a:prstDash val="solid"/>
               <a:round/>
-              <a:headEnd len="sm" w="sm" type="none"/>
-              <a:tailEnd len="sm" w="sm" type="none"/>
+              <a:headEnd type="none" w="sm" len="sm"/>
+              <a:tailEnd type="none" w="sm" len="sm"/>
             </a:ln>
           </p:spPr>
           <p:txBody>
-            <a:bodyPr anchorCtr="0" anchor="ctr" bIns="91425" lIns="91425" spcFirstLastPara="1" rIns="91425" wrap="square" tIns="91425">
+            <a:bodyPr spcFirstLastPara="1" wrap="square" lIns="91425" tIns="91425" rIns="91425" bIns="91425" anchor="ctr" anchorCtr="0">
               <a:noAutofit/>
             </a:bodyPr>
             <a:lstStyle/>
             <a:p>
-              <a:pPr indent="0" lvl="0" marL="0" rtl="0" algn="l">
+              <a:pPr marL="0" lvl="0" indent="0" algn="l" rtl="0">
                 <a:spcBef>
                   <a:spcPts val="0"/>
                 </a:spcBef>
@@ -11809,9 +11956,6 @@
                 </a:spcAft>
                 <a:buNone/>
               </a:pPr>
-              <a:r>
-                <a:t/>
-              </a:r>
               <a:endParaRPr/>
             </a:p>
           </p:txBody>
@@ -11833,23 +11977,23 @@
             <a:solidFill>
               <a:schemeClr val="accent4"/>
             </a:solidFill>
-            <a:ln cap="flat" cmpd="sng" w="19050">
+            <a:ln w="19050" cap="flat" cmpd="sng">
               <a:solidFill>
                 <a:schemeClr val="accent4"/>
               </a:solidFill>
               <a:prstDash val="solid"/>
               <a:round/>
-              <a:headEnd len="sm" w="sm" type="none"/>
-              <a:tailEnd len="sm" w="sm" type="none"/>
+              <a:headEnd type="none" w="sm" len="sm"/>
+              <a:tailEnd type="none" w="sm" len="sm"/>
             </a:ln>
           </p:spPr>
           <p:txBody>
-            <a:bodyPr anchorCtr="0" anchor="ctr" bIns="91425" lIns="91425" spcFirstLastPara="1" rIns="91425" wrap="square" tIns="91425">
+            <a:bodyPr spcFirstLastPara="1" wrap="square" lIns="91425" tIns="91425" rIns="91425" bIns="91425" anchor="ctr" anchorCtr="0">
               <a:noAutofit/>
             </a:bodyPr>
             <a:lstStyle/>
             <a:p>
-              <a:pPr indent="0" lvl="0" marL="0" rtl="0" algn="l">
+              <a:pPr marL="0" lvl="0" indent="0" algn="l" rtl="0">
                 <a:spcBef>
                   <a:spcPts val="0"/>
                 </a:spcBef>
@@ -11858,9 +12002,6 @@
                 </a:spcAft>
                 <a:buNone/>
               </a:pPr>
-              <a:r>
-                <a:t/>
-              </a:r>
               <a:endParaRPr/>
             </a:p>
           </p:txBody>
@@ -11882,23 +12023,23 @@
             <a:solidFill>
               <a:schemeClr val="accent4"/>
             </a:solidFill>
-            <a:ln cap="flat" cmpd="sng" w="19050">
+            <a:ln w="19050" cap="flat" cmpd="sng">
               <a:solidFill>
                 <a:schemeClr val="accent4"/>
               </a:solidFill>
               <a:prstDash val="solid"/>
               <a:round/>
-              <a:headEnd len="sm" w="sm" type="none"/>
-              <a:tailEnd len="sm" w="sm" type="none"/>
+              <a:headEnd type="none" w="sm" len="sm"/>
+              <a:tailEnd type="none" w="sm" len="sm"/>
             </a:ln>
           </p:spPr>
           <p:txBody>
-            <a:bodyPr anchorCtr="0" anchor="ctr" bIns="91425" lIns="91425" spcFirstLastPara="1" rIns="91425" wrap="square" tIns="91425">
+            <a:bodyPr spcFirstLastPara="1" wrap="square" lIns="91425" tIns="91425" rIns="91425" bIns="91425" anchor="ctr" anchorCtr="0">
               <a:noAutofit/>
             </a:bodyPr>
             <a:lstStyle/>
             <a:p>
-              <a:pPr indent="0" lvl="0" marL="0" rtl="0" algn="l">
+              <a:pPr marL="0" lvl="0" indent="0" algn="l" rtl="0">
                 <a:spcBef>
                   <a:spcPts val="0"/>
                 </a:spcBef>
@@ -11907,9 +12048,6 @@
                 </a:spcAft>
                 <a:buNone/>
               </a:pPr>
-              <a:r>
-                <a:t/>
-              </a:r>
               <a:endParaRPr/>
             </a:p>
           </p:txBody>
@@ -11931,23 +12069,23 @@
             <a:solidFill>
               <a:schemeClr val="accent4"/>
             </a:solidFill>
-            <a:ln cap="flat" cmpd="sng" w="19050">
+            <a:ln w="19050" cap="flat" cmpd="sng">
               <a:solidFill>
                 <a:schemeClr val="accent4"/>
               </a:solidFill>
               <a:prstDash val="solid"/>
               <a:round/>
-              <a:headEnd len="sm" w="sm" type="none"/>
-              <a:tailEnd len="sm" w="sm" type="none"/>
+              <a:headEnd type="none" w="sm" len="sm"/>
+              <a:tailEnd type="none" w="sm" len="sm"/>
             </a:ln>
           </p:spPr>
           <p:txBody>
-            <a:bodyPr anchorCtr="0" anchor="ctr" bIns="91425" lIns="91425" spcFirstLastPara="1" rIns="91425" wrap="square" tIns="91425">
+            <a:bodyPr spcFirstLastPara="1" wrap="square" lIns="91425" tIns="91425" rIns="91425" bIns="91425" anchor="ctr" anchorCtr="0">
               <a:noAutofit/>
             </a:bodyPr>
             <a:lstStyle/>
             <a:p>
-              <a:pPr indent="0" lvl="0" marL="0" rtl="0" algn="l">
+              <a:pPr marL="0" lvl="0" indent="0" algn="l" rtl="0">
                 <a:spcBef>
                   <a:spcPts val="0"/>
                 </a:spcBef>
@@ -11956,9 +12094,6 @@
                 </a:spcAft>
                 <a:buNone/>
               </a:pPr>
-              <a:r>
-                <a:t/>
-              </a:r>
               <a:endParaRPr/>
             </a:p>
           </p:txBody>
@@ -11973,11 +12108,11 @@
 </file>
 
 <file path=ppt/slides/slide2.xml><?xml version="1.0" encoding="utf-8"?>
-<p:sld xmlns:a="http://schemas.openxmlformats.org/drawingml/2006/main" xmlns:r="http://schemas.openxmlformats.org/officeDocument/2006/relationships" xmlns:mc="http://schemas.openxmlformats.org/markup-compatibility/2006" xmlns:mv="urn:schemas-microsoft-com:mac:vml" xmlns:p="http://schemas.openxmlformats.org/presentationml/2006/main" xmlns:c="http://schemas.openxmlformats.org/drawingml/2006/chart" xmlns:dgm="http://schemas.openxmlformats.org/drawingml/2006/diagram" xmlns:o="urn:schemas-microsoft-com:office:office" xmlns:v="urn:schemas-microsoft-com:vml" xmlns:pvml="urn:schemas-microsoft-com:office:powerpoint" xmlns:com="http://schemas.openxmlformats.org/drawingml/2006/compatibility" xmlns:p14="http://schemas.microsoft.com/office/powerpoint/2010/main" xmlns:p15="http://schemas.microsoft.com/office/powerpoint/2012/main">
+<p:sld xmlns:a="http://schemas.openxmlformats.org/drawingml/2006/main" xmlns:r="http://schemas.openxmlformats.org/officeDocument/2006/relationships" xmlns:p="http://schemas.openxmlformats.org/presentationml/2006/main">
   <p:cSld>
     <p:spTree>
       <p:nvGrpSpPr>
-        <p:cNvPr id="90" name="Shape 90"/>
+        <p:cNvPr id="1" name="Shape 90"/>
         <p:cNvGrpSpPr/>
         <p:nvPr/>
       </p:nvGrpSpPr>
@@ -11992,7 +12127,9 @@
       <p:sp>
         <p:nvSpPr>
           <p:cNvPr id="91" name="Google Shape;91;p14"/>
-          <p:cNvSpPr txBox="1"/>
+          <p:cNvSpPr txBox="1">
+            <a:spLocks noGrp="1"/>
+          </p:cNvSpPr>
           <p:nvPr>
             <p:ph type="title"/>
           </p:nvPr>
@@ -12007,12 +12144,12 @@
           </a:prstGeom>
         </p:spPr>
         <p:txBody>
-          <a:bodyPr anchorCtr="0" anchor="t" bIns="91425" lIns="91425" spcFirstLastPara="1" rIns="91425" wrap="square" tIns="91425">
+          <a:bodyPr spcFirstLastPara="1" wrap="square" lIns="91425" tIns="91425" rIns="91425" bIns="91425" anchor="t" anchorCtr="0">
             <a:noAutofit/>
           </a:bodyPr>
           <a:lstStyle/>
           <a:p>
-            <a:pPr indent="0" lvl="0" marL="0" rtl="0" algn="l">
+            <a:pPr marL="0" lvl="0" indent="0" algn="l" rtl="0">
               <a:spcBef>
                 <a:spcPts val="0"/>
               </a:spcBef>
@@ -12047,7 +12184,7 @@
           <a:blip r:embed="rId3">
             <a:alphaModFix/>
           </a:blip>
-          <a:srcRect b="26221" l="0" r="0" t="0"/>
+          <a:srcRect b="26221"/>
           <a:stretch/>
         </p:blipFill>
         <p:spPr>
@@ -12100,12 +12237,12 @@
             </a:ln>
           </p:spPr>
           <p:txBody>
-            <a:bodyPr anchorCtr="0" anchor="ctr" bIns="91425" lIns="91425" spcFirstLastPara="1" rIns="91425" wrap="square" tIns="91425">
+            <a:bodyPr spcFirstLastPara="1" wrap="square" lIns="91425" tIns="91425" rIns="91425" bIns="91425" anchor="ctr" anchorCtr="0">
               <a:noAutofit/>
             </a:bodyPr>
             <a:lstStyle/>
             <a:p>
-              <a:pPr indent="0" lvl="0" marL="0" rtl="0" algn="l">
+              <a:pPr marL="0" lvl="0" indent="0" algn="l" rtl="0">
                 <a:spcBef>
                   <a:spcPts val="0"/>
                 </a:spcBef>
@@ -12114,9 +12251,6 @@
                 </a:spcAft>
                 <a:buNone/>
               </a:pPr>
-              <a:r>
-                <a:t/>
-              </a:r>
               <a:endParaRPr/>
             </a:p>
           </p:txBody>
@@ -12136,23 +12270,23 @@
               <a:avLst/>
             </a:prstGeom>
             <a:noFill/>
-            <a:ln cap="flat" cmpd="sng" w="9525">
+            <a:ln w="9525" cap="flat" cmpd="sng">
               <a:solidFill>
                 <a:schemeClr val="dk1"/>
               </a:solidFill>
               <a:prstDash val="solid"/>
               <a:round/>
-              <a:headEnd len="sm" w="sm" type="none"/>
-              <a:tailEnd len="sm" w="sm" type="none"/>
+              <a:headEnd type="none" w="sm" len="sm"/>
+              <a:tailEnd type="none" w="sm" len="sm"/>
             </a:ln>
           </p:spPr>
           <p:txBody>
-            <a:bodyPr anchorCtr="0" anchor="ctr" bIns="91425" lIns="91425" spcFirstLastPara="1" rIns="91425" wrap="square" tIns="91425">
+            <a:bodyPr spcFirstLastPara="1" wrap="square" lIns="91425" tIns="91425" rIns="91425" bIns="91425" anchor="ctr" anchorCtr="0">
               <a:noAutofit/>
             </a:bodyPr>
             <a:lstStyle/>
             <a:p>
-              <a:pPr indent="0" lvl="0" marL="0" rtl="0" algn="l">
+              <a:pPr marL="0" lvl="0" indent="0" algn="l" rtl="0">
                 <a:spcBef>
                   <a:spcPts val="0"/>
                 </a:spcBef>
@@ -12161,9 +12295,6 @@
                 </a:spcAft>
                 <a:buNone/>
               </a:pPr>
-              <a:r>
-                <a:t/>
-              </a:r>
               <a:endParaRPr/>
             </a:p>
           </p:txBody>
@@ -12172,9 +12303,11 @@
       <p:sp>
         <p:nvSpPr>
           <p:cNvPr id="96" name="Google Shape;96;p14"/>
-          <p:cNvSpPr txBox="1"/>
+          <p:cNvSpPr txBox="1">
+            <a:spLocks noGrp="1"/>
+          </p:cNvSpPr>
           <p:nvPr>
-            <p:ph idx="4294967295" type="body"/>
+            <p:ph type="body" idx="4294967295"/>
           </p:nvPr>
         </p:nvSpPr>
         <p:spPr>
@@ -12187,12 +12320,12 @@
           </a:prstGeom>
         </p:spPr>
         <p:txBody>
-          <a:bodyPr anchorCtr="0" anchor="t" bIns="91425" lIns="91425" spcFirstLastPara="1" rIns="91425" wrap="square" tIns="91425">
+          <a:bodyPr spcFirstLastPara="1" wrap="square" lIns="91425" tIns="91425" rIns="91425" bIns="91425" anchor="t" anchorCtr="0">
             <a:noAutofit/>
           </a:bodyPr>
           <a:lstStyle/>
           <a:p>
-            <a:pPr indent="-330200" lvl="0" marL="457200" rtl="0" algn="l">
+            <a:pPr marL="457200" lvl="0" indent="-330200" algn="l" rtl="0">
               <a:spcBef>
                 <a:spcPts val="0"/>
               </a:spcBef>
@@ -12209,7 +12342,7 @@
             <a:endParaRPr sz="1600"/>
           </a:p>
           <a:p>
-            <a:pPr indent="-330200" lvl="0" marL="457200" rtl="0" algn="l">
+            <a:pPr marL="457200" lvl="0" indent="-330200" algn="l" rtl="0">
               <a:spcBef>
                 <a:spcPts val="0"/>
               </a:spcBef>
@@ -12226,7 +12359,7 @@
             <a:endParaRPr sz="1600"/>
           </a:p>
           <a:p>
-            <a:pPr indent="-330200" lvl="0" marL="457200" rtl="0" algn="l">
+            <a:pPr marL="457200" lvl="0" indent="-330200" algn="l" rtl="0">
               <a:spcBef>
                 <a:spcPts val="0"/>
               </a:spcBef>
@@ -12243,7 +12376,7 @@
             <a:endParaRPr sz="1600"/>
           </a:p>
           <a:p>
-            <a:pPr indent="-330200" lvl="0" marL="457200" rtl="0" algn="l">
+            <a:pPr marL="457200" lvl="0" indent="-330200" algn="l" rtl="0">
               <a:spcBef>
                 <a:spcPts val="0"/>
               </a:spcBef>
@@ -12270,11 +12403,11 @@
 </file>
 
 <file path=ppt/slides/slide3.xml><?xml version="1.0" encoding="utf-8"?>
-<p:sld xmlns:a="http://schemas.openxmlformats.org/drawingml/2006/main" xmlns:r="http://schemas.openxmlformats.org/officeDocument/2006/relationships" xmlns:mc="http://schemas.openxmlformats.org/markup-compatibility/2006" xmlns:mv="urn:schemas-microsoft-com:mac:vml" xmlns:p="http://schemas.openxmlformats.org/presentationml/2006/main" xmlns:c="http://schemas.openxmlformats.org/drawingml/2006/chart" xmlns:dgm="http://schemas.openxmlformats.org/drawingml/2006/diagram" xmlns:o="urn:schemas-microsoft-com:office:office" xmlns:v="urn:schemas-microsoft-com:vml" xmlns:pvml="urn:schemas-microsoft-com:office:powerpoint" xmlns:com="http://schemas.openxmlformats.org/drawingml/2006/compatibility" xmlns:p14="http://schemas.microsoft.com/office/powerpoint/2010/main" xmlns:p15="http://schemas.microsoft.com/office/powerpoint/2012/main">
+<p:sld xmlns:a="http://schemas.openxmlformats.org/drawingml/2006/main" xmlns:r="http://schemas.openxmlformats.org/officeDocument/2006/relationships" xmlns:p="http://schemas.openxmlformats.org/presentationml/2006/main">
   <p:cSld>
     <p:spTree>
       <p:nvGrpSpPr>
-        <p:cNvPr id="100" name="Shape 100"/>
+        <p:cNvPr id="1" name="Shape 100"/>
         <p:cNvGrpSpPr/>
         <p:nvPr/>
       </p:nvGrpSpPr>
@@ -12289,7 +12422,9 @@
       <p:sp>
         <p:nvSpPr>
           <p:cNvPr id="101" name="Google Shape;101;p15"/>
-          <p:cNvSpPr txBox="1"/>
+          <p:cNvSpPr txBox="1">
+            <a:spLocks noGrp="1"/>
+          </p:cNvSpPr>
           <p:nvPr>
             <p:ph type="title"/>
           </p:nvPr>
@@ -12304,12 +12439,12 @@
           </a:prstGeom>
         </p:spPr>
         <p:txBody>
-          <a:bodyPr anchorCtr="0" anchor="t" bIns="91425" lIns="91425" spcFirstLastPara="1" rIns="91425" wrap="square" tIns="91425">
+          <a:bodyPr spcFirstLastPara="1" wrap="square" lIns="91425" tIns="91425" rIns="91425" bIns="91425" anchor="t" anchorCtr="0">
             <a:noAutofit/>
           </a:bodyPr>
           <a:lstStyle/>
           <a:p>
-            <a:pPr indent="0" lvl="0" marL="0" rtl="0" algn="ctr">
+            <a:pPr marL="0" lvl="0" indent="0" algn="ctr" rtl="0">
               <a:spcBef>
                 <a:spcPts val="0"/>
               </a:spcBef>
@@ -12339,7 +12474,7 @@
           </a:xfrm>
           <a:prstGeom prst="homePlate">
             <a:avLst>
-              <a:gd fmla="val 50000" name="adj"/>
+              <a:gd name="adj" fmla="val 50000"/>
             </a:avLst>
           </a:prstGeom>
           <a:solidFill>
@@ -12350,12 +12485,12 @@
           </a:ln>
         </p:spPr>
         <p:txBody>
-          <a:bodyPr anchorCtr="0" anchor="ctr" bIns="121875" lIns="121875" spcFirstLastPara="1" rIns="121875" wrap="square" tIns="121875">
+          <a:bodyPr spcFirstLastPara="1" wrap="square" lIns="121875" tIns="121875" rIns="121875" bIns="121875" anchor="ctr" anchorCtr="0">
             <a:noAutofit/>
           </a:bodyPr>
           <a:lstStyle/>
           <a:p>
-            <a:pPr indent="0" lvl="0" marL="0" rtl="0" algn="l">
+            <a:pPr marL="0" lvl="0" indent="0" algn="l" rtl="0">
               <a:spcBef>
                 <a:spcPts val="0"/>
               </a:spcBef>
@@ -12364,9 +12499,6 @@
               </a:spcAft>
               <a:buNone/>
             </a:pPr>
-            <a:r>
-              <a:t/>
-            </a:r>
             <a:endParaRPr/>
           </a:p>
         </p:txBody>
@@ -12374,9 +12506,11 @@
       <p:sp>
         <p:nvSpPr>
           <p:cNvPr id="103" name="Google Shape;103;p15"/>
-          <p:cNvSpPr txBox="1"/>
+          <p:cNvSpPr txBox="1">
+            <a:spLocks noGrp="1"/>
+          </p:cNvSpPr>
           <p:nvPr>
-            <p:ph idx="4294967295" type="body"/>
+            <p:ph type="body" idx="4294967295"/>
           </p:nvPr>
         </p:nvSpPr>
         <p:spPr>
@@ -12389,12 +12523,12 @@
           </a:prstGeom>
         </p:spPr>
         <p:txBody>
-          <a:bodyPr anchorCtr="0" anchor="t" bIns="91425" lIns="91425" spcFirstLastPara="1" rIns="91425" wrap="square" tIns="91425">
+          <a:bodyPr spcFirstLastPara="1" wrap="square" lIns="91425" tIns="91425" rIns="91425" bIns="91425" anchor="t" anchorCtr="0">
             <a:noAutofit/>
           </a:bodyPr>
           <a:lstStyle/>
           <a:p>
-            <a:pPr indent="0" lvl="0" marL="0" rtl="0" algn="l">
+            <a:pPr marL="0" lvl="0" indent="0" algn="l" rtl="0">
               <a:spcBef>
                 <a:spcPts val="0"/>
               </a:spcBef>
@@ -12404,13 +12538,13 @@
               <a:buNone/>
             </a:pPr>
             <a:r>
-              <a:rPr b="1" lang="en" sz="1600"/>
+              <a:rPr lang="en" sz="1600" b="1"/>
               <a:t>Cleaning mistyped years</a:t>
             </a:r>
-            <a:endParaRPr b="1" sz="1600"/>
-          </a:p>
-          <a:p>
-            <a:pPr indent="0" lvl="0" marL="457200" rtl="0" algn="l">
+            <a:endParaRPr sz="1600" b="1"/>
+          </a:p>
+          <a:p>
+            <a:pPr marL="457200" lvl="0" indent="0" algn="l" rtl="0">
               <a:spcBef>
                 <a:spcPts val="800"/>
               </a:spcBef>
@@ -12440,7 +12574,7 @@
           </a:xfrm>
           <a:prstGeom prst="chevron">
             <a:avLst>
-              <a:gd fmla="val 50000" name="adj"/>
+              <a:gd name="adj" fmla="val 50000"/>
             </a:avLst>
           </a:prstGeom>
           <a:solidFill>
@@ -12451,12 +12585,12 @@
           </a:ln>
         </p:spPr>
         <p:txBody>
-          <a:bodyPr anchorCtr="0" anchor="ctr" bIns="121875" lIns="121875" spcFirstLastPara="1" rIns="121875" wrap="square" tIns="121875">
+          <a:bodyPr spcFirstLastPara="1" wrap="square" lIns="121875" tIns="121875" rIns="121875" bIns="121875" anchor="ctr" anchorCtr="0">
             <a:noAutofit/>
           </a:bodyPr>
           <a:lstStyle/>
           <a:p>
-            <a:pPr indent="0" lvl="0" marL="0" rtl="0" algn="l">
+            <a:pPr marL="0" lvl="0" indent="0" algn="l" rtl="0">
               <a:spcBef>
                 <a:spcPts val="0"/>
               </a:spcBef>
@@ -12465,9 +12599,6 @@
               </a:spcAft>
               <a:buNone/>
             </a:pPr>
-            <a:r>
-              <a:t/>
-            </a:r>
             <a:endParaRPr/>
           </a:p>
         </p:txBody>
@@ -12475,9 +12606,11 @@
       <p:sp>
         <p:nvSpPr>
           <p:cNvPr id="105" name="Google Shape;105;p15"/>
-          <p:cNvSpPr txBox="1"/>
+          <p:cNvSpPr txBox="1">
+            <a:spLocks noGrp="1"/>
+          </p:cNvSpPr>
           <p:nvPr>
-            <p:ph idx="4294967295" type="body"/>
+            <p:ph type="body" idx="4294967295"/>
           </p:nvPr>
         </p:nvSpPr>
         <p:spPr>
@@ -12490,12 +12623,12 @@
           </a:prstGeom>
         </p:spPr>
         <p:txBody>
-          <a:bodyPr anchorCtr="0" anchor="t" bIns="91425" lIns="91425" spcFirstLastPara="1" rIns="91425" wrap="square" tIns="91425">
+          <a:bodyPr spcFirstLastPara="1" wrap="square" lIns="91425" tIns="91425" rIns="91425" bIns="91425" anchor="t" anchorCtr="0">
             <a:noAutofit/>
           </a:bodyPr>
           <a:lstStyle/>
           <a:p>
-            <a:pPr indent="0" lvl="0" marL="0" rtl="0" algn="l">
+            <a:pPr marL="0" lvl="0" indent="0" algn="l" rtl="0">
               <a:spcBef>
                 <a:spcPts val="0"/>
               </a:spcBef>
@@ -12505,13 +12638,13 @@
               <a:buNone/>
             </a:pPr>
             <a:r>
-              <a:rPr b="1" lang="en" sz="1600"/>
+              <a:rPr lang="en" sz="1600" b="1"/>
               <a:t>Converting date and time to datetime format</a:t>
             </a:r>
-            <a:endParaRPr b="1" sz="1600"/>
-          </a:p>
-          <a:p>
-            <a:pPr indent="0" lvl="0" marL="457200" rtl="0" algn="l">
+            <a:endParaRPr sz="1600" b="1"/>
+          </a:p>
+          <a:p>
+            <a:pPr marL="457200" lvl="0" indent="0" algn="l" rtl="0">
               <a:spcBef>
                 <a:spcPts val="800"/>
               </a:spcBef>
@@ -12541,7 +12674,7 @@
           </a:xfrm>
           <a:prstGeom prst="chevron">
             <a:avLst>
-              <a:gd fmla="val 50000" name="adj"/>
+              <a:gd name="adj" fmla="val 50000"/>
             </a:avLst>
           </a:prstGeom>
           <a:solidFill>
@@ -12552,12 +12685,12 @@
           </a:ln>
         </p:spPr>
         <p:txBody>
-          <a:bodyPr anchorCtr="0" anchor="ctr" bIns="121875" lIns="121875" spcFirstLastPara="1" rIns="121875" wrap="square" tIns="121875">
+          <a:bodyPr spcFirstLastPara="1" wrap="square" lIns="121875" tIns="121875" rIns="121875" bIns="121875" anchor="ctr" anchorCtr="0">
             <a:noAutofit/>
           </a:bodyPr>
           <a:lstStyle/>
           <a:p>
-            <a:pPr indent="0" lvl="0" marL="0" rtl="0" algn="l">
+            <a:pPr marL="0" lvl="0" indent="0" algn="l" rtl="0">
               <a:spcBef>
                 <a:spcPts val="0"/>
               </a:spcBef>
@@ -12566,9 +12699,6 @@
               </a:spcAft>
               <a:buNone/>
             </a:pPr>
-            <a:r>
-              <a:t/>
-            </a:r>
             <a:endParaRPr/>
           </a:p>
         </p:txBody>
@@ -12576,9 +12706,11 @@
       <p:sp>
         <p:nvSpPr>
           <p:cNvPr id="107" name="Google Shape;107;p15"/>
-          <p:cNvSpPr txBox="1"/>
+          <p:cNvSpPr txBox="1">
+            <a:spLocks noGrp="1"/>
+          </p:cNvSpPr>
           <p:nvPr>
-            <p:ph idx="4294967295" type="body"/>
+            <p:ph type="body" idx="4294967295"/>
           </p:nvPr>
         </p:nvSpPr>
         <p:spPr>
@@ -12591,12 +12723,12 @@
           </a:prstGeom>
         </p:spPr>
         <p:txBody>
-          <a:bodyPr anchorCtr="0" anchor="t" bIns="91425" lIns="91425" spcFirstLastPara="1" rIns="91425" wrap="square" tIns="91425">
+          <a:bodyPr spcFirstLastPara="1" wrap="square" lIns="91425" tIns="91425" rIns="91425" bIns="91425" anchor="t" anchorCtr="0">
             <a:noAutofit/>
           </a:bodyPr>
           <a:lstStyle/>
           <a:p>
-            <a:pPr indent="0" lvl="0" marL="0" rtl="0" algn="l">
+            <a:pPr marL="0" lvl="0" indent="0" algn="l" rtl="0">
               <a:spcBef>
                 <a:spcPts val="0"/>
               </a:spcBef>
@@ -12606,13 +12738,13 @@
               <a:buNone/>
             </a:pPr>
             <a:r>
-              <a:rPr b="1" lang="en" sz="1600"/>
+              <a:rPr lang="en" sz="1600" b="1"/>
               <a:t>Dropping unwanted columns</a:t>
             </a:r>
-            <a:endParaRPr b="1" sz="1600"/>
-          </a:p>
-          <a:p>
-            <a:pPr indent="0" lvl="0" marL="0" rtl="0" algn="l">
+            <a:endParaRPr sz="1600" b="1"/>
+          </a:p>
+          <a:p>
+            <a:pPr marL="0" lvl="0" indent="0" algn="l" rtl="0">
               <a:spcBef>
                 <a:spcPts val="800"/>
               </a:spcBef>
@@ -12638,11 +12770,11 @@
 </file>
 
 <file path=ppt/slides/slide4.xml><?xml version="1.0" encoding="utf-8"?>
-<p:sld xmlns:a="http://schemas.openxmlformats.org/drawingml/2006/main" xmlns:r="http://schemas.openxmlformats.org/officeDocument/2006/relationships" xmlns:mc="http://schemas.openxmlformats.org/markup-compatibility/2006" xmlns:mv="urn:schemas-microsoft-com:mac:vml" xmlns:p="http://schemas.openxmlformats.org/presentationml/2006/main" xmlns:c="http://schemas.openxmlformats.org/drawingml/2006/chart" xmlns:dgm="http://schemas.openxmlformats.org/drawingml/2006/diagram" xmlns:o="urn:schemas-microsoft-com:office:office" xmlns:v="urn:schemas-microsoft-com:vml" xmlns:pvml="urn:schemas-microsoft-com:office:powerpoint" xmlns:com="http://schemas.openxmlformats.org/drawingml/2006/compatibility" xmlns:p14="http://schemas.microsoft.com/office/powerpoint/2010/main" xmlns:p15="http://schemas.microsoft.com/office/powerpoint/2012/main">
+<p:sld xmlns:a="http://schemas.openxmlformats.org/drawingml/2006/main" xmlns:r="http://schemas.openxmlformats.org/officeDocument/2006/relationships" xmlns:p="http://schemas.openxmlformats.org/presentationml/2006/main">
   <p:cSld>
     <p:spTree>
       <p:nvGrpSpPr>
-        <p:cNvPr id="111" name="Shape 111"/>
+        <p:cNvPr id="1" name="Shape 111"/>
         <p:cNvGrpSpPr/>
         <p:nvPr/>
       </p:nvGrpSpPr>
@@ -12657,7 +12789,9 @@
       <p:sp>
         <p:nvSpPr>
           <p:cNvPr id="112" name="Google Shape;112;p16"/>
-          <p:cNvSpPr txBox="1"/>
+          <p:cNvSpPr txBox="1">
+            <a:spLocks noGrp="1"/>
+          </p:cNvSpPr>
           <p:nvPr>
             <p:ph type="title"/>
           </p:nvPr>
@@ -12672,12 +12806,12 @@
           </a:prstGeom>
         </p:spPr>
         <p:txBody>
-          <a:bodyPr anchorCtr="0" anchor="t" bIns="91425" lIns="91425" spcFirstLastPara="1" rIns="91425" wrap="square" tIns="91425">
+          <a:bodyPr spcFirstLastPara="1" wrap="square" lIns="91425" tIns="91425" rIns="91425" bIns="91425" anchor="t" anchorCtr="0">
             <a:noAutofit/>
           </a:bodyPr>
           <a:lstStyle/>
           <a:p>
-            <a:pPr indent="0" lvl="0" marL="0" rtl="0" algn="ctr">
+            <a:pPr marL="0" lvl="0" indent="0" algn="ctr" rtl="0">
               <a:spcBef>
                 <a:spcPts val="0"/>
               </a:spcBef>
@@ -12688,15 +12822,7 @@
             </a:pPr>
             <a:r>
               <a:rPr lang="en" sz="2300"/>
-              <a:t>What is </a:t>
-            </a:r>
-            <a:r>
-              <a:rPr lang="en" sz="2300"/>
-              <a:t>the</a:t>
-            </a:r>
-            <a:r>
-              <a:rPr lang="en" sz="2300"/>
-              <a:t> average age of suspects that committed burglary?</a:t>
+              <a:t>What is the average age of suspects that committed burglary?</a:t>
             </a:r>
             <a:endParaRPr sz="2300"/>
           </a:p>
@@ -12705,9 +12831,11 @@
       <p:sp>
         <p:nvSpPr>
           <p:cNvPr id="113" name="Google Shape;113;p16"/>
-          <p:cNvSpPr txBox="1"/>
+          <p:cNvSpPr txBox="1">
+            <a:spLocks noGrp="1"/>
+          </p:cNvSpPr>
           <p:nvPr>
-            <p:ph idx="1" type="body"/>
+            <p:ph type="body" idx="1"/>
           </p:nvPr>
         </p:nvSpPr>
         <p:spPr>
@@ -12720,12 +12848,12 @@
           </a:prstGeom>
         </p:spPr>
         <p:txBody>
-          <a:bodyPr anchorCtr="0" anchor="t" bIns="91425" lIns="91425" spcFirstLastPara="1" rIns="91425" wrap="square" tIns="91425">
+          <a:bodyPr spcFirstLastPara="1" wrap="square" lIns="91425" tIns="91425" rIns="91425" bIns="91425" anchor="t" anchorCtr="0">
             <a:noAutofit/>
           </a:bodyPr>
           <a:lstStyle/>
           <a:p>
-            <a:pPr indent="-317500" lvl="0" marL="457200" rtl="0" algn="l">
+            <a:pPr marL="457200" lvl="0" indent="-317500" algn="l" rtl="0">
               <a:spcBef>
                 <a:spcPts val="0"/>
               </a:spcBef>
@@ -12742,7 +12870,7 @@
             <a:endParaRPr sz="1400"/>
           </a:p>
           <a:p>
-            <a:pPr indent="-317500" lvl="0" marL="457200" rtl="0" algn="l">
+            <a:pPr marL="457200" lvl="0" indent="-317500" algn="l" rtl="0">
               <a:spcBef>
                 <a:spcPts val="0"/>
               </a:spcBef>
@@ -12759,7 +12887,7 @@
             <a:endParaRPr sz="1400"/>
           </a:p>
           <a:p>
-            <a:pPr indent="-317500" lvl="0" marL="457200" rtl="0" algn="l">
+            <a:pPr marL="457200" lvl="0" indent="-317500" algn="l" rtl="0">
               <a:spcBef>
                 <a:spcPts val="0"/>
               </a:spcBef>
@@ -12776,7 +12904,7 @@
             <a:endParaRPr sz="1400"/>
           </a:p>
           <a:p>
-            <a:pPr indent="-317500" lvl="0" marL="457200" rtl="0" algn="l">
+            <a:pPr marL="457200" lvl="0" indent="-317500" algn="l" rtl="0">
               <a:spcBef>
                 <a:spcPts val="0"/>
               </a:spcBef>
@@ -12793,7 +12921,7 @@
             <a:endParaRPr sz="1400"/>
           </a:p>
           <a:p>
-            <a:pPr indent="-317500" lvl="0" marL="457200" rtl="0" algn="l">
+            <a:pPr marL="457200" lvl="0" indent="-317500" algn="l" rtl="0">
               <a:spcBef>
                 <a:spcPts val="0"/>
               </a:spcBef>
@@ -12810,7 +12938,7 @@
             <a:endParaRPr sz="1400"/>
           </a:p>
           <a:p>
-            <a:pPr indent="-317500" lvl="0" marL="457200" rtl="0" algn="l">
+            <a:pPr marL="457200" lvl="0" indent="-317500" algn="l" rtl="0">
               <a:spcBef>
                 <a:spcPts val="0"/>
               </a:spcBef>
@@ -12865,11 +12993,11 @@
 </file>
 
 <file path=ppt/slides/slide5.xml><?xml version="1.0" encoding="utf-8"?>
-<p:sld xmlns:a="http://schemas.openxmlformats.org/drawingml/2006/main" xmlns:r="http://schemas.openxmlformats.org/officeDocument/2006/relationships" xmlns:mc="http://schemas.openxmlformats.org/markup-compatibility/2006" xmlns:mv="urn:schemas-microsoft-com:mac:vml" xmlns:p="http://schemas.openxmlformats.org/presentationml/2006/main" xmlns:c="http://schemas.openxmlformats.org/drawingml/2006/chart" xmlns:dgm="http://schemas.openxmlformats.org/drawingml/2006/diagram" xmlns:o="urn:schemas-microsoft-com:office:office" xmlns:v="urn:schemas-microsoft-com:vml" xmlns:pvml="urn:schemas-microsoft-com:office:powerpoint" xmlns:com="http://schemas.openxmlformats.org/drawingml/2006/compatibility" xmlns:p14="http://schemas.microsoft.com/office/powerpoint/2010/main" xmlns:p15="http://schemas.microsoft.com/office/powerpoint/2012/main">
+<p:sld xmlns:a="http://schemas.openxmlformats.org/drawingml/2006/main" xmlns:r="http://schemas.openxmlformats.org/officeDocument/2006/relationships" xmlns:p="http://schemas.openxmlformats.org/presentationml/2006/main">
   <p:cSld>
     <p:spTree>
       <p:nvGrpSpPr>
-        <p:cNvPr id="118" name="Shape 118"/>
+        <p:cNvPr id="1" name="Shape 118"/>
         <p:cNvGrpSpPr/>
         <p:nvPr/>
       </p:nvGrpSpPr>
@@ -12884,7 +13012,9 @@
       <p:sp>
         <p:nvSpPr>
           <p:cNvPr id="119" name="Google Shape;119;p17"/>
-          <p:cNvSpPr txBox="1"/>
+          <p:cNvSpPr txBox="1">
+            <a:spLocks noGrp="1"/>
+          </p:cNvSpPr>
           <p:nvPr>
             <p:ph type="title"/>
           </p:nvPr>
@@ -12899,12 +13029,12 @@
           </a:prstGeom>
         </p:spPr>
         <p:txBody>
-          <a:bodyPr anchorCtr="0" anchor="t" bIns="91425" lIns="91425" spcFirstLastPara="1" rIns="91425" wrap="square" tIns="91425">
+          <a:bodyPr spcFirstLastPara="1" wrap="square" lIns="91425" tIns="91425" rIns="91425" bIns="91425" anchor="t" anchorCtr="0">
             <a:noAutofit/>
           </a:bodyPr>
           <a:lstStyle/>
           <a:p>
-            <a:pPr indent="0" lvl="0" marL="0" rtl="0" algn="ctr">
+            <a:pPr marL="0" lvl="0" indent="0" algn="ctr" rtl="0">
               <a:spcBef>
                 <a:spcPts val="0"/>
               </a:spcBef>
@@ -12924,9 +13054,11 @@
       <p:sp>
         <p:nvSpPr>
           <p:cNvPr id="120" name="Google Shape;120;p17"/>
-          <p:cNvSpPr txBox="1"/>
+          <p:cNvSpPr txBox="1">
+            <a:spLocks noGrp="1"/>
+          </p:cNvSpPr>
           <p:nvPr>
-            <p:ph idx="1" type="body"/>
+            <p:ph type="body" idx="1"/>
           </p:nvPr>
         </p:nvSpPr>
         <p:spPr>
@@ -12939,12 +13071,12 @@
           </a:prstGeom>
         </p:spPr>
         <p:txBody>
-          <a:bodyPr anchorCtr="0" anchor="t" bIns="91425" lIns="91425" spcFirstLastPara="1" rIns="91425" wrap="square" tIns="91425">
+          <a:bodyPr spcFirstLastPara="1" wrap="square" lIns="91425" tIns="91425" rIns="91425" bIns="91425" anchor="t" anchorCtr="0">
             <a:noAutofit/>
           </a:bodyPr>
           <a:lstStyle/>
           <a:p>
-            <a:pPr indent="-317500" lvl="0" marL="457200" rtl="0" algn="l">
+            <a:pPr marL="457200" lvl="0" indent="-317500" algn="l" rtl="0">
               <a:spcBef>
                 <a:spcPts val="0"/>
               </a:spcBef>
@@ -12961,7 +13093,7 @@
             <a:endParaRPr sz="1400"/>
           </a:p>
           <a:p>
-            <a:pPr indent="-317500" lvl="0" marL="457200" rtl="0" algn="l">
+            <a:pPr marL="457200" lvl="0" indent="-317500" algn="l" rtl="0">
               <a:spcBef>
                 <a:spcPts val="0"/>
               </a:spcBef>
@@ -13016,11 +13148,11 @@
 </file>
 
 <file path=ppt/slides/slide6.xml><?xml version="1.0" encoding="utf-8"?>
-<p:sld xmlns:a="http://schemas.openxmlformats.org/drawingml/2006/main" xmlns:r="http://schemas.openxmlformats.org/officeDocument/2006/relationships" xmlns:mc="http://schemas.openxmlformats.org/markup-compatibility/2006" xmlns:mv="urn:schemas-microsoft-com:mac:vml" xmlns:p="http://schemas.openxmlformats.org/presentationml/2006/main" xmlns:c="http://schemas.openxmlformats.org/drawingml/2006/chart" xmlns:dgm="http://schemas.openxmlformats.org/drawingml/2006/diagram" xmlns:o="urn:schemas-microsoft-com:office:office" xmlns:v="urn:schemas-microsoft-com:vml" xmlns:pvml="urn:schemas-microsoft-com:office:powerpoint" xmlns:com="http://schemas.openxmlformats.org/drawingml/2006/compatibility" xmlns:p14="http://schemas.microsoft.com/office/powerpoint/2010/main" xmlns:p15="http://schemas.microsoft.com/office/powerpoint/2012/main">
+<p:sld xmlns:a="http://schemas.openxmlformats.org/drawingml/2006/main" xmlns:r="http://schemas.openxmlformats.org/officeDocument/2006/relationships" xmlns:p="http://schemas.openxmlformats.org/presentationml/2006/main">
   <p:cSld>
     <p:spTree>
       <p:nvGrpSpPr>
-        <p:cNvPr id="125" name="Shape 125"/>
+        <p:cNvPr id="1" name="Shape 125"/>
         <p:cNvGrpSpPr/>
         <p:nvPr/>
       </p:nvGrpSpPr>
@@ -13035,7 +13167,9 @@
       <p:sp>
         <p:nvSpPr>
           <p:cNvPr id="126" name="Google Shape;126;p18"/>
-          <p:cNvSpPr txBox="1"/>
+          <p:cNvSpPr txBox="1">
+            <a:spLocks noGrp="1"/>
+          </p:cNvSpPr>
           <p:nvPr>
             <p:ph type="title"/>
           </p:nvPr>
@@ -13050,12 +13184,12 @@
           </a:prstGeom>
         </p:spPr>
         <p:txBody>
-          <a:bodyPr anchorCtr="0" anchor="t" bIns="91425" lIns="91425" spcFirstLastPara="1" rIns="91425" wrap="square" tIns="91425">
+          <a:bodyPr spcFirstLastPara="1" wrap="square" lIns="91425" tIns="91425" rIns="91425" bIns="91425" anchor="t" anchorCtr="0">
             <a:noAutofit/>
           </a:bodyPr>
           <a:lstStyle/>
           <a:p>
-            <a:pPr indent="0" lvl="0" marL="0" rtl="0" algn="ctr">
+            <a:pPr marL="0" lvl="0" indent="0" algn="ctr" rtl="0">
               <a:spcBef>
                 <a:spcPts val="0"/>
               </a:spcBef>
@@ -13078,7 +13212,7 @@
             <a:endParaRPr sz="1500"/>
           </a:p>
           <a:p>
-            <a:pPr indent="0" lvl="0" marL="0" rtl="0" algn="l">
+            <a:pPr marL="0" lvl="0" indent="0" algn="l" rtl="0">
               <a:lnSpc>
                 <a:spcPct val="115000"/>
               </a:lnSpc>
@@ -13113,7 +13247,7 @@
             </a:endParaRPr>
           </a:p>
           <a:p>
-            <a:pPr indent="0" lvl="0" marL="0" rtl="0" algn="l">
+            <a:pPr marL="0" lvl="0" indent="0" algn="l" rtl="0">
               <a:spcBef>
                 <a:spcPts val="0"/>
               </a:spcBef>
@@ -13145,7 +13279,7 @@
             </a:endParaRPr>
           </a:p>
           <a:p>
-            <a:pPr indent="0" lvl="0" marL="0" rtl="0" algn="l">
+            <a:pPr marL="0" lvl="0" indent="0" algn="l" rtl="0">
               <a:spcBef>
                 <a:spcPts val="0"/>
               </a:spcBef>
@@ -13177,7 +13311,7 @@
             </a:endParaRPr>
           </a:p>
           <a:p>
-            <a:pPr indent="0" lvl="0" marL="0" rtl="0" algn="l">
+            <a:pPr marL="0" lvl="0" indent="0" algn="l" rtl="0">
               <a:spcBef>
                 <a:spcPts val="0"/>
               </a:spcBef>
@@ -13209,7 +13343,7 @@
             </a:endParaRPr>
           </a:p>
           <a:p>
-            <a:pPr indent="0" lvl="0" marL="0" rtl="0" algn="l">
+            <a:pPr marL="0" lvl="0" indent="0" algn="l" rtl="0">
               <a:spcBef>
                 <a:spcPts val="0"/>
               </a:spcBef>
@@ -13237,9 +13371,11 @@
       <p:sp>
         <p:nvSpPr>
           <p:cNvPr id="127" name="Google Shape;127;p18"/>
-          <p:cNvSpPr txBox="1"/>
+          <p:cNvSpPr txBox="1">
+            <a:spLocks noGrp="1"/>
+          </p:cNvSpPr>
           <p:nvPr>
-            <p:ph idx="1" type="body"/>
+            <p:ph type="body" idx="1"/>
           </p:nvPr>
         </p:nvSpPr>
         <p:spPr>
@@ -13252,12 +13388,12 @@
           </a:prstGeom>
         </p:spPr>
         <p:txBody>
-          <a:bodyPr anchorCtr="0" anchor="t" bIns="91425" lIns="91425" spcFirstLastPara="1" rIns="91425" wrap="square" tIns="91425">
+          <a:bodyPr spcFirstLastPara="1" wrap="square" lIns="91425" tIns="91425" rIns="91425" bIns="91425" anchor="t" anchorCtr="0">
             <a:noAutofit/>
           </a:bodyPr>
           <a:lstStyle/>
           <a:p>
-            <a:pPr indent="-342900" lvl="0" marL="457200" rtl="0" algn="l">
+            <a:pPr marL="457200" lvl="0" indent="-342900" algn="l" rtl="0">
               <a:spcBef>
                 <a:spcPts val="0"/>
               </a:spcBef>
@@ -13274,7 +13410,7 @@
             <a:endParaRPr/>
           </a:p>
           <a:p>
-            <a:pPr indent="-342900" lvl="0" marL="457200" rtl="0" algn="l">
+            <a:pPr marL="457200" lvl="0" indent="-342900" algn="l" rtl="0">
               <a:spcBef>
                 <a:spcPts val="0"/>
               </a:spcBef>
@@ -13291,7 +13427,7 @@
             <a:endParaRPr/>
           </a:p>
           <a:p>
-            <a:pPr indent="-342900" lvl="0" marL="457200" rtl="0" algn="l">
+            <a:pPr marL="457200" lvl="0" indent="-342900" algn="l" rtl="0">
               <a:spcBef>
                 <a:spcPts val="0"/>
               </a:spcBef>
@@ -13308,7 +13444,7 @@
             <a:endParaRPr/>
           </a:p>
           <a:p>
-            <a:pPr indent="-342900" lvl="0" marL="457200" rtl="0" algn="l">
+            <a:pPr marL="457200" lvl="0" indent="-342900" algn="l" rtl="0">
               <a:spcBef>
                 <a:spcPts val="0"/>
               </a:spcBef>
@@ -13335,11 +13471,11 @@
 </file>
 
 <file path=ppt/slides/slide7.xml><?xml version="1.0" encoding="utf-8"?>
-<p:sld xmlns:a="http://schemas.openxmlformats.org/drawingml/2006/main" xmlns:r="http://schemas.openxmlformats.org/officeDocument/2006/relationships" xmlns:mc="http://schemas.openxmlformats.org/markup-compatibility/2006" xmlns:mv="urn:schemas-microsoft-com:mac:vml" xmlns:p="http://schemas.openxmlformats.org/presentationml/2006/main" xmlns:c="http://schemas.openxmlformats.org/drawingml/2006/chart" xmlns:dgm="http://schemas.openxmlformats.org/drawingml/2006/diagram" xmlns:o="urn:schemas-microsoft-com:office:office" xmlns:v="urn:schemas-microsoft-com:vml" xmlns:pvml="urn:schemas-microsoft-com:office:powerpoint" xmlns:com="http://schemas.openxmlformats.org/drawingml/2006/compatibility" xmlns:p14="http://schemas.microsoft.com/office/powerpoint/2010/main" xmlns:p15="http://schemas.microsoft.com/office/powerpoint/2012/main">
+<p:sld xmlns:a="http://schemas.openxmlformats.org/drawingml/2006/main" xmlns:r="http://schemas.openxmlformats.org/officeDocument/2006/relationships" xmlns:p="http://schemas.openxmlformats.org/presentationml/2006/main">
   <p:cSld>
     <p:spTree>
       <p:nvGrpSpPr>
-        <p:cNvPr id="131" name="Shape 131"/>
+        <p:cNvPr id="1" name="Shape 131"/>
         <p:cNvGrpSpPr/>
         <p:nvPr/>
       </p:nvGrpSpPr>
@@ -13354,7 +13490,9 @@
       <p:sp>
         <p:nvSpPr>
           <p:cNvPr id="132" name="Google Shape;132;p19"/>
-          <p:cNvSpPr txBox="1"/>
+          <p:cNvSpPr txBox="1">
+            <a:spLocks noGrp="1"/>
+          </p:cNvSpPr>
           <p:nvPr>
             <p:ph type="title"/>
           </p:nvPr>
@@ -13369,12 +13507,12 @@
           </a:prstGeom>
         </p:spPr>
         <p:txBody>
-          <a:bodyPr anchorCtr="0" anchor="t" bIns="91425" lIns="91425" spcFirstLastPara="1" rIns="91425" wrap="square" tIns="91425">
+          <a:bodyPr spcFirstLastPara="1" wrap="square" lIns="91425" tIns="91425" rIns="91425" bIns="91425" anchor="t" anchorCtr="0">
             <a:noAutofit/>
           </a:bodyPr>
           <a:lstStyle/>
           <a:p>
-            <a:pPr indent="0" lvl="0" marL="0" rtl="0" algn="ctr">
+            <a:pPr marL="0" lvl="0" indent="0" algn="ctr" rtl="0">
               <a:spcBef>
                 <a:spcPts val="0"/>
               </a:spcBef>
@@ -13397,7 +13535,7 @@
             <a:endParaRPr sz="1500"/>
           </a:p>
           <a:p>
-            <a:pPr indent="0" lvl="0" marL="0" rtl="0" algn="l">
+            <a:pPr marL="0" lvl="0" indent="0" algn="l" rtl="0">
               <a:lnSpc>
                 <a:spcPct val="115000"/>
               </a:lnSpc>
@@ -13432,7 +13570,7 @@
             </a:endParaRPr>
           </a:p>
           <a:p>
-            <a:pPr indent="0" lvl="0" marL="0" rtl="0" algn="l">
+            <a:pPr marL="0" lvl="0" indent="0" algn="l" rtl="0">
               <a:spcBef>
                 <a:spcPts val="0"/>
               </a:spcBef>
@@ -13464,7 +13602,7 @@
             </a:endParaRPr>
           </a:p>
           <a:p>
-            <a:pPr indent="0" lvl="0" marL="0" rtl="0" algn="l">
+            <a:pPr marL="0" lvl="0" indent="0" algn="l" rtl="0">
               <a:spcBef>
                 <a:spcPts val="0"/>
               </a:spcBef>
@@ -13496,7 +13634,7 @@
             </a:endParaRPr>
           </a:p>
           <a:p>
-            <a:pPr indent="0" lvl="0" marL="0" rtl="0" algn="l">
+            <a:pPr marL="0" lvl="0" indent="0" algn="l" rtl="0">
               <a:spcBef>
                 <a:spcPts val="0"/>
               </a:spcBef>
@@ -13528,7 +13666,7 @@
             </a:endParaRPr>
           </a:p>
           <a:p>
-            <a:pPr indent="0" lvl="0" marL="0" rtl="0" algn="l">
+            <a:pPr marL="0" lvl="0" indent="0" algn="l" rtl="0">
               <a:spcBef>
                 <a:spcPts val="0"/>
               </a:spcBef>
@@ -13556,9 +13694,11 @@
       <p:sp>
         <p:nvSpPr>
           <p:cNvPr id="133" name="Google Shape;133;p19"/>
-          <p:cNvSpPr txBox="1"/>
+          <p:cNvSpPr txBox="1">
+            <a:spLocks noGrp="1"/>
+          </p:cNvSpPr>
           <p:nvPr>
-            <p:ph idx="1" type="body"/>
+            <p:ph type="body" idx="1"/>
           </p:nvPr>
         </p:nvSpPr>
         <p:spPr>
@@ -13571,12 +13711,12 @@
           </a:prstGeom>
         </p:spPr>
         <p:txBody>
-          <a:bodyPr anchorCtr="0" anchor="t" bIns="91425" lIns="91425" spcFirstLastPara="1" rIns="91425" wrap="square" tIns="91425">
+          <a:bodyPr spcFirstLastPara="1" wrap="square" lIns="91425" tIns="91425" rIns="91425" bIns="91425" anchor="t" anchorCtr="0">
             <a:noAutofit/>
           </a:bodyPr>
           <a:lstStyle/>
           <a:p>
-            <a:pPr indent="-342900" lvl="0" marL="457200" rtl="0" algn="l">
+            <a:pPr marL="457200" lvl="0" indent="-342900" algn="l" rtl="0">
               <a:spcBef>
                 <a:spcPts val="0"/>
               </a:spcBef>
@@ -13593,7 +13733,7 @@
             <a:endParaRPr/>
           </a:p>
           <a:p>
-            <a:pPr indent="-342900" lvl="0" marL="457200" rtl="0" algn="l">
+            <a:pPr marL="457200" lvl="0" indent="-342900" algn="l" rtl="0">
               <a:spcBef>
                 <a:spcPts val="0"/>
               </a:spcBef>
@@ -13610,7 +13750,7 @@
             <a:endParaRPr/>
           </a:p>
           <a:p>
-            <a:pPr indent="-342900" lvl="0" marL="457200" rtl="0" algn="l">
+            <a:pPr marL="457200" lvl="0" indent="-342900" algn="l" rtl="0">
               <a:spcBef>
                 <a:spcPts val="0"/>
               </a:spcBef>
@@ -13622,20 +13762,12 @@
             </a:pPr>
             <a:r>
               <a:rPr lang="en"/>
-              <a:t>Most categories follow roughly the same </a:t>
-            </a:r>
-            <a:r>
-              <a:rPr lang="en"/>
-              <a:t>sinusoidal</a:t>
-            </a:r>
-            <a:r>
-              <a:rPr lang="en"/>
-              <a:t> sort of shape.</a:t>
+              <a:t>Most categories follow roughly the same sinusoidal sort of shape.</a:t>
             </a:r>
             <a:endParaRPr/>
           </a:p>
           <a:p>
-            <a:pPr indent="0" lvl="0" marL="0" rtl="0" algn="l">
+            <a:pPr marL="0" lvl="0" indent="0" algn="l" rtl="0">
               <a:spcBef>
                 <a:spcPts val="1600"/>
               </a:spcBef>
@@ -13651,7 +13783,7 @@
             <a:endParaRPr/>
           </a:p>
           <a:p>
-            <a:pPr indent="0" lvl="0" marL="0" rtl="0" algn="l">
+            <a:pPr marL="0" lvl="0" indent="0" algn="l" rtl="0">
               <a:spcBef>
                 <a:spcPts val="1600"/>
               </a:spcBef>
@@ -13660,13 +13792,10 @@
               </a:spcAft>
               <a:buNone/>
             </a:pPr>
-            <a:r>
-              <a:t/>
-            </a:r>
             <a:endParaRPr/>
           </a:p>
           <a:p>
-            <a:pPr indent="0" lvl="0" marL="457200" rtl="0" algn="l">
+            <a:pPr marL="457200" lvl="0" indent="0" algn="l" rtl="0">
               <a:spcBef>
                 <a:spcPts val="1600"/>
               </a:spcBef>
@@ -13675,9 +13804,6 @@
               </a:spcAft>
               <a:buNone/>
             </a:pPr>
-            <a:r>
-              <a:t/>
-            </a:r>
             <a:endParaRPr/>
           </a:p>
         </p:txBody>
@@ -13870,12 +13996,12 @@
           </a:ln>
         </p:spPr>
         <p:txBody>
-          <a:bodyPr anchorCtr="0" anchor="t" bIns="91425" lIns="91425" spcFirstLastPara="1" rIns="91425" wrap="square" tIns="91425">
+          <a:bodyPr spcFirstLastPara="1" wrap="square" lIns="91425" tIns="91425" rIns="91425" bIns="91425" anchor="t" anchorCtr="0">
             <a:noAutofit/>
           </a:bodyPr>
           <a:lstStyle/>
           <a:p>
-            <a:pPr indent="0" lvl="0" marL="0" rtl="0" algn="l">
+            <a:pPr marL="0" lvl="0" indent="0" algn="l" rtl="0">
               <a:spcBef>
                 <a:spcPts val="0"/>
               </a:spcBef>
@@ -13907,7 +14033,7 @@
             </a:endParaRPr>
           </a:p>
           <a:p>
-            <a:pPr indent="0" lvl="0" marL="0" rtl="0" algn="l">
+            <a:pPr marL="0" lvl="0" indent="0" algn="l" rtl="0">
               <a:spcBef>
                 <a:spcPts val="0"/>
               </a:spcBef>
@@ -13960,12 +14086,12 @@
           </a:ln>
         </p:spPr>
         <p:txBody>
-          <a:bodyPr anchorCtr="0" anchor="t" bIns="91425" lIns="91425" spcFirstLastPara="1" rIns="91425" wrap="square" tIns="91425">
+          <a:bodyPr spcFirstLastPara="1" wrap="square" lIns="91425" tIns="91425" rIns="91425" bIns="91425" anchor="t" anchorCtr="0">
             <a:noAutofit/>
           </a:bodyPr>
           <a:lstStyle/>
           <a:p>
-            <a:pPr indent="0" lvl="0" marL="0" rtl="0" algn="l">
+            <a:pPr marL="0" lvl="0" indent="0" algn="l" rtl="0">
               <a:spcBef>
                 <a:spcPts val="0"/>
               </a:spcBef>
@@ -13997,7 +14123,7 @@
             </a:endParaRPr>
           </a:p>
           <a:p>
-            <a:pPr indent="0" lvl="0" marL="0" rtl="0" algn="l">
+            <a:pPr marL="0" lvl="0" indent="0" algn="l" rtl="0">
               <a:spcBef>
                 <a:spcPts val="0"/>
               </a:spcBef>
@@ -14050,12 +14176,12 @@
           </a:ln>
         </p:spPr>
         <p:txBody>
-          <a:bodyPr anchorCtr="0" anchor="t" bIns="91425" lIns="91425" spcFirstLastPara="1" rIns="91425" wrap="square" tIns="91425">
+          <a:bodyPr spcFirstLastPara="1" wrap="square" lIns="91425" tIns="91425" rIns="91425" bIns="91425" anchor="t" anchorCtr="0">
             <a:noAutofit/>
           </a:bodyPr>
           <a:lstStyle/>
           <a:p>
-            <a:pPr indent="0" lvl="0" marL="0" rtl="0" algn="l">
+            <a:pPr marL="0" lvl="0" indent="0" algn="l" rtl="0">
               <a:spcBef>
                 <a:spcPts val="0"/>
               </a:spcBef>
@@ -14087,7 +14213,7 @@
             </a:endParaRPr>
           </a:p>
           <a:p>
-            <a:pPr indent="0" lvl="0" marL="0" rtl="0" algn="l">
+            <a:pPr marL="0" lvl="0" indent="0" algn="l" rtl="0">
               <a:spcBef>
                 <a:spcPts val="0"/>
               </a:spcBef>
@@ -14140,12 +14266,12 @@
           </a:ln>
         </p:spPr>
         <p:txBody>
-          <a:bodyPr anchorCtr="0" anchor="t" bIns="91425" lIns="91425" spcFirstLastPara="1" rIns="91425" wrap="square" tIns="91425">
+          <a:bodyPr spcFirstLastPara="1" wrap="square" lIns="91425" tIns="91425" rIns="91425" bIns="91425" anchor="t" anchorCtr="0">
             <a:noAutofit/>
           </a:bodyPr>
           <a:lstStyle/>
           <a:p>
-            <a:pPr indent="0" lvl="0" marL="0" rtl="0" algn="l">
+            <a:pPr marL="0" lvl="0" indent="0" algn="l" rtl="0">
               <a:spcBef>
                 <a:spcPts val="0"/>
               </a:spcBef>
@@ -14177,7 +14303,7 @@
             </a:endParaRPr>
           </a:p>
           <a:p>
-            <a:pPr indent="0" lvl="0" marL="0" rtl="0" algn="l">
+            <a:pPr marL="0" lvl="0" indent="0" algn="l" rtl="0">
               <a:spcBef>
                 <a:spcPts val="0"/>
               </a:spcBef>
@@ -14230,12 +14356,12 @@
           </a:ln>
         </p:spPr>
         <p:txBody>
-          <a:bodyPr anchorCtr="0" anchor="t" bIns="91425" lIns="91425" spcFirstLastPara="1" rIns="91425" wrap="square" tIns="91425">
+          <a:bodyPr spcFirstLastPara="1" wrap="square" lIns="91425" tIns="91425" rIns="91425" bIns="91425" anchor="t" anchorCtr="0">
             <a:noAutofit/>
           </a:bodyPr>
           <a:lstStyle/>
           <a:p>
-            <a:pPr indent="0" lvl="0" marL="0" rtl="0" algn="l">
+            <a:pPr marL="0" lvl="0" indent="0" algn="l" rtl="0">
               <a:spcBef>
                 <a:spcPts val="0"/>
               </a:spcBef>
@@ -14267,7 +14393,7 @@
             </a:endParaRPr>
           </a:p>
           <a:p>
-            <a:pPr indent="0" lvl="0" marL="0" rtl="0" algn="l">
+            <a:pPr marL="0" lvl="0" indent="0" algn="l" rtl="0">
               <a:spcBef>
                 <a:spcPts val="0"/>
               </a:spcBef>
@@ -14320,12 +14446,12 @@
           </a:ln>
         </p:spPr>
         <p:txBody>
-          <a:bodyPr anchorCtr="0" anchor="t" bIns="91425" lIns="91425" spcFirstLastPara="1" rIns="91425" wrap="square" tIns="91425">
+          <a:bodyPr spcFirstLastPara="1" wrap="square" lIns="91425" tIns="91425" rIns="91425" bIns="91425" anchor="t" anchorCtr="0">
             <a:noAutofit/>
           </a:bodyPr>
           <a:lstStyle/>
           <a:p>
-            <a:pPr indent="0" lvl="0" marL="0" rtl="0" algn="l">
+            <a:pPr marL="0" lvl="0" indent="0" algn="l" rtl="0">
               <a:spcBef>
                 <a:spcPts val="0"/>
               </a:spcBef>
@@ -14363,7 +14489,7 @@
             </a:endParaRPr>
           </a:p>
           <a:p>
-            <a:pPr indent="0" lvl="0" marL="0" rtl="0" algn="l">
+            <a:pPr marL="0" lvl="0" indent="0" algn="l" rtl="0">
               <a:spcBef>
                 <a:spcPts val="0"/>
               </a:spcBef>
@@ -14411,11 +14537,11 @@
 </file>
 
 <file path=ppt/slides/slide8.xml><?xml version="1.0" encoding="utf-8"?>
-<p:sld xmlns:a="http://schemas.openxmlformats.org/drawingml/2006/main" xmlns:r="http://schemas.openxmlformats.org/officeDocument/2006/relationships" xmlns:mc="http://schemas.openxmlformats.org/markup-compatibility/2006" xmlns:mv="urn:schemas-microsoft-com:mac:vml" xmlns:p="http://schemas.openxmlformats.org/presentationml/2006/main" xmlns:c="http://schemas.openxmlformats.org/drawingml/2006/chart" xmlns:dgm="http://schemas.openxmlformats.org/drawingml/2006/diagram" xmlns:o="urn:schemas-microsoft-com:office:office" xmlns:v="urn:schemas-microsoft-com:vml" xmlns:pvml="urn:schemas-microsoft-com:office:powerpoint" xmlns:com="http://schemas.openxmlformats.org/drawingml/2006/compatibility" xmlns:p14="http://schemas.microsoft.com/office/powerpoint/2010/main" xmlns:p15="http://schemas.microsoft.com/office/powerpoint/2012/main">
+<p:sld xmlns:a="http://schemas.openxmlformats.org/drawingml/2006/main" xmlns:r="http://schemas.openxmlformats.org/officeDocument/2006/relationships" xmlns:p="http://schemas.openxmlformats.org/presentationml/2006/main">
   <p:cSld>
     <p:spTree>
       <p:nvGrpSpPr>
-        <p:cNvPr id="149" name="Shape 149"/>
+        <p:cNvPr id="1" name="Shape 149"/>
         <p:cNvGrpSpPr/>
         <p:nvPr/>
       </p:nvGrpSpPr>
@@ -14430,7 +14556,9 @@
       <p:sp>
         <p:nvSpPr>
           <p:cNvPr id="150" name="Google Shape;150;p20"/>
-          <p:cNvSpPr txBox="1"/>
+          <p:cNvSpPr txBox="1">
+            <a:spLocks noGrp="1"/>
+          </p:cNvSpPr>
           <p:nvPr>
             <p:ph type="title"/>
           </p:nvPr>
@@ -14445,12 +14573,12 @@
           </a:prstGeom>
         </p:spPr>
         <p:txBody>
-          <a:bodyPr anchorCtr="0" anchor="t" bIns="91425" lIns="91425" spcFirstLastPara="1" rIns="91425" wrap="square" tIns="91425">
+          <a:bodyPr spcFirstLastPara="1" wrap="square" lIns="91425" tIns="91425" rIns="91425" bIns="91425" anchor="t" anchorCtr="0">
             <a:noAutofit/>
           </a:bodyPr>
           <a:lstStyle/>
           <a:p>
-            <a:pPr indent="0" lvl="0" marL="0" rtl="0" algn="ctr">
+            <a:pPr marL="0" lvl="0" indent="0" algn="ctr" rtl="0">
               <a:spcBef>
                 <a:spcPts val="0"/>
               </a:spcBef>
@@ -14473,7 +14601,7 @@
             <a:endParaRPr sz="1500"/>
           </a:p>
           <a:p>
-            <a:pPr indent="0" lvl="0" marL="0" rtl="0" algn="l">
+            <a:pPr marL="0" lvl="0" indent="0" algn="l" rtl="0">
               <a:lnSpc>
                 <a:spcPct val="115000"/>
               </a:lnSpc>
@@ -14508,7 +14636,7 @@
             </a:endParaRPr>
           </a:p>
           <a:p>
-            <a:pPr indent="0" lvl="0" marL="0" rtl="0" algn="l">
+            <a:pPr marL="0" lvl="0" indent="0" algn="l" rtl="0">
               <a:spcBef>
                 <a:spcPts val="0"/>
               </a:spcBef>
@@ -14540,7 +14668,7 @@
             </a:endParaRPr>
           </a:p>
           <a:p>
-            <a:pPr indent="0" lvl="0" marL="0" rtl="0" algn="l">
+            <a:pPr marL="0" lvl="0" indent="0" algn="l" rtl="0">
               <a:spcBef>
                 <a:spcPts val="0"/>
               </a:spcBef>
@@ -14572,7 +14700,7 @@
             </a:endParaRPr>
           </a:p>
           <a:p>
-            <a:pPr indent="0" lvl="0" marL="0" rtl="0" algn="l">
+            <a:pPr marL="0" lvl="0" indent="0" algn="l" rtl="0">
               <a:spcBef>
                 <a:spcPts val="0"/>
               </a:spcBef>
@@ -14604,7 +14732,7 @@
             </a:endParaRPr>
           </a:p>
           <a:p>
-            <a:pPr indent="0" lvl="0" marL="0" rtl="0" algn="l">
+            <a:pPr marL="0" lvl="0" indent="0" algn="l" rtl="0">
               <a:spcBef>
                 <a:spcPts val="0"/>
               </a:spcBef>
@@ -14632,9 +14760,11 @@
       <p:sp>
         <p:nvSpPr>
           <p:cNvPr id="151" name="Google Shape;151;p20"/>
-          <p:cNvSpPr txBox="1"/>
+          <p:cNvSpPr txBox="1">
+            <a:spLocks noGrp="1"/>
+          </p:cNvSpPr>
           <p:nvPr>
-            <p:ph idx="1" type="body"/>
+            <p:ph type="body" idx="1"/>
           </p:nvPr>
         </p:nvSpPr>
         <p:spPr>
@@ -14647,12 +14777,12 @@
           </a:prstGeom>
         </p:spPr>
         <p:txBody>
-          <a:bodyPr anchorCtr="0" anchor="t" bIns="91425" lIns="91425" spcFirstLastPara="1" rIns="91425" wrap="square" tIns="91425">
+          <a:bodyPr spcFirstLastPara="1" wrap="square" lIns="91425" tIns="91425" rIns="91425" bIns="91425" anchor="t" anchorCtr="0">
             <a:noAutofit/>
           </a:bodyPr>
           <a:lstStyle/>
           <a:p>
-            <a:pPr indent="-342900" lvl="0" marL="457200" rtl="0" algn="l">
+            <a:pPr marL="457200" lvl="0" indent="-342900" algn="l" rtl="0">
               <a:spcBef>
                 <a:spcPts val="0"/>
               </a:spcBef>
@@ -14669,7 +14799,7 @@
             <a:endParaRPr/>
           </a:p>
           <a:p>
-            <a:pPr indent="0" lvl="0" marL="0" rtl="0" algn="l">
+            <a:pPr marL="0" lvl="0" indent="0" algn="l" rtl="0">
               <a:spcBef>
                 <a:spcPts val="1600"/>
               </a:spcBef>
@@ -14678,13 +14808,10 @@
               </a:spcAft>
               <a:buNone/>
             </a:pPr>
-            <a:r>
-              <a:t/>
-            </a:r>
             <a:endParaRPr/>
           </a:p>
           <a:p>
-            <a:pPr indent="0" lvl="0" marL="0" rtl="0" algn="l">
+            <a:pPr marL="0" lvl="0" indent="0" algn="l" rtl="0">
               <a:spcBef>
                 <a:spcPts val="1600"/>
               </a:spcBef>
@@ -14693,13 +14820,10 @@
               </a:spcAft>
               <a:buNone/>
             </a:pPr>
-            <a:r>
-              <a:t/>
-            </a:r>
             <a:endParaRPr/>
           </a:p>
           <a:p>
-            <a:pPr indent="0" lvl="0" marL="457200" rtl="0" algn="l">
+            <a:pPr marL="457200" lvl="0" indent="0" algn="l" rtl="0">
               <a:spcBef>
                 <a:spcPts val="1600"/>
               </a:spcBef>
@@ -14708,9 +14832,6 @@
               </a:spcAft>
               <a:buNone/>
             </a:pPr>
-            <a:r>
-              <a:t/>
-            </a:r>
             <a:endParaRPr/>
           </a:p>
         </p:txBody>
@@ -14903,12 +15024,12 @@
           </a:ln>
         </p:spPr>
         <p:txBody>
-          <a:bodyPr anchorCtr="0" anchor="t" bIns="91425" lIns="91425" spcFirstLastPara="1" rIns="91425" wrap="square" tIns="91425">
+          <a:bodyPr spcFirstLastPara="1" wrap="square" lIns="91425" tIns="91425" rIns="91425" bIns="91425" anchor="t" anchorCtr="0">
             <a:noAutofit/>
           </a:bodyPr>
           <a:lstStyle/>
           <a:p>
-            <a:pPr indent="0" lvl="0" marL="0" rtl="0" algn="l">
+            <a:pPr marL="0" lvl="0" indent="0" algn="l" rtl="0">
               <a:spcBef>
                 <a:spcPts val="0"/>
               </a:spcBef>
@@ -14940,7 +15061,7 @@
             </a:endParaRPr>
           </a:p>
           <a:p>
-            <a:pPr indent="0" lvl="0" marL="0" rtl="0" algn="l">
+            <a:pPr marL="0" lvl="0" indent="0" algn="l" rtl="0">
               <a:spcBef>
                 <a:spcPts val="0"/>
               </a:spcBef>
@@ -14993,12 +15114,12 @@
           </a:ln>
         </p:spPr>
         <p:txBody>
-          <a:bodyPr anchorCtr="0" anchor="t" bIns="91425" lIns="91425" spcFirstLastPara="1" rIns="91425" wrap="square" tIns="91425">
+          <a:bodyPr spcFirstLastPara="1" wrap="square" lIns="91425" tIns="91425" rIns="91425" bIns="91425" anchor="t" anchorCtr="0">
             <a:noAutofit/>
           </a:bodyPr>
           <a:lstStyle/>
           <a:p>
-            <a:pPr indent="0" lvl="0" marL="0" rtl="0" algn="l">
+            <a:pPr marL="0" lvl="0" indent="0" algn="l" rtl="0">
               <a:spcBef>
                 <a:spcPts val="0"/>
               </a:spcBef>
@@ -15051,12 +15172,12 @@
           </a:ln>
         </p:spPr>
         <p:txBody>
-          <a:bodyPr anchorCtr="0" anchor="t" bIns="91425" lIns="91425" spcFirstLastPara="1" rIns="91425" wrap="square" tIns="91425">
+          <a:bodyPr spcFirstLastPara="1" wrap="square" lIns="91425" tIns="91425" rIns="91425" bIns="91425" anchor="t" anchorCtr="0">
             <a:noAutofit/>
           </a:bodyPr>
           <a:lstStyle/>
           <a:p>
-            <a:pPr indent="0" lvl="0" marL="0" rtl="0" algn="l">
+            <a:pPr marL="0" lvl="0" indent="0" algn="l" rtl="0">
               <a:spcBef>
                 <a:spcPts val="0"/>
               </a:spcBef>
@@ -15088,7 +15209,7 @@
             </a:endParaRPr>
           </a:p>
           <a:p>
-            <a:pPr indent="0" lvl="0" marL="0" rtl="0" algn="l">
+            <a:pPr marL="0" lvl="0" indent="0" algn="l" rtl="0">
               <a:spcBef>
                 <a:spcPts val="0"/>
               </a:spcBef>
@@ -15141,12 +15262,12 @@
           </a:ln>
         </p:spPr>
         <p:txBody>
-          <a:bodyPr anchorCtr="0" anchor="t" bIns="91425" lIns="91425" spcFirstLastPara="1" rIns="91425" wrap="square" tIns="91425">
+          <a:bodyPr spcFirstLastPara="1" wrap="square" lIns="91425" tIns="91425" rIns="91425" bIns="91425" anchor="t" anchorCtr="0">
             <a:noAutofit/>
           </a:bodyPr>
           <a:lstStyle/>
           <a:p>
-            <a:pPr indent="0" lvl="0" marL="0" rtl="0" algn="l">
+            <a:pPr marL="0" lvl="0" indent="0" algn="l" rtl="0">
               <a:spcBef>
                 <a:spcPts val="0"/>
               </a:spcBef>
@@ -15178,7 +15299,7 @@
             </a:endParaRPr>
           </a:p>
           <a:p>
-            <a:pPr indent="0" lvl="0" marL="0" rtl="0" algn="l">
+            <a:pPr marL="0" lvl="0" indent="0" algn="l" rtl="0">
               <a:spcBef>
                 <a:spcPts val="0"/>
               </a:spcBef>
@@ -15231,12 +15352,12 @@
           </a:ln>
         </p:spPr>
         <p:txBody>
-          <a:bodyPr anchorCtr="0" anchor="t" bIns="91425" lIns="91425" spcFirstLastPara="1" rIns="91425" wrap="square" tIns="91425">
+          <a:bodyPr spcFirstLastPara="1" wrap="square" lIns="91425" tIns="91425" rIns="91425" bIns="91425" anchor="t" anchorCtr="0">
             <a:noAutofit/>
           </a:bodyPr>
           <a:lstStyle/>
           <a:p>
-            <a:pPr indent="0" lvl="0" marL="0" rtl="0" algn="l">
+            <a:pPr marL="0" lvl="0" indent="0" algn="l" rtl="0">
               <a:spcBef>
                 <a:spcPts val="0"/>
               </a:spcBef>
@@ -15289,12 +15410,12 @@
           </a:ln>
         </p:spPr>
         <p:txBody>
-          <a:bodyPr anchorCtr="0" anchor="t" bIns="91425" lIns="91425" spcFirstLastPara="1" rIns="91425" wrap="square" tIns="91425">
+          <a:bodyPr spcFirstLastPara="1" wrap="square" lIns="91425" tIns="91425" rIns="91425" bIns="91425" anchor="t" anchorCtr="0">
             <a:noAutofit/>
           </a:bodyPr>
           <a:lstStyle/>
           <a:p>
-            <a:pPr indent="0" lvl="0" marL="0" rtl="0" algn="l">
+            <a:pPr marL="0" lvl="0" indent="0" algn="l" rtl="0">
               <a:spcBef>
                 <a:spcPts val="0"/>
               </a:spcBef>
@@ -15342,11 +15463,11 @@
 </file>
 
 <file path=ppt/slides/slide9.xml><?xml version="1.0" encoding="utf-8"?>
-<p:sld xmlns:a="http://schemas.openxmlformats.org/drawingml/2006/main" xmlns:r="http://schemas.openxmlformats.org/officeDocument/2006/relationships" xmlns:mc="http://schemas.openxmlformats.org/markup-compatibility/2006" xmlns:mv="urn:schemas-microsoft-com:mac:vml" xmlns:p="http://schemas.openxmlformats.org/presentationml/2006/main" xmlns:c="http://schemas.openxmlformats.org/drawingml/2006/chart" xmlns:dgm="http://schemas.openxmlformats.org/drawingml/2006/diagram" xmlns:o="urn:schemas-microsoft-com:office:office" xmlns:v="urn:schemas-microsoft-com:vml" xmlns:pvml="urn:schemas-microsoft-com:office:powerpoint" xmlns:com="http://schemas.openxmlformats.org/drawingml/2006/compatibility" xmlns:p14="http://schemas.microsoft.com/office/powerpoint/2010/main" xmlns:p15="http://schemas.microsoft.com/office/powerpoint/2012/main">
+<p:sld xmlns:a="http://schemas.openxmlformats.org/drawingml/2006/main" xmlns:r="http://schemas.openxmlformats.org/officeDocument/2006/relationships" xmlns:p="http://schemas.openxmlformats.org/presentationml/2006/main">
   <p:cSld>
     <p:spTree>
       <p:nvGrpSpPr>
-        <p:cNvPr id="167" name="Shape 167"/>
+        <p:cNvPr id="1" name="Shape 167"/>
         <p:cNvGrpSpPr/>
         <p:nvPr/>
       </p:nvGrpSpPr>
@@ -15361,7 +15482,9 @@
       <p:sp>
         <p:nvSpPr>
           <p:cNvPr id="168" name="Google Shape;168;p21"/>
-          <p:cNvSpPr txBox="1"/>
+          <p:cNvSpPr txBox="1">
+            <a:spLocks noGrp="1"/>
+          </p:cNvSpPr>
           <p:nvPr>
             <p:ph type="title"/>
           </p:nvPr>
@@ -15376,12 +15499,12 @@
           </a:prstGeom>
         </p:spPr>
         <p:txBody>
-          <a:bodyPr anchorCtr="0" anchor="t" bIns="91425" lIns="91425" spcFirstLastPara="1" rIns="91425" wrap="square" tIns="91425">
+          <a:bodyPr spcFirstLastPara="1" wrap="square" lIns="91425" tIns="91425" rIns="91425" bIns="91425" anchor="t" anchorCtr="0">
             <a:noAutofit/>
           </a:bodyPr>
           <a:lstStyle/>
           <a:p>
-            <a:pPr indent="0" lvl="0" marL="0" rtl="0" algn="ctr">
+            <a:pPr marL="0" lvl="0" indent="0" algn="ctr" rtl="0">
               <a:spcBef>
                 <a:spcPts val="0"/>
               </a:spcBef>
@@ -15401,9 +15524,11 @@
       <p:sp>
         <p:nvSpPr>
           <p:cNvPr id="169" name="Google Shape;169;p21"/>
-          <p:cNvSpPr txBox="1"/>
+          <p:cNvSpPr txBox="1">
+            <a:spLocks noGrp="1"/>
+          </p:cNvSpPr>
           <p:nvPr>
-            <p:ph idx="1" type="body"/>
+            <p:ph type="body" idx="1"/>
           </p:nvPr>
         </p:nvSpPr>
         <p:spPr>
@@ -15416,12 +15541,12 @@
           </a:prstGeom>
         </p:spPr>
         <p:txBody>
-          <a:bodyPr anchorCtr="0" anchor="t" bIns="91425" lIns="91425" spcFirstLastPara="1" rIns="91425" wrap="square" tIns="91425">
+          <a:bodyPr spcFirstLastPara="1" wrap="square" lIns="91425" tIns="91425" rIns="91425" bIns="91425" anchor="t" anchorCtr="0">
             <a:noAutofit/>
           </a:bodyPr>
           <a:lstStyle/>
           <a:p>
-            <a:pPr indent="-317500" lvl="0" marL="457200" rtl="0" algn="l">
+            <a:pPr marL="457200" lvl="0" indent="-317500" algn="l" rtl="0">
               <a:spcBef>
                 <a:spcPts val="0"/>
               </a:spcBef>
@@ -15438,7 +15563,7 @@
             <a:endParaRPr sz="1400"/>
           </a:p>
           <a:p>
-            <a:pPr indent="-317500" lvl="0" marL="457200" rtl="0" algn="l">
+            <a:pPr marL="457200" lvl="0" indent="-317500" algn="l" rtl="0">
               <a:spcBef>
                 <a:spcPts val="0"/>
               </a:spcBef>
@@ -15455,7 +15580,7 @@
             <a:endParaRPr sz="1400"/>
           </a:p>
           <a:p>
-            <a:pPr indent="-317500" lvl="0" marL="457200" rtl="0" algn="l">
+            <a:pPr marL="457200" lvl="0" indent="-317500" algn="l" rtl="0">
               <a:spcBef>
                 <a:spcPts val="0"/>
               </a:spcBef>
@@ -15472,7 +15597,7 @@
             <a:endParaRPr sz="1400"/>
           </a:p>
           <a:p>
-            <a:pPr indent="-317500" lvl="0" marL="457200" rtl="0" algn="l">
+            <a:pPr marL="457200" lvl="0" indent="-317500" algn="l" rtl="0">
               <a:spcBef>
                 <a:spcPts val="0"/>
               </a:spcBef>
@@ -15489,7 +15614,7 @@
             <a:endParaRPr sz="1400"/>
           </a:p>
           <a:p>
-            <a:pPr indent="-317500" lvl="0" marL="457200" rtl="0" algn="l">
+            <a:pPr marL="457200" lvl="0" indent="-317500" algn="l" rtl="0">
               <a:spcBef>
                 <a:spcPts val="0"/>
               </a:spcBef>
@@ -15506,7 +15631,7 @@
             <a:endParaRPr sz="1400"/>
           </a:p>
           <a:p>
-            <a:pPr indent="-317500" lvl="0" marL="457200" rtl="0" algn="l">
+            <a:pPr marL="457200" lvl="0" indent="-317500" algn="l" rtl="0">
               <a:spcBef>
                 <a:spcPts val="0"/>
               </a:spcBef>
@@ -15518,15 +15643,7 @@
             </a:pPr>
             <a:r>
               <a:rPr lang="en" sz="1400"/>
-              <a:t>The crimes were plotted using ggplot2, and the points are made </a:t>
-            </a:r>
-            <a:r>
-              <a:rPr lang="en" sz="1400"/>
-              <a:t>transparent</a:t>
-            </a:r>
-            <a:r>
-              <a:rPr lang="en" sz="1400"/>
-              <a:t> to see the concentration of crimes</a:t>
+              <a:t>The crimes were plotted using ggplot2, and the points are made transparent to see the concentration of crimes</a:t>
             </a:r>
             <a:endParaRPr sz="1400"/>
           </a:p>
@@ -15541,7 +15658,288 @@
 </file>
 
 <file path=ppt/theme/theme1.xml><?xml version="1.0" encoding="utf-8"?>
-<a:theme xmlns:a="http://schemas.openxmlformats.org/drawingml/2006/main" xmlns:r="http://schemas.openxmlformats.org/officeDocument/2006/relationships">
+<a:theme xmlns:a="http://schemas.openxmlformats.org/drawingml/2006/main" name="Geometric">
+  <a:themeElements>
+    <a:clrScheme name="Geometric">
+      <a:dk1>
+        <a:srgbClr val="2A3990"/>
+      </a:dk1>
+      <a:lt1>
+        <a:srgbClr val="FFFFFF"/>
+      </a:lt1>
+      <a:dk2>
+        <a:srgbClr val="434343"/>
+      </a:dk2>
+      <a:lt2>
+        <a:srgbClr val="999999"/>
+      </a:lt2>
+      <a:accent1>
+        <a:srgbClr val="212D74"/>
+      </a:accent1>
+      <a:accent2>
+        <a:srgbClr val="3949AB"/>
+      </a:accent2>
+      <a:accent3>
+        <a:srgbClr val="9C254D"/>
+      </a:accent3>
+      <a:accent4>
+        <a:srgbClr val="D23369"/>
+      </a:accent4>
+      <a:accent5>
+        <a:srgbClr val="F06292"/>
+      </a:accent5>
+      <a:accent6>
+        <a:srgbClr val="7890CD"/>
+      </a:accent6>
+      <a:hlink>
+        <a:srgbClr val="F06292"/>
+      </a:hlink>
+      <a:folHlink>
+        <a:srgbClr val="F06292"/>
+      </a:folHlink>
+    </a:clrScheme>
+    <a:fontScheme name="Office">
+      <a:majorFont>
+        <a:latin typeface="Arial"/>
+        <a:ea typeface=""/>
+        <a:cs typeface=""/>
+        <a:font script="Jpan" typeface="ＭＳ Ｐゴシック"/>
+        <a:font script="Hang" typeface="맑은 고딕"/>
+        <a:font script="Hans" typeface="宋体"/>
+        <a:font script="Hant" typeface="新細明體"/>
+        <a:font script="Arab" typeface="Times New Roman"/>
+        <a:font script="Hebr" typeface="Times New Roman"/>
+        <a:font script="Thai" typeface="Angsana New"/>
+        <a:font script="Ethi" typeface="Nyala"/>
+        <a:font script="Beng" typeface="Vrinda"/>
+        <a:font script="Gujr" typeface="Shruti"/>
+        <a:font script="Khmr" typeface="MoolBoran"/>
+        <a:font script="Knda" typeface="Tunga"/>
+        <a:font script="Guru" typeface="Raavi"/>
+        <a:font script="Cans" typeface="Euphemia"/>
+        <a:font script="Cher" typeface="Plantagenet Cherokee"/>
+        <a:font script="Yiii" typeface="Microsoft Yi Baiti"/>
+        <a:font script="Tibt" typeface="Microsoft Himalaya"/>
+        <a:font script="Thaa" typeface="MV Boli"/>
+        <a:font script="Deva" typeface="Mangal"/>
+        <a:font script="Telu" typeface="Gautami"/>
+        <a:font script="Taml" typeface="Latha"/>
+        <a:font script="Syrc" typeface="Estrangelo Edessa"/>
+        <a:font script="Orya" typeface="Kalinga"/>
+        <a:font script="Mlym" typeface="Kartika"/>
+        <a:font script="Laoo" typeface="DokChampa"/>
+        <a:font script="Sinh" typeface="Iskoola Pota"/>
+        <a:font script="Mong" typeface="Mongolian Baiti"/>
+        <a:font script="Viet" typeface="Times New Roman"/>
+        <a:font script="Uigh" typeface="Microsoft Uighur"/>
+        <a:font script="Geor" typeface="Sylfaen"/>
+      </a:majorFont>
+      <a:minorFont>
+        <a:latin typeface="Arial"/>
+        <a:ea typeface=""/>
+        <a:cs typeface=""/>
+        <a:font script="Jpan" typeface="ＭＳ Ｐゴシック"/>
+        <a:font script="Hang" typeface="맑은 고딕"/>
+        <a:font script="Hans" typeface="宋体"/>
+        <a:font script="Hant" typeface="新細明體"/>
+        <a:font script="Arab" typeface="Arial"/>
+        <a:font script="Hebr" typeface="Arial"/>
+        <a:font script="Thai" typeface="Cordia New"/>
+        <a:font script="Ethi" typeface="Nyala"/>
+        <a:font script="Beng" typeface="Vrinda"/>
+        <a:font script="Gujr" typeface="Shruti"/>
+        <a:font script="Khmr" typeface="DaunPenh"/>
+        <a:font script="Knda" typeface="Tunga"/>
+        <a:font script="Guru" typeface="Raavi"/>
+        <a:font script="Cans" typeface="Euphemia"/>
+        <a:font script="Cher" typeface="Plantagenet Cherokee"/>
+        <a:font script="Yiii" typeface="Microsoft Yi Baiti"/>
+        <a:font script="Tibt" typeface="Microsoft Himalaya"/>
+        <a:font script="Thaa" typeface="MV Boli"/>
+        <a:font script="Deva" typeface="Mangal"/>
+        <a:font script="Telu" typeface="Gautami"/>
+        <a:font script="Taml" typeface="Latha"/>
+        <a:font script="Syrc" typeface="Estrangelo Edessa"/>
+        <a:font script="Orya" typeface="Kalinga"/>
+        <a:font script="Mlym" typeface="Kartika"/>
+        <a:font script="Laoo" typeface="DokChampa"/>
+        <a:font script="Sinh" typeface="Iskoola Pota"/>
+        <a:font script="Mong" typeface="Mongolian Baiti"/>
+        <a:font script="Viet" typeface="Arial"/>
+        <a:font script="Uigh" typeface="Microsoft Uighur"/>
+        <a:font script="Geor" typeface="Sylfaen"/>
+      </a:minorFont>
+    </a:fontScheme>
+    <a:fmtScheme name="Office">
+      <a:fillStyleLst>
+        <a:solidFill>
+          <a:schemeClr val="phClr"/>
+        </a:solidFill>
+        <a:gradFill rotWithShape="1">
+          <a:gsLst>
+            <a:gs pos="0">
+              <a:schemeClr val="phClr">
+                <a:tint val="50000"/>
+                <a:satMod val="300000"/>
+              </a:schemeClr>
+            </a:gs>
+            <a:gs pos="35000">
+              <a:schemeClr val="phClr">
+                <a:tint val="37000"/>
+                <a:satMod val="300000"/>
+              </a:schemeClr>
+            </a:gs>
+            <a:gs pos="100000">
+              <a:schemeClr val="phClr">
+                <a:tint val="15000"/>
+                <a:satMod val="350000"/>
+              </a:schemeClr>
+            </a:gs>
+          </a:gsLst>
+          <a:lin ang="16200000" scaled="1"/>
+        </a:gradFill>
+        <a:gradFill rotWithShape="1">
+          <a:gsLst>
+            <a:gs pos="0">
+              <a:schemeClr val="phClr">
+                <a:tint val="100000"/>
+                <a:shade val="100000"/>
+                <a:satMod val="130000"/>
+              </a:schemeClr>
+            </a:gs>
+            <a:gs pos="100000">
+              <a:schemeClr val="phClr">
+                <a:tint val="50000"/>
+                <a:shade val="100000"/>
+                <a:satMod val="350000"/>
+              </a:schemeClr>
+            </a:gs>
+          </a:gsLst>
+          <a:lin ang="16200000" scaled="0"/>
+        </a:gradFill>
+      </a:fillStyleLst>
+      <a:lnStyleLst>
+        <a:ln w="9525" cap="flat" cmpd="sng" algn="ctr">
+          <a:solidFill>
+            <a:schemeClr val="phClr">
+              <a:shade val="95000"/>
+              <a:satMod val="105000"/>
+            </a:schemeClr>
+          </a:solidFill>
+          <a:prstDash val="solid"/>
+        </a:ln>
+        <a:ln w="25400" cap="flat" cmpd="sng" algn="ctr">
+          <a:solidFill>
+            <a:schemeClr val="phClr"/>
+          </a:solidFill>
+          <a:prstDash val="solid"/>
+        </a:ln>
+        <a:ln w="38100" cap="flat" cmpd="sng" algn="ctr">
+          <a:solidFill>
+            <a:schemeClr val="phClr"/>
+          </a:solidFill>
+          <a:prstDash val="solid"/>
+        </a:ln>
+      </a:lnStyleLst>
+      <a:effectStyleLst>
+        <a:effectStyle>
+          <a:effectLst>
+            <a:outerShdw blurRad="40000" dist="20000" dir="5400000" rotWithShape="0">
+              <a:srgbClr val="000000">
+                <a:alpha val="38000"/>
+              </a:srgbClr>
+            </a:outerShdw>
+          </a:effectLst>
+        </a:effectStyle>
+        <a:effectStyle>
+          <a:effectLst>
+            <a:outerShdw blurRad="40000" dist="23000" dir="5400000" rotWithShape="0">
+              <a:srgbClr val="000000">
+                <a:alpha val="35000"/>
+              </a:srgbClr>
+            </a:outerShdw>
+          </a:effectLst>
+        </a:effectStyle>
+        <a:effectStyle>
+          <a:effectLst>
+            <a:outerShdw blurRad="40000" dist="23000" dir="5400000" rotWithShape="0">
+              <a:srgbClr val="000000">
+                <a:alpha val="35000"/>
+              </a:srgbClr>
+            </a:outerShdw>
+          </a:effectLst>
+          <a:scene3d>
+            <a:camera prst="orthographicFront">
+              <a:rot lat="0" lon="0" rev="0"/>
+            </a:camera>
+            <a:lightRig rig="threePt" dir="t">
+              <a:rot lat="0" lon="0" rev="1200000"/>
+            </a:lightRig>
+          </a:scene3d>
+          <a:sp3d>
+            <a:bevelT w="63500" h="25400"/>
+          </a:sp3d>
+        </a:effectStyle>
+      </a:effectStyleLst>
+      <a:bgFillStyleLst>
+        <a:solidFill>
+          <a:schemeClr val="phClr"/>
+        </a:solidFill>
+        <a:gradFill rotWithShape="1">
+          <a:gsLst>
+            <a:gs pos="0">
+              <a:schemeClr val="phClr">
+                <a:tint val="40000"/>
+                <a:satMod val="350000"/>
+              </a:schemeClr>
+            </a:gs>
+            <a:gs pos="40000">
+              <a:schemeClr val="phClr">
+                <a:tint val="45000"/>
+                <a:shade val="99000"/>
+                <a:satMod val="350000"/>
+              </a:schemeClr>
+            </a:gs>
+            <a:gs pos="100000">
+              <a:schemeClr val="phClr">
+                <a:shade val="20000"/>
+                <a:satMod val="255000"/>
+              </a:schemeClr>
+            </a:gs>
+          </a:gsLst>
+          <a:path path="circle">
+            <a:fillToRect l="50000" t="-80000" r="50000" b="180000"/>
+          </a:path>
+        </a:gradFill>
+        <a:gradFill rotWithShape="1">
+          <a:gsLst>
+            <a:gs pos="0">
+              <a:schemeClr val="phClr">
+                <a:tint val="80000"/>
+                <a:satMod val="300000"/>
+              </a:schemeClr>
+            </a:gs>
+            <a:gs pos="100000">
+              <a:schemeClr val="phClr">
+                <a:shade val="30000"/>
+                <a:satMod val="200000"/>
+              </a:schemeClr>
+            </a:gs>
+          </a:gsLst>
+          <a:path path="circle">
+            <a:fillToRect l="50000" t="50000" r="50000" b="50000"/>
+          </a:path>
+        </a:gradFill>
+      </a:bgFillStyleLst>
+    </a:fmtScheme>
+  </a:themeElements>
+  <a:objectDefaults/>
+  <a:extraClrSchemeLst/>
+</a:theme>
+</file>
+
+<file path=ppt/theme/theme2.xml><?xml version="1.0" encoding="utf-8"?>
+<a:theme xmlns:a="http://schemas.openxmlformats.org/drawingml/2006/main">
   <a:themeElements>
     <a:clrScheme name="Default">
       <a:dk1>
@@ -15816,284 +16214,7 @@
       </a:bgFillStyleLst>
     </a:fmtScheme>
   </a:themeElements>
-</a:theme>
-</file>
-
-<file path=ppt/theme/theme2.xml><?xml version="1.0" encoding="utf-8"?>
-<a:theme xmlns:a="http://schemas.openxmlformats.org/drawingml/2006/main" xmlns:r="http://schemas.openxmlformats.org/officeDocument/2006/relationships" name="Geometric">
-  <a:themeElements>
-    <a:clrScheme name="Geometric">
-      <a:dk1>
-        <a:srgbClr val="2A3990"/>
-      </a:dk1>
-      <a:lt1>
-        <a:srgbClr val="FFFFFF"/>
-      </a:lt1>
-      <a:dk2>
-        <a:srgbClr val="434343"/>
-      </a:dk2>
-      <a:lt2>
-        <a:srgbClr val="999999"/>
-      </a:lt2>
-      <a:accent1>
-        <a:srgbClr val="212D74"/>
-      </a:accent1>
-      <a:accent2>
-        <a:srgbClr val="3949AB"/>
-      </a:accent2>
-      <a:accent3>
-        <a:srgbClr val="9C254D"/>
-      </a:accent3>
-      <a:accent4>
-        <a:srgbClr val="D23369"/>
-      </a:accent4>
-      <a:accent5>
-        <a:srgbClr val="F06292"/>
-      </a:accent5>
-      <a:accent6>
-        <a:srgbClr val="7890CD"/>
-      </a:accent6>
-      <a:hlink>
-        <a:srgbClr val="F06292"/>
-      </a:hlink>
-      <a:folHlink>
-        <a:srgbClr val="F06292"/>
-      </a:folHlink>
-    </a:clrScheme>
-    <a:fontScheme name="Office">
-      <a:majorFont>
-        <a:latin typeface="Arial"/>
-        <a:ea typeface=""/>
-        <a:cs typeface=""/>
-        <a:font script="Jpan" typeface="ＭＳ Ｐゴシック"/>
-        <a:font script="Hang" typeface="맑은 고딕"/>
-        <a:font script="Hans" typeface="宋体"/>
-        <a:font script="Hant" typeface="新細明體"/>
-        <a:font script="Arab" typeface="Times New Roman"/>
-        <a:font script="Hebr" typeface="Times New Roman"/>
-        <a:font script="Thai" typeface="Angsana New"/>
-        <a:font script="Ethi" typeface="Nyala"/>
-        <a:font script="Beng" typeface="Vrinda"/>
-        <a:font script="Gujr" typeface="Shruti"/>
-        <a:font script="Khmr" typeface="MoolBoran"/>
-        <a:font script="Knda" typeface="Tunga"/>
-        <a:font script="Guru" typeface="Raavi"/>
-        <a:font script="Cans" typeface="Euphemia"/>
-        <a:font script="Cher" typeface="Plantagenet Cherokee"/>
-        <a:font script="Yiii" typeface="Microsoft Yi Baiti"/>
-        <a:font script="Tibt" typeface="Microsoft Himalaya"/>
-        <a:font script="Thaa" typeface="MV Boli"/>
-        <a:font script="Deva" typeface="Mangal"/>
-        <a:font script="Telu" typeface="Gautami"/>
-        <a:font script="Taml" typeface="Latha"/>
-        <a:font script="Syrc" typeface="Estrangelo Edessa"/>
-        <a:font script="Orya" typeface="Kalinga"/>
-        <a:font script="Mlym" typeface="Kartika"/>
-        <a:font script="Laoo" typeface="DokChampa"/>
-        <a:font script="Sinh" typeface="Iskoola Pota"/>
-        <a:font script="Mong" typeface="Mongolian Baiti"/>
-        <a:font script="Viet" typeface="Times New Roman"/>
-        <a:font script="Uigh" typeface="Microsoft Uighur"/>
-        <a:font script="Geor" typeface="Sylfaen"/>
-      </a:majorFont>
-      <a:minorFont>
-        <a:latin typeface="Arial"/>
-        <a:ea typeface=""/>
-        <a:cs typeface=""/>
-        <a:font script="Jpan" typeface="ＭＳ Ｐゴシック"/>
-        <a:font script="Hang" typeface="맑은 고딕"/>
-        <a:font script="Hans" typeface="宋体"/>
-        <a:font script="Hant" typeface="新細明體"/>
-        <a:font script="Arab" typeface="Arial"/>
-        <a:font script="Hebr" typeface="Arial"/>
-        <a:font script="Thai" typeface="Cordia New"/>
-        <a:font script="Ethi" typeface="Nyala"/>
-        <a:font script="Beng" typeface="Vrinda"/>
-        <a:font script="Gujr" typeface="Shruti"/>
-        <a:font script="Khmr" typeface="DaunPenh"/>
-        <a:font script="Knda" typeface="Tunga"/>
-        <a:font script="Guru" typeface="Raavi"/>
-        <a:font script="Cans" typeface="Euphemia"/>
-        <a:font script="Cher" typeface="Plantagenet Cherokee"/>
-        <a:font script="Yiii" typeface="Microsoft Yi Baiti"/>
-        <a:font script="Tibt" typeface="Microsoft Himalaya"/>
-        <a:font script="Thaa" typeface="MV Boli"/>
-        <a:font script="Deva" typeface="Mangal"/>
-        <a:font script="Telu" typeface="Gautami"/>
-        <a:font script="Taml" typeface="Latha"/>
-        <a:font script="Syrc" typeface="Estrangelo Edessa"/>
-        <a:font script="Orya" typeface="Kalinga"/>
-        <a:font script="Mlym" typeface="Kartika"/>
-        <a:font script="Laoo" typeface="DokChampa"/>
-        <a:font script="Sinh" typeface="Iskoola Pota"/>
-        <a:font script="Mong" typeface="Mongolian Baiti"/>
-        <a:font script="Viet" typeface="Arial"/>
-        <a:font script="Uigh" typeface="Microsoft Uighur"/>
-        <a:font script="Geor" typeface="Sylfaen"/>
-      </a:minorFont>
-    </a:fontScheme>
-    <a:fmtScheme name="Office">
-      <a:fillStyleLst>
-        <a:solidFill>
-          <a:schemeClr val="phClr"/>
-        </a:solidFill>
-        <a:gradFill rotWithShape="1">
-          <a:gsLst>
-            <a:gs pos="0">
-              <a:schemeClr val="phClr">
-                <a:tint val="50000"/>
-                <a:satMod val="300000"/>
-              </a:schemeClr>
-            </a:gs>
-            <a:gs pos="35000">
-              <a:schemeClr val="phClr">
-                <a:tint val="37000"/>
-                <a:satMod val="300000"/>
-              </a:schemeClr>
-            </a:gs>
-            <a:gs pos="100000">
-              <a:schemeClr val="phClr">
-                <a:tint val="15000"/>
-                <a:satMod val="350000"/>
-              </a:schemeClr>
-            </a:gs>
-          </a:gsLst>
-          <a:lin ang="16200000" scaled="1"/>
-        </a:gradFill>
-        <a:gradFill rotWithShape="1">
-          <a:gsLst>
-            <a:gs pos="0">
-              <a:schemeClr val="phClr">
-                <a:tint val="100000"/>
-                <a:shade val="100000"/>
-                <a:satMod val="130000"/>
-              </a:schemeClr>
-            </a:gs>
-            <a:gs pos="100000">
-              <a:schemeClr val="phClr">
-                <a:tint val="50000"/>
-                <a:shade val="100000"/>
-                <a:satMod val="350000"/>
-              </a:schemeClr>
-            </a:gs>
-          </a:gsLst>
-          <a:lin ang="16200000" scaled="0"/>
-        </a:gradFill>
-      </a:fillStyleLst>
-      <a:lnStyleLst>
-        <a:ln w="9525" cap="flat" cmpd="sng" algn="ctr">
-          <a:solidFill>
-            <a:schemeClr val="phClr">
-              <a:shade val="95000"/>
-              <a:satMod val="105000"/>
-            </a:schemeClr>
-          </a:solidFill>
-          <a:prstDash val="solid"/>
-        </a:ln>
-        <a:ln w="25400" cap="flat" cmpd="sng" algn="ctr">
-          <a:solidFill>
-            <a:schemeClr val="phClr"/>
-          </a:solidFill>
-          <a:prstDash val="solid"/>
-        </a:ln>
-        <a:ln w="38100" cap="flat" cmpd="sng" algn="ctr">
-          <a:solidFill>
-            <a:schemeClr val="phClr"/>
-          </a:solidFill>
-          <a:prstDash val="solid"/>
-        </a:ln>
-      </a:lnStyleLst>
-      <a:effectStyleLst>
-        <a:effectStyle>
-          <a:effectLst>
-            <a:outerShdw blurRad="40000" dist="20000" dir="5400000" rotWithShape="0">
-              <a:srgbClr val="000000">
-                <a:alpha val="38000"/>
-              </a:srgbClr>
-            </a:outerShdw>
-          </a:effectLst>
-        </a:effectStyle>
-        <a:effectStyle>
-          <a:effectLst>
-            <a:outerShdw blurRad="40000" dist="23000" dir="5400000" rotWithShape="0">
-              <a:srgbClr val="000000">
-                <a:alpha val="35000"/>
-              </a:srgbClr>
-            </a:outerShdw>
-          </a:effectLst>
-        </a:effectStyle>
-        <a:effectStyle>
-          <a:effectLst>
-            <a:outerShdw blurRad="40000" dist="23000" dir="5400000" rotWithShape="0">
-              <a:srgbClr val="000000">
-                <a:alpha val="35000"/>
-              </a:srgbClr>
-            </a:outerShdw>
-          </a:effectLst>
-          <a:scene3d>
-            <a:camera prst="orthographicFront">
-              <a:rot lat="0" lon="0" rev="0"/>
-            </a:camera>
-            <a:lightRig rig="threePt" dir="t">
-              <a:rot lat="0" lon="0" rev="1200000"/>
-            </a:lightRig>
-          </a:scene3d>
-          <a:sp3d>
-            <a:bevelT w="63500" h="25400"/>
-          </a:sp3d>
-        </a:effectStyle>
-      </a:effectStyleLst>
-      <a:bgFillStyleLst>
-        <a:solidFill>
-          <a:schemeClr val="phClr"/>
-        </a:solidFill>
-        <a:gradFill rotWithShape="1">
-          <a:gsLst>
-            <a:gs pos="0">
-              <a:schemeClr val="phClr">
-                <a:tint val="40000"/>
-                <a:satMod val="350000"/>
-              </a:schemeClr>
-            </a:gs>
-            <a:gs pos="40000">
-              <a:schemeClr val="phClr">
-                <a:tint val="45000"/>
-                <a:shade val="99000"/>
-                <a:satMod val="350000"/>
-              </a:schemeClr>
-            </a:gs>
-            <a:gs pos="100000">
-              <a:schemeClr val="phClr">
-                <a:shade val="20000"/>
-                <a:satMod val="255000"/>
-              </a:schemeClr>
-            </a:gs>
-          </a:gsLst>
-          <a:path path="circle">
-            <a:fillToRect l="50000" t="-80000" r="50000" b="180000"/>
-          </a:path>
-        </a:gradFill>
-        <a:gradFill rotWithShape="1">
-          <a:gsLst>
-            <a:gs pos="0">
-              <a:schemeClr val="phClr">
-                <a:tint val="80000"/>
-                <a:satMod val="300000"/>
-              </a:schemeClr>
-            </a:gs>
-            <a:gs pos="100000">
-              <a:schemeClr val="phClr">
-                <a:shade val="30000"/>
-                <a:satMod val="200000"/>
-              </a:schemeClr>
-            </a:gs>
-          </a:gsLst>
-          <a:path path="circle">
-            <a:fillToRect l="50000" t="50000" r="50000" b="50000"/>
-          </a:path>
-        </a:gradFill>
-      </a:bgFillStyleLst>
-    </a:fmtScheme>
-  </a:themeElements>
+  <a:objectDefaults/>
+  <a:extraClrSchemeLst/>
 </a:theme>
 </file>